--- a/PPT/The Principle of Microcomputer/第五章 微机原理（微机和外设的数据传输) .pptx
+++ b/PPT/The Principle of Microcomputer/第五章 微机原理（微机和外设的数据传输) .pptx
@@ -5,10 +5,10 @@
     <p:sldMasterId id="2147483663" r:id="rId1"/>
   </p:sldMasterIdLst>
   <p:notesMasterIdLst>
-    <p:notesMasterId r:id="rId47"/>
+    <p:notesMasterId r:id="rId58"/>
   </p:notesMasterIdLst>
   <p:handoutMasterIdLst>
-    <p:handoutMasterId r:id="rId48"/>
+    <p:handoutMasterId r:id="rId59"/>
   </p:handoutMasterIdLst>
   <p:sldIdLst>
     <p:sldId id="785" r:id="rId2"/>
@@ -23,39 +23,50 @@
     <p:sldId id="860" r:id="rId11"/>
     <p:sldId id="861" r:id="rId12"/>
     <p:sldId id="862" r:id="rId13"/>
-    <p:sldId id="863" r:id="rId14"/>
-    <p:sldId id="864" r:id="rId15"/>
-    <p:sldId id="866" r:id="rId16"/>
-    <p:sldId id="865" r:id="rId17"/>
-    <p:sldId id="867" r:id="rId18"/>
-    <p:sldId id="868" r:id="rId19"/>
-    <p:sldId id="869" r:id="rId20"/>
-    <p:sldId id="870" r:id="rId21"/>
-    <p:sldId id="871" r:id="rId22"/>
-    <p:sldId id="872" r:id="rId23"/>
-    <p:sldId id="873" r:id="rId24"/>
-    <p:sldId id="887" r:id="rId25"/>
-    <p:sldId id="874" r:id="rId26"/>
-    <p:sldId id="875" r:id="rId27"/>
-    <p:sldId id="809" r:id="rId28"/>
-    <p:sldId id="876" r:id="rId29"/>
-    <p:sldId id="877" r:id="rId30"/>
-    <p:sldId id="812" r:id="rId31"/>
-    <p:sldId id="878" r:id="rId32"/>
-    <p:sldId id="879" r:id="rId33"/>
-    <p:sldId id="814" r:id="rId34"/>
-    <p:sldId id="880" r:id="rId35"/>
-    <p:sldId id="816" r:id="rId36"/>
-    <p:sldId id="881" r:id="rId37"/>
-    <p:sldId id="882" r:id="rId38"/>
-    <p:sldId id="819" r:id="rId39"/>
-    <p:sldId id="820" r:id="rId40"/>
-    <p:sldId id="821" r:id="rId41"/>
-    <p:sldId id="883" r:id="rId42"/>
-    <p:sldId id="884" r:id="rId43"/>
-    <p:sldId id="823" r:id="rId44"/>
-    <p:sldId id="885" r:id="rId45"/>
-    <p:sldId id="886" r:id="rId46"/>
+    <p:sldId id="888" r:id="rId14"/>
+    <p:sldId id="889" r:id="rId15"/>
+    <p:sldId id="890" r:id="rId16"/>
+    <p:sldId id="891" r:id="rId17"/>
+    <p:sldId id="892" r:id="rId18"/>
+    <p:sldId id="893" r:id="rId19"/>
+    <p:sldId id="894" r:id="rId20"/>
+    <p:sldId id="895" r:id="rId21"/>
+    <p:sldId id="896" r:id="rId22"/>
+    <p:sldId id="897" r:id="rId23"/>
+    <p:sldId id="898" r:id="rId24"/>
+    <p:sldId id="899" r:id="rId25"/>
+    <p:sldId id="864" r:id="rId26"/>
+    <p:sldId id="866" r:id="rId27"/>
+    <p:sldId id="865" r:id="rId28"/>
+    <p:sldId id="867" r:id="rId29"/>
+    <p:sldId id="868" r:id="rId30"/>
+    <p:sldId id="869" r:id="rId31"/>
+    <p:sldId id="870" r:id="rId32"/>
+    <p:sldId id="871" r:id="rId33"/>
+    <p:sldId id="872" r:id="rId34"/>
+    <p:sldId id="873" r:id="rId35"/>
+    <p:sldId id="887" r:id="rId36"/>
+    <p:sldId id="874" r:id="rId37"/>
+    <p:sldId id="875" r:id="rId38"/>
+    <p:sldId id="809" r:id="rId39"/>
+    <p:sldId id="876" r:id="rId40"/>
+    <p:sldId id="877" r:id="rId41"/>
+    <p:sldId id="812" r:id="rId42"/>
+    <p:sldId id="878" r:id="rId43"/>
+    <p:sldId id="879" r:id="rId44"/>
+    <p:sldId id="814" r:id="rId45"/>
+    <p:sldId id="880" r:id="rId46"/>
+    <p:sldId id="816" r:id="rId47"/>
+    <p:sldId id="881" r:id="rId48"/>
+    <p:sldId id="882" r:id="rId49"/>
+    <p:sldId id="819" r:id="rId50"/>
+    <p:sldId id="820" r:id="rId51"/>
+    <p:sldId id="821" r:id="rId52"/>
+    <p:sldId id="883" r:id="rId53"/>
+    <p:sldId id="884" r:id="rId54"/>
+    <p:sldId id="823" r:id="rId55"/>
+    <p:sldId id="885" r:id="rId56"/>
+    <p:sldId id="886" r:id="rId57"/>
   </p:sldIdLst>
   <p:sldSz cx="9144000" cy="6858000" type="screen4x3"/>
   <p:notesSz cx="6858000" cy="9144000"/>
@@ -297,7 +308,7 @@
               <a:pPr>
                 <a:defRPr/>
               </a:pPr>
-              <a:t>2019/4/7</a:t>
+              <a:t>2019/4/8</a:t>
             </a:fld>
             <a:endParaRPr lang="zh-CN" altLang="en-US"/>
           </a:p>
@@ -950,7 +961,7 @@
             </a:pPr>
             <a:fld id="{D5B607AC-DE92-4C39-896B-DBCF7E13E207}" type="slidenum">
               <a:rPr lang="zh-CN" altLang="en-US"/>
-              <a:t>43</a:t>
+              <a:t>54</a:t>
             </a:fld>
             <a:endParaRPr lang="en-US" altLang="zh-CN"/>
           </a:p>
@@ -1062,7 +1073,7 @@
             </a:pPr>
             <a:fld id="{D5B607AC-DE92-4C39-896B-DBCF7E13E207}" type="slidenum">
               <a:rPr lang="zh-CN" altLang="en-US"/>
-              <a:t>44</a:t>
+              <a:t>55</a:t>
             </a:fld>
             <a:endParaRPr lang="en-US" altLang="zh-CN"/>
           </a:p>
@@ -6280,7 +6291,7 @@
       </p:grpSpPr>
       <p:sp>
         <p:nvSpPr>
-          <p:cNvPr id="18434" name="Rectangle 2"/>
+          <p:cNvPr id="111618" name="Rectangle 2"/>
           <p:cNvSpPr>
             <a:spLocks noGrp="1" noChangeArrowheads="1"/>
           </p:cNvSpPr>
@@ -6293,29 +6304,35 @@
           <a:bodyPr/>
           <a:lstStyle/>
           <a:p>
-            <a:pPr eaLnBrk="1" hangingPunct="1">
-              <a:buFont typeface="Wingdings" panose="05000000000000000000" pitchFamily="2" charset="2"/>
-              <a:buNone/>
-            </a:pPr>
-            <a:r>
-              <a:rPr lang="en-US" altLang="zh-CN" dirty="0" smtClean="0"/>
-              <a:t>5.4  </a:t>
-            </a:r>
-            <a:r>
-              <a:rPr lang="zh-CN" altLang="en-US" dirty="0"/>
-              <a:t>接口与系统的连接</a:t>
+            <a:r>
+              <a:rPr lang="zh-CN" altLang="en-US" dirty="0">
+                <a:latin typeface="Times New Roman" panose="02020603050405020304" pitchFamily="18" charset="0"/>
+              </a:rPr>
+              <a:t>5.</a:t>
+            </a:r>
+            <a:r>
+              <a:rPr lang="en-US" altLang="zh-CN" dirty="0">
+                <a:latin typeface="Times New Roman" panose="02020603050405020304" pitchFamily="18" charset="0"/>
+              </a:rPr>
+              <a:t>4  </a:t>
+            </a:r>
+            <a:r>
+              <a:rPr lang="zh-CN" altLang="en-US" dirty="0">
+                <a:latin typeface="Times New Roman" panose="02020603050405020304" pitchFamily="18" charset="0"/>
+              </a:rPr>
+              <a:t>接口的功能以及在系统中的连接</a:t>
             </a:r>
           </a:p>
         </p:txBody>
       </p:sp>
       <p:sp>
         <p:nvSpPr>
-          <p:cNvPr id="2" name="灯片编号占位符 1"/>
+          <p:cNvPr id="111619" name="Rectangle 3"/>
           <p:cNvSpPr>
-            <a:spLocks noGrp="1"/>
+            <a:spLocks noGrp="1" noChangeArrowheads="1"/>
           </p:cNvSpPr>
           <p:nvPr>
-            <p:ph type="sldNum" sz="quarter" idx="12"/>
+            <p:ph type="body" idx="1"/>
           </p:nvPr>
         </p:nvSpPr>
         <p:spPr/>
@@ -6324,106 +6341,72 @@
           <a:lstStyle/>
           <a:p>
             <a:pPr>
-              <a:defRPr/>
-            </a:pPr>
-            <a:fld id="{BC120BD5-977A-42A5-BBAD-59A61BB20C95}" type="slidenum">
-              <a:rPr lang="en-US" altLang="zh-CN" smtClean="0"/>
-              <a:pPr>
-                <a:defRPr/>
-              </a:pPr>
-              <a:t>13</a:t>
-            </a:fld>
-            <a:endParaRPr lang="en-US" altLang="zh-CN" dirty="0"/>
+              <a:buSzTx/>
+              <a:buFont typeface="Wingdings" panose="05000000000000000000" pitchFamily="2" charset="2"/>
+              <a:buNone/>
+            </a:pPr>
+            <a:r>
+              <a:rPr lang="zh-CN" altLang="en-US" sz="2800">
+                <a:latin typeface="宋体" panose="02010600030101010101" pitchFamily="2" charset="-122"/>
+                <a:hlinkClick r:id="rId2" action="ppaction://hlinksldjump"/>
+              </a:rPr>
+              <a:t>接口的功能</a:t>
+            </a:r>
+            <a:r>
+              <a:rPr lang="zh-CN" altLang="en-US" sz="2800">
+                <a:hlinkClick r:id="rId2" action="ppaction://hlinksldjump"/>
+              </a:rPr>
+              <a:t> </a:t>
+            </a:r>
+            <a:endParaRPr lang="zh-CN" altLang="en-US" sz="2800"/>
+          </a:p>
+          <a:p>
+            <a:pPr>
+              <a:buSzTx/>
+              <a:buFont typeface="Wingdings" panose="05000000000000000000" pitchFamily="2" charset="2"/>
+              <a:buNone/>
+            </a:pPr>
+            <a:endParaRPr lang="zh-CN" altLang="en-US" sz="2800"/>
+          </a:p>
+          <a:p>
+            <a:pPr>
+              <a:buSzTx/>
+              <a:buFont typeface="Wingdings" panose="05000000000000000000" pitchFamily="2" charset="2"/>
+              <a:buNone/>
+            </a:pPr>
+            <a:r>
+              <a:rPr lang="zh-CN" altLang="en-US" sz="2800">
+                <a:latin typeface="宋体" panose="02010600030101010101" pitchFamily="2" charset="-122"/>
+                <a:hlinkClick r:id="rId3" action="ppaction://hlinksldjump"/>
+              </a:rPr>
+              <a:t>接口与系统的连接</a:t>
+            </a:r>
+            <a:r>
+              <a:rPr lang="zh-CN" altLang="en-US" sz="2800">
+                <a:hlinkClick r:id="rId3" action="ppaction://hlinksldjump"/>
+              </a:rPr>
+              <a:t> </a:t>
+            </a:r>
+            <a:endParaRPr lang="zh-CN" altLang="en-US" sz="2800"/>
           </a:p>
         </p:txBody>
       </p:sp>
-      <p:sp>
-        <p:nvSpPr>
-          <p:cNvPr id="3" name="内容占位符 2"/>
-          <p:cNvSpPr>
-            <a:spLocks noGrp="1"/>
-          </p:cNvSpPr>
-          <p:nvPr>
-            <p:ph idx="1"/>
-          </p:nvPr>
-        </p:nvSpPr>
-        <p:spPr/>
-        <p:txBody>
-          <a:bodyPr/>
-          <a:lstStyle/>
-          <a:p>
-            <a:endParaRPr lang="zh-CN" altLang="en-US" dirty="0"/>
-          </a:p>
-        </p:txBody>
-      </p:sp>
-      <p:pic>
-        <p:nvPicPr>
-          <p:cNvPr id="49" name="Picture 3" descr="wx110"/>
-          <p:cNvPicPr>
-            <a:picLocks noChangeAspect="1" noChangeArrowheads="1"/>
-          </p:cNvPicPr>
-          <p:nvPr/>
-        </p:nvPicPr>
-        <p:blipFill>
-          <a:blip r:embed="rId2"/>
-          <a:srcRect/>
-          <a:stretch>
-            <a:fillRect/>
-          </a:stretch>
-        </p:blipFill>
-        <p:spPr bwMode="auto">
-          <a:xfrm>
-            <a:off x="1643063" y="1357313"/>
-            <a:ext cx="5616575" cy="5184775"/>
-          </a:xfrm>
-          <a:prstGeom prst="rect">
-            <a:avLst/>
-          </a:prstGeom>
-          <a:noFill/>
-          <a:ln>
-            <a:noFill/>
-          </a:ln>
-          <a:extLst>
-            <a:ext uri="{909E8E84-426E-40DD-AFC4-6F175D3DCCD1}">
-              <a14:hiddenFill xmlns:a14="http://schemas.microsoft.com/office/drawing/2010/main">
-                <a:solidFill>
-                  <a:srgbClr val="FFFFFF"/>
-                </a:solidFill>
-              </a14:hiddenFill>
-            </a:ext>
-            <a:ext uri="{91240B29-F687-4F45-9708-019B960494DF}">
-              <a14:hiddenLine xmlns:a14="http://schemas.microsoft.com/office/drawing/2010/main" w="9525">
-                <a:solidFill>
-                  <a:srgbClr val="000000"/>
-                </a:solidFill>
-                <a:miter lim="800000"/>
-                <a:headEnd/>
-                <a:tailEnd/>
-              </a14:hiddenLine>
-            </a:ext>
-          </a:extLst>
-        </p:spPr>
-      </p:pic>
     </p:spTree>
     <p:extLst>
       <p:ext uri="{BB962C8B-B14F-4D97-AF65-F5344CB8AC3E}">
-        <p14:creationId xmlns:p14="http://schemas.microsoft.com/office/powerpoint/2010/main" val="4071279132"/>
+        <p14:creationId xmlns:p14="http://schemas.microsoft.com/office/powerpoint/2010/main" val="511959452"/>
       </p:ext>
     </p:extLst>
   </p:cSld>
   <p:clrMapOvr>
     <a:masterClrMapping/>
   </p:clrMapOvr>
-  <mc:AlternateContent xmlns:mc="http://schemas.openxmlformats.org/markup-compatibility/2006" xmlns:p14="http://schemas.microsoft.com/office/powerpoint/2010/main">
-    <mc:Choice Requires="p14">
-      <p:transition spd="med" p14:dur="700">
-        <p:fade/>
-      </p:transition>
+  <mc:AlternateContent xmlns:mc="http://schemas.openxmlformats.org/markup-compatibility/2006">
+    <mc:Choice xmlns:p14="http://schemas.microsoft.com/office/powerpoint/2010/main" Requires="p14">
+      <p:transition spd="slow" p14:dur="2000"/>
     </mc:Choice>
-    <mc:Fallback xmlns="">
-      <p:transition spd="med">
-        <p:fade/>
-      </p:transition>
+    <mc:Fallback>
+      <p:transition spd="slow"/>
     </mc:Fallback>
   </mc:AlternateContent>
   <p:timing>
@@ -6455,7 +6438,7 @@
       </p:grpSpPr>
       <p:sp>
         <p:nvSpPr>
-          <p:cNvPr id="18434" name="Rectangle 2"/>
+          <p:cNvPr id="112642" name="Rectangle 2"/>
           <p:cNvSpPr>
             <a:spLocks noGrp="1" noChangeArrowheads="1"/>
           </p:cNvSpPr>
@@ -6468,175 +6451,168 @@
           <a:bodyPr/>
           <a:lstStyle/>
           <a:p>
-            <a:pPr eaLnBrk="1" hangingPunct="1">
-              <a:buFont typeface="Wingdings" panose="05000000000000000000" pitchFamily="2" charset="2"/>
-              <a:buNone/>
-            </a:pPr>
-            <a:r>
-              <a:rPr lang="en-US" altLang="zh-CN" dirty="0" smtClean="0"/>
-              <a:t>5.4  </a:t>
-            </a:r>
-            <a:r>
-              <a:rPr lang="zh-CN" altLang="en-US" dirty="0"/>
-              <a:t>接口与系统的连接</a:t>
+            <a:r>
+              <a:rPr lang="en-US" altLang="zh-CN" dirty="0">
+                <a:latin typeface="Times New Roman" panose="02020603050405020304" pitchFamily="18" charset="0"/>
+              </a:rPr>
+              <a:t>5.4.1  </a:t>
+            </a:r>
+            <a:r>
+              <a:rPr lang="zh-CN" altLang="en-US" dirty="0">
+                <a:latin typeface="Times New Roman" panose="02020603050405020304" pitchFamily="18" charset="0"/>
+              </a:rPr>
+              <a:t>接口的功能 </a:t>
             </a:r>
           </a:p>
         </p:txBody>
       </p:sp>
       <p:sp>
         <p:nvSpPr>
-          <p:cNvPr id="2" name="灯片编号占位符 1"/>
+          <p:cNvPr id="112643" name="Rectangle 3"/>
           <p:cNvSpPr>
-            <a:spLocks noGrp="1"/>
+            <a:spLocks noGrp="1" noChangeArrowheads="1"/>
           </p:cNvSpPr>
           <p:nvPr>
-            <p:ph type="sldNum" sz="quarter" idx="12"/>
+            <p:ph type="body" idx="1"/>
           </p:nvPr>
         </p:nvSpPr>
-        <p:spPr/>
+        <p:spPr>
+          <a:xfrm>
+            <a:off x="457200" y="945357"/>
+            <a:ext cx="8229600" cy="5256212"/>
+          </a:xfrm>
+        </p:spPr>
         <p:txBody>
           <a:bodyPr/>
           <a:lstStyle/>
           <a:p>
             <a:pPr>
-              <a:defRPr/>
-            </a:pPr>
-            <a:fld id="{BC120BD5-977A-42A5-BBAD-59A61BB20C95}" type="slidenum">
-              <a:rPr lang="en-US" altLang="zh-CN" smtClean="0"/>
-              <a:pPr>
-                <a:defRPr/>
-              </a:pPr>
-              <a:t>14</a:t>
-            </a:fld>
-            <a:endParaRPr lang="en-US" altLang="zh-CN" dirty="0"/>
+              <a:buFont typeface="Wingdings" panose="05000000000000000000" pitchFamily="2" charset="2"/>
+              <a:buNone/>
+            </a:pPr>
+            <a:r>
+              <a:rPr lang="zh-CN" altLang="en-US" sz="2600" dirty="0">
+                <a:solidFill>
+                  <a:srgbClr val="0000FF"/>
+                </a:solidFill>
+                <a:latin typeface="宋体" panose="02010600030101010101" pitchFamily="2" charset="-122"/>
+              </a:rPr>
+              <a:t>基本功能：</a:t>
+            </a:r>
+          </a:p>
+          <a:p>
+            <a:pPr>
+              <a:buFont typeface="Wingdings" panose="05000000000000000000" pitchFamily="2" charset="2"/>
+              <a:buNone/>
+            </a:pPr>
+            <a:r>
+              <a:rPr lang="zh-CN" altLang="en-US" sz="2600" dirty="0">
+                <a:solidFill>
+                  <a:srgbClr val="0000FF"/>
+                </a:solidFill>
+                <a:latin typeface="宋体" panose="02010600030101010101" pitchFamily="2" charset="-122"/>
+              </a:rPr>
+              <a:t>  在系统总线和</a:t>
+            </a:r>
+            <a:r>
+              <a:rPr lang="en-US" altLang="zh-CN" sz="2600" dirty="0">
+                <a:solidFill>
+                  <a:srgbClr val="0000FF"/>
+                </a:solidFill>
+              </a:rPr>
+              <a:t>I/O</a:t>
+            </a:r>
+            <a:r>
+              <a:rPr lang="zh-CN" altLang="en-US" sz="2600" dirty="0">
+                <a:solidFill>
+                  <a:srgbClr val="0000FF"/>
+                </a:solidFill>
+                <a:latin typeface="宋体" panose="02010600030101010101" pitchFamily="2" charset="-122"/>
+              </a:rPr>
+              <a:t>设备之间传输信号</a:t>
+            </a:r>
+            <a:r>
+              <a:rPr lang="en-US" altLang="zh-CN" sz="2600" dirty="0">
+                <a:solidFill>
+                  <a:srgbClr val="0000FF"/>
+                </a:solidFill>
+                <a:latin typeface="宋体" panose="02010600030101010101" pitchFamily="2" charset="-122"/>
+              </a:rPr>
+              <a:t>,</a:t>
+            </a:r>
+            <a:r>
+              <a:rPr lang="zh-CN" altLang="en-US" sz="2600" dirty="0">
+                <a:solidFill>
+                  <a:srgbClr val="0000FF"/>
+                </a:solidFill>
+                <a:latin typeface="宋体" panose="02010600030101010101" pitchFamily="2" charset="-122"/>
+              </a:rPr>
+              <a:t>提供信号变换和缓冲作用。</a:t>
+            </a:r>
+            <a:r>
+              <a:rPr lang="zh-CN" altLang="en-US" dirty="0"/>
+              <a:t> </a:t>
+            </a:r>
           </a:p>
         </p:txBody>
       </p:sp>
-      <p:sp>
-        <p:nvSpPr>
-          <p:cNvPr id="3" name="内容占位符 2"/>
-          <p:cNvSpPr>
-            <a:spLocks noGrp="1"/>
-          </p:cNvSpPr>
-          <p:nvPr>
-            <p:ph idx="1"/>
-          </p:nvPr>
-        </p:nvSpPr>
-        <p:spPr/>
-        <p:txBody>
-          <a:bodyPr/>
-          <a:lstStyle/>
-          <a:p>
-            <a:r>
-              <a:rPr lang="zh-CN" altLang="en-US" dirty="0"/>
-              <a:t>用读信号、写信号和地址</a:t>
-            </a:r>
-            <a:r>
-              <a:rPr lang="en-US" altLang="zh-CN" dirty="0"/>
-              <a:t>A0</a:t>
-            </a:r>
-            <a:r>
-              <a:rPr lang="zh-CN" altLang="en-US" dirty="0"/>
-              <a:t>区分</a:t>
-            </a:r>
-            <a:r>
-              <a:rPr lang="en-US" altLang="zh-CN" dirty="0"/>
-              <a:t>4</a:t>
-            </a:r>
-            <a:r>
-              <a:rPr lang="zh-CN" altLang="en-US" dirty="0"/>
-              <a:t>个寄存器</a:t>
-            </a:r>
-          </a:p>
-          <a:p>
-            <a:endParaRPr lang="zh-CN" altLang="en-US" dirty="0"/>
-          </a:p>
-        </p:txBody>
-      </p:sp>
-      <p:graphicFrame>
-        <p:nvGraphicFramePr>
-          <p:cNvPr id="6" name="Object 5"/>
-          <p:cNvGraphicFramePr>
-            <a:graphicFrameLocks noChangeAspect="1"/>
-          </p:cNvGraphicFramePr>
-          <p:nvPr>
-            <p:extLst>
-              <p:ext uri="{D42A27DB-BD31-4B8C-83A1-F6EECF244321}">
-                <p14:modId xmlns:p14="http://schemas.microsoft.com/office/powerpoint/2010/main" val="3277636146"/>
-              </p:ext>
-            </p:extLst>
-          </p:nvPr>
-        </p:nvGraphicFramePr>
-        <p:xfrm>
-          <a:off x="590836" y="2420888"/>
-          <a:ext cx="7921856" cy="1944216"/>
-        </p:xfrm>
-        <a:graphic>
-          <a:graphicData uri="http://schemas.openxmlformats.org/presentationml/2006/ole">
-            <mc:AlternateContent xmlns:mc="http://schemas.openxmlformats.org/markup-compatibility/2006">
-              <mc:Choice xmlns:v="urn:schemas-microsoft-com:vml" Requires="v">
-                <p:oleObj spid="_x0000_s63498" r:id="rId3" imgW="7515225" imgH="4019550" progId="">
-                  <p:embed/>
-                </p:oleObj>
-              </mc:Choice>
-              <mc:Fallback>
-                <p:oleObj r:id="rId3" imgW="7515225" imgH="4019550" progId="">
-                  <p:embed/>
-                  <p:pic>
-                    <p:nvPicPr>
-                      <p:cNvPr id="2050" name="Object 5"/>
-                      <p:cNvPicPr>
-                        <a:picLocks noChangeAspect="1"/>
-                      </p:cNvPicPr>
-                      <p:nvPr/>
-                    </p:nvPicPr>
-                    <p:blipFill>
-                      <a:blip r:embed="rId4"/>
-                      <a:stretch>
-                        <a:fillRect/>
-                      </a:stretch>
-                    </p:blipFill>
-                    <p:spPr>
-                      <a:xfrm>
-                        <a:off x="590836" y="2420888"/>
-                        <a:ext cx="7921856" cy="1944216"/>
-                      </a:xfrm>
-                      <a:prstGeom prst="rect">
-                        <a:avLst/>
-                      </a:prstGeom>
-                      <a:noFill/>
-                      <a:ln w="9525">
-                        <a:noFill/>
-                        <a:miter/>
-                      </a:ln>
-                    </p:spPr>
-                  </p:pic>
-                </p:oleObj>
-              </mc:Fallback>
-            </mc:AlternateContent>
-          </a:graphicData>
-        </a:graphic>
-      </p:graphicFrame>
+      <p:pic>
+        <p:nvPicPr>
+          <p:cNvPr id="112644" name="Picture 4"/>
+          <p:cNvPicPr>
+            <a:picLocks noChangeAspect="1" noChangeArrowheads="1"/>
+          </p:cNvPicPr>
+          <p:nvPr/>
+        </p:nvPicPr>
+        <p:blipFill>
+          <a:blip r:embed="rId2">
+            <a:extLst>
+              <a:ext uri="{28A0092B-C50C-407E-A947-70E740481C1C}">
+                <a14:useLocalDpi xmlns:a14="http://schemas.microsoft.com/office/drawing/2010/main" val="0"/>
+              </a:ext>
+            </a:extLst>
+          </a:blip>
+          <a:srcRect/>
+          <a:stretch>
+            <a:fillRect/>
+          </a:stretch>
+        </p:blipFill>
+        <p:spPr bwMode="auto">
+          <a:xfrm>
+            <a:off x="900113" y="2205038"/>
+            <a:ext cx="6931025" cy="3865562"/>
+          </a:xfrm>
+          <a:prstGeom prst="rect">
+            <a:avLst/>
+          </a:prstGeom>
+          <a:noFill/>
+          <a:extLst>
+            <a:ext uri="{909E8E84-426E-40DD-AFC4-6F175D3DCCD1}">
+              <a14:hiddenFill xmlns:a14="http://schemas.microsoft.com/office/drawing/2010/main">
+                <a:solidFill>
+                  <a:srgbClr val="FFFFFF"/>
+                </a:solidFill>
+              </a14:hiddenFill>
+            </a:ext>
+          </a:extLst>
+        </p:spPr>
+      </p:pic>
     </p:spTree>
     <p:extLst>
       <p:ext uri="{BB962C8B-B14F-4D97-AF65-F5344CB8AC3E}">
-        <p14:creationId xmlns:p14="http://schemas.microsoft.com/office/powerpoint/2010/main" val="2022107802"/>
+        <p14:creationId xmlns:p14="http://schemas.microsoft.com/office/powerpoint/2010/main" val="472769529"/>
       </p:ext>
     </p:extLst>
   </p:cSld>
   <p:clrMapOvr>
     <a:masterClrMapping/>
   </p:clrMapOvr>
-  <mc:AlternateContent xmlns:mc="http://schemas.openxmlformats.org/markup-compatibility/2006" xmlns:p14="http://schemas.microsoft.com/office/powerpoint/2010/main">
-    <mc:Choice Requires="p14">
-      <p:transition spd="med" p14:dur="700">
-        <p:fade/>
-      </p:transition>
+  <mc:AlternateContent xmlns:mc="http://schemas.openxmlformats.org/markup-compatibility/2006">
+    <mc:Choice xmlns:p14="http://schemas.microsoft.com/office/powerpoint/2010/main" Requires="p14">
+      <p:transition spd="slow" p14:dur="2000"/>
     </mc:Choice>
-    <mc:Fallback xmlns="">
-      <p:transition spd="med">
-        <p:fade/>
-      </p:transition>
+    <mc:Fallback>
+      <p:transition spd="slow"/>
     </mc:Fallback>
   </mc:AlternateContent>
   <p:timing>
@@ -6648,19 +6624,19 @@
               <p:cTn id="2" dur="indefinite" nodeType="mainSeq">
                 <p:childTnLst>
                   <p:par>
-                    <p:cTn id="3" fill="hold">
+                    <p:cTn id="3" fill="hold" nodeType="clickPar">
                       <p:stCondLst>
                         <p:cond delay="indefinite"/>
                       </p:stCondLst>
                       <p:childTnLst>
                         <p:par>
-                          <p:cTn id="4" fill="hold">
+                          <p:cTn id="4" fill="hold" nodeType="withGroup">
                             <p:stCondLst>
                               <p:cond delay="0"/>
                             </p:stCondLst>
                             <p:childTnLst>
                               <p:par>
-                                <p:cTn id="5" presetID="1" presetClass="entr" presetSubtype="0" fill="hold" nodeType="clickEffect">
+                                <p:cTn id="5" presetID="22" presetClass="entr" presetSubtype="1" fill="hold" nodeType="clickEffect">
                                   <p:stCondLst>
                                     <p:cond delay="0"/>
                                   </p:stCondLst>
@@ -6673,7 +6649,7 @@
                                           </p:stCondLst>
                                         </p:cTn>
                                         <p:tgtEl>
-                                          <p:spTgt spid="6"/>
+                                          <p:spTgt spid="112644"/>
                                         </p:tgtEl>
                                         <p:attrNameLst>
                                           <p:attrName>style.visibility</p:attrName>
@@ -6683,6 +6659,136 @@
                                         <p:strVal val="visible"/>
                                       </p:to>
                                     </p:set>
+                                    <p:animEffect transition="in" filter="wipe(up)">
+                                      <p:cBhvr>
+                                        <p:cTn id="7" dur="500"/>
+                                        <p:tgtEl>
+                                          <p:spTgt spid="112644"/>
+                                        </p:tgtEl>
+                                      </p:cBhvr>
+                                    </p:animEffect>
+                                  </p:childTnLst>
+                                </p:cTn>
+                              </p:par>
+                            </p:childTnLst>
+                          </p:cTn>
+                        </p:par>
+                      </p:childTnLst>
+                    </p:cTn>
+                  </p:par>
+                  <p:par>
+                    <p:cTn id="8" fill="hold" nodeType="clickPar">
+                      <p:stCondLst>
+                        <p:cond delay="indefinite"/>
+                      </p:stCondLst>
+                      <p:childTnLst>
+                        <p:par>
+                          <p:cTn id="9" fill="hold" nodeType="withGroup">
+                            <p:stCondLst>
+                              <p:cond delay="0"/>
+                            </p:stCondLst>
+                            <p:childTnLst>
+                              <p:par>
+                                <p:cTn id="10" presetID="22" presetClass="entr" presetSubtype="8" fill="hold" grpId="0" nodeType="clickEffect">
+                                  <p:stCondLst>
+                                    <p:cond delay="0"/>
+                                  </p:stCondLst>
+                                  <p:childTnLst>
+                                    <p:set>
+                                      <p:cBhvr>
+                                        <p:cTn id="11" dur="1" fill="hold">
+                                          <p:stCondLst>
+                                            <p:cond delay="0"/>
+                                          </p:stCondLst>
+                                        </p:cTn>
+                                        <p:tgtEl>
+                                          <p:spTgt spid="112643">
+                                            <p:txEl>
+                                              <p:pRg st="0" end="0"/>
+                                            </p:txEl>
+                                          </p:spTgt>
+                                        </p:tgtEl>
+                                        <p:attrNameLst>
+                                          <p:attrName>style.visibility</p:attrName>
+                                        </p:attrNameLst>
+                                      </p:cBhvr>
+                                      <p:to>
+                                        <p:strVal val="visible"/>
+                                      </p:to>
+                                    </p:set>
+                                    <p:animEffect transition="in" filter="wipe(left)">
+                                      <p:cBhvr>
+                                        <p:cTn id="12" dur="500"/>
+                                        <p:tgtEl>
+                                          <p:spTgt spid="112643">
+                                            <p:txEl>
+                                              <p:pRg st="0" end="0"/>
+                                            </p:txEl>
+                                          </p:spTgt>
+                                        </p:tgtEl>
+                                      </p:cBhvr>
+                                    </p:animEffect>
+                                  </p:childTnLst>
+                                </p:cTn>
+                              </p:par>
+                            </p:childTnLst>
+                          </p:cTn>
+                        </p:par>
+                      </p:childTnLst>
+                    </p:cTn>
+                  </p:par>
+                  <p:par>
+                    <p:cTn id="13" fill="hold" nodeType="clickPar">
+                      <p:stCondLst>
+                        <p:cond delay="indefinite"/>
+                      </p:stCondLst>
+                      <p:childTnLst>
+                        <p:par>
+                          <p:cTn id="14" fill="hold" nodeType="withGroup">
+                            <p:stCondLst>
+                              <p:cond delay="0"/>
+                            </p:stCondLst>
+                            <p:childTnLst>
+                              <p:par>
+                                <p:cTn id="15" presetID="22" presetClass="entr" presetSubtype="8" fill="hold" grpId="0" nodeType="clickEffect">
+                                  <p:stCondLst>
+                                    <p:cond delay="0"/>
+                                  </p:stCondLst>
+                                  <p:childTnLst>
+                                    <p:set>
+                                      <p:cBhvr>
+                                        <p:cTn id="16" dur="1" fill="hold">
+                                          <p:stCondLst>
+                                            <p:cond delay="0"/>
+                                          </p:stCondLst>
+                                        </p:cTn>
+                                        <p:tgtEl>
+                                          <p:spTgt spid="112643">
+                                            <p:txEl>
+                                              <p:pRg st="1" end="1"/>
+                                            </p:txEl>
+                                          </p:spTgt>
+                                        </p:tgtEl>
+                                        <p:attrNameLst>
+                                          <p:attrName>style.visibility</p:attrName>
+                                        </p:attrNameLst>
+                                      </p:cBhvr>
+                                      <p:to>
+                                        <p:strVal val="visible"/>
+                                      </p:to>
+                                    </p:set>
+                                    <p:animEffect transition="in" filter="wipe(left)">
+                                      <p:cBhvr>
+                                        <p:cTn id="17" dur="500"/>
+                                        <p:tgtEl>
+                                          <p:spTgt spid="112643">
+                                            <p:txEl>
+                                              <p:pRg st="1" end="1"/>
+                                            </p:txEl>
+                                          </p:spTgt>
+                                        </p:tgtEl>
+                                      </p:cBhvr>
+                                    </p:animEffect>
                                   </p:childTnLst>
                                 </p:cTn>
                               </p:par>
@@ -6713,6 +6819,9 @@
         </p:cTn>
       </p:par>
     </p:tnLst>
+    <p:bldLst>
+      <p:bldP spid="112643" grpId="0" build="p"/>
+    </p:bldLst>
   </p:timing>
 </p:sld>
 </file>
@@ -6736,7 +6845,7 @@
       </p:grpSpPr>
       <p:sp>
         <p:nvSpPr>
-          <p:cNvPr id="18434" name="Rectangle 2"/>
+          <p:cNvPr id="113666" name="Rectangle 2"/>
           <p:cNvSpPr>
             <a:spLocks noGrp="1" noChangeArrowheads="1"/>
           </p:cNvSpPr>
@@ -6749,29 +6858,23 @@
           <a:bodyPr/>
           <a:lstStyle/>
           <a:p>
-            <a:pPr eaLnBrk="1" hangingPunct="1">
-              <a:buFont typeface="Wingdings" panose="05000000000000000000" pitchFamily="2" charset="2"/>
-              <a:buNone/>
-            </a:pPr>
-            <a:r>
-              <a:rPr lang="en-US" altLang="zh-CN" dirty="0" smtClean="0"/>
-              <a:t>5.4  </a:t>
-            </a:r>
-            <a:r>
-              <a:rPr lang="zh-CN" altLang="en-US" dirty="0"/>
-              <a:t>接口与系统的连接</a:t>
+            <a:r>
+              <a:rPr lang="zh-CN" altLang="en-US" dirty="0">
+                <a:latin typeface="Times New Roman" panose="02020603050405020304" pitchFamily="18" charset="0"/>
+              </a:rPr>
+              <a:t>1. 寻址功能 </a:t>
             </a:r>
           </a:p>
         </p:txBody>
       </p:sp>
       <p:sp>
         <p:nvSpPr>
-          <p:cNvPr id="2" name="灯片编号占位符 1"/>
+          <p:cNvPr id="113667" name="Rectangle 3"/>
           <p:cNvSpPr>
-            <a:spLocks noGrp="1"/>
+            <a:spLocks noGrp="1" noChangeArrowheads="1"/>
           </p:cNvSpPr>
           <p:nvPr>
-            <p:ph type="sldNum" sz="quarter" idx="12"/>
+            <p:ph type="body" idx="1"/>
           </p:nvPr>
         </p:nvSpPr>
         <p:spPr/>
@@ -6779,174 +6882,57 @@
           <a:bodyPr/>
           <a:lstStyle/>
           <a:p>
-            <a:pPr>
-              <a:defRPr/>
-            </a:pPr>
-            <a:fld id="{BC120BD5-977A-42A5-BBAD-59A61BB20C95}" type="slidenum">
-              <a:rPr lang="en-US" altLang="zh-CN" smtClean="0"/>
-              <a:pPr>
-                <a:defRPr/>
-              </a:pPr>
-              <a:t>15</a:t>
-            </a:fld>
-            <a:endParaRPr lang="en-US" altLang="zh-CN" dirty="0"/>
-          </a:p>
-        </p:txBody>
-      </p:sp>
-      <p:sp>
-        <p:nvSpPr>
-          <p:cNvPr id="3" name="内容占位符 2"/>
-          <p:cNvSpPr>
-            <a:spLocks noGrp="1"/>
-          </p:cNvSpPr>
-          <p:nvPr>
-            <p:ph idx="1"/>
-          </p:nvPr>
-        </p:nvSpPr>
-        <p:spPr/>
-        <p:txBody>
-          <a:bodyPr/>
-          <a:lstStyle/>
-          <a:p>
-            <a:r>
-              <a:rPr lang="zh-CN" altLang="en-US" dirty="0"/>
-              <a:t>用读信号、写信号和地址</a:t>
-            </a:r>
-            <a:r>
-              <a:rPr lang="en-US" altLang="zh-CN" dirty="0"/>
-              <a:t>A0</a:t>
-            </a:r>
-            <a:r>
-              <a:rPr lang="zh-CN" altLang="en-US" dirty="0"/>
-              <a:t>区分</a:t>
-            </a:r>
-            <a:r>
-              <a:rPr lang="en-US" altLang="zh-CN" dirty="0"/>
-              <a:t>4</a:t>
-            </a:r>
-            <a:r>
-              <a:rPr lang="zh-CN" altLang="en-US" dirty="0"/>
-              <a:t>个寄存器</a:t>
-            </a:r>
-          </a:p>
-          <a:p>
-            <a:pPr indent="0">
-              <a:spcAft>
-                <a:spcPct val="15000"/>
-              </a:spcAft>
-              <a:buNone/>
-            </a:pPr>
-            <a:r>
-              <a:rPr kumimoji="1" lang="zh-CN" altLang="en-US" b="1" dirty="0" smtClean="0">
-                <a:latin typeface="Times New Roman" pitchFamily="18" charset="0"/>
-              </a:rPr>
-              <a:t>（</a:t>
-            </a:r>
-            <a:r>
-              <a:rPr kumimoji="1" lang="en-US" altLang="zh-CN" b="1" dirty="0" smtClean="0">
-                <a:latin typeface="Times New Roman" pitchFamily="18" charset="0"/>
-              </a:rPr>
-              <a:t>1</a:t>
-            </a:r>
-            <a:r>
-              <a:rPr kumimoji="1" lang="zh-CN" altLang="en-US" b="1" dirty="0">
-                <a:latin typeface="Times New Roman" pitchFamily="18" charset="0"/>
-              </a:rPr>
-              <a:t>）</a:t>
-            </a:r>
-            <a:r>
-              <a:rPr kumimoji="1" lang="zh-CN" altLang="en-US" dirty="0">
-                <a:latin typeface="Times New Roman" pitchFamily="18" charset="0"/>
-              </a:rPr>
-              <a:t>数据输入端口和数据输出端口可使用相同的地址， 接口电路用读写控制信号来区分。</a:t>
-            </a:r>
-          </a:p>
-          <a:p>
-            <a:pPr indent="0">
-              <a:spcAft>
-                <a:spcPct val="15000"/>
-              </a:spcAft>
-              <a:buNone/>
-            </a:pPr>
-            <a:r>
-              <a:rPr kumimoji="1" lang="zh-CN" altLang="en-US" dirty="0">
-                <a:latin typeface="Times New Roman" pitchFamily="18" charset="0"/>
-              </a:rPr>
-              <a:t>	</a:t>
-            </a:r>
-            <a:r>
-              <a:rPr kumimoji="1" lang="en-US" altLang="zh-CN" dirty="0">
-                <a:latin typeface="Times New Roman" pitchFamily="18" charset="0"/>
-              </a:rPr>
-              <a:t>IN  AL</a:t>
-            </a:r>
-            <a:r>
-              <a:rPr kumimoji="1" lang="zh-CN" altLang="en-US" dirty="0">
-                <a:latin typeface="Times New Roman" pitchFamily="18" charset="0"/>
-              </a:rPr>
-              <a:t>，</a:t>
-            </a:r>
-            <a:r>
-              <a:rPr kumimoji="1" lang="en-US" altLang="zh-CN" dirty="0">
-                <a:latin typeface="Times New Roman" pitchFamily="18" charset="0"/>
-              </a:rPr>
-              <a:t>80H</a:t>
-            </a:r>
-          </a:p>
-          <a:p>
-            <a:pPr indent="0">
-              <a:spcAft>
-                <a:spcPct val="15000"/>
-              </a:spcAft>
-              <a:buNone/>
-            </a:pPr>
-            <a:r>
-              <a:rPr kumimoji="1" lang="en-US" altLang="zh-CN" dirty="0">
-                <a:latin typeface="Times New Roman" pitchFamily="18" charset="0"/>
-              </a:rPr>
-              <a:t>	OUT  80H</a:t>
-            </a:r>
-            <a:r>
-              <a:rPr kumimoji="1" lang="zh-CN" altLang="en-US" dirty="0">
-                <a:latin typeface="Times New Roman" pitchFamily="18" charset="0"/>
-              </a:rPr>
-              <a:t>，</a:t>
-            </a:r>
-            <a:r>
-              <a:rPr kumimoji="1" lang="en-US" altLang="zh-CN" dirty="0">
-                <a:latin typeface="Times New Roman" pitchFamily="18" charset="0"/>
-              </a:rPr>
-              <a:t>AL</a:t>
-            </a:r>
-          </a:p>
-          <a:p>
-            <a:pPr indent="0">
-              <a:buNone/>
-            </a:pPr>
-            <a:endParaRPr lang="zh-CN" altLang="en-US" dirty="0"/>
+            <a:r>
+              <a:rPr lang="zh-CN" altLang="en-US" sz="2600">
+                <a:latin typeface="宋体" panose="02010600030101010101" pitchFamily="2" charset="-122"/>
+              </a:rPr>
+              <a:t>识别区分存储器和</a:t>
+            </a:r>
+            <a:r>
+              <a:rPr lang="en-US" altLang="zh-CN" sz="2600"/>
+              <a:t>I/O</a:t>
+            </a:r>
+            <a:r>
+              <a:rPr lang="zh-CN" altLang="en-US" sz="2600">
+                <a:latin typeface="宋体" panose="02010600030101010101" pitchFamily="2" charset="-122"/>
+              </a:rPr>
+              <a:t>的信号 </a:t>
+            </a:r>
+          </a:p>
+          <a:p>
+            <a:r>
+              <a:rPr lang="zh-CN" altLang="en-US" sz="2600">
+                <a:latin typeface="宋体" panose="02010600030101010101" pitchFamily="2" charset="-122"/>
+              </a:rPr>
+              <a:t>识别片选信号 </a:t>
+            </a:r>
+          </a:p>
+          <a:p>
+            <a:r>
+              <a:rPr lang="zh-CN" altLang="en-US" sz="2600">
+                <a:latin typeface="宋体" panose="02010600030101010101" pitchFamily="2" charset="-122"/>
+              </a:rPr>
+              <a:t>选择接口中的寄存器 </a:t>
+            </a:r>
           </a:p>
         </p:txBody>
       </p:sp>
     </p:spTree>
     <p:extLst>
       <p:ext uri="{BB962C8B-B14F-4D97-AF65-F5344CB8AC3E}">
-        <p14:creationId xmlns:p14="http://schemas.microsoft.com/office/powerpoint/2010/main" val="2418472295"/>
+        <p14:creationId xmlns:p14="http://schemas.microsoft.com/office/powerpoint/2010/main" val="764097033"/>
       </p:ext>
     </p:extLst>
   </p:cSld>
   <p:clrMapOvr>
     <a:masterClrMapping/>
   </p:clrMapOvr>
-  <mc:AlternateContent xmlns:mc="http://schemas.openxmlformats.org/markup-compatibility/2006" xmlns:p14="http://schemas.microsoft.com/office/powerpoint/2010/main">
-    <mc:Choice Requires="p14">
-      <p:transition spd="med" p14:dur="700">
-        <p:fade/>
-      </p:transition>
+  <mc:AlternateContent xmlns:mc="http://schemas.openxmlformats.org/markup-compatibility/2006">
+    <mc:Choice xmlns:p14="http://schemas.microsoft.com/office/powerpoint/2010/main" Requires="p14">
+      <p:transition spd="slow" p14:dur="2000"/>
     </mc:Choice>
-    <mc:Fallback xmlns="">
-      <p:transition spd="med">
-        <p:fade/>
-      </p:transition>
+    <mc:Fallback>
+      <p:transition spd="slow"/>
     </mc:Fallback>
   </mc:AlternateContent>
   <p:timing>
@@ -6978,7 +6964,7 @@
       </p:grpSpPr>
       <p:sp>
         <p:nvSpPr>
-          <p:cNvPr id="18434" name="Rectangle 2"/>
+          <p:cNvPr id="114690" name="Rectangle 2"/>
           <p:cNvSpPr>
             <a:spLocks noGrp="1" noChangeArrowheads="1"/>
           </p:cNvSpPr>
@@ -6991,29 +6977,23 @@
           <a:bodyPr/>
           <a:lstStyle/>
           <a:p>
-            <a:pPr eaLnBrk="1" hangingPunct="1">
-              <a:buFont typeface="Wingdings" panose="05000000000000000000" pitchFamily="2" charset="2"/>
-              <a:buNone/>
-            </a:pPr>
-            <a:r>
-              <a:rPr lang="en-US" altLang="zh-CN" dirty="0" smtClean="0"/>
-              <a:t>5.4  </a:t>
-            </a:r>
-            <a:r>
-              <a:rPr lang="zh-CN" altLang="en-US" dirty="0"/>
-              <a:t>接口与系统的连接</a:t>
+            <a:r>
+              <a:rPr lang="zh-CN" altLang="en-US" dirty="0">
+                <a:latin typeface="Times New Roman" panose="02020603050405020304" pitchFamily="18" charset="0"/>
+              </a:rPr>
+              <a:t>2. 输入输出功能 </a:t>
             </a:r>
           </a:p>
         </p:txBody>
       </p:sp>
       <p:sp>
         <p:nvSpPr>
-          <p:cNvPr id="2" name="灯片编号占位符 1"/>
+          <p:cNvPr id="114691" name="Rectangle 3"/>
           <p:cNvSpPr>
-            <a:spLocks noGrp="1"/>
+            <a:spLocks noGrp="1" noChangeArrowheads="1"/>
           </p:cNvSpPr>
           <p:nvPr>
-            <p:ph type="sldNum" sz="quarter" idx="12"/>
+            <p:ph type="body" idx="1"/>
           </p:nvPr>
         </p:nvSpPr>
         <p:spPr/>
@@ -7021,156 +7001,39 @@
           <a:bodyPr/>
           <a:lstStyle/>
           <a:p>
-            <a:pPr>
-              <a:defRPr/>
-            </a:pPr>
-            <a:fld id="{BC120BD5-977A-42A5-BBAD-59A61BB20C95}" type="slidenum">
-              <a:rPr lang="en-US" altLang="zh-CN" smtClean="0"/>
-              <a:pPr>
-                <a:defRPr/>
-              </a:pPr>
-              <a:t>16</a:t>
-            </a:fld>
-            <a:endParaRPr lang="en-US" altLang="zh-CN" dirty="0"/>
-          </a:p>
-        </p:txBody>
-      </p:sp>
-      <p:sp>
-        <p:nvSpPr>
-          <p:cNvPr id="3" name="内容占位符 2"/>
-          <p:cNvSpPr>
-            <a:spLocks noGrp="1"/>
-          </p:cNvSpPr>
-          <p:nvPr>
-            <p:ph idx="1"/>
-          </p:nvPr>
-        </p:nvSpPr>
-        <p:spPr/>
-        <p:txBody>
-          <a:bodyPr/>
-          <a:lstStyle/>
-          <a:p>
-            <a:r>
-              <a:rPr lang="zh-CN" altLang="en-US" dirty="0"/>
-              <a:t>用读信号、写信号和地址</a:t>
-            </a:r>
-            <a:r>
-              <a:rPr lang="en-US" altLang="zh-CN" dirty="0"/>
-              <a:t>A0</a:t>
-            </a:r>
-            <a:r>
-              <a:rPr lang="zh-CN" altLang="en-US" dirty="0"/>
-              <a:t>区分</a:t>
-            </a:r>
-            <a:r>
-              <a:rPr lang="en-US" altLang="zh-CN" dirty="0"/>
-              <a:t>4</a:t>
-            </a:r>
-            <a:r>
-              <a:rPr lang="zh-CN" altLang="en-US" dirty="0"/>
-              <a:t>个寄存器</a:t>
-            </a:r>
-          </a:p>
-          <a:p>
-            <a:pPr indent="0">
-              <a:spcAft>
-                <a:spcPct val="15000"/>
-              </a:spcAft>
-              <a:buNone/>
-            </a:pPr>
-            <a:r>
-              <a:rPr kumimoji="1" lang="zh-CN" altLang="en-US" dirty="0" smtClean="0">
-                <a:latin typeface="Times New Roman" pitchFamily="18" charset="0"/>
-              </a:rPr>
-              <a:t>（</a:t>
-            </a:r>
-            <a:r>
-              <a:rPr kumimoji="1" lang="en-US" altLang="zh-CN" dirty="0">
-                <a:latin typeface="Times New Roman" pitchFamily="18" charset="0"/>
-              </a:rPr>
-              <a:t>2</a:t>
-            </a:r>
-            <a:r>
-              <a:rPr kumimoji="1" lang="zh-CN" altLang="en-US" dirty="0">
-                <a:latin typeface="Times New Roman" pitchFamily="18" charset="0"/>
-              </a:rPr>
-              <a:t>）状态端口和控制端口可使用相同的地址，  对状态端口只进行读操作，对控制端口仅进行写操作</a:t>
-            </a:r>
-          </a:p>
-          <a:p>
-            <a:pPr indent="0">
-              <a:spcAft>
-                <a:spcPct val="15000"/>
-              </a:spcAft>
-              <a:buNone/>
-            </a:pPr>
-            <a:r>
-              <a:rPr kumimoji="1" lang="zh-CN" altLang="en-US" dirty="0">
-                <a:latin typeface="Times New Roman" pitchFamily="18" charset="0"/>
-              </a:rPr>
-              <a:t>	 </a:t>
-            </a:r>
-            <a:r>
-              <a:rPr kumimoji="1" lang="en-US" altLang="zh-CN" dirty="0"/>
-              <a:t>IN    AL</a:t>
-            </a:r>
-            <a:r>
-              <a:rPr kumimoji="1" lang="zh-CN" altLang="en-US" dirty="0"/>
-              <a:t>， </a:t>
-            </a:r>
-            <a:r>
-              <a:rPr kumimoji="1" lang="en-US" altLang="zh-CN" dirty="0"/>
-              <a:t>81H</a:t>
-            </a:r>
-          </a:p>
-          <a:p>
-            <a:pPr indent="0">
-              <a:spcAft>
-                <a:spcPct val="15000"/>
-              </a:spcAft>
-              <a:buNone/>
-            </a:pPr>
-            <a:r>
-              <a:rPr kumimoji="1" lang="en-US" altLang="zh-CN" dirty="0"/>
-              <a:t>	OUT  81H</a:t>
-            </a:r>
-            <a:r>
-              <a:rPr kumimoji="1" lang="zh-CN" altLang="en-US" dirty="0"/>
-              <a:t>，</a:t>
-            </a:r>
-            <a:r>
-              <a:rPr kumimoji="1" lang="en-US" altLang="zh-CN" dirty="0"/>
-              <a:t>AL</a:t>
-            </a:r>
-          </a:p>
-          <a:p>
-            <a:pPr indent="0">
-              <a:buNone/>
-            </a:pPr>
-            <a:endParaRPr lang="zh-CN" altLang="en-US" dirty="0"/>
+            <a:r>
+              <a:rPr lang="zh-CN" altLang="en-US" sz="2600">
+                <a:latin typeface="宋体" panose="02010600030101010101" pitchFamily="2" charset="-122"/>
+              </a:rPr>
+              <a:t>根据读写信号判断传输方向 </a:t>
+            </a:r>
+          </a:p>
+          <a:p>
+            <a:r>
+              <a:rPr lang="zh-CN" altLang="en-US" sz="2600">
+                <a:latin typeface="宋体" panose="02010600030101010101" pitchFamily="2" charset="-122"/>
+              </a:rPr>
+              <a:t>传输数据、控制和状态信息</a:t>
+            </a:r>
           </a:p>
         </p:txBody>
       </p:sp>
     </p:spTree>
     <p:extLst>
       <p:ext uri="{BB962C8B-B14F-4D97-AF65-F5344CB8AC3E}">
-        <p14:creationId xmlns:p14="http://schemas.microsoft.com/office/powerpoint/2010/main" val="3104466377"/>
+        <p14:creationId xmlns:p14="http://schemas.microsoft.com/office/powerpoint/2010/main" val="3939627275"/>
       </p:ext>
     </p:extLst>
   </p:cSld>
   <p:clrMapOvr>
     <a:masterClrMapping/>
   </p:clrMapOvr>
-  <mc:AlternateContent xmlns:mc="http://schemas.openxmlformats.org/markup-compatibility/2006" xmlns:p14="http://schemas.microsoft.com/office/powerpoint/2010/main">
-    <mc:Choice Requires="p14">
-      <p:transition spd="med" p14:dur="700">
-        <p:fade/>
-      </p:transition>
+  <mc:AlternateContent xmlns:mc="http://schemas.openxmlformats.org/markup-compatibility/2006">
+    <mc:Choice xmlns:p14="http://schemas.microsoft.com/office/powerpoint/2010/main" Requires="p14">
+      <p:transition spd="slow" p14:dur="2000"/>
     </mc:Choice>
-    <mc:Fallback xmlns="">
-      <p:transition spd="med">
-        <p:fade/>
-      </p:transition>
+    <mc:Fallback>
+      <p:transition spd="slow"/>
     </mc:Fallback>
   </mc:AlternateContent>
   <p:timing>
@@ -7202,7 +7065,7 @@
       </p:grpSpPr>
       <p:sp>
         <p:nvSpPr>
-          <p:cNvPr id="18434" name="Rectangle 2"/>
+          <p:cNvPr id="115714" name="Rectangle 2"/>
           <p:cNvSpPr>
             <a:spLocks noGrp="1" noChangeArrowheads="1"/>
           </p:cNvSpPr>
@@ -7215,33 +7078,23 @@
           <a:bodyPr/>
           <a:lstStyle/>
           <a:p>
-            <a:pPr eaLnBrk="1" hangingPunct="1">
-              <a:buFont typeface="Wingdings" panose="05000000000000000000" pitchFamily="2" charset="2"/>
-              <a:buNone/>
-            </a:pPr>
-            <a:r>
-              <a:rPr lang="en-US" altLang="zh-CN" dirty="0" smtClean="0"/>
-              <a:t>5.5  </a:t>
-            </a:r>
-            <a:r>
-              <a:rPr lang="en-US" altLang="zh-CN" dirty="0"/>
-              <a:t>CPU</a:t>
-            </a:r>
-            <a:r>
-              <a:rPr lang="zh-CN" altLang="en-US" dirty="0"/>
-              <a:t>和外设之间的数据传送方式</a:t>
+            <a:r>
+              <a:rPr lang="zh-CN" altLang="en-US" dirty="0">
+                <a:latin typeface="Times New Roman" panose="02020603050405020304" pitchFamily="18" charset="0"/>
+              </a:rPr>
+              <a:t>3. 数据转换功能 </a:t>
             </a:r>
           </a:p>
         </p:txBody>
       </p:sp>
       <p:sp>
         <p:nvSpPr>
-          <p:cNvPr id="2" name="灯片编号占位符 1"/>
+          <p:cNvPr id="115715" name="Rectangle 3"/>
           <p:cNvSpPr>
-            <a:spLocks noGrp="1"/>
+            <a:spLocks noGrp="1" noChangeArrowheads="1"/>
           </p:cNvSpPr>
           <p:nvPr>
-            <p:ph type="sldNum" sz="quarter" idx="12"/>
+            <p:ph type="body" idx="1"/>
           </p:nvPr>
         </p:nvSpPr>
         <p:spPr/>
@@ -7249,210 +7102,62 @@
           <a:bodyPr/>
           <a:lstStyle/>
           <a:p>
-            <a:pPr>
-              <a:defRPr/>
-            </a:pPr>
-            <a:fld id="{BC120BD5-977A-42A5-BBAD-59A61BB20C95}" type="slidenum">
-              <a:rPr lang="en-US" altLang="zh-CN" smtClean="0"/>
-              <a:pPr>
-                <a:defRPr/>
-              </a:pPr>
-              <a:t>17</a:t>
-            </a:fld>
-            <a:endParaRPr lang="en-US" altLang="zh-CN" dirty="0"/>
-          </a:p>
-        </p:txBody>
-      </p:sp>
-      <p:sp>
-        <p:nvSpPr>
-          <p:cNvPr id="3" name="内容占位符 2"/>
-          <p:cNvSpPr>
-            <a:spLocks noGrp="1"/>
-          </p:cNvSpPr>
-          <p:nvPr>
-            <p:ph idx="1"/>
-          </p:nvPr>
-        </p:nvSpPr>
-        <p:spPr/>
-        <p:txBody>
-          <a:bodyPr/>
-          <a:lstStyle/>
-          <a:p>
-            <a:pPr marL="287337" indent="-457200">
-              <a:lnSpc>
-                <a:spcPct val="120000"/>
-              </a:lnSpc>
-            </a:pPr>
-            <a:r>
-              <a:rPr lang="zh-CN" altLang="en-US" b="1" dirty="0" smtClean="0"/>
-              <a:t>程序</a:t>
-            </a:r>
-            <a:r>
-              <a:rPr lang="zh-CN" altLang="en-US" b="1" dirty="0"/>
-              <a:t>方式</a:t>
-            </a:r>
-          </a:p>
-          <a:p>
-            <a:pPr marL="1025525" lvl="1" indent="-381000">
-              <a:lnSpc>
-                <a:spcPct val="120000"/>
-              </a:lnSpc>
-            </a:pPr>
-            <a:r>
-              <a:rPr lang="zh-CN" altLang="en-US" b="1" dirty="0"/>
-              <a:t>无条件传送方式</a:t>
-            </a:r>
-          </a:p>
-          <a:p>
-            <a:pPr marL="1025525" lvl="1" indent="-381000">
-              <a:lnSpc>
-                <a:spcPct val="120000"/>
-              </a:lnSpc>
-            </a:pPr>
-            <a:r>
-              <a:rPr lang="zh-CN" altLang="en-US" b="1" dirty="0"/>
-              <a:t> 条件传送方式</a:t>
-            </a:r>
-            <a:r>
-              <a:rPr lang="en-US" altLang="zh-CN" b="1" dirty="0">
-                <a:latin typeface="Arial" charset="0"/>
-              </a:rPr>
-              <a:t>—</a:t>
-            </a:r>
-            <a:r>
-              <a:rPr lang="zh-CN" altLang="en-US" b="1" dirty="0"/>
-              <a:t>查询方式</a:t>
-            </a:r>
-            <a:endParaRPr lang="zh-CN" altLang="en-US" u="sng" dirty="0"/>
-          </a:p>
-          <a:p>
-            <a:pPr marL="287337" indent="-457200">
-              <a:lnSpc>
-                <a:spcPct val="120000"/>
-              </a:lnSpc>
-            </a:pPr>
-            <a:r>
-              <a:rPr lang="zh-CN" altLang="en-US" b="1" dirty="0"/>
-              <a:t>中断方式</a:t>
-            </a:r>
-          </a:p>
-          <a:p>
-            <a:pPr marL="1025525" lvl="1" indent="-381000">
-              <a:lnSpc>
-                <a:spcPct val="120000"/>
-              </a:lnSpc>
-            </a:pPr>
-            <a:r>
-              <a:rPr lang="zh-CN" altLang="en-US" b="1" dirty="0"/>
-              <a:t>中断基本原理</a:t>
-            </a:r>
-            <a:endParaRPr lang="en-US" altLang="zh-CN" b="1" dirty="0"/>
-          </a:p>
-          <a:p>
-            <a:pPr marL="1025525" lvl="1" indent="-381000">
-              <a:lnSpc>
-                <a:spcPct val="120000"/>
-              </a:lnSpc>
-            </a:pPr>
-            <a:r>
-              <a:rPr lang="zh-CN" altLang="en-US" b="1" dirty="0"/>
-              <a:t>中断优先级的实现</a:t>
-            </a:r>
-          </a:p>
-          <a:p>
-            <a:pPr marL="287337" indent="-457200">
-              <a:lnSpc>
-                <a:spcPct val="120000"/>
-              </a:lnSpc>
-            </a:pPr>
-            <a:r>
-              <a:rPr lang="en-US" altLang="zh-CN" b="1" dirty="0" smtClean="0"/>
-              <a:t>DMA</a:t>
-            </a:r>
-            <a:r>
-              <a:rPr lang="en-US" altLang="zh-CN" b="1" dirty="0">
-                <a:solidFill>
-                  <a:srgbClr val="0066FF"/>
-                </a:solidFill>
-              </a:rPr>
-              <a:t> </a:t>
-            </a:r>
-            <a:r>
-              <a:rPr lang="en-US" altLang="zh-CN" b="1" dirty="0" smtClean="0">
-                <a:solidFill>
-                  <a:srgbClr val="0066FF"/>
-                </a:solidFill>
-              </a:rPr>
-              <a:t>(Direct </a:t>
-            </a:r>
-            <a:r>
-              <a:rPr lang="en-US" altLang="zh-CN" b="1" dirty="0">
-                <a:solidFill>
-                  <a:srgbClr val="0066FF"/>
-                </a:solidFill>
-              </a:rPr>
-              <a:t>Memory Access)</a:t>
-            </a:r>
-            <a:endParaRPr lang="en-US" altLang="zh-CN" b="1" dirty="0"/>
-          </a:p>
-          <a:p>
-            <a:pPr marL="1025525" lvl="1" indent="-381000">
-              <a:lnSpc>
-                <a:spcPct val="120000"/>
-              </a:lnSpc>
-            </a:pPr>
-            <a:r>
-              <a:rPr lang="en-US" altLang="zh-CN" b="1" dirty="0"/>
-              <a:t>DMA</a:t>
-            </a:r>
-            <a:r>
-              <a:rPr lang="zh-CN" altLang="en-US" b="1" dirty="0"/>
-              <a:t>的基本原理</a:t>
-            </a:r>
-          </a:p>
-          <a:p>
-            <a:pPr marL="1025525" lvl="1" indent="-381000">
-              <a:lnSpc>
-                <a:spcPct val="120000"/>
-              </a:lnSpc>
-            </a:pPr>
-            <a:r>
-              <a:rPr lang="en-US" altLang="zh-CN" b="1" dirty="0"/>
-              <a:t>DMA</a:t>
-            </a:r>
-            <a:r>
-              <a:rPr lang="zh-CN" altLang="en-US" b="1" dirty="0"/>
-              <a:t>工作过程</a:t>
-            </a:r>
-          </a:p>
-          <a:p>
-            <a:pPr indent="0">
-              <a:buNone/>
-            </a:pPr>
-            <a:endParaRPr lang="zh-CN" altLang="en-US" dirty="0"/>
+            <a:r>
+              <a:rPr lang="zh-CN" altLang="en-US" sz="2600">
+                <a:latin typeface="宋体" panose="02010600030101010101" pitchFamily="2" charset="-122"/>
+              </a:rPr>
+              <a:t>把</a:t>
+            </a:r>
+            <a:r>
+              <a:rPr lang="en-US" altLang="zh-CN" sz="2600"/>
+              <a:t>CPU</a:t>
+            </a:r>
+            <a:r>
+              <a:rPr lang="zh-CN" altLang="en-US" sz="2600">
+                <a:latin typeface="宋体" panose="02010600030101010101" pitchFamily="2" charset="-122"/>
+              </a:rPr>
+              <a:t>的并行数据转换成一些外设所需的串行数据；</a:t>
+            </a:r>
+          </a:p>
+          <a:p>
+            <a:r>
+              <a:rPr lang="zh-CN" altLang="en-US" sz="2600">
+                <a:latin typeface="宋体" panose="02010600030101010101" pitchFamily="2" charset="-122"/>
+              </a:rPr>
+              <a:t>把外设的串行信息转换成并行数据送往</a:t>
+            </a:r>
+            <a:r>
+              <a:rPr lang="en-US" altLang="zh-CN" sz="2600"/>
+              <a:t>CPU</a:t>
+            </a:r>
+            <a:r>
+              <a:rPr lang="en-US" altLang="zh-CN" sz="2600">
+                <a:latin typeface="宋体" panose="02010600030101010101" pitchFamily="2" charset="-122"/>
+              </a:rPr>
+              <a:t>。 </a:t>
+            </a:r>
+            <a:endParaRPr lang="zh-CN" altLang="en-US" sz="2600">
+              <a:latin typeface="宋体" panose="02010600030101010101" pitchFamily="2" charset="-122"/>
+            </a:endParaRPr>
           </a:p>
         </p:txBody>
       </p:sp>
     </p:spTree>
     <p:extLst>
       <p:ext uri="{BB962C8B-B14F-4D97-AF65-F5344CB8AC3E}">
-        <p14:creationId xmlns:p14="http://schemas.microsoft.com/office/powerpoint/2010/main" val="1816699680"/>
+        <p14:creationId xmlns:p14="http://schemas.microsoft.com/office/powerpoint/2010/main" val="114418692"/>
       </p:ext>
     </p:extLst>
   </p:cSld>
   <p:clrMapOvr>
     <a:masterClrMapping/>
   </p:clrMapOvr>
-  <mc:AlternateContent xmlns:mc="http://schemas.openxmlformats.org/markup-compatibility/2006" xmlns:p14="http://schemas.microsoft.com/office/powerpoint/2010/main">
-    <mc:Choice Requires="p14">
-      <p:transition spd="med" p14:dur="700">
-        <p:fade/>
-      </p:transition>
+  <mc:AlternateContent xmlns:mc="http://schemas.openxmlformats.org/markup-compatibility/2006">
+    <mc:Choice xmlns:p14="http://schemas.microsoft.com/office/powerpoint/2010/main" Requires="p14">
+      <p:transition spd="slow" p14:dur="2000"/>
     </mc:Choice>
-    <mc:Fallback xmlns="">
-      <p:transition spd="med">
-        <p:fade/>
-      </p:transition>
+    <mc:Fallback>
+      <p:transition spd="slow"/>
     </mc:Fallback>
   </mc:AlternateContent>
   <p:timing>
@@ -7484,7 +7189,7 @@
       </p:grpSpPr>
       <p:sp>
         <p:nvSpPr>
-          <p:cNvPr id="18434" name="Rectangle 2"/>
+          <p:cNvPr id="116738" name="Rectangle 2"/>
           <p:cNvSpPr>
             <a:spLocks noGrp="1" noChangeArrowheads="1"/>
           </p:cNvSpPr>
@@ -7497,33 +7202,23 @@
           <a:bodyPr/>
           <a:lstStyle/>
           <a:p>
-            <a:pPr eaLnBrk="1" hangingPunct="1">
-              <a:buFont typeface="Wingdings" panose="05000000000000000000" pitchFamily="2" charset="2"/>
-              <a:buNone/>
-            </a:pPr>
-            <a:r>
-              <a:rPr lang="en-US" altLang="zh-CN" dirty="0" smtClean="0"/>
-              <a:t>5.5  </a:t>
-            </a:r>
-            <a:r>
-              <a:rPr lang="en-US" altLang="zh-CN" dirty="0"/>
-              <a:t>CPU</a:t>
-            </a:r>
-            <a:r>
-              <a:rPr lang="zh-CN" altLang="en-US" dirty="0"/>
-              <a:t>和外设之间的数据传送方式</a:t>
+            <a:r>
+              <a:rPr lang="zh-CN" altLang="en-US" sz="3200" dirty="0">
+                <a:latin typeface="Times New Roman" panose="02020603050405020304" pitchFamily="18" charset="0"/>
+              </a:rPr>
+              <a:t>4. 联络功能 </a:t>
             </a:r>
           </a:p>
         </p:txBody>
       </p:sp>
       <p:sp>
         <p:nvSpPr>
-          <p:cNvPr id="2" name="灯片编号占位符 1"/>
+          <p:cNvPr id="116739" name="Rectangle 3"/>
           <p:cNvSpPr>
-            <a:spLocks noGrp="1"/>
+            <a:spLocks noGrp="1" noChangeArrowheads="1"/>
           </p:cNvSpPr>
           <p:nvPr>
-            <p:ph type="sldNum" sz="quarter" idx="12"/>
+            <p:ph type="body" idx="1"/>
           </p:nvPr>
         </p:nvSpPr>
         <p:spPr/>
@@ -7531,142 +7226,45 @@
           <a:bodyPr/>
           <a:lstStyle/>
           <a:p>
-            <a:pPr>
-              <a:defRPr/>
-            </a:pPr>
-            <a:fld id="{BC120BD5-977A-42A5-BBAD-59A61BB20C95}" type="slidenum">
-              <a:rPr lang="en-US" altLang="zh-CN" smtClean="0"/>
-              <a:pPr>
-                <a:defRPr/>
-              </a:pPr>
-              <a:t>18</a:t>
-            </a:fld>
-            <a:endParaRPr lang="en-US" altLang="zh-CN" dirty="0"/>
-          </a:p>
-        </p:txBody>
-      </p:sp>
-      <p:sp>
-        <p:nvSpPr>
-          <p:cNvPr id="3" name="内容占位符 2"/>
-          <p:cNvSpPr>
-            <a:spLocks noGrp="1"/>
-          </p:cNvSpPr>
-          <p:nvPr>
-            <p:ph idx="1"/>
-          </p:nvPr>
-        </p:nvSpPr>
-        <p:spPr/>
-        <p:txBody>
-          <a:bodyPr/>
-          <a:lstStyle/>
-          <a:p>
-            <a:pPr marL="287337" indent="-457200">
-              <a:lnSpc>
-                <a:spcPct val="120000"/>
-              </a:lnSpc>
-            </a:pPr>
-            <a:r>
-              <a:rPr lang="en-US" altLang="zh-CN" b="1" dirty="0" smtClean="0"/>
-              <a:t>5.5.1 </a:t>
-            </a:r>
-            <a:r>
-              <a:rPr lang="zh-CN" altLang="en-US" b="1" dirty="0" smtClean="0"/>
-              <a:t>程序</a:t>
-            </a:r>
-            <a:r>
-              <a:rPr lang="zh-CN" altLang="en-US" b="1" dirty="0"/>
-              <a:t>方式</a:t>
-            </a:r>
-          </a:p>
-          <a:p>
-            <a:pPr indent="0">
-              <a:buNone/>
-            </a:pPr>
-            <a:r>
-              <a:rPr lang="en-US" altLang="zh-CN" dirty="0"/>
+            <a:r>
+              <a:rPr lang="zh-CN" altLang="en-US" sz="2600">
+                <a:latin typeface="宋体" panose="02010600030101010101" pitchFamily="2" charset="-122"/>
+              </a:rPr>
+              <a:t>当数据传送完后，能发联络信号通知</a:t>
+            </a:r>
+            <a:r>
+              <a:rPr lang="en-US" altLang="zh-CN" sz="2600"/>
               <a:t>CPU</a:t>
             </a:r>
             <a:r>
-              <a:rPr lang="zh-CN" altLang="en-US" dirty="0"/>
-              <a:t>与外设间的数据交换在程序（指令</a:t>
-            </a:r>
-            <a:r>
-              <a:rPr lang="en-US" altLang="zh-CN" dirty="0"/>
-              <a:t>) </a:t>
-            </a:r>
-            <a:r>
-              <a:rPr lang="zh-CN" altLang="en-US" dirty="0" smtClean="0"/>
-              <a:t>控制</a:t>
-            </a:r>
-            <a:r>
-              <a:rPr lang="zh-CN" altLang="en-US" dirty="0"/>
-              <a:t>下进行。</a:t>
-            </a:r>
-          </a:p>
-          <a:p>
-            <a:pPr marL="969963" lvl="1" indent="-342900"/>
-            <a:r>
-              <a:rPr lang="zh-CN" altLang="en-US" dirty="0"/>
-              <a:t>无条件程序传送 </a:t>
-            </a:r>
-          </a:p>
-          <a:p>
-            <a:pPr marL="969963" lvl="1" indent="-342900"/>
-            <a:r>
-              <a:rPr lang="zh-CN" altLang="en-US" dirty="0"/>
-              <a:t>条件</a:t>
-            </a:r>
-            <a:r>
-              <a:rPr lang="zh-CN" altLang="en-US" dirty="0" smtClean="0"/>
-              <a:t>传送 </a:t>
-            </a:r>
-            <a:r>
-              <a:rPr lang="en-US" altLang="zh-CN" dirty="0" smtClean="0"/>
-              <a:t>- </a:t>
-            </a:r>
-            <a:r>
-              <a:rPr lang="zh-CN" altLang="en-US" dirty="0" smtClean="0"/>
-              <a:t>即</a:t>
-            </a:r>
-            <a:r>
-              <a:rPr lang="zh-CN" altLang="en-US" b="1" dirty="0"/>
-              <a:t>程</a:t>
-            </a:r>
-            <a:r>
-              <a:rPr kumimoji="1" lang="zh-CN" altLang="en-US" b="1" dirty="0">
-                <a:latin typeface="Times New Roman" pitchFamily="18" charset="0"/>
-              </a:rPr>
-              <a:t>序查询</a:t>
-            </a:r>
-          </a:p>
-          <a:p>
-            <a:pPr indent="0">
-              <a:buNone/>
-            </a:pPr>
-            <a:endParaRPr lang="zh-CN" altLang="en-US" dirty="0"/>
+              <a:rPr lang="zh-CN" altLang="en-US" sz="2600">
+                <a:latin typeface="宋体" panose="02010600030101010101" pitchFamily="2" charset="-122"/>
+              </a:rPr>
+              <a:t>。</a:t>
+            </a:r>
+            <a:r>
+              <a:rPr lang="zh-CN" altLang="en-US"/>
+              <a:t> </a:t>
+            </a:r>
           </a:p>
         </p:txBody>
       </p:sp>
     </p:spTree>
     <p:extLst>
       <p:ext uri="{BB962C8B-B14F-4D97-AF65-F5344CB8AC3E}">
-        <p14:creationId xmlns:p14="http://schemas.microsoft.com/office/powerpoint/2010/main" val="390346265"/>
+        <p14:creationId xmlns:p14="http://schemas.microsoft.com/office/powerpoint/2010/main" val="2237566950"/>
       </p:ext>
     </p:extLst>
   </p:cSld>
   <p:clrMapOvr>
     <a:masterClrMapping/>
   </p:clrMapOvr>
-  <mc:AlternateContent xmlns:mc="http://schemas.openxmlformats.org/markup-compatibility/2006" xmlns:p14="http://schemas.microsoft.com/office/powerpoint/2010/main">
-    <mc:Choice Requires="p14">
-      <p:transition spd="med" p14:dur="700">
-        <p:fade/>
-      </p:transition>
+  <mc:AlternateContent xmlns:mc="http://schemas.openxmlformats.org/markup-compatibility/2006">
+    <mc:Choice xmlns:p14="http://schemas.microsoft.com/office/powerpoint/2010/main" Requires="p14">
+      <p:transition spd="slow" p14:dur="2000"/>
     </mc:Choice>
-    <mc:Fallback xmlns="">
-      <p:transition spd="med">
-        <p:fade/>
-      </p:transition>
+    <mc:Fallback>
+      <p:transition spd="slow"/>
     </mc:Fallback>
   </mc:AlternateContent>
   <p:timing>
@@ -7698,7 +7296,7 @@
       </p:grpSpPr>
       <p:sp>
         <p:nvSpPr>
-          <p:cNvPr id="18434" name="Rectangle 2"/>
+          <p:cNvPr id="117762" name="Rectangle 2"/>
           <p:cNvSpPr>
             <a:spLocks noGrp="1" noChangeArrowheads="1"/>
           </p:cNvSpPr>
@@ -7711,203 +7309,80 @@
           <a:bodyPr/>
           <a:lstStyle/>
           <a:p>
-            <a:pPr eaLnBrk="1" hangingPunct="1">
-              <a:buFont typeface="Wingdings" panose="05000000000000000000" pitchFamily="2" charset="2"/>
-              <a:buNone/>
-            </a:pPr>
-            <a:r>
-              <a:rPr lang="en-US" altLang="zh-CN" dirty="0" smtClean="0"/>
-              <a:t>5.5  </a:t>
-            </a:r>
-            <a:r>
-              <a:rPr lang="en-US" altLang="zh-CN" dirty="0"/>
-              <a:t>CPU</a:t>
-            </a:r>
-            <a:r>
-              <a:rPr lang="zh-CN" altLang="en-US" dirty="0"/>
-              <a:t>和外设之间的数据传送方式</a:t>
+            <a:r>
+              <a:rPr lang="zh-CN" altLang="en-US" dirty="0">
+                <a:latin typeface="Times New Roman" panose="02020603050405020304" pitchFamily="18" charset="0"/>
+              </a:rPr>
+              <a:t>5. 中断管理功能 </a:t>
             </a:r>
           </a:p>
         </p:txBody>
       </p:sp>
       <p:sp>
         <p:nvSpPr>
-          <p:cNvPr id="2" name="灯片编号占位符 1"/>
+          <p:cNvPr id="117763" name="Rectangle 3"/>
           <p:cNvSpPr>
-            <a:spLocks noGrp="1"/>
+            <a:spLocks noGrp="1" noChangeArrowheads="1"/>
           </p:cNvSpPr>
           <p:nvPr>
-            <p:ph type="sldNum" sz="quarter" idx="12"/>
+            <p:ph type="body" idx="1"/>
           </p:nvPr>
         </p:nvSpPr>
-        <p:spPr/>
+        <p:spPr>
+          <a:xfrm>
+            <a:off x="457200" y="1196975"/>
+            <a:ext cx="6792913" cy="4933950"/>
+          </a:xfrm>
+        </p:spPr>
         <p:txBody>
           <a:bodyPr/>
           <a:lstStyle/>
           <a:p>
-            <a:pPr>
-              <a:defRPr/>
-            </a:pPr>
-            <a:fld id="{BC120BD5-977A-42A5-BBAD-59A61BB20C95}" type="slidenum">
-              <a:rPr lang="en-US" altLang="zh-CN" smtClean="0"/>
-              <a:pPr>
-                <a:defRPr/>
-              </a:pPr>
-              <a:t>19</a:t>
-            </a:fld>
-            <a:endParaRPr lang="en-US" altLang="zh-CN" dirty="0"/>
-          </a:p>
-        </p:txBody>
-      </p:sp>
-      <p:sp>
-        <p:nvSpPr>
-          <p:cNvPr id="3" name="内容占位符 2"/>
-          <p:cNvSpPr>
-            <a:spLocks noGrp="1"/>
-          </p:cNvSpPr>
-          <p:nvPr>
-            <p:ph idx="1"/>
-          </p:nvPr>
-        </p:nvSpPr>
-        <p:spPr/>
-        <p:txBody>
-          <a:bodyPr/>
-          <a:lstStyle/>
-          <a:p>
-            <a:pPr marL="287337" indent="-457200">
-              <a:lnSpc>
-                <a:spcPct val="120000"/>
-              </a:lnSpc>
-            </a:pPr>
-            <a:r>
-              <a:rPr lang="en-US" altLang="zh-CN" b="1" dirty="0" smtClean="0"/>
-              <a:t>5.5.1 </a:t>
-            </a:r>
-            <a:r>
-              <a:rPr lang="zh-CN" altLang="en-US" b="1" dirty="0" smtClean="0"/>
-              <a:t>程序方式</a:t>
-            </a:r>
-            <a:r>
-              <a:rPr lang="en-US" altLang="zh-CN" b="1" dirty="0" smtClean="0"/>
-              <a:t>——</a:t>
-            </a:r>
-            <a:r>
-              <a:rPr lang="zh-CN" altLang="en-US" dirty="0"/>
-              <a:t>无条件程序传送</a:t>
-            </a:r>
-            <a:endParaRPr lang="zh-CN" altLang="en-US" b="1" dirty="0"/>
-          </a:p>
-          <a:p>
-            <a:pPr indent="0">
-              <a:buNone/>
-            </a:pPr>
-            <a:r>
-              <a:rPr kumimoji="1" lang="en-US" altLang="zh-CN" b="1" dirty="0" smtClean="0">
-                <a:solidFill>
-                  <a:srgbClr val="0066FF"/>
-                </a:solidFill>
-                <a:latin typeface="Times New Roman" pitchFamily="18" charset="0"/>
-              </a:rPr>
-              <a:t>       CPU</a:t>
-            </a:r>
-            <a:r>
-              <a:rPr kumimoji="1" lang="zh-CN" altLang="en-US" b="1" dirty="0">
-                <a:solidFill>
-                  <a:srgbClr val="0066FF"/>
-                </a:solidFill>
-                <a:latin typeface="Times New Roman" pitchFamily="18" charset="0"/>
-              </a:rPr>
-              <a:t>确认外设总是准备就绪，直接与外设传送数据</a:t>
-            </a:r>
-          </a:p>
-          <a:p>
-            <a:r>
-              <a:rPr lang="zh-CN" altLang="en-US" dirty="0"/>
-              <a:t>适用于总是处于准备好状态的</a:t>
-            </a:r>
-            <a:r>
-              <a:rPr lang="zh-CN" altLang="en-US" dirty="0" smtClean="0"/>
-              <a:t>外设；</a:t>
-            </a:r>
-            <a:endParaRPr lang="zh-CN" altLang="en-US" dirty="0"/>
-          </a:p>
-          <a:p>
-            <a:r>
-              <a:rPr lang="zh-CN" altLang="en-US" dirty="0"/>
-              <a:t>简单外设可采用无条件传送方式：</a:t>
-            </a:r>
-          </a:p>
-          <a:p>
-            <a:pPr lvl="1"/>
-            <a:r>
-              <a:rPr lang="zh-CN" altLang="en-US" dirty="0"/>
-              <a:t>开关</a:t>
-            </a:r>
-          </a:p>
-          <a:p>
-            <a:pPr lvl="1"/>
-            <a:r>
-              <a:rPr lang="zh-CN" altLang="en-US" dirty="0"/>
-              <a:t>发光器件</a:t>
-            </a:r>
-            <a:r>
-              <a:rPr lang="en-US" altLang="zh-CN" dirty="0"/>
-              <a:t>(</a:t>
-            </a:r>
-            <a:r>
-              <a:rPr lang="zh-CN" altLang="en-US" dirty="0"/>
-              <a:t>如发光二极管、</a:t>
-            </a:r>
-            <a:r>
-              <a:rPr lang="en-US" altLang="zh-CN" dirty="0"/>
-              <a:t>7</a:t>
-            </a:r>
-            <a:r>
-              <a:rPr lang="zh-CN" altLang="en-US" dirty="0"/>
-              <a:t>段数码管、灯泡等</a:t>
-            </a:r>
-            <a:r>
-              <a:rPr lang="en-US" altLang="zh-CN" dirty="0"/>
-              <a:t>)</a:t>
-            </a:r>
-          </a:p>
-          <a:p>
-            <a:pPr lvl="1"/>
-            <a:r>
-              <a:rPr lang="zh-CN" altLang="en-US" dirty="0"/>
-              <a:t>继电器</a:t>
-            </a:r>
-          </a:p>
-          <a:p>
-            <a:pPr lvl="1"/>
-            <a:r>
-              <a:rPr lang="zh-CN" altLang="en-US" dirty="0" smtClean="0"/>
-              <a:t>步进电机</a:t>
-            </a:r>
-            <a:endParaRPr lang="zh-CN" altLang="en-US" dirty="0"/>
+            <a:r>
+              <a:rPr lang="zh-CN" altLang="en-US" sz="2600">
+                <a:latin typeface="宋体" panose="02010600030101010101" pitchFamily="2" charset="-122"/>
+              </a:rPr>
+              <a:t>发送中断请求和接收中断响应 </a:t>
+            </a:r>
+          </a:p>
+          <a:p>
+            <a:r>
+              <a:rPr lang="zh-CN" altLang="en-US" sz="2600">
+                <a:latin typeface="宋体" panose="02010600030101010101" pitchFamily="2" charset="-122"/>
+              </a:rPr>
+              <a:t>发送中断类型号 </a:t>
+            </a:r>
+          </a:p>
+          <a:p>
+            <a:r>
+              <a:rPr lang="zh-CN" altLang="en-US" sz="2600">
+                <a:latin typeface="宋体" panose="02010600030101010101" pitchFamily="2" charset="-122"/>
+              </a:rPr>
+              <a:t>优先级管理功能</a:t>
+            </a:r>
+            <a:r>
+              <a:rPr lang="zh-CN" altLang="en-US"/>
+              <a:t> </a:t>
+            </a:r>
           </a:p>
         </p:txBody>
       </p:sp>
     </p:spTree>
     <p:extLst>
       <p:ext uri="{BB962C8B-B14F-4D97-AF65-F5344CB8AC3E}">
-        <p14:creationId xmlns:p14="http://schemas.microsoft.com/office/powerpoint/2010/main" val="4118868352"/>
+        <p14:creationId xmlns:p14="http://schemas.microsoft.com/office/powerpoint/2010/main" val="3200486204"/>
       </p:ext>
     </p:extLst>
   </p:cSld>
   <p:clrMapOvr>
     <a:masterClrMapping/>
   </p:clrMapOvr>
-  <mc:AlternateContent xmlns:mc="http://schemas.openxmlformats.org/markup-compatibility/2006" xmlns:p14="http://schemas.microsoft.com/office/powerpoint/2010/main">
-    <mc:Choice Requires="p14">
-      <p:transition spd="med" p14:dur="700">
-        <p:fade/>
-      </p:transition>
+  <mc:AlternateContent xmlns:mc="http://schemas.openxmlformats.org/markup-compatibility/2006">
+    <mc:Choice xmlns:p14="http://schemas.microsoft.com/office/powerpoint/2010/main" Requires="p14">
+      <p:transition spd="slow" p14:dur="2000"/>
     </mc:Choice>
-    <mc:Fallback xmlns="">
-      <p:transition spd="med">
-        <p:fade/>
-      </p:transition>
+    <mc:Fallback>
+      <p:transition spd="slow"/>
     </mc:Fallback>
   </mc:AlternateContent>
   <p:timing>
@@ -9335,6 +8810,1488 @@
       </p:grpSpPr>
       <p:sp>
         <p:nvSpPr>
+          <p:cNvPr id="118786" name="Rectangle 2"/>
+          <p:cNvSpPr>
+            <a:spLocks noGrp="1" noChangeArrowheads="1"/>
+          </p:cNvSpPr>
+          <p:nvPr>
+            <p:ph type="title"/>
+          </p:nvPr>
+        </p:nvSpPr>
+        <p:spPr/>
+        <p:txBody>
+          <a:bodyPr/>
+          <a:lstStyle/>
+          <a:p>
+            <a:r>
+              <a:rPr lang="zh-CN" altLang="en-US" sz="3200" dirty="0">
+                <a:latin typeface="Times New Roman" panose="02020603050405020304" pitchFamily="18" charset="0"/>
+              </a:rPr>
+              <a:t>6. 复位功能 </a:t>
+            </a:r>
+          </a:p>
+        </p:txBody>
+      </p:sp>
+      <p:sp>
+        <p:nvSpPr>
+          <p:cNvPr id="118787" name="Rectangle 3"/>
+          <p:cNvSpPr>
+            <a:spLocks noGrp="1" noChangeArrowheads="1"/>
+          </p:cNvSpPr>
+          <p:nvPr>
+            <p:ph type="body" idx="1"/>
+          </p:nvPr>
+        </p:nvSpPr>
+        <p:spPr/>
+        <p:txBody>
+          <a:bodyPr/>
+          <a:lstStyle/>
+          <a:p>
+            <a:r>
+              <a:rPr lang="zh-CN" altLang="en-US" sz="2600">
+                <a:latin typeface="宋体" panose="02010600030101010101" pitchFamily="2" charset="-122"/>
+              </a:rPr>
+              <a:t>能接收复位信号，使接口本身及所连外设重新启动。</a:t>
+            </a:r>
+            <a:endParaRPr lang="en-US" altLang="zh-CN" sz="2600">
+              <a:latin typeface="宋体" panose="02010600030101010101" pitchFamily="2" charset="-122"/>
+            </a:endParaRPr>
+          </a:p>
+        </p:txBody>
+      </p:sp>
+    </p:spTree>
+    <p:extLst>
+      <p:ext uri="{BB962C8B-B14F-4D97-AF65-F5344CB8AC3E}">
+        <p14:creationId xmlns:p14="http://schemas.microsoft.com/office/powerpoint/2010/main" val="420424816"/>
+      </p:ext>
+    </p:extLst>
+  </p:cSld>
+  <p:clrMapOvr>
+    <a:masterClrMapping/>
+  </p:clrMapOvr>
+  <mc:AlternateContent xmlns:mc="http://schemas.openxmlformats.org/markup-compatibility/2006">
+    <mc:Choice xmlns:p14="http://schemas.microsoft.com/office/powerpoint/2010/main" Requires="p14">
+      <p:transition spd="slow" p14:dur="2000"/>
+    </mc:Choice>
+    <mc:Fallback>
+      <p:transition spd="slow"/>
+    </mc:Fallback>
+  </mc:AlternateContent>
+  <p:timing>
+    <p:tnLst>
+      <p:par>
+        <p:cTn id="1" dur="indefinite" restart="never" nodeType="tmRoot"/>
+      </p:par>
+    </p:tnLst>
+  </p:timing>
+</p:sld>
+</file>
+
+<file path=ppt/slides/slide21.xml><?xml version="1.0" encoding="utf-8"?>
+<p:sld xmlns:a="http://schemas.openxmlformats.org/drawingml/2006/main" xmlns:r="http://schemas.openxmlformats.org/officeDocument/2006/relationships" xmlns:p="http://schemas.openxmlformats.org/presentationml/2006/main">
+  <p:cSld>
+    <p:spTree>
+      <p:nvGrpSpPr>
+        <p:cNvPr id="1" name=""/>
+        <p:cNvGrpSpPr/>
+        <p:nvPr/>
+      </p:nvGrpSpPr>
+      <p:grpSpPr>
+        <a:xfrm>
+          <a:off x="0" y="0"/>
+          <a:ext cx="0" cy="0"/>
+          <a:chOff x="0" y="0"/>
+          <a:chExt cx="0" cy="0"/>
+        </a:xfrm>
+      </p:grpSpPr>
+      <p:sp>
+        <p:nvSpPr>
+          <p:cNvPr id="119810" name="Rectangle 2"/>
+          <p:cNvSpPr>
+            <a:spLocks noGrp="1" noChangeArrowheads="1"/>
+          </p:cNvSpPr>
+          <p:nvPr>
+            <p:ph type="title"/>
+          </p:nvPr>
+        </p:nvSpPr>
+        <p:spPr/>
+        <p:txBody>
+          <a:bodyPr/>
+          <a:lstStyle/>
+          <a:p>
+            <a:r>
+              <a:rPr lang="zh-CN" altLang="en-US" dirty="0">
+                <a:latin typeface="Times New Roman" panose="02020603050405020304" pitchFamily="18" charset="0"/>
+              </a:rPr>
+              <a:t>7. 可编程功能 </a:t>
+            </a:r>
+          </a:p>
+        </p:txBody>
+      </p:sp>
+      <p:sp>
+        <p:nvSpPr>
+          <p:cNvPr id="119811" name="Rectangle 3"/>
+          <p:cNvSpPr>
+            <a:spLocks noGrp="1" noChangeArrowheads="1"/>
+          </p:cNvSpPr>
+          <p:nvPr>
+            <p:ph type="body" idx="1"/>
+          </p:nvPr>
+        </p:nvSpPr>
+        <p:spPr/>
+        <p:txBody>
+          <a:bodyPr/>
+          <a:lstStyle/>
+          <a:p>
+            <a:pPr>
+              <a:buSzTx/>
+              <a:buFont typeface="Wingdings" panose="05000000000000000000" pitchFamily="2" charset="2"/>
+              <a:buChar char="§"/>
+            </a:pPr>
+            <a:r>
+              <a:rPr lang="zh-CN" altLang="en-US" sz="2600">
+                <a:latin typeface="宋体" panose="02010600030101010101" pitchFamily="2" charset="-122"/>
+              </a:rPr>
+              <a:t>可以用软件使其工作于不同的方式 </a:t>
+            </a:r>
+          </a:p>
+          <a:p>
+            <a:pPr>
+              <a:buSzTx/>
+              <a:buFont typeface="Wingdings" panose="05000000000000000000" pitchFamily="2" charset="2"/>
+              <a:buChar char="§"/>
+            </a:pPr>
+            <a:r>
+              <a:rPr lang="zh-CN" altLang="en-US" sz="2600">
+                <a:latin typeface="宋体" panose="02010600030101010101" pitchFamily="2" charset="-122"/>
+              </a:rPr>
+              <a:t>用软件来设置控制信号 </a:t>
+            </a:r>
+          </a:p>
+        </p:txBody>
+      </p:sp>
+    </p:spTree>
+    <p:extLst>
+      <p:ext uri="{BB962C8B-B14F-4D97-AF65-F5344CB8AC3E}">
+        <p14:creationId xmlns:p14="http://schemas.microsoft.com/office/powerpoint/2010/main" val="2278806122"/>
+      </p:ext>
+    </p:extLst>
+  </p:cSld>
+  <p:clrMapOvr>
+    <a:masterClrMapping/>
+  </p:clrMapOvr>
+  <mc:AlternateContent xmlns:mc="http://schemas.openxmlformats.org/markup-compatibility/2006">
+    <mc:Choice xmlns:p14="http://schemas.microsoft.com/office/powerpoint/2010/main" Requires="p14">
+      <p:transition spd="slow" p14:dur="2000"/>
+    </mc:Choice>
+    <mc:Fallback>
+      <p:transition spd="slow"/>
+    </mc:Fallback>
+  </mc:AlternateContent>
+  <p:timing>
+    <p:tnLst>
+      <p:par>
+        <p:cTn id="1" dur="indefinite" restart="never" nodeType="tmRoot"/>
+      </p:par>
+    </p:tnLst>
+  </p:timing>
+</p:sld>
+</file>
+
+<file path=ppt/slides/slide22.xml><?xml version="1.0" encoding="utf-8"?>
+<p:sld xmlns:a="http://schemas.openxmlformats.org/drawingml/2006/main" xmlns:r="http://schemas.openxmlformats.org/officeDocument/2006/relationships" xmlns:p="http://schemas.openxmlformats.org/presentationml/2006/main">
+  <p:cSld>
+    <p:spTree>
+      <p:nvGrpSpPr>
+        <p:cNvPr id="1" name=""/>
+        <p:cNvGrpSpPr/>
+        <p:nvPr/>
+      </p:nvGrpSpPr>
+      <p:grpSpPr>
+        <a:xfrm>
+          <a:off x="0" y="0"/>
+          <a:ext cx="0" cy="0"/>
+          <a:chOff x="0" y="0"/>
+          <a:chExt cx="0" cy="0"/>
+        </a:xfrm>
+      </p:grpSpPr>
+      <p:sp>
+        <p:nvSpPr>
+          <p:cNvPr id="120834" name="Rectangle 2"/>
+          <p:cNvSpPr>
+            <a:spLocks noGrp="1" noChangeArrowheads="1"/>
+          </p:cNvSpPr>
+          <p:nvPr>
+            <p:ph type="title"/>
+          </p:nvPr>
+        </p:nvSpPr>
+        <p:spPr/>
+        <p:txBody>
+          <a:bodyPr/>
+          <a:lstStyle/>
+          <a:p>
+            <a:r>
+              <a:rPr lang="zh-CN" altLang="en-US" dirty="0">
+                <a:latin typeface="Times New Roman" panose="02020603050405020304" pitchFamily="18" charset="0"/>
+              </a:rPr>
+              <a:t>8. 错误检测功能 </a:t>
+            </a:r>
+          </a:p>
+        </p:txBody>
+      </p:sp>
+      <p:sp>
+        <p:nvSpPr>
+          <p:cNvPr id="120835" name="Rectangle 3"/>
+          <p:cNvSpPr>
+            <a:spLocks noGrp="1" noChangeArrowheads="1"/>
+          </p:cNvSpPr>
+          <p:nvPr>
+            <p:ph type="body" idx="1"/>
+          </p:nvPr>
+        </p:nvSpPr>
+        <p:spPr/>
+        <p:txBody>
+          <a:bodyPr/>
+          <a:lstStyle/>
+          <a:p>
+            <a:pPr>
+              <a:buFont typeface="Wingdings" panose="05000000000000000000" pitchFamily="2" charset="2"/>
+              <a:buNone/>
+            </a:pPr>
+            <a:r>
+              <a:rPr lang="zh-CN" altLang="en-US" sz="2600">
+                <a:latin typeface="宋体" panose="02010600030101010101" pitchFamily="2" charset="-122"/>
+              </a:rPr>
+              <a:t>当前多数可编程接口芯片能检测下列两类错误： </a:t>
+            </a:r>
+          </a:p>
+          <a:p>
+            <a:pPr>
+              <a:buSzTx/>
+              <a:buFont typeface="Wingdings" panose="05000000000000000000" pitchFamily="2" charset="2"/>
+              <a:buChar char="§"/>
+            </a:pPr>
+            <a:r>
+              <a:rPr lang="zh-CN" altLang="en-US" sz="2600">
+                <a:solidFill>
+                  <a:srgbClr val="0000FF"/>
+                </a:solidFill>
+                <a:latin typeface="宋体" panose="02010600030101010101" pitchFamily="2" charset="-122"/>
+              </a:rPr>
+              <a:t>传输错误：接口与设备之间的连线受到各种干扰</a:t>
+            </a:r>
+          </a:p>
+          <a:p>
+            <a:pPr>
+              <a:buSzTx/>
+              <a:buFont typeface="Wingdings" panose="05000000000000000000" pitchFamily="2" charset="2"/>
+              <a:buNone/>
+            </a:pPr>
+            <a:r>
+              <a:rPr lang="zh-CN" altLang="en-US" sz="2600">
+                <a:solidFill>
+                  <a:srgbClr val="0000FF"/>
+                </a:solidFill>
+                <a:latin typeface="宋体" panose="02010600030101010101" pitchFamily="2" charset="-122"/>
+              </a:rPr>
+              <a:t>  </a:t>
+            </a:r>
+            <a:r>
+              <a:rPr lang="zh-CN" altLang="en-US" sz="2600">
+                <a:solidFill>
+                  <a:srgbClr val="800000"/>
+                </a:solidFill>
+                <a:latin typeface="宋体" panose="02010600030101010101" pitchFamily="2" charset="-122"/>
+              </a:rPr>
+              <a:t>采用奇</a:t>
+            </a:r>
+            <a:r>
+              <a:rPr lang="en-US" altLang="zh-CN" sz="2600">
+                <a:solidFill>
+                  <a:srgbClr val="800000"/>
+                </a:solidFill>
+                <a:latin typeface="宋体" panose="02010600030101010101" pitchFamily="2" charset="-122"/>
+              </a:rPr>
+              <a:t>/</a:t>
+            </a:r>
+            <a:r>
+              <a:rPr lang="zh-CN" altLang="en-US" sz="2600">
+                <a:solidFill>
+                  <a:srgbClr val="800000"/>
+                </a:solidFill>
+                <a:latin typeface="宋体" panose="02010600030101010101" pitchFamily="2" charset="-122"/>
+              </a:rPr>
+              <a:t>偶校验对传输错误进行检测</a:t>
+            </a:r>
+          </a:p>
+          <a:p>
+            <a:pPr>
+              <a:buSzTx/>
+              <a:buFont typeface="Wingdings" panose="05000000000000000000" pitchFamily="2" charset="2"/>
+              <a:buNone/>
+            </a:pPr>
+            <a:r>
+              <a:rPr lang="en-US" altLang="zh-CN" sz="2600">
+                <a:solidFill>
+                  <a:srgbClr val="800000"/>
+                </a:solidFill>
+                <a:latin typeface="宋体" panose="02010600030101010101" pitchFamily="2" charset="-122"/>
+              </a:rPr>
+              <a:t>  </a:t>
+            </a:r>
+            <a:r>
+              <a:rPr lang="zh-CN" altLang="en-US" sz="2600">
+                <a:solidFill>
+                  <a:srgbClr val="800000"/>
+                </a:solidFill>
+                <a:latin typeface="宋体" panose="02010600030101010101" pitchFamily="2" charset="-122"/>
+              </a:rPr>
+              <a:t>发现错误后对状态寄存器中的相应位置位</a:t>
+            </a:r>
+          </a:p>
+          <a:p>
+            <a:pPr>
+              <a:buSzTx/>
+              <a:buFont typeface="Wingdings" panose="05000000000000000000" pitchFamily="2" charset="2"/>
+              <a:buChar char="§"/>
+            </a:pPr>
+            <a:r>
+              <a:rPr lang="zh-CN" altLang="en-US" sz="2600">
+                <a:solidFill>
+                  <a:srgbClr val="0000FF"/>
+                </a:solidFill>
+                <a:latin typeface="宋体" panose="02010600030101010101" pitchFamily="2" charset="-122"/>
+              </a:rPr>
+              <a:t>覆盖错误：输入时，</a:t>
+            </a:r>
+            <a:r>
+              <a:rPr lang="en-US" altLang="zh-CN" sz="2600">
+                <a:solidFill>
+                  <a:srgbClr val="0000FF"/>
+                </a:solidFill>
+              </a:rPr>
+              <a:t>CPU</a:t>
+            </a:r>
+            <a:r>
+              <a:rPr lang="zh-CN" altLang="en-US" sz="2600">
+                <a:solidFill>
+                  <a:srgbClr val="0000FF"/>
+                </a:solidFill>
+                <a:latin typeface="宋体" panose="02010600030101010101" pitchFamily="2" charset="-122"/>
+              </a:rPr>
+              <a:t>还没有从数据输入寄存器取走数据，输入寄存器又装上了新数据。</a:t>
+            </a:r>
+            <a:endParaRPr lang="zh-CN" altLang="en-US" sz="2600">
+              <a:latin typeface="宋体" panose="02010600030101010101" pitchFamily="2" charset="-122"/>
+            </a:endParaRPr>
+          </a:p>
+          <a:p>
+            <a:pPr>
+              <a:buSzTx/>
+              <a:buFont typeface="Wingdings" panose="05000000000000000000" pitchFamily="2" charset="2"/>
+              <a:buNone/>
+            </a:pPr>
+            <a:r>
+              <a:rPr lang="zh-CN" altLang="en-US" sz="2600">
+                <a:latin typeface="宋体" panose="02010600030101010101" pitchFamily="2" charset="-122"/>
+              </a:rPr>
+              <a:t>  </a:t>
+            </a:r>
+            <a:r>
+              <a:rPr lang="zh-CN" altLang="en-US" sz="2600">
+                <a:solidFill>
+                  <a:srgbClr val="800000"/>
+                </a:solidFill>
+                <a:latin typeface="宋体" panose="02010600030101010101" pitchFamily="2" charset="-122"/>
+              </a:rPr>
+              <a:t>发现错误后对状态寄存器中的相应位置位。</a:t>
+            </a:r>
+            <a:r>
+              <a:rPr lang="en-US" altLang="zh-CN" sz="2600">
+                <a:latin typeface="宋体" panose="02010600030101010101" pitchFamily="2" charset="-122"/>
+              </a:rPr>
+              <a:t> </a:t>
+            </a:r>
+          </a:p>
+        </p:txBody>
+      </p:sp>
+    </p:spTree>
+    <p:extLst>
+      <p:ext uri="{BB962C8B-B14F-4D97-AF65-F5344CB8AC3E}">
+        <p14:creationId xmlns:p14="http://schemas.microsoft.com/office/powerpoint/2010/main" val="2708079762"/>
+      </p:ext>
+    </p:extLst>
+  </p:cSld>
+  <p:clrMapOvr>
+    <a:masterClrMapping/>
+  </p:clrMapOvr>
+  <mc:AlternateContent xmlns:mc="http://schemas.openxmlformats.org/markup-compatibility/2006">
+    <mc:Choice xmlns:p14="http://schemas.microsoft.com/office/powerpoint/2010/main" Requires="p14">
+      <p:transition spd="slow" p14:dur="2000"/>
+    </mc:Choice>
+    <mc:Fallback>
+      <p:transition spd="slow"/>
+    </mc:Fallback>
+  </mc:AlternateContent>
+  <p:timing>
+    <p:tnLst>
+      <p:par>
+        <p:cTn id="1" dur="indefinite" restart="never" nodeType="tmRoot">
+          <p:childTnLst>
+            <p:seq concurrent="1" nextAc="seek">
+              <p:cTn id="2" dur="indefinite" nodeType="mainSeq">
+                <p:childTnLst>
+                  <p:par>
+                    <p:cTn id="3" fill="hold" nodeType="clickPar">
+                      <p:stCondLst>
+                        <p:cond delay="indefinite"/>
+                      </p:stCondLst>
+                      <p:childTnLst>
+                        <p:par>
+                          <p:cTn id="4" fill="hold" nodeType="withGroup">
+                            <p:stCondLst>
+                              <p:cond delay="0"/>
+                            </p:stCondLst>
+                            <p:childTnLst>
+                              <p:par>
+                                <p:cTn id="5" presetID="2" presetClass="entr" presetSubtype="4" fill="hold" nodeType="clickEffect">
+                                  <p:stCondLst>
+                                    <p:cond delay="0"/>
+                                  </p:stCondLst>
+                                  <p:childTnLst>
+                                    <p:set>
+                                      <p:cBhvr>
+                                        <p:cTn id="6" dur="1" fill="hold">
+                                          <p:stCondLst>
+                                            <p:cond delay="0"/>
+                                          </p:stCondLst>
+                                        </p:cTn>
+                                        <p:tgtEl>
+                                          <p:spTgt spid="120835">
+                                            <p:txEl>
+                                              <p:pRg st="1" end="1"/>
+                                            </p:txEl>
+                                          </p:spTgt>
+                                        </p:tgtEl>
+                                        <p:attrNameLst>
+                                          <p:attrName>style.visibility</p:attrName>
+                                        </p:attrNameLst>
+                                      </p:cBhvr>
+                                      <p:to>
+                                        <p:strVal val="visible"/>
+                                      </p:to>
+                                    </p:set>
+                                    <p:anim calcmode="lin" valueType="num">
+                                      <p:cBhvr additive="base">
+                                        <p:cTn id="7" dur="500" fill="hold"/>
+                                        <p:tgtEl>
+                                          <p:spTgt spid="120835">
+                                            <p:txEl>
+                                              <p:pRg st="1" end="1"/>
+                                            </p:txEl>
+                                          </p:spTgt>
+                                        </p:tgtEl>
+                                        <p:attrNameLst>
+                                          <p:attrName>ppt_x</p:attrName>
+                                        </p:attrNameLst>
+                                      </p:cBhvr>
+                                      <p:tavLst>
+                                        <p:tav tm="0">
+                                          <p:val>
+                                            <p:strVal val="#ppt_x"/>
+                                          </p:val>
+                                        </p:tav>
+                                        <p:tav tm="100000">
+                                          <p:val>
+                                            <p:strVal val="#ppt_x"/>
+                                          </p:val>
+                                        </p:tav>
+                                      </p:tavLst>
+                                    </p:anim>
+                                    <p:anim calcmode="lin" valueType="num">
+                                      <p:cBhvr additive="base">
+                                        <p:cTn id="8" dur="500" fill="hold"/>
+                                        <p:tgtEl>
+                                          <p:spTgt spid="120835">
+                                            <p:txEl>
+                                              <p:pRg st="1" end="1"/>
+                                            </p:txEl>
+                                          </p:spTgt>
+                                        </p:tgtEl>
+                                        <p:attrNameLst>
+                                          <p:attrName>ppt_y</p:attrName>
+                                        </p:attrNameLst>
+                                      </p:cBhvr>
+                                      <p:tavLst>
+                                        <p:tav tm="0">
+                                          <p:val>
+                                            <p:strVal val="1+#ppt_h/2"/>
+                                          </p:val>
+                                        </p:tav>
+                                        <p:tav tm="100000">
+                                          <p:val>
+                                            <p:strVal val="#ppt_y"/>
+                                          </p:val>
+                                        </p:tav>
+                                      </p:tavLst>
+                                    </p:anim>
+                                  </p:childTnLst>
+                                </p:cTn>
+                              </p:par>
+                            </p:childTnLst>
+                          </p:cTn>
+                        </p:par>
+                      </p:childTnLst>
+                    </p:cTn>
+                  </p:par>
+                  <p:par>
+                    <p:cTn id="9" fill="hold" nodeType="clickPar">
+                      <p:stCondLst>
+                        <p:cond delay="indefinite"/>
+                      </p:stCondLst>
+                      <p:childTnLst>
+                        <p:par>
+                          <p:cTn id="10" fill="hold" nodeType="withGroup">
+                            <p:stCondLst>
+                              <p:cond delay="0"/>
+                            </p:stCondLst>
+                            <p:childTnLst>
+                              <p:par>
+                                <p:cTn id="11" presetID="2" presetClass="entr" presetSubtype="4" fill="hold" nodeType="clickEffect">
+                                  <p:stCondLst>
+                                    <p:cond delay="0"/>
+                                  </p:stCondLst>
+                                  <p:childTnLst>
+                                    <p:set>
+                                      <p:cBhvr>
+                                        <p:cTn id="12" dur="1" fill="hold">
+                                          <p:stCondLst>
+                                            <p:cond delay="0"/>
+                                          </p:stCondLst>
+                                        </p:cTn>
+                                        <p:tgtEl>
+                                          <p:spTgt spid="120835">
+                                            <p:txEl>
+                                              <p:pRg st="2" end="2"/>
+                                            </p:txEl>
+                                          </p:spTgt>
+                                        </p:tgtEl>
+                                        <p:attrNameLst>
+                                          <p:attrName>style.visibility</p:attrName>
+                                        </p:attrNameLst>
+                                      </p:cBhvr>
+                                      <p:to>
+                                        <p:strVal val="visible"/>
+                                      </p:to>
+                                    </p:set>
+                                    <p:anim calcmode="lin" valueType="num">
+                                      <p:cBhvr additive="base">
+                                        <p:cTn id="13" dur="500" fill="hold"/>
+                                        <p:tgtEl>
+                                          <p:spTgt spid="120835">
+                                            <p:txEl>
+                                              <p:pRg st="2" end="2"/>
+                                            </p:txEl>
+                                          </p:spTgt>
+                                        </p:tgtEl>
+                                        <p:attrNameLst>
+                                          <p:attrName>ppt_x</p:attrName>
+                                        </p:attrNameLst>
+                                      </p:cBhvr>
+                                      <p:tavLst>
+                                        <p:tav tm="0">
+                                          <p:val>
+                                            <p:strVal val="#ppt_x"/>
+                                          </p:val>
+                                        </p:tav>
+                                        <p:tav tm="100000">
+                                          <p:val>
+                                            <p:strVal val="#ppt_x"/>
+                                          </p:val>
+                                        </p:tav>
+                                      </p:tavLst>
+                                    </p:anim>
+                                    <p:anim calcmode="lin" valueType="num">
+                                      <p:cBhvr additive="base">
+                                        <p:cTn id="14" dur="500" fill="hold"/>
+                                        <p:tgtEl>
+                                          <p:spTgt spid="120835">
+                                            <p:txEl>
+                                              <p:pRg st="2" end="2"/>
+                                            </p:txEl>
+                                          </p:spTgt>
+                                        </p:tgtEl>
+                                        <p:attrNameLst>
+                                          <p:attrName>ppt_y</p:attrName>
+                                        </p:attrNameLst>
+                                      </p:cBhvr>
+                                      <p:tavLst>
+                                        <p:tav tm="0">
+                                          <p:val>
+                                            <p:strVal val="1+#ppt_h/2"/>
+                                          </p:val>
+                                        </p:tav>
+                                        <p:tav tm="100000">
+                                          <p:val>
+                                            <p:strVal val="#ppt_y"/>
+                                          </p:val>
+                                        </p:tav>
+                                      </p:tavLst>
+                                    </p:anim>
+                                  </p:childTnLst>
+                                </p:cTn>
+                              </p:par>
+                            </p:childTnLst>
+                          </p:cTn>
+                        </p:par>
+                      </p:childTnLst>
+                    </p:cTn>
+                  </p:par>
+                  <p:par>
+                    <p:cTn id="15" fill="hold" nodeType="clickPar">
+                      <p:stCondLst>
+                        <p:cond delay="indefinite"/>
+                      </p:stCondLst>
+                      <p:childTnLst>
+                        <p:par>
+                          <p:cTn id="16" fill="hold" nodeType="withGroup">
+                            <p:stCondLst>
+                              <p:cond delay="0"/>
+                            </p:stCondLst>
+                            <p:childTnLst>
+                              <p:par>
+                                <p:cTn id="17" presetID="2" presetClass="entr" presetSubtype="4" fill="hold" nodeType="clickEffect">
+                                  <p:stCondLst>
+                                    <p:cond delay="0"/>
+                                  </p:stCondLst>
+                                  <p:childTnLst>
+                                    <p:set>
+                                      <p:cBhvr>
+                                        <p:cTn id="18" dur="1" fill="hold">
+                                          <p:stCondLst>
+                                            <p:cond delay="0"/>
+                                          </p:stCondLst>
+                                        </p:cTn>
+                                        <p:tgtEl>
+                                          <p:spTgt spid="120835">
+                                            <p:txEl>
+                                              <p:pRg st="3" end="3"/>
+                                            </p:txEl>
+                                          </p:spTgt>
+                                        </p:tgtEl>
+                                        <p:attrNameLst>
+                                          <p:attrName>style.visibility</p:attrName>
+                                        </p:attrNameLst>
+                                      </p:cBhvr>
+                                      <p:to>
+                                        <p:strVal val="visible"/>
+                                      </p:to>
+                                    </p:set>
+                                    <p:anim calcmode="lin" valueType="num">
+                                      <p:cBhvr additive="base">
+                                        <p:cTn id="19" dur="500" fill="hold"/>
+                                        <p:tgtEl>
+                                          <p:spTgt spid="120835">
+                                            <p:txEl>
+                                              <p:pRg st="3" end="3"/>
+                                            </p:txEl>
+                                          </p:spTgt>
+                                        </p:tgtEl>
+                                        <p:attrNameLst>
+                                          <p:attrName>ppt_x</p:attrName>
+                                        </p:attrNameLst>
+                                      </p:cBhvr>
+                                      <p:tavLst>
+                                        <p:tav tm="0">
+                                          <p:val>
+                                            <p:strVal val="#ppt_x"/>
+                                          </p:val>
+                                        </p:tav>
+                                        <p:tav tm="100000">
+                                          <p:val>
+                                            <p:strVal val="#ppt_x"/>
+                                          </p:val>
+                                        </p:tav>
+                                      </p:tavLst>
+                                    </p:anim>
+                                    <p:anim calcmode="lin" valueType="num">
+                                      <p:cBhvr additive="base">
+                                        <p:cTn id="20" dur="500" fill="hold"/>
+                                        <p:tgtEl>
+                                          <p:spTgt spid="120835">
+                                            <p:txEl>
+                                              <p:pRg st="3" end="3"/>
+                                            </p:txEl>
+                                          </p:spTgt>
+                                        </p:tgtEl>
+                                        <p:attrNameLst>
+                                          <p:attrName>ppt_y</p:attrName>
+                                        </p:attrNameLst>
+                                      </p:cBhvr>
+                                      <p:tavLst>
+                                        <p:tav tm="0">
+                                          <p:val>
+                                            <p:strVal val="1+#ppt_h/2"/>
+                                          </p:val>
+                                        </p:tav>
+                                        <p:tav tm="100000">
+                                          <p:val>
+                                            <p:strVal val="#ppt_y"/>
+                                          </p:val>
+                                        </p:tav>
+                                      </p:tavLst>
+                                    </p:anim>
+                                  </p:childTnLst>
+                                </p:cTn>
+                              </p:par>
+                            </p:childTnLst>
+                          </p:cTn>
+                        </p:par>
+                      </p:childTnLst>
+                    </p:cTn>
+                  </p:par>
+                  <p:par>
+                    <p:cTn id="21" fill="hold" nodeType="clickPar">
+                      <p:stCondLst>
+                        <p:cond delay="indefinite"/>
+                      </p:stCondLst>
+                      <p:childTnLst>
+                        <p:par>
+                          <p:cTn id="22" fill="hold" nodeType="withGroup">
+                            <p:stCondLst>
+                              <p:cond delay="0"/>
+                            </p:stCondLst>
+                            <p:childTnLst>
+                              <p:par>
+                                <p:cTn id="23" presetID="2" presetClass="entr" presetSubtype="4" fill="hold" nodeType="clickEffect">
+                                  <p:stCondLst>
+                                    <p:cond delay="0"/>
+                                  </p:stCondLst>
+                                  <p:childTnLst>
+                                    <p:set>
+                                      <p:cBhvr>
+                                        <p:cTn id="24" dur="1" fill="hold">
+                                          <p:stCondLst>
+                                            <p:cond delay="0"/>
+                                          </p:stCondLst>
+                                        </p:cTn>
+                                        <p:tgtEl>
+                                          <p:spTgt spid="120835">
+                                            <p:txEl>
+                                              <p:pRg st="4" end="4"/>
+                                            </p:txEl>
+                                          </p:spTgt>
+                                        </p:tgtEl>
+                                        <p:attrNameLst>
+                                          <p:attrName>style.visibility</p:attrName>
+                                        </p:attrNameLst>
+                                      </p:cBhvr>
+                                      <p:to>
+                                        <p:strVal val="visible"/>
+                                      </p:to>
+                                    </p:set>
+                                    <p:anim calcmode="lin" valueType="num">
+                                      <p:cBhvr additive="base">
+                                        <p:cTn id="25" dur="500" fill="hold"/>
+                                        <p:tgtEl>
+                                          <p:spTgt spid="120835">
+                                            <p:txEl>
+                                              <p:pRg st="4" end="4"/>
+                                            </p:txEl>
+                                          </p:spTgt>
+                                        </p:tgtEl>
+                                        <p:attrNameLst>
+                                          <p:attrName>ppt_x</p:attrName>
+                                        </p:attrNameLst>
+                                      </p:cBhvr>
+                                      <p:tavLst>
+                                        <p:tav tm="0">
+                                          <p:val>
+                                            <p:strVal val="#ppt_x"/>
+                                          </p:val>
+                                        </p:tav>
+                                        <p:tav tm="100000">
+                                          <p:val>
+                                            <p:strVal val="#ppt_x"/>
+                                          </p:val>
+                                        </p:tav>
+                                      </p:tavLst>
+                                    </p:anim>
+                                    <p:anim calcmode="lin" valueType="num">
+                                      <p:cBhvr additive="base">
+                                        <p:cTn id="26" dur="500" fill="hold"/>
+                                        <p:tgtEl>
+                                          <p:spTgt spid="120835">
+                                            <p:txEl>
+                                              <p:pRg st="4" end="4"/>
+                                            </p:txEl>
+                                          </p:spTgt>
+                                        </p:tgtEl>
+                                        <p:attrNameLst>
+                                          <p:attrName>ppt_y</p:attrName>
+                                        </p:attrNameLst>
+                                      </p:cBhvr>
+                                      <p:tavLst>
+                                        <p:tav tm="0">
+                                          <p:val>
+                                            <p:strVal val="1+#ppt_h/2"/>
+                                          </p:val>
+                                        </p:tav>
+                                        <p:tav tm="100000">
+                                          <p:val>
+                                            <p:strVal val="#ppt_y"/>
+                                          </p:val>
+                                        </p:tav>
+                                      </p:tavLst>
+                                    </p:anim>
+                                  </p:childTnLst>
+                                </p:cTn>
+                              </p:par>
+                            </p:childTnLst>
+                          </p:cTn>
+                        </p:par>
+                      </p:childTnLst>
+                    </p:cTn>
+                  </p:par>
+                  <p:par>
+                    <p:cTn id="27" fill="hold" nodeType="clickPar">
+                      <p:stCondLst>
+                        <p:cond delay="indefinite"/>
+                      </p:stCondLst>
+                      <p:childTnLst>
+                        <p:par>
+                          <p:cTn id="28" fill="hold" nodeType="withGroup">
+                            <p:stCondLst>
+                              <p:cond delay="0"/>
+                            </p:stCondLst>
+                            <p:childTnLst>
+                              <p:par>
+                                <p:cTn id="29" presetID="2" presetClass="entr" presetSubtype="4" fill="hold" nodeType="clickEffect">
+                                  <p:stCondLst>
+                                    <p:cond delay="0"/>
+                                  </p:stCondLst>
+                                  <p:childTnLst>
+                                    <p:set>
+                                      <p:cBhvr>
+                                        <p:cTn id="30" dur="1" fill="hold">
+                                          <p:stCondLst>
+                                            <p:cond delay="0"/>
+                                          </p:stCondLst>
+                                        </p:cTn>
+                                        <p:tgtEl>
+                                          <p:spTgt spid="120835">
+                                            <p:txEl>
+                                              <p:pRg st="5" end="5"/>
+                                            </p:txEl>
+                                          </p:spTgt>
+                                        </p:tgtEl>
+                                        <p:attrNameLst>
+                                          <p:attrName>style.visibility</p:attrName>
+                                        </p:attrNameLst>
+                                      </p:cBhvr>
+                                      <p:to>
+                                        <p:strVal val="visible"/>
+                                      </p:to>
+                                    </p:set>
+                                    <p:anim calcmode="lin" valueType="num">
+                                      <p:cBhvr additive="base">
+                                        <p:cTn id="31" dur="500" fill="hold"/>
+                                        <p:tgtEl>
+                                          <p:spTgt spid="120835">
+                                            <p:txEl>
+                                              <p:pRg st="5" end="5"/>
+                                            </p:txEl>
+                                          </p:spTgt>
+                                        </p:tgtEl>
+                                        <p:attrNameLst>
+                                          <p:attrName>ppt_x</p:attrName>
+                                        </p:attrNameLst>
+                                      </p:cBhvr>
+                                      <p:tavLst>
+                                        <p:tav tm="0">
+                                          <p:val>
+                                            <p:strVal val="#ppt_x"/>
+                                          </p:val>
+                                        </p:tav>
+                                        <p:tav tm="100000">
+                                          <p:val>
+                                            <p:strVal val="#ppt_x"/>
+                                          </p:val>
+                                        </p:tav>
+                                      </p:tavLst>
+                                    </p:anim>
+                                    <p:anim calcmode="lin" valueType="num">
+                                      <p:cBhvr additive="base">
+                                        <p:cTn id="32" dur="500" fill="hold"/>
+                                        <p:tgtEl>
+                                          <p:spTgt spid="120835">
+                                            <p:txEl>
+                                              <p:pRg st="5" end="5"/>
+                                            </p:txEl>
+                                          </p:spTgt>
+                                        </p:tgtEl>
+                                        <p:attrNameLst>
+                                          <p:attrName>ppt_y</p:attrName>
+                                        </p:attrNameLst>
+                                      </p:cBhvr>
+                                      <p:tavLst>
+                                        <p:tav tm="0">
+                                          <p:val>
+                                            <p:strVal val="1+#ppt_h/2"/>
+                                          </p:val>
+                                        </p:tav>
+                                        <p:tav tm="100000">
+                                          <p:val>
+                                            <p:strVal val="#ppt_y"/>
+                                          </p:val>
+                                        </p:tav>
+                                      </p:tavLst>
+                                    </p:anim>
+                                  </p:childTnLst>
+                                </p:cTn>
+                              </p:par>
+                            </p:childTnLst>
+                          </p:cTn>
+                        </p:par>
+                      </p:childTnLst>
+                    </p:cTn>
+                  </p:par>
+                </p:childTnLst>
+              </p:cTn>
+              <p:prevCondLst>
+                <p:cond evt="onPrev" delay="0">
+                  <p:tgtEl>
+                    <p:sldTgt/>
+                  </p:tgtEl>
+                </p:cond>
+              </p:prevCondLst>
+              <p:nextCondLst>
+                <p:cond evt="onNext" delay="0">
+                  <p:tgtEl>
+                    <p:sldTgt/>
+                  </p:tgtEl>
+                </p:cond>
+              </p:nextCondLst>
+            </p:seq>
+          </p:childTnLst>
+        </p:cTn>
+      </p:par>
+    </p:tnLst>
+  </p:timing>
+</p:sld>
+</file>
+
+<file path=ppt/slides/slide23.xml><?xml version="1.0" encoding="utf-8"?>
+<p:sld xmlns:a="http://schemas.openxmlformats.org/drawingml/2006/main" xmlns:r="http://schemas.openxmlformats.org/officeDocument/2006/relationships" xmlns:p="http://schemas.openxmlformats.org/presentationml/2006/main">
+  <p:cSld>
+    <p:spTree>
+      <p:nvGrpSpPr>
+        <p:cNvPr id="1" name=""/>
+        <p:cNvGrpSpPr/>
+        <p:nvPr/>
+      </p:nvGrpSpPr>
+      <p:grpSpPr>
+        <a:xfrm>
+          <a:off x="0" y="0"/>
+          <a:ext cx="0" cy="0"/>
+          <a:chOff x="0" y="0"/>
+          <a:chExt cx="0" cy="0"/>
+        </a:xfrm>
+      </p:grpSpPr>
+      <p:sp>
+        <p:nvSpPr>
+          <p:cNvPr id="121858" name="Rectangle 2"/>
+          <p:cNvSpPr>
+            <a:spLocks noGrp="1" noChangeArrowheads="1"/>
+          </p:cNvSpPr>
+          <p:nvPr>
+            <p:ph type="title"/>
+          </p:nvPr>
+        </p:nvSpPr>
+        <p:spPr/>
+        <p:txBody>
+          <a:bodyPr/>
+          <a:lstStyle/>
+          <a:p>
+            <a:r>
+              <a:rPr kumimoji="1" lang="zh-CN" altLang="en-US" dirty="0">
+                <a:effectLst/>
+              </a:rPr>
+              <a:t>接口芯片</a:t>
+            </a:r>
+          </a:p>
+        </p:txBody>
+      </p:sp>
+      <p:sp>
+        <p:nvSpPr>
+          <p:cNvPr id="121859" name="Rectangle 3"/>
+          <p:cNvSpPr>
+            <a:spLocks noGrp="1" noChangeArrowheads="1"/>
+          </p:cNvSpPr>
+          <p:nvPr>
+            <p:ph type="body" idx="1"/>
+          </p:nvPr>
+        </p:nvSpPr>
+        <p:spPr/>
+        <p:txBody>
+          <a:bodyPr/>
+          <a:lstStyle/>
+          <a:p>
+            <a:pPr>
+              <a:lnSpc>
+                <a:spcPct val="90000"/>
+              </a:lnSpc>
+            </a:pPr>
+            <a:r>
+              <a:rPr kumimoji="1" lang="zh-CN" altLang="en-US" sz="2800" dirty="0">
+                <a:solidFill>
+                  <a:srgbClr val="000000"/>
+                </a:solidFill>
+              </a:rPr>
+              <a:t>接口电路的核心功能常被集成在一块或数块大规模集成电路芯片中，称为</a:t>
+            </a:r>
+            <a:r>
+              <a:rPr kumimoji="1" lang="zh-CN" altLang="en-US" sz="2800" b="1" i="1" dirty="0">
+                <a:solidFill>
+                  <a:srgbClr val="660066"/>
+                </a:solidFill>
+              </a:rPr>
+              <a:t>接口芯片</a:t>
+            </a:r>
+            <a:r>
+              <a:rPr kumimoji="1" lang="zh-CN" altLang="en-US" sz="2800" dirty="0">
+                <a:solidFill>
+                  <a:srgbClr val="000000"/>
+                </a:solidFill>
+              </a:rPr>
+              <a:t>。</a:t>
+            </a:r>
+            <a:endParaRPr kumimoji="1" lang="en-US" altLang="zh-CN" sz="2800" dirty="0">
+              <a:solidFill>
+                <a:srgbClr val="000000"/>
+              </a:solidFill>
+            </a:endParaRPr>
+          </a:p>
+          <a:p>
+            <a:pPr lvl="1">
+              <a:spcBef>
+                <a:spcPct val="50000"/>
+              </a:spcBef>
+            </a:pPr>
+            <a:r>
+              <a:rPr kumimoji="1" lang="en-US" altLang="zh-CN" sz="2400" dirty="0">
+                <a:solidFill>
+                  <a:srgbClr val="000000"/>
+                </a:solidFill>
+              </a:rPr>
+              <a:t>1</a:t>
+            </a:r>
+            <a:r>
+              <a:rPr kumimoji="1" lang="zh-CN" altLang="en-US" sz="2400" dirty="0">
+                <a:solidFill>
+                  <a:srgbClr val="000000"/>
+                </a:solidFill>
+              </a:rPr>
+              <a:t>）通用接口芯片：</a:t>
+            </a:r>
+            <a:r>
+              <a:rPr kumimoji="1" lang="zh-CN" altLang="en-US" sz="2400" dirty="0"/>
+              <a:t>并行接口芯片</a:t>
+            </a:r>
+            <a:r>
+              <a:rPr kumimoji="1" lang="en-US" altLang="zh-CN" sz="2400" dirty="0"/>
+              <a:t>8212</a:t>
+            </a:r>
+            <a:r>
+              <a:rPr kumimoji="1" lang="zh-CN" altLang="en-US" sz="2400" dirty="0"/>
+              <a:t>、</a:t>
+            </a:r>
+            <a:r>
+              <a:rPr kumimoji="1" lang="en-US" altLang="zh-CN" sz="2400" dirty="0"/>
+              <a:t>8255</a:t>
+            </a:r>
+            <a:r>
+              <a:rPr kumimoji="1" lang="zh-CN" altLang="en-US" sz="2400" dirty="0"/>
+              <a:t>，串行接口芯片</a:t>
+            </a:r>
+            <a:r>
+              <a:rPr kumimoji="1" lang="en-US" altLang="zh-CN" sz="2400" dirty="0"/>
+              <a:t>8250</a:t>
+            </a:r>
+            <a:r>
+              <a:rPr kumimoji="1" lang="zh-CN" altLang="en-US" sz="2400" dirty="0"/>
+              <a:t>、</a:t>
+            </a:r>
+            <a:r>
+              <a:rPr kumimoji="1" lang="en-US" altLang="zh-CN" sz="2400" dirty="0"/>
+              <a:t>8251</a:t>
+            </a:r>
+            <a:r>
+              <a:rPr kumimoji="1" lang="zh-CN" altLang="en-US" sz="2400" dirty="0"/>
+              <a:t>等</a:t>
+            </a:r>
+          </a:p>
+          <a:p>
+            <a:pPr lvl="1"/>
+            <a:r>
+              <a:rPr kumimoji="1" lang="en-US" altLang="zh-CN" sz="2400" dirty="0">
+                <a:solidFill>
+                  <a:srgbClr val="000000"/>
+                </a:solidFill>
+              </a:rPr>
+              <a:t>2</a:t>
+            </a:r>
+            <a:r>
+              <a:rPr kumimoji="1" lang="zh-CN" altLang="en-US" sz="2400" dirty="0">
+                <a:solidFill>
+                  <a:srgbClr val="000000"/>
+                </a:solidFill>
+              </a:rPr>
+              <a:t>）面向微机的专用接口芯片：</a:t>
+            </a:r>
+            <a:r>
+              <a:rPr kumimoji="1" lang="zh-CN" altLang="en-US" sz="2400" dirty="0"/>
+              <a:t>中断控制器</a:t>
+            </a:r>
+            <a:r>
+              <a:rPr kumimoji="1" lang="en-US" altLang="zh-CN" sz="2400" dirty="0"/>
+              <a:t>8259</a:t>
+            </a:r>
+            <a:r>
+              <a:rPr kumimoji="1" lang="zh-CN" altLang="en-US" sz="2400" dirty="0"/>
+              <a:t>、</a:t>
+            </a:r>
+            <a:r>
+              <a:rPr kumimoji="1" lang="en-US" altLang="zh-CN" sz="2400" dirty="0"/>
+              <a:t>DMA</a:t>
+            </a:r>
+            <a:r>
+              <a:rPr kumimoji="1" lang="zh-CN" altLang="en-US" sz="2400" dirty="0"/>
+              <a:t>控制器</a:t>
+            </a:r>
+            <a:r>
+              <a:rPr kumimoji="1" lang="en-US" altLang="zh-CN" sz="2400" dirty="0"/>
+              <a:t>8237</a:t>
+            </a:r>
+            <a:r>
+              <a:rPr kumimoji="1" lang="zh-CN" altLang="en-US" sz="2400" dirty="0"/>
+              <a:t>、定时</a:t>
+            </a:r>
+            <a:r>
+              <a:rPr kumimoji="1" lang="en-US" altLang="zh-CN" sz="2400" dirty="0"/>
+              <a:t>/</a:t>
+            </a:r>
+            <a:r>
+              <a:rPr kumimoji="1" lang="zh-CN" altLang="en-US" sz="2400" dirty="0"/>
+              <a:t>计数器</a:t>
+            </a:r>
+            <a:r>
+              <a:rPr kumimoji="1" lang="en-US" altLang="zh-CN" sz="2400" dirty="0"/>
+              <a:t>8253/8254</a:t>
+            </a:r>
+            <a:r>
+              <a:rPr kumimoji="1" lang="zh-CN" altLang="en-US" sz="2400" dirty="0"/>
+              <a:t>等</a:t>
+            </a:r>
+          </a:p>
+          <a:p>
+            <a:pPr lvl="1"/>
+            <a:r>
+              <a:rPr kumimoji="1" lang="en-US" altLang="zh-CN" sz="2400" dirty="0">
+                <a:solidFill>
+                  <a:srgbClr val="000000"/>
+                </a:solidFill>
+              </a:rPr>
+              <a:t>3</a:t>
+            </a:r>
+            <a:r>
+              <a:rPr kumimoji="1" lang="zh-CN" altLang="en-US" sz="2400" dirty="0">
+                <a:solidFill>
+                  <a:srgbClr val="000000"/>
+                </a:solidFill>
+              </a:rPr>
+              <a:t>）面向外设的专用接口芯片：</a:t>
+            </a:r>
+            <a:r>
+              <a:rPr kumimoji="1" lang="en-US" altLang="zh-CN" sz="2400" dirty="0"/>
+              <a:t>CRT</a:t>
+            </a:r>
+            <a:r>
+              <a:rPr kumimoji="1" lang="zh-CN" altLang="en-US" sz="2400" dirty="0"/>
+              <a:t>控制器</a:t>
+            </a:r>
+            <a:r>
+              <a:rPr kumimoji="1" lang="en-US" altLang="zh-CN" sz="2400" dirty="0" err="1"/>
+              <a:t>MC6845</a:t>
+            </a:r>
+            <a:r>
+              <a:rPr kumimoji="1" lang="zh-CN" altLang="en-US" sz="2400" dirty="0"/>
+              <a:t>、键盘接口芯片</a:t>
+            </a:r>
+            <a:r>
+              <a:rPr kumimoji="1" lang="en-US" altLang="zh-CN" sz="2400" dirty="0"/>
+              <a:t>8279</a:t>
+            </a:r>
+            <a:r>
+              <a:rPr kumimoji="1" lang="zh-CN" altLang="en-US" sz="2400" dirty="0"/>
+              <a:t>等</a:t>
+            </a:r>
+          </a:p>
+        </p:txBody>
+      </p:sp>
+    </p:spTree>
+    <p:extLst>
+      <p:ext uri="{BB962C8B-B14F-4D97-AF65-F5344CB8AC3E}">
+        <p14:creationId xmlns:p14="http://schemas.microsoft.com/office/powerpoint/2010/main" val="2033550338"/>
+      </p:ext>
+    </p:extLst>
+  </p:cSld>
+  <p:clrMapOvr>
+    <a:masterClrMapping/>
+  </p:clrMapOvr>
+  <mc:AlternateContent xmlns:mc="http://schemas.openxmlformats.org/markup-compatibility/2006">
+    <mc:Choice xmlns:p14="http://schemas.microsoft.com/office/powerpoint/2010/main" Requires="p14">
+      <p:transition spd="slow" p14:dur="2000"/>
+    </mc:Choice>
+    <mc:Fallback>
+      <p:transition spd="slow"/>
+    </mc:Fallback>
+  </mc:AlternateContent>
+  <p:timing>
+    <p:tnLst>
+      <p:par>
+        <p:cTn id="1" dur="indefinite" restart="never" nodeType="tmRoot">
+          <p:childTnLst>
+            <p:seq concurrent="1" nextAc="seek">
+              <p:cTn id="2" dur="indefinite" nodeType="mainSeq">
+                <p:childTnLst>
+                  <p:par>
+                    <p:cTn id="3" fill="hold" nodeType="clickPar">
+                      <p:stCondLst>
+                        <p:cond delay="indefinite"/>
+                      </p:stCondLst>
+                      <p:childTnLst>
+                        <p:par>
+                          <p:cTn id="4" fill="hold" nodeType="withGroup">
+                            <p:stCondLst>
+                              <p:cond delay="0"/>
+                            </p:stCondLst>
+                            <p:childTnLst>
+                              <p:par>
+                                <p:cTn id="5" presetID="22" presetClass="entr" presetSubtype="1" fill="hold" nodeType="clickEffect">
+                                  <p:stCondLst>
+                                    <p:cond delay="0"/>
+                                  </p:stCondLst>
+                                  <p:childTnLst>
+                                    <p:set>
+                                      <p:cBhvr>
+                                        <p:cTn id="6" dur="1" fill="hold">
+                                          <p:stCondLst>
+                                            <p:cond delay="0"/>
+                                          </p:stCondLst>
+                                        </p:cTn>
+                                        <p:tgtEl>
+                                          <p:spTgt spid="121859">
+                                            <p:txEl>
+                                              <p:pRg st="1" end="1"/>
+                                            </p:txEl>
+                                          </p:spTgt>
+                                        </p:tgtEl>
+                                        <p:attrNameLst>
+                                          <p:attrName>style.visibility</p:attrName>
+                                        </p:attrNameLst>
+                                      </p:cBhvr>
+                                      <p:to>
+                                        <p:strVal val="visible"/>
+                                      </p:to>
+                                    </p:set>
+                                    <p:animEffect transition="in" filter="wipe(up)">
+                                      <p:cBhvr>
+                                        <p:cTn id="7" dur="500"/>
+                                        <p:tgtEl>
+                                          <p:spTgt spid="121859">
+                                            <p:txEl>
+                                              <p:pRg st="1" end="1"/>
+                                            </p:txEl>
+                                          </p:spTgt>
+                                        </p:tgtEl>
+                                      </p:cBhvr>
+                                    </p:animEffect>
+                                  </p:childTnLst>
+                                </p:cTn>
+                              </p:par>
+                            </p:childTnLst>
+                          </p:cTn>
+                        </p:par>
+                      </p:childTnLst>
+                    </p:cTn>
+                  </p:par>
+                  <p:par>
+                    <p:cTn id="8" fill="hold" nodeType="clickPar">
+                      <p:stCondLst>
+                        <p:cond delay="indefinite"/>
+                      </p:stCondLst>
+                      <p:childTnLst>
+                        <p:par>
+                          <p:cTn id="9" fill="hold" nodeType="withGroup">
+                            <p:stCondLst>
+                              <p:cond delay="0"/>
+                            </p:stCondLst>
+                            <p:childTnLst>
+                              <p:par>
+                                <p:cTn id="10" presetID="22" presetClass="entr" presetSubtype="1" fill="hold" nodeType="clickEffect">
+                                  <p:stCondLst>
+                                    <p:cond delay="0"/>
+                                  </p:stCondLst>
+                                  <p:childTnLst>
+                                    <p:set>
+                                      <p:cBhvr>
+                                        <p:cTn id="11" dur="1" fill="hold">
+                                          <p:stCondLst>
+                                            <p:cond delay="0"/>
+                                          </p:stCondLst>
+                                        </p:cTn>
+                                        <p:tgtEl>
+                                          <p:spTgt spid="121859">
+                                            <p:txEl>
+                                              <p:pRg st="2" end="2"/>
+                                            </p:txEl>
+                                          </p:spTgt>
+                                        </p:tgtEl>
+                                        <p:attrNameLst>
+                                          <p:attrName>style.visibility</p:attrName>
+                                        </p:attrNameLst>
+                                      </p:cBhvr>
+                                      <p:to>
+                                        <p:strVal val="visible"/>
+                                      </p:to>
+                                    </p:set>
+                                    <p:animEffect transition="in" filter="wipe(up)">
+                                      <p:cBhvr>
+                                        <p:cTn id="12" dur="500"/>
+                                        <p:tgtEl>
+                                          <p:spTgt spid="121859">
+                                            <p:txEl>
+                                              <p:pRg st="2" end="2"/>
+                                            </p:txEl>
+                                          </p:spTgt>
+                                        </p:tgtEl>
+                                      </p:cBhvr>
+                                    </p:animEffect>
+                                  </p:childTnLst>
+                                </p:cTn>
+                              </p:par>
+                            </p:childTnLst>
+                          </p:cTn>
+                        </p:par>
+                      </p:childTnLst>
+                    </p:cTn>
+                  </p:par>
+                  <p:par>
+                    <p:cTn id="13" fill="hold" nodeType="clickPar">
+                      <p:stCondLst>
+                        <p:cond delay="indefinite"/>
+                      </p:stCondLst>
+                      <p:childTnLst>
+                        <p:par>
+                          <p:cTn id="14" fill="hold" nodeType="withGroup">
+                            <p:stCondLst>
+                              <p:cond delay="0"/>
+                            </p:stCondLst>
+                            <p:childTnLst>
+                              <p:par>
+                                <p:cTn id="15" presetID="22" presetClass="entr" presetSubtype="1" fill="hold" nodeType="clickEffect">
+                                  <p:stCondLst>
+                                    <p:cond delay="0"/>
+                                  </p:stCondLst>
+                                  <p:childTnLst>
+                                    <p:set>
+                                      <p:cBhvr>
+                                        <p:cTn id="16" dur="1" fill="hold">
+                                          <p:stCondLst>
+                                            <p:cond delay="0"/>
+                                          </p:stCondLst>
+                                        </p:cTn>
+                                        <p:tgtEl>
+                                          <p:spTgt spid="121859">
+                                            <p:txEl>
+                                              <p:pRg st="3" end="3"/>
+                                            </p:txEl>
+                                          </p:spTgt>
+                                        </p:tgtEl>
+                                        <p:attrNameLst>
+                                          <p:attrName>style.visibility</p:attrName>
+                                        </p:attrNameLst>
+                                      </p:cBhvr>
+                                      <p:to>
+                                        <p:strVal val="visible"/>
+                                      </p:to>
+                                    </p:set>
+                                    <p:animEffect transition="in" filter="wipe(up)">
+                                      <p:cBhvr>
+                                        <p:cTn id="17" dur="500"/>
+                                        <p:tgtEl>
+                                          <p:spTgt spid="121859">
+                                            <p:txEl>
+                                              <p:pRg st="3" end="3"/>
+                                            </p:txEl>
+                                          </p:spTgt>
+                                        </p:tgtEl>
+                                      </p:cBhvr>
+                                    </p:animEffect>
+                                  </p:childTnLst>
+                                </p:cTn>
+                              </p:par>
+                            </p:childTnLst>
+                          </p:cTn>
+                        </p:par>
+                      </p:childTnLst>
+                    </p:cTn>
+                  </p:par>
+                </p:childTnLst>
+              </p:cTn>
+              <p:prevCondLst>
+                <p:cond evt="onPrev" delay="0">
+                  <p:tgtEl>
+                    <p:sldTgt/>
+                  </p:tgtEl>
+                </p:cond>
+              </p:prevCondLst>
+              <p:nextCondLst>
+                <p:cond evt="onNext" delay="0">
+                  <p:tgtEl>
+                    <p:sldTgt/>
+                  </p:tgtEl>
+                </p:cond>
+              </p:nextCondLst>
+            </p:seq>
+          </p:childTnLst>
+        </p:cTn>
+      </p:par>
+    </p:tnLst>
+  </p:timing>
+</p:sld>
+</file>
+
+<file path=ppt/slides/slide24.xml><?xml version="1.0" encoding="utf-8"?>
+<p:sld xmlns:a="http://schemas.openxmlformats.org/drawingml/2006/main" xmlns:r="http://schemas.openxmlformats.org/officeDocument/2006/relationships" xmlns:p="http://schemas.openxmlformats.org/presentationml/2006/main">
+  <p:cSld>
+    <p:spTree>
+      <p:nvGrpSpPr>
+        <p:cNvPr id="1" name=""/>
+        <p:cNvGrpSpPr/>
+        <p:nvPr/>
+      </p:nvGrpSpPr>
+      <p:grpSpPr>
+        <a:xfrm>
+          <a:off x="0" y="0"/>
+          <a:ext cx="0" cy="0"/>
+          <a:chOff x="0" y="0"/>
+          <a:chExt cx="0" cy="0"/>
+        </a:xfrm>
+      </p:grpSpPr>
+      <p:sp>
+        <p:nvSpPr>
           <p:cNvPr id="18434" name="Rectangle 2"/>
           <p:cNvSpPr>
             <a:spLocks noGrp="1" noChangeArrowheads="1"/>
@@ -9354,15 +10311,19 @@
             </a:pPr>
             <a:r>
               <a:rPr lang="en-US" altLang="zh-CN" dirty="0" smtClean="0"/>
-              <a:t>5.5  </a:t>
-            </a:r>
-            <a:r>
-              <a:rPr lang="en-US" altLang="zh-CN" dirty="0"/>
-              <a:t>CPU</a:t>
+              <a:t>5.4</a:t>
+            </a:r>
+            <a:r>
+              <a:rPr lang="en-US" altLang="zh-CN" dirty="0" smtClean="0"/>
+              <a:t>.2</a:t>
+            </a:r>
+            <a:r>
+              <a:rPr lang="en-US" altLang="zh-CN" dirty="0" smtClean="0"/>
+              <a:t>  </a:t>
             </a:r>
             <a:r>
               <a:rPr lang="zh-CN" altLang="en-US" dirty="0"/>
-              <a:t>和外设之间的数据传送方式</a:t>
+              <a:t>接口与系统的连接</a:t>
             </a:r>
           </a:p>
         </p:txBody>
@@ -9390,7 +10351,1858 @@
               <a:pPr>
                 <a:defRPr/>
               </a:pPr>
-              <a:t>20</a:t>
+              <a:t>24</a:t>
+            </a:fld>
+            <a:endParaRPr lang="en-US" altLang="zh-CN" dirty="0"/>
+          </a:p>
+        </p:txBody>
+      </p:sp>
+      <p:pic>
+        <p:nvPicPr>
+          <p:cNvPr id="49" name="Picture 3" descr="wx110"/>
+          <p:cNvPicPr>
+            <a:picLocks noChangeAspect="1" noChangeArrowheads="1"/>
+          </p:cNvPicPr>
+          <p:nvPr/>
+        </p:nvPicPr>
+        <p:blipFill>
+          <a:blip r:embed="rId2"/>
+          <a:srcRect/>
+          <a:stretch>
+            <a:fillRect/>
+          </a:stretch>
+        </p:blipFill>
+        <p:spPr bwMode="auto">
+          <a:xfrm>
+            <a:off x="1643063" y="1357313"/>
+            <a:ext cx="5616575" cy="5184775"/>
+          </a:xfrm>
+          <a:prstGeom prst="rect">
+            <a:avLst/>
+          </a:prstGeom>
+          <a:noFill/>
+          <a:ln>
+            <a:noFill/>
+          </a:ln>
+          <a:extLst>
+            <a:ext uri="{909E8E84-426E-40DD-AFC4-6F175D3DCCD1}">
+              <a14:hiddenFill xmlns:a14="http://schemas.microsoft.com/office/drawing/2010/main">
+                <a:solidFill>
+                  <a:srgbClr val="FFFFFF"/>
+                </a:solidFill>
+              </a14:hiddenFill>
+            </a:ext>
+            <a:ext uri="{91240B29-F687-4F45-9708-019B960494DF}">
+              <a14:hiddenLine xmlns:a14="http://schemas.microsoft.com/office/drawing/2010/main" w="9525">
+                <a:solidFill>
+                  <a:srgbClr val="000000"/>
+                </a:solidFill>
+                <a:miter lim="800000"/>
+                <a:headEnd/>
+                <a:tailEnd/>
+              </a14:hiddenLine>
+            </a:ext>
+          </a:extLst>
+        </p:spPr>
+      </p:pic>
+    </p:spTree>
+    <p:extLst>
+      <p:ext uri="{BB962C8B-B14F-4D97-AF65-F5344CB8AC3E}">
+        <p14:creationId xmlns:p14="http://schemas.microsoft.com/office/powerpoint/2010/main" val="846057288"/>
+      </p:ext>
+    </p:extLst>
+  </p:cSld>
+  <p:clrMapOvr>
+    <a:masterClrMapping/>
+  </p:clrMapOvr>
+  <mc:AlternateContent xmlns:mc="http://schemas.openxmlformats.org/markup-compatibility/2006" xmlns:p14="http://schemas.microsoft.com/office/powerpoint/2010/main">
+    <mc:Choice Requires="p14">
+      <p:transition spd="med" p14:dur="700">
+        <p:fade/>
+      </p:transition>
+    </mc:Choice>
+    <mc:Fallback xmlns="">
+      <p:transition spd="med">
+        <p:fade/>
+      </p:transition>
+    </mc:Fallback>
+  </mc:AlternateContent>
+  <p:timing>
+    <p:tnLst>
+      <p:par>
+        <p:cTn id="1" dur="indefinite" restart="never" nodeType="tmRoot"/>
+      </p:par>
+    </p:tnLst>
+  </p:timing>
+</p:sld>
+</file>
+
+<file path=ppt/slides/slide25.xml><?xml version="1.0" encoding="utf-8"?>
+<p:sld xmlns:a="http://schemas.openxmlformats.org/drawingml/2006/main" xmlns:r="http://schemas.openxmlformats.org/officeDocument/2006/relationships" xmlns:p="http://schemas.openxmlformats.org/presentationml/2006/main">
+  <p:cSld>
+    <p:spTree>
+      <p:nvGrpSpPr>
+        <p:cNvPr id="1" name=""/>
+        <p:cNvGrpSpPr/>
+        <p:nvPr/>
+      </p:nvGrpSpPr>
+      <p:grpSpPr>
+        <a:xfrm>
+          <a:off x="0" y="0"/>
+          <a:ext cx="0" cy="0"/>
+          <a:chOff x="0" y="0"/>
+          <a:chExt cx="0" cy="0"/>
+        </a:xfrm>
+      </p:grpSpPr>
+      <p:sp>
+        <p:nvSpPr>
+          <p:cNvPr id="18434" name="Rectangle 2"/>
+          <p:cNvSpPr>
+            <a:spLocks noGrp="1" noChangeArrowheads="1"/>
+          </p:cNvSpPr>
+          <p:nvPr>
+            <p:ph type="title"/>
+          </p:nvPr>
+        </p:nvSpPr>
+        <p:spPr/>
+        <p:txBody>
+          <a:bodyPr/>
+          <a:lstStyle/>
+          <a:p>
+            <a:pPr eaLnBrk="1" hangingPunct="1">
+              <a:buFont typeface="Wingdings" panose="05000000000000000000" pitchFamily="2" charset="2"/>
+              <a:buNone/>
+            </a:pPr>
+            <a:r>
+              <a:rPr lang="en-US" altLang="zh-CN" dirty="0" smtClean="0"/>
+              <a:t>5.4  </a:t>
+            </a:r>
+            <a:r>
+              <a:rPr lang="zh-CN" altLang="en-US" dirty="0"/>
+              <a:t>接口与系统的连接</a:t>
+            </a:r>
+          </a:p>
+        </p:txBody>
+      </p:sp>
+      <p:sp>
+        <p:nvSpPr>
+          <p:cNvPr id="2" name="灯片编号占位符 1"/>
+          <p:cNvSpPr>
+            <a:spLocks noGrp="1"/>
+          </p:cNvSpPr>
+          <p:nvPr>
+            <p:ph type="sldNum" sz="quarter" idx="12"/>
+          </p:nvPr>
+        </p:nvSpPr>
+        <p:spPr/>
+        <p:txBody>
+          <a:bodyPr/>
+          <a:lstStyle/>
+          <a:p>
+            <a:pPr>
+              <a:defRPr/>
+            </a:pPr>
+            <a:fld id="{BC120BD5-977A-42A5-BBAD-59A61BB20C95}" type="slidenum">
+              <a:rPr lang="en-US" altLang="zh-CN" smtClean="0"/>
+              <a:pPr>
+                <a:defRPr/>
+              </a:pPr>
+              <a:t>25</a:t>
+            </a:fld>
+            <a:endParaRPr lang="en-US" altLang="zh-CN" dirty="0"/>
+          </a:p>
+        </p:txBody>
+      </p:sp>
+      <p:sp>
+        <p:nvSpPr>
+          <p:cNvPr id="3" name="内容占位符 2"/>
+          <p:cNvSpPr>
+            <a:spLocks noGrp="1"/>
+          </p:cNvSpPr>
+          <p:nvPr>
+            <p:ph idx="1"/>
+          </p:nvPr>
+        </p:nvSpPr>
+        <p:spPr/>
+        <p:txBody>
+          <a:bodyPr/>
+          <a:lstStyle/>
+          <a:p>
+            <a:r>
+              <a:rPr lang="zh-CN" altLang="en-US" dirty="0"/>
+              <a:t>用读信号、写信号和地址</a:t>
+            </a:r>
+            <a:r>
+              <a:rPr lang="en-US" altLang="zh-CN" dirty="0"/>
+              <a:t>A0</a:t>
+            </a:r>
+            <a:r>
+              <a:rPr lang="zh-CN" altLang="en-US" dirty="0"/>
+              <a:t>区分</a:t>
+            </a:r>
+            <a:r>
+              <a:rPr lang="en-US" altLang="zh-CN" dirty="0"/>
+              <a:t>4</a:t>
+            </a:r>
+            <a:r>
+              <a:rPr lang="zh-CN" altLang="en-US" dirty="0"/>
+              <a:t>个寄存器</a:t>
+            </a:r>
+          </a:p>
+          <a:p>
+            <a:endParaRPr lang="zh-CN" altLang="en-US" dirty="0"/>
+          </a:p>
+        </p:txBody>
+      </p:sp>
+      <p:graphicFrame>
+        <p:nvGraphicFramePr>
+          <p:cNvPr id="6" name="Object 5"/>
+          <p:cNvGraphicFramePr>
+            <a:graphicFrameLocks noChangeAspect="1"/>
+          </p:cNvGraphicFramePr>
+          <p:nvPr>
+            <p:extLst>
+              <p:ext uri="{D42A27DB-BD31-4B8C-83A1-F6EECF244321}">
+                <p14:modId xmlns:p14="http://schemas.microsoft.com/office/powerpoint/2010/main" val="3277636146"/>
+              </p:ext>
+            </p:extLst>
+          </p:nvPr>
+        </p:nvGraphicFramePr>
+        <p:xfrm>
+          <a:off x="590836" y="2420888"/>
+          <a:ext cx="7921856" cy="1944216"/>
+        </p:xfrm>
+        <a:graphic>
+          <a:graphicData uri="http://schemas.openxmlformats.org/presentationml/2006/ole">
+            <mc:AlternateContent xmlns:mc="http://schemas.openxmlformats.org/markup-compatibility/2006">
+              <mc:Choice xmlns:v="urn:schemas-microsoft-com:vml" Requires="v">
+                <p:oleObj spid="_x0000_s63503" r:id="rId3" imgW="7515225" imgH="4019550" progId="">
+                  <p:embed/>
+                </p:oleObj>
+              </mc:Choice>
+              <mc:Fallback>
+                <p:oleObj r:id="rId3" imgW="7515225" imgH="4019550" progId="">
+                  <p:embed/>
+                  <p:pic>
+                    <p:nvPicPr>
+                      <p:cNvPr id="2050" name="Object 5"/>
+                      <p:cNvPicPr>
+                        <a:picLocks noChangeAspect="1"/>
+                      </p:cNvPicPr>
+                      <p:nvPr/>
+                    </p:nvPicPr>
+                    <p:blipFill>
+                      <a:blip r:embed="rId4"/>
+                      <a:stretch>
+                        <a:fillRect/>
+                      </a:stretch>
+                    </p:blipFill>
+                    <p:spPr>
+                      <a:xfrm>
+                        <a:off x="590836" y="2420888"/>
+                        <a:ext cx="7921856" cy="1944216"/>
+                      </a:xfrm>
+                      <a:prstGeom prst="rect">
+                        <a:avLst/>
+                      </a:prstGeom>
+                      <a:noFill/>
+                      <a:ln w="9525">
+                        <a:noFill/>
+                        <a:miter/>
+                      </a:ln>
+                    </p:spPr>
+                  </p:pic>
+                </p:oleObj>
+              </mc:Fallback>
+            </mc:AlternateContent>
+          </a:graphicData>
+        </a:graphic>
+      </p:graphicFrame>
+    </p:spTree>
+    <p:extLst>
+      <p:ext uri="{BB962C8B-B14F-4D97-AF65-F5344CB8AC3E}">
+        <p14:creationId xmlns:p14="http://schemas.microsoft.com/office/powerpoint/2010/main" val="2022107802"/>
+      </p:ext>
+    </p:extLst>
+  </p:cSld>
+  <p:clrMapOvr>
+    <a:masterClrMapping/>
+  </p:clrMapOvr>
+  <mc:AlternateContent xmlns:mc="http://schemas.openxmlformats.org/markup-compatibility/2006" xmlns:p14="http://schemas.microsoft.com/office/powerpoint/2010/main">
+    <mc:Choice Requires="p14">
+      <p:transition spd="med" p14:dur="700">
+        <p:fade/>
+      </p:transition>
+    </mc:Choice>
+    <mc:Fallback xmlns="">
+      <p:transition spd="med">
+        <p:fade/>
+      </p:transition>
+    </mc:Fallback>
+  </mc:AlternateContent>
+  <p:timing>
+    <p:tnLst>
+      <p:par>
+        <p:cTn id="1" dur="indefinite" restart="never" nodeType="tmRoot">
+          <p:childTnLst>
+            <p:seq concurrent="1" nextAc="seek">
+              <p:cTn id="2" dur="indefinite" nodeType="mainSeq">
+                <p:childTnLst>
+                  <p:par>
+                    <p:cTn id="3" fill="hold">
+                      <p:stCondLst>
+                        <p:cond delay="indefinite"/>
+                      </p:stCondLst>
+                      <p:childTnLst>
+                        <p:par>
+                          <p:cTn id="4" fill="hold">
+                            <p:stCondLst>
+                              <p:cond delay="0"/>
+                            </p:stCondLst>
+                            <p:childTnLst>
+                              <p:par>
+                                <p:cTn id="5" presetID="1" presetClass="entr" presetSubtype="0" fill="hold" nodeType="clickEffect">
+                                  <p:stCondLst>
+                                    <p:cond delay="0"/>
+                                  </p:stCondLst>
+                                  <p:childTnLst>
+                                    <p:set>
+                                      <p:cBhvr>
+                                        <p:cTn id="6" dur="1" fill="hold">
+                                          <p:stCondLst>
+                                            <p:cond delay="0"/>
+                                          </p:stCondLst>
+                                        </p:cTn>
+                                        <p:tgtEl>
+                                          <p:spTgt spid="6"/>
+                                        </p:tgtEl>
+                                        <p:attrNameLst>
+                                          <p:attrName>style.visibility</p:attrName>
+                                        </p:attrNameLst>
+                                      </p:cBhvr>
+                                      <p:to>
+                                        <p:strVal val="visible"/>
+                                      </p:to>
+                                    </p:set>
+                                  </p:childTnLst>
+                                </p:cTn>
+                              </p:par>
+                            </p:childTnLst>
+                          </p:cTn>
+                        </p:par>
+                      </p:childTnLst>
+                    </p:cTn>
+                  </p:par>
+                </p:childTnLst>
+              </p:cTn>
+              <p:prevCondLst>
+                <p:cond evt="onPrev" delay="0">
+                  <p:tgtEl>
+                    <p:sldTgt/>
+                  </p:tgtEl>
+                </p:cond>
+              </p:prevCondLst>
+              <p:nextCondLst>
+                <p:cond evt="onNext" delay="0">
+                  <p:tgtEl>
+                    <p:sldTgt/>
+                  </p:tgtEl>
+                </p:cond>
+              </p:nextCondLst>
+            </p:seq>
+          </p:childTnLst>
+        </p:cTn>
+      </p:par>
+    </p:tnLst>
+  </p:timing>
+</p:sld>
+</file>
+
+<file path=ppt/slides/slide26.xml><?xml version="1.0" encoding="utf-8"?>
+<p:sld xmlns:a="http://schemas.openxmlformats.org/drawingml/2006/main" xmlns:r="http://schemas.openxmlformats.org/officeDocument/2006/relationships" xmlns:p="http://schemas.openxmlformats.org/presentationml/2006/main">
+  <p:cSld>
+    <p:spTree>
+      <p:nvGrpSpPr>
+        <p:cNvPr id="1" name=""/>
+        <p:cNvGrpSpPr/>
+        <p:nvPr/>
+      </p:nvGrpSpPr>
+      <p:grpSpPr>
+        <a:xfrm>
+          <a:off x="0" y="0"/>
+          <a:ext cx="0" cy="0"/>
+          <a:chOff x="0" y="0"/>
+          <a:chExt cx="0" cy="0"/>
+        </a:xfrm>
+      </p:grpSpPr>
+      <p:sp>
+        <p:nvSpPr>
+          <p:cNvPr id="18434" name="Rectangle 2"/>
+          <p:cNvSpPr>
+            <a:spLocks noGrp="1" noChangeArrowheads="1"/>
+          </p:cNvSpPr>
+          <p:nvPr>
+            <p:ph type="title"/>
+          </p:nvPr>
+        </p:nvSpPr>
+        <p:spPr/>
+        <p:txBody>
+          <a:bodyPr/>
+          <a:lstStyle/>
+          <a:p>
+            <a:pPr eaLnBrk="1" hangingPunct="1">
+              <a:buFont typeface="Wingdings" panose="05000000000000000000" pitchFamily="2" charset="2"/>
+              <a:buNone/>
+            </a:pPr>
+            <a:r>
+              <a:rPr lang="en-US" altLang="zh-CN" dirty="0" smtClean="0"/>
+              <a:t>5.4  </a:t>
+            </a:r>
+            <a:r>
+              <a:rPr lang="zh-CN" altLang="en-US" dirty="0"/>
+              <a:t>接口与系统的连接</a:t>
+            </a:r>
+          </a:p>
+        </p:txBody>
+      </p:sp>
+      <p:sp>
+        <p:nvSpPr>
+          <p:cNvPr id="2" name="灯片编号占位符 1"/>
+          <p:cNvSpPr>
+            <a:spLocks noGrp="1"/>
+          </p:cNvSpPr>
+          <p:nvPr>
+            <p:ph type="sldNum" sz="quarter" idx="12"/>
+          </p:nvPr>
+        </p:nvSpPr>
+        <p:spPr/>
+        <p:txBody>
+          <a:bodyPr/>
+          <a:lstStyle/>
+          <a:p>
+            <a:pPr>
+              <a:defRPr/>
+            </a:pPr>
+            <a:fld id="{BC120BD5-977A-42A5-BBAD-59A61BB20C95}" type="slidenum">
+              <a:rPr lang="en-US" altLang="zh-CN" smtClean="0"/>
+              <a:pPr>
+                <a:defRPr/>
+              </a:pPr>
+              <a:t>26</a:t>
+            </a:fld>
+            <a:endParaRPr lang="en-US" altLang="zh-CN" dirty="0"/>
+          </a:p>
+        </p:txBody>
+      </p:sp>
+      <p:sp>
+        <p:nvSpPr>
+          <p:cNvPr id="3" name="内容占位符 2"/>
+          <p:cNvSpPr>
+            <a:spLocks noGrp="1"/>
+          </p:cNvSpPr>
+          <p:nvPr>
+            <p:ph idx="1"/>
+          </p:nvPr>
+        </p:nvSpPr>
+        <p:spPr/>
+        <p:txBody>
+          <a:bodyPr/>
+          <a:lstStyle/>
+          <a:p>
+            <a:r>
+              <a:rPr lang="zh-CN" altLang="en-US" dirty="0"/>
+              <a:t>用读信号、写信号和地址</a:t>
+            </a:r>
+            <a:r>
+              <a:rPr lang="en-US" altLang="zh-CN" dirty="0"/>
+              <a:t>A0</a:t>
+            </a:r>
+            <a:r>
+              <a:rPr lang="zh-CN" altLang="en-US" dirty="0"/>
+              <a:t>区分</a:t>
+            </a:r>
+            <a:r>
+              <a:rPr lang="en-US" altLang="zh-CN" dirty="0"/>
+              <a:t>4</a:t>
+            </a:r>
+            <a:r>
+              <a:rPr lang="zh-CN" altLang="en-US" dirty="0"/>
+              <a:t>个寄存器</a:t>
+            </a:r>
+          </a:p>
+          <a:p>
+            <a:pPr indent="0">
+              <a:spcAft>
+                <a:spcPct val="15000"/>
+              </a:spcAft>
+              <a:buNone/>
+            </a:pPr>
+            <a:r>
+              <a:rPr kumimoji="1" lang="zh-CN" altLang="en-US" b="1" dirty="0" smtClean="0">
+                <a:latin typeface="Times New Roman" pitchFamily="18" charset="0"/>
+              </a:rPr>
+              <a:t>（</a:t>
+            </a:r>
+            <a:r>
+              <a:rPr kumimoji="1" lang="en-US" altLang="zh-CN" b="1" dirty="0" smtClean="0">
+                <a:latin typeface="Times New Roman" pitchFamily="18" charset="0"/>
+              </a:rPr>
+              <a:t>1</a:t>
+            </a:r>
+            <a:r>
+              <a:rPr kumimoji="1" lang="zh-CN" altLang="en-US" b="1" dirty="0">
+                <a:latin typeface="Times New Roman" pitchFamily="18" charset="0"/>
+              </a:rPr>
+              <a:t>）</a:t>
+            </a:r>
+            <a:r>
+              <a:rPr kumimoji="1" lang="zh-CN" altLang="en-US" dirty="0">
+                <a:latin typeface="Times New Roman" pitchFamily="18" charset="0"/>
+              </a:rPr>
+              <a:t>数据输入端口和数据输出端口可使用相同的地址， 接口电路用读写控制信号来区分。</a:t>
+            </a:r>
+          </a:p>
+          <a:p>
+            <a:pPr indent="0">
+              <a:spcAft>
+                <a:spcPct val="15000"/>
+              </a:spcAft>
+              <a:buNone/>
+            </a:pPr>
+            <a:r>
+              <a:rPr kumimoji="1" lang="zh-CN" altLang="en-US" dirty="0">
+                <a:latin typeface="Times New Roman" pitchFamily="18" charset="0"/>
+              </a:rPr>
+              <a:t>	</a:t>
+            </a:r>
+            <a:r>
+              <a:rPr kumimoji="1" lang="en-US" altLang="zh-CN" dirty="0">
+                <a:latin typeface="Times New Roman" pitchFamily="18" charset="0"/>
+              </a:rPr>
+              <a:t>IN  AL</a:t>
+            </a:r>
+            <a:r>
+              <a:rPr kumimoji="1" lang="zh-CN" altLang="en-US" dirty="0">
+                <a:latin typeface="Times New Roman" pitchFamily="18" charset="0"/>
+              </a:rPr>
+              <a:t>，</a:t>
+            </a:r>
+            <a:r>
+              <a:rPr kumimoji="1" lang="en-US" altLang="zh-CN" dirty="0">
+                <a:latin typeface="Times New Roman" pitchFamily="18" charset="0"/>
+              </a:rPr>
+              <a:t>80H</a:t>
+            </a:r>
+          </a:p>
+          <a:p>
+            <a:pPr indent="0">
+              <a:spcAft>
+                <a:spcPct val="15000"/>
+              </a:spcAft>
+              <a:buNone/>
+            </a:pPr>
+            <a:r>
+              <a:rPr kumimoji="1" lang="en-US" altLang="zh-CN" dirty="0">
+                <a:latin typeface="Times New Roman" pitchFamily="18" charset="0"/>
+              </a:rPr>
+              <a:t>	OUT  80H</a:t>
+            </a:r>
+            <a:r>
+              <a:rPr kumimoji="1" lang="zh-CN" altLang="en-US" dirty="0">
+                <a:latin typeface="Times New Roman" pitchFamily="18" charset="0"/>
+              </a:rPr>
+              <a:t>，</a:t>
+            </a:r>
+            <a:r>
+              <a:rPr kumimoji="1" lang="en-US" altLang="zh-CN" dirty="0">
+                <a:latin typeface="Times New Roman" pitchFamily="18" charset="0"/>
+              </a:rPr>
+              <a:t>AL</a:t>
+            </a:r>
+          </a:p>
+          <a:p>
+            <a:pPr indent="0">
+              <a:buNone/>
+            </a:pPr>
+            <a:endParaRPr lang="zh-CN" altLang="en-US" dirty="0"/>
+          </a:p>
+        </p:txBody>
+      </p:sp>
+    </p:spTree>
+    <p:extLst>
+      <p:ext uri="{BB962C8B-B14F-4D97-AF65-F5344CB8AC3E}">
+        <p14:creationId xmlns:p14="http://schemas.microsoft.com/office/powerpoint/2010/main" val="2418472295"/>
+      </p:ext>
+    </p:extLst>
+  </p:cSld>
+  <p:clrMapOvr>
+    <a:masterClrMapping/>
+  </p:clrMapOvr>
+  <mc:AlternateContent xmlns:mc="http://schemas.openxmlformats.org/markup-compatibility/2006" xmlns:p14="http://schemas.microsoft.com/office/powerpoint/2010/main">
+    <mc:Choice Requires="p14">
+      <p:transition spd="med" p14:dur="700">
+        <p:fade/>
+      </p:transition>
+    </mc:Choice>
+    <mc:Fallback xmlns="">
+      <p:transition spd="med">
+        <p:fade/>
+      </p:transition>
+    </mc:Fallback>
+  </mc:AlternateContent>
+  <p:timing>
+    <p:tnLst>
+      <p:par>
+        <p:cTn id="1" dur="indefinite" restart="never" nodeType="tmRoot"/>
+      </p:par>
+    </p:tnLst>
+  </p:timing>
+</p:sld>
+</file>
+
+<file path=ppt/slides/slide27.xml><?xml version="1.0" encoding="utf-8"?>
+<p:sld xmlns:a="http://schemas.openxmlformats.org/drawingml/2006/main" xmlns:r="http://schemas.openxmlformats.org/officeDocument/2006/relationships" xmlns:p="http://schemas.openxmlformats.org/presentationml/2006/main">
+  <p:cSld>
+    <p:spTree>
+      <p:nvGrpSpPr>
+        <p:cNvPr id="1" name=""/>
+        <p:cNvGrpSpPr/>
+        <p:nvPr/>
+      </p:nvGrpSpPr>
+      <p:grpSpPr>
+        <a:xfrm>
+          <a:off x="0" y="0"/>
+          <a:ext cx="0" cy="0"/>
+          <a:chOff x="0" y="0"/>
+          <a:chExt cx="0" cy="0"/>
+        </a:xfrm>
+      </p:grpSpPr>
+      <p:sp>
+        <p:nvSpPr>
+          <p:cNvPr id="18434" name="Rectangle 2"/>
+          <p:cNvSpPr>
+            <a:spLocks noGrp="1" noChangeArrowheads="1"/>
+          </p:cNvSpPr>
+          <p:nvPr>
+            <p:ph type="title"/>
+          </p:nvPr>
+        </p:nvSpPr>
+        <p:spPr/>
+        <p:txBody>
+          <a:bodyPr/>
+          <a:lstStyle/>
+          <a:p>
+            <a:pPr eaLnBrk="1" hangingPunct="1">
+              <a:buFont typeface="Wingdings" panose="05000000000000000000" pitchFamily="2" charset="2"/>
+              <a:buNone/>
+            </a:pPr>
+            <a:r>
+              <a:rPr lang="en-US" altLang="zh-CN" dirty="0" smtClean="0"/>
+              <a:t>5.4  </a:t>
+            </a:r>
+            <a:r>
+              <a:rPr lang="zh-CN" altLang="en-US" dirty="0"/>
+              <a:t>接口与系统的连接</a:t>
+            </a:r>
+          </a:p>
+        </p:txBody>
+      </p:sp>
+      <p:sp>
+        <p:nvSpPr>
+          <p:cNvPr id="2" name="灯片编号占位符 1"/>
+          <p:cNvSpPr>
+            <a:spLocks noGrp="1"/>
+          </p:cNvSpPr>
+          <p:nvPr>
+            <p:ph type="sldNum" sz="quarter" idx="12"/>
+          </p:nvPr>
+        </p:nvSpPr>
+        <p:spPr/>
+        <p:txBody>
+          <a:bodyPr/>
+          <a:lstStyle/>
+          <a:p>
+            <a:pPr>
+              <a:defRPr/>
+            </a:pPr>
+            <a:fld id="{BC120BD5-977A-42A5-BBAD-59A61BB20C95}" type="slidenum">
+              <a:rPr lang="en-US" altLang="zh-CN" smtClean="0"/>
+              <a:pPr>
+                <a:defRPr/>
+              </a:pPr>
+              <a:t>27</a:t>
+            </a:fld>
+            <a:endParaRPr lang="en-US" altLang="zh-CN" dirty="0"/>
+          </a:p>
+        </p:txBody>
+      </p:sp>
+      <p:sp>
+        <p:nvSpPr>
+          <p:cNvPr id="3" name="内容占位符 2"/>
+          <p:cNvSpPr>
+            <a:spLocks noGrp="1"/>
+          </p:cNvSpPr>
+          <p:nvPr>
+            <p:ph idx="1"/>
+          </p:nvPr>
+        </p:nvSpPr>
+        <p:spPr/>
+        <p:txBody>
+          <a:bodyPr/>
+          <a:lstStyle/>
+          <a:p>
+            <a:r>
+              <a:rPr lang="zh-CN" altLang="en-US" dirty="0"/>
+              <a:t>用读信号、写信号和地址</a:t>
+            </a:r>
+            <a:r>
+              <a:rPr lang="en-US" altLang="zh-CN" dirty="0"/>
+              <a:t>A0</a:t>
+            </a:r>
+            <a:r>
+              <a:rPr lang="zh-CN" altLang="en-US" dirty="0"/>
+              <a:t>区分</a:t>
+            </a:r>
+            <a:r>
+              <a:rPr lang="en-US" altLang="zh-CN" dirty="0"/>
+              <a:t>4</a:t>
+            </a:r>
+            <a:r>
+              <a:rPr lang="zh-CN" altLang="en-US" dirty="0"/>
+              <a:t>个寄存器</a:t>
+            </a:r>
+          </a:p>
+          <a:p>
+            <a:pPr indent="0">
+              <a:spcAft>
+                <a:spcPct val="15000"/>
+              </a:spcAft>
+              <a:buNone/>
+            </a:pPr>
+            <a:r>
+              <a:rPr kumimoji="1" lang="zh-CN" altLang="en-US" dirty="0" smtClean="0">
+                <a:latin typeface="Times New Roman" pitchFamily="18" charset="0"/>
+              </a:rPr>
+              <a:t>（</a:t>
+            </a:r>
+            <a:r>
+              <a:rPr kumimoji="1" lang="en-US" altLang="zh-CN" dirty="0">
+                <a:latin typeface="Times New Roman" pitchFamily="18" charset="0"/>
+              </a:rPr>
+              <a:t>2</a:t>
+            </a:r>
+            <a:r>
+              <a:rPr kumimoji="1" lang="zh-CN" altLang="en-US" dirty="0">
+                <a:latin typeface="Times New Roman" pitchFamily="18" charset="0"/>
+              </a:rPr>
+              <a:t>）状态端口和控制端口可使用相同的地址，  对状态端口只进行读操作，对控制端口仅进行写操作</a:t>
+            </a:r>
+          </a:p>
+          <a:p>
+            <a:pPr indent="0">
+              <a:spcAft>
+                <a:spcPct val="15000"/>
+              </a:spcAft>
+              <a:buNone/>
+            </a:pPr>
+            <a:r>
+              <a:rPr kumimoji="1" lang="zh-CN" altLang="en-US" dirty="0">
+                <a:latin typeface="Times New Roman" pitchFamily="18" charset="0"/>
+              </a:rPr>
+              <a:t>	 </a:t>
+            </a:r>
+            <a:r>
+              <a:rPr kumimoji="1" lang="en-US" altLang="zh-CN" dirty="0"/>
+              <a:t>IN    AL</a:t>
+            </a:r>
+            <a:r>
+              <a:rPr kumimoji="1" lang="zh-CN" altLang="en-US" dirty="0"/>
+              <a:t>， </a:t>
+            </a:r>
+            <a:r>
+              <a:rPr kumimoji="1" lang="en-US" altLang="zh-CN" dirty="0"/>
+              <a:t>81H</a:t>
+            </a:r>
+          </a:p>
+          <a:p>
+            <a:pPr indent="0">
+              <a:spcAft>
+                <a:spcPct val="15000"/>
+              </a:spcAft>
+              <a:buNone/>
+            </a:pPr>
+            <a:r>
+              <a:rPr kumimoji="1" lang="en-US" altLang="zh-CN" dirty="0"/>
+              <a:t>	OUT  81H</a:t>
+            </a:r>
+            <a:r>
+              <a:rPr kumimoji="1" lang="zh-CN" altLang="en-US" dirty="0"/>
+              <a:t>，</a:t>
+            </a:r>
+            <a:r>
+              <a:rPr kumimoji="1" lang="en-US" altLang="zh-CN" dirty="0"/>
+              <a:t>AL</a:t>
+            </a:r>
+          </a:p>
+          <a:p>
+            <a:pPr indent="0">
+              <a:buNone/>
+            </a:pPr>
+            <a:endParaRPr lang="zh-CN" altLang="en-US" dirty="0"/>
+          </a:p>
+        </p:txBody>
+      </p:sp>
+    </p:spTree>
+    <p:extLst>
+      <p:ext uri="{BB962C8B-B14F-4D97-AF65-F5344CB8AC3E}">
+        <p14:creationId xmlns:p14="http://schemas.microsoft.com/office/powerpoint/2010/main" val="3104466377"/>
+      </p:ext>
+    </p:extLst>
+  </p:cSld>
+  <p:clrMapOvr>
+    <a:masterClrMapping/>
+  </p:clrMapOvr>
+  <mc:AlternateContent xmlns:mc="http://schemas.openxmlformats.org/markup-compatibility/2006" xmlns:p14="http://schemas.microsoft.com/office/powerpoint/2010/main">
+    <mc:Choice Requires="p14">
+      <p:transition spd="med" p14:dur="700">
+        <p:fade/>
+      </p:transition>
+    </mc:Choice>
+    <mc:Fallback xmlns="">
+      <p:transition spd="med">
+        <p:fade/>
+      </p:transition>
+    </mc:Fallback>
+  </mc:AlternateContent>
+  <p:timing>
+    <p:tnLst>
+      <p:par>
+        <p:cTn id="1" dur="indefinite" restart="never" nodeType="tmRoot"/>
+      </p:par>
+    </p:tnLst>
+  </p:timing>
+</p:sld>
+</file>
+
+<file path=ppt/slides/slide28.xml><?xml version="1.0" encoding="utf-8"?>
+<p:sld xmlns:a="http://schemas.openxmlformats.org/drawingml/2006/main" xmlns:r="http://schemas.openxmlformats.org/officeDocument/2006/relationships" xmlns:p="http://schemas.openxmlformats.org/presentationml/2006/main">
+  <p:cSld>
+    <p:spTree>
+      <p:nvGrpSpPr>
+        <p:cNvPr id="1" name=""/>
+        <p:cNvGrpSpPr/>
+        <p:nvPr/>
+      </p:nvGrpSpPr>
+      <p:grpSpPr>
+        <a:xfrm>
+          <a:off x="0" y="0"/>
+          <a:ext cx="0" cy="0"/>
+          <a:chOff x="0" y="0"/>
+          <a:chExt cx="0" cy="0"/>
+        </a:xfrm>
+      </p:grpSpPr>
+      <p:sp>
+        <p:nvSpPr>
+          <p:cNvPr id="18434" name="Rectangle 2"/>
+          <p:cNvSpPr>
+            <a:spLocks noGrp="1" noChangeArrowheads="1"/>
+          </p:cNvSpPr>
+          <p:nvPr>
+            <p:ph type="title"/>
+          </p:nvPr>
+        </p:nvSpPr>
+        <p:spPr/>
+        <p:txBody>
+          <a:bodyPr/>
+          <a:lstStyle/>
+          <a:p>
+            <a:pPr eaLnBrk="1" hangingPunct="1">
+              <a:buFont typeface="Wingdings" panose="05000000000000000000" pitchFamily="2" charset="2"/>
+              <a:buNone/>
+            </a:pPr>
+            <a:r>
+              <a:rPr lang="en-US" altLang="zh-CN" dirty="0" smtClean="0"/>
+              <a:t>5.5  </a:t>
+            </a:r>
+            <a:r>
+              <a:rPr lang="en-US" altLang="zh-CN" dirty="0"/>
+              <a:t>CPU</a:t>
+            </a:r>
+            <a:r>
+              <a:rPr lang="zh-CN" altLang="en-US" dirty="0"/>
+              <a:t>和外设之间的数据传送方式</a:t>
+            </a:r>
+          </a:p>
+        </p:txBody>
+      </p:sp>
+      <p:sp>
+        <p:nvSpPr>
+          <p:cNvPr id="2" name="灯片编号占位符 1"/>
+          <p:cNvSpPr>
+            <a:spLocks noGrp="1"/>
+          </p:cNvSpPr>
+          <p:nvPr>
+            <p:ph type="sldNum" sz="quarter" idx="12"/>
+          </p:nvPr>
+        </p:nvSpPr>
+        <p:spPr/>
+        <p:txBody>
+          <a:bodyPr/>
+          <a:lstStyle/>
+          <a:p>
+            <a:pPr>
+              <a:defRPr/>
+            </a:pPr>
+            <a:fld id="{BC120BD5-977A-42A5-BBAD-59A61BB20C95}" type="slidenum">
+              <a:rPr lang="en-US" altLang="zh-CN" smtClean="0"/>
+              <a:pPr>
+                <a:defRPr/>
+              </a:pPr>
+              <a:t>28</a:t>
+            </a:fld>
+            <a:endParaRPr lang="en-US" altLang="zh-CN" dirty="0"/>
+          </a:p>
+        </p:txBody>
+      </p:sp>
+      <p:sp>
+        <p:nvSpPr>
+          <p:cNvPr id="3" name="内容占位符 2"/>
+          <p:cNvSpPr>
+            <a:spLocks noGrp="1"/>
+          </p:cNvSpPr>
+          <p:nvPr>
+            <p:ph idx="1"/>
+          </p:nvPr>
+        </p:nvSpPr>
+        <p:spPr/>
+        <p:txBody>
+          <a:bodyPr/>
+          <a:lstStyle/>
+          <a:p>
+            <a:pPr marL="287337" indent="-457200">
+              <a:lnSpc>
+                <a:spcPct val="120000"/>
+              </a:lnSpc>
+            </a:pPr>
+            <a:r>
+              <a:rPr lang="zh-CN" altLang="en-US" b="1" dirty="0" smtClean="0"/>
+              <a:t>程序</a:t>
+            </a:r>
+            <a:r>
+              <a:rPr lang="zh-CN" altLang="en-US" b="1" dirty="0"/>
+              <a:t>方式</a:t>
+            </a:r>
+          </a:p>
+          <a:p>
+            <a:pPr marL="1025525" lvl="1" indent="-381000">
+              <a:lnSpc>
+                <a:spcPct val="120000"/>
+              </a:lnSpc>
+            </a:pPr>
+            <a:r>
+              <a:rPr lang="zh-CN" altLang="en-US" b="1" dirty="0"/>
+              <a:t>无条件传送方式</a:t>
+            </a:r>
+          </a:p>
+          <a:p>
+            <a:pPr marL="1025525" lvl="1" indent="-381000">
+              <a:lnSpc>
+                <a:spcPct val="120000"/>
+              </a:lnSpc>
+            </a:pPr>
+            <a:r>
+              <a:rPr lang="zh-CN" altLang="en-US" b="1" dirty="0"/>
+              <a:t> 条件传送方式</a:t>
+            </a:r>
+            <a:r>
+              <a:rPr lang="en-US" altLang="zh-CN" b="1" dirty="0">
+                <a:latin typeface="Arial" charset="0"/>
+              </a:rPr>
+              <a:t>—</a:t>
+            </a:r>
+            <a:r>
+              <a:rPr lang="zh-CN" altLang="en-US" b="1" dirty="0"/>
+              <a:t>查询方式</a:t>
+            </a:r>
+            <a:endParaRPr lang="zh-CN" altLang="en-US" u="sng" dirty="0"/>
+          </a:p>
+          <a:p>
+            <a:pPr marL="287337" indent="-457200">
+              <a:lnSpc>
+                <a:spcPct val="120000"/>
+              </a:lnSpc>
+            </a:pPr>
+            <a:r>
+              <a:rPr lang="zh-CN" altLang="en-US" b="1" dirty="0"/>
+              <a:t>中断方式</a:t>
+            </a:r>
+          </a:p>
+          <a:p>
+            <a:pPr marL="1025525" lvl="1" indent="-381000">
+              <a:lnSpc>
+                <a:spcPct val="120000"/>
+              </a:lnSpc>
+            </a:pPr>
+            <a:r>
+              <a:rPr lang="zh-CN" altLang="en-US" b="1" dirty="0"/>
+              <a:t>中断基本原理</a:t>
+            </a:r>
+            <a:endParaRPr lang="en-US" altLang="zh-CN" b="1" dirty="0"/>
+          </a:p>
+          <a:p>
+            <a:pPr marL="1025525" lvl="1" indent="-381000">
+              <a:lnSpc>
+                <a:spcPct val="120000"/>
+              </a:lnSpc>
+            </a:pPr>
+            <a:r>
+              <a:rPr lang="zh-CN" altLang="en-US" b="1" dirty="0"/>
+              <a:t>中断优先级的实现</a:t>
+            </a:r>
+          </a:p>
+          <a:p>
+            <a:pPr marL="287337" indent="-457200">
+              <a:lnSpc>
+                <a:spcPct val="120000"/>
+              </a:lnSpc>
+            </a:pPr>
+            <a:r>
+              <a:rPr lang="en-US" altLang="zh-CN" b="1" dirty="0" smtClean="0"/>
+              <a:t>DMA</a:t>
+            </a:r>
+            <a:r>
+              <a:rPr lang="en-US" altLang="zh-CN" b="1" dirty="0">
+                <a:solidFill>
+                  <a:srgbClr val="0066FF"/>
+                </a:solidFill>
+              </a:rPr>
+              <a:t> </a:t>
+            </a:r>
+            <a:r>
+              <a:rPr lang="en-US" altLang="zh-CN" b="1" dirty="0" smtClean="0">
+                <a:solidFill>
+                  <a:srgbClr val="0066FF"/>
+                </a:solidFill>
+              </a:rPr>
+              <a:t>(Direct </a:t>
+            </a:r>
+            <a:r>
+              <a:rPr lang="en-US" altLang="zh-CN" b="1" dirty="0">
+                <a:solidFill>
+                  <a:srgbClr val="0066FF"/>
+                </a:solidFill>
+              </a:rPr>
+              <a:t>Memory Access)</a:t>
+            </a:r>
+            <a:endParaRPr lang="en-US" altLang="zh-CN" b="1" dirty="0"/>
+          </a:p>
+          <a:p>
+            <a:pPr marL="1025525" lvl="1" indent="-381000">
+              <a:lnSpc>
+                <a:spcPct val="120000"/>
+              </a:lnSpc>
+            </a:pPr>
+            <a:r>
+              <a:rPr lang="en-US" altLang="zh-CN" b="1" dirty="0"/>
+              <a:t>DMA</a:t>
+            </a:r>
+            <a:r>
+              <a:rPr lang="zh-CN" altLang="en-US" b="1" dirty="0"/>
+              <a:t>的基本原理</a:t>
+            </a:r>
+          </a:p>
+          <a:p>
+            <a:pPr marL="1025525" lvl="1" indent="-381000">
+              <a:lnSpc>
+                <a:spcPct val="120000"/>
+              </a:lnSpc>
+            </a:pPr>
+            <a:r>
+              <a:rPr lang="en-US" altLang="zh-CN" b="1" dirty="0"/>
+              <a:t>DMA</a:t>
+            </a:r>
+            <a:r>
+              <a:rPr lang="zh-CN" altLang="en-US" b="1" dirty="0"/>
+              <a:t>工作过程</a:t>
+            </a:r>
+          </a:p>
+          <a:p>
+            <a:pPr indent="0">
+              <a:buNone/>
+            </a:pPr>
+            <a:endParaRPr lang="zh-CN" altLang="en-US" dirty="0"/>
+          </a:p>
+        </p:txBody>
+      </p:sp>
+    </p:spTree>
+    <p:extLst>
+      <p:ext uri="{BB962C8B-B14F-4D97-AF65-F5344CB8AC3E}">
+        <p14:creationId xmlns:p14="http://schemas.microsoft.com/office/powerpoint/2010/main" val="1816699680"/>
+      </p:ext>
+    </p:extLst>
+  </p:cSld>
+  <p:clrMapOvr>
+    <a:masterClrMapping/>
+  </p:clrMapOvr>
+  <mc:AlternateContent xmlns:mc="http://schemas.openxmlformats.org/markup-compatibility/2006" xmlns:p14="http://schemas.microsoft.com/office/powerpoint/2010/main">
+    <mc:Choice Requires="p14">
+      <p:transition spd="med" p14:dur="700">
+        <p:fade/>
+      </p:transition>
+    </mc:Choice>
+    <mc:Fallback xmlns="">
+      <p:transition spd="med">
+        <p:fade/>
+      </p:transition>
+    </mc:Fallback>
+  </mc:AlternateContent>
+  <p:timing>
+    <p:tnLst>
+      <p:par>
+        <p:cTn id="1" dur="indefinite" restart="never" nodeType="tmRoot"/>
+      </p:par>
+    </p:tnLst>
+  </p:timing>
+</p:sld>
+</file>
+
+<file path=ppt/slides/slide29.xml><?xml version="1.0" encoding="utf-8"?>
+<p:sld xmlns:a="http://schemas.openxmlformats.org/drawingml/2006/main" xmlns:r="http://schemas.openxmlformats.org/officeDocument/2006/relationships" xmlns:p="http://schemas.openxmlformats.org/presentationml/2006/main">
+  <p:cSld>
+    <p:spTree>
+      <p:nvGrpSpPr>
+        <p:cNvPr id="1" name=""/>
+        <p:cNvGrpSpPr/>
+        <p:nvPr/>
+      </p:nvGrpSpPr>
+      <p:grpSpPr>
+        <a:xfrm>
+          <a:off x="0" y="0"/>
+          <a:ext cx="0" cy="0"/>
+          <a:chOff x="0" y="0"/>
+          <a:chExt cx="0" cy="0"/>
+        </a:xfrm>
+      </p:grpSpPr>
+      <p:sp>
+        <p:nvSpPr>
+          <p:cNvPr id="18434" name="Rectangle 2"/>
+          <p:cNvSpPr>
+            <a:spLocks noGrp="1" noChangeArrowheads="1"/>
+          </p:cNvSpPr>
+          <p:nvPr>
+            <p:ph type="title"/>
+          </p:nvPr>
+        </p:nvSpPr>
+        <p:spPr/>
+        <p:txBody>
+          <a:bodyPr/>
+          <a:lstStyle/>
+          <a:p>
+            <a:pPr eaLnBrk="1" hangingPunct="1">
+              <a:buFont typeface="Wingdings" panose="05000000000000000000" pitchFamily="2" charset="2"/>
+              <a:buNone/>
+            </a:pPr>
+            <a:r>
+              <a:rPr lang="en-US" altLang="zh-CN" dirty="0" smtClean="0"/>
+              <a:t>5.5  </a:t>
+            </a:r>
+            <a:r>
+              <a:rPr lang="en-US" altLang="zh-CN" dirty="0"/>
+              <a:t>CPU</a:t>
+            </a:r>
+            <a:r>
+              <a:rPr lang="zh-CN" altLang="en-US" dirty="0"/>
+              <a:t>和外设之间的数据传送方式</a:t>
+            </a:r>
+          </a:p>
+        </p:txBody>
+      </p:sp>
+      <p:sp>
+        <p:nvSpPr>
+          <p:cNvPr id="2" name="灯片编号占位符 1"/>
+          <p:cNvSpPr>
+            <a:spLocks noGrp="1"/>
+          </p:cNvSpPr>
+          <p:nvPr>
+            <p:ph type="sldNum" sz="quarter" idx="12"/>
+          </p:nvPr>
+        </p:nvSpPr>
+        <p:spPr/>
+        <p:txBody>
+          <a:bodyPr/>
+          <a:lstStyle/>
+          <a:p>
+            <a:pPr>
+              <a:defRPr/>
+            </a:pPr>
+            <a:fld id="{BC120BD5-977A-42A5-BBAD-59A61BB20C95}" type="slidenum">
+              <a:rPr lang="en-US" altLang="zh-CN" smtClean="0"/>
+              <a:pPr>
+                <a:defRPr/>
+              </a:pPr>
+              <a:t>29</a:t>
+            </a:fld>
+            <a:endParaRPr lang="en-US" altLang="zh-CN" dirty="0"/>
+          </a:p>
+        </p:txBody>
+      </p:sp>
+      <p:sp>
+        <p:nvSpPr>
+          <p:cNvPr id="3" name="内容占位符 2"/>
+          <p:cNvSpPr>
+            <a:spLocks noGrp="1"/>
+          </p:cNvSpPr>
+          <p:nvPr>
+            <p:ph idx="1"/>
+          </p:nvPr>
+        </p:nvSpPr>
+        <p:spPr/>
+        <p:txBody>
+          <a:bodyPr/>
+          <a:lstStyle/>
+          <a:p>
+            <a:pPr marL="287337" indent="-457200">
+              <a:lnSpc>
+                <a:spcPct val="120000"/>
+              </a:lnSpc>
+            </a:pPr>
+            <a:r>
+              <a:rPr lang="en-US" altLang="zh-CN" b="1" dirty="0" smtClean="0"/>
+              <a:t>5.5.1 </a:t>
+            </a:r>
+            <a:r>
+              <a:rPr lang="zh-CN" altLang="en-US" b="1" dirty="0" smtClean="0"/>
+              <a:t>程序</a:t>
+            </a:r>
+            <a:r>
+              <a:rPr lang="zh-CN" altLang="en-US" b="1" dirty="0"/>
+              <a:t>方式</a:t>
+            </a:r>
+          </a:p>
+          <a:p>
+            <a:pPr indent="0">
+              <a:buNone/>
+            </a:pPr>
+            <a:r>
+              <a:rPr lang="en-US" altLang="zh-CN" dirty="0"/>
+              <a:t>CPU</a:t>
+            </a:r>
+            <a:r>
+              <a:rPr lang="zh-CN" altLang="en-US" dirty="0"/>
+              <a:t>与外设间的数据交换在程序（指令</a:t>
+            </a:r>
+            <a:r>
+              <a:rPr lang="en-US" altLang="zh-CN" dirty="0"/>
+              <a:t>) </a:t>
+            </a:r>
+            <a:r>
+              <a:rPr lang="zh-CN" altLang="en-US" dirty="0" smtClean="0"/>
+              <a:t>控制</a:t>
+            </a:r>
+            <a:r>
+              <a:rPr lang="zh-CN" altLang="en-US" dirty="0"/>
+              <a:t>下进行。</a:t>
+            </a:r>
+          </a:p>
+          <a:p>
+            <a:pPr marL="969963" lvl="1" indent="-342900"/>
+            <a:r>
+              <a:rPr lang="zh-CN" altLang="en-US" dirty="0"/>
+              <a:t>无条件程序传送 </a:t>
+            </a:r>
+          </a:p>
+          <a:p>
+            <a:pPr marL="969963" lvl="1" indent="-342900"/>
+            <a:r>
+              <a:rPr lang="zh-CN" altLang="en-US" dirty="0"/>
+              <a:t>条件</a:t>
+            </a:r>
+            <a:r>
+              <a:rPr lang="zh-CN" altLang="en-US" dirty="0" smtClean="0"/>
+              <a:t>传送 </a:t>
+            </a:r>
+            <a:r>
+              <a:rPr lang="en-US" altLang="zh-CN" dirty="0" smtClean="0"/>
+              <a:t>- </a:t>
+            </a:r>
+            <a:r>
+              <a:rPr lang="zh-CN" altLang="en-US" dirty="0" smtClean="0"/>
+              <a:t>即</a:t>
+            </a:r>
+            <a:r>
+              <a:rPr lang="zh-CN" altLang="en-US" b="1" dirty="0"/>
+              <a:t>程</a:t>
+            </a:r>
+            <a:r>
+              <a:rPr kumimoji="1" lang="zh-CN" altLang="en-US" b="1" dirty="0">
+                <a:latin typeface="Times New Roman" pitchFamily="18" charset="0"/>
+              </a:rPr>
+              <a:t>序查询</a:t>
+            </a:r>
+          </a:p>
+          <a:p>
+            <a:pPr indent="0">
+              <a:buNone/>
+            </a:pPr>
+            <a:endParaRPr lang="zh-CN" altLang="en-US" dirty="0"/>
+          </a:p>
+        </p:txBody>
+      </p:sp>
+    </p:spTree>
+    <p:extLst>
+      <p:ext uri="{BB962C8B-B14F-4D97-AF65-F5344CB8AC3E}">
+        <p14:creationId xmlns:p14="http://schemas.microsoft.com/office/powerpoint/2010/main" val="390346265"/>
+      </p:ext>
+    </p:extLst>
+  </p:cSld>
+  <p:clrMapOvr>
+    <a:masterClrMapping/>
+  </p:clrMapOvr>
+  <mc:AlternateContent xmlns:mc="http://schemas.openxmlformats.org/markup-compatibility/2006" xmlns:p14="http://schemas.microsoft.com/office/powerpoint/2010/main">
+    <mc:Choice Requires="p14">
+      <p:transition spd="med" p14:dur="700">
+        <p:fade/>
+      </p:transition>
+    </mc:Choice>
+    <mc:Fallback xmlns="">
+      <p:transition spd="med">
+        <p:fade/>
+      </p:transition>
+    </mc:Fallback>
+  </mc:AlternateContent>
+  <p:timing>
+    <p:tnLst>
+      <p:par>
+        <p:cTn id="1" dur="indefinite" restart="never" nodeType="tmRoot"/>
+      </p:par>
+    </p:tnLst>
+  </p:timing>
+</p:sld>
+</file>
+
+<file path=ppt/slides/slide3.xml><?xml version="1.0" encoding="utf-8"?>
+<p:sld xmlns:a="http://schemas.openxmlformats.org/drawingml/2006/main" xmlns:r="http://schemas.openxmlformats.org/officeDocument/2006/relationships" xmlns:p="http://schemas.openxmlformats.org/presentationml/2006/main">
+  <p:cSld>
+    <p:spTree>
+      <p:nvGrpSpPr>
+        <p:cNvPr id="1" name=""/>
+        <p:cNvGrpSpPr/>
+        <p:nvPr/>
+      </p:nvGrpSpPr>
+      <p:grpSpPr>
+        <a:xfrm>
+          <a:off x="0" y="0"/>
+          <a:ext cx="0" cy="0"/>
+          <a:chOff x="0" y="0"/>
+          <a:chExt cx="0" cy="0"/>
+        </a:xfrm>
+      </p:grpSpPr>
+      <p:sp>
+        <p:nvSpPr>
+          <p:cNvPr id="1027" name="Rectangle 2"/>
+          <p:cNvSpPr>
+            <a:spLocks noChangeArrowheads="1"/>
+          </p:cNvSpPr>
+          <p:nvPr/>
+        </p:nvSpPr>
+        <p:spPr bwMode="auto">
+          <a:xfrm>
+            <a:off x="2133600" y="2195513"/>
+            <a:ext cx="9144000" cy="0"/>
+          </a:xfrm>
+          <a:prstGeom prst="rect">
+            <a:avLst/>
+          </a:prstGeom>
+          <a:noFill/>
+          <a:ln w="9525">
+            <a:noFill/>
+            <a:miter lim="800000"/>
+          </a:ln>
+        </p:spPr>
+        <p:txBody>
+          <a:bodyPr>
+            <a:spAutoFit/>
+          </a:bodyPr>
+          <a:lstStyle/>
+          <a:p>
+            <a:endParaRPr lang="zh-CN" altLang="en-US">
+              <a:latin typeface="Calibri" pitchFamily="34" charset="0"/>
+            </a:endParaRPr>
+          </a:p>
+        </p:txBody>
+      </p:sp>
+      <p:sp>
+        <p:nvSpPr>
+          <p:cNvPr id="1028" name="Rectangle 10"/>
+          <p:cNvSpPr>
+            <a:spLocks noGrp="1" noChangeArrowheads="1"/>
+          </p:cNvSpPr>
+          <p:nvPr>
+            <p:ph type="title"/>
+          </p:nvPr>
+        </p:nvSpPr>
+        <p:spPr/>
+        <p:txBody>
+          <a:bodyPr rtlCol="0">
+            <a:normAutofit/>
+          </a:bodyPr>
+          <a:lstStyle/>
+          <a:p>
+            <a:pPr>
+              <a:spcAft>
+                <a:spcPts val="0"/>
+              </a:spcAft>
+              <a:defRPr/>
+            </a:pPr>
+            <a:r>
+              <a:rPr lang="zh-CN" altLang="en-US" dirty="0"/>
+              <a:t>微型计算机系统硬件组成</a:t>
+            </a:r>
+          </a:p>
+        </p:txBody>
+      </p:sp>
+      <p:grpSp>
+        <p:nvGrpSpPr>
+          <p:cNvPr id="3" name="组合 2"/>
+          <p:cNvGrpSpPr/>
+          <p:nvPr/>
+        </p:nvGrpSpPr>
+        <p:grpSpPr>
+          <a:xfrm>
+            <a:off x="204787" y="1173163"/>
+            <a:ext cx="8734425" cy="4800600"/>
+            <a:chOff x="204787" y="1173163"/>
+            <a:chExt cx="8734425" cy="4800600"/>
+          </a:xfrm>
+        </p:grpSpPr>
+        <p:graphicFrame>
+          <p:nvGraphicFramePr>
+            <p:cNvPr id="1026" name="Object 3"/>
+            <p:cNvGraphicFramePr>
+              <a:graphicFrameLocks noChangeAspect="1"/>
+            </p:cNvGraphicFramePr>
+            <p:nvPr>
+              <p:extLst>
+                <p:ext uri="{D42A27DB-BD31-4B8C-83A1-F6EECF244321}">
+                  <p14:modId xmlns:p14="http://schemas.microsoft.com/office/powerpoint/2010/main" val="1870440280"/>
+                </p:ext>
+              </p:extLst>
+            </p:nvPr>
+          </p:nvGraphicFramePr>
+          <p:xfrm>
+            <a:off x="204787" y="1173163"/>
+            <a:ext cx="8734425" cy="4800600"/>
+          </p:xfrm>
+          <a:graphic>
+            <a:graphicData uri="http://schemas.openxmlformats.org/presentationml/2006/ole">
+              <mc:AlternateContent xmlns:mc="http://schemas.openxmlformats.org/markup-compatibility/2006">
+                <mc:Choice xmlns:v="urn:schemas-microsoft-com:vml" Requires="v">
+                  <p:oleObj spid="_x0000_s60433" name="VISIO" r:id="rId3" imgW="8353425" imgH="3705225" progId="">
+                    <p:embed/>
+                  </p:oleObj>
+                </mc:Choice>
+                <mc:Fallback>
+                  <p:oleObj name="VISIO" r:id="rId3" imgW="8353425" imgH="3705225" progId="">
+                    <p:embed/>
+                    <p:pic>
+                      <p:nvPicPr>
+                        <p:cNvPr id="1026" name="Object 3"/>
+                        <p:cNvPicPr>
+                          <a:picLocks noChangeAspect="1"/>
+                        </p:cNvPicPr>
+                        <p:nvPr/>
+                      </p:nvPicPr>
+                      <p:blipFill>
+                        <a:blip r:embed="rId4"/>
+                        <a:stretch>
+                          <a:fillRect/>
+                        </a:stretch>
+                      </p:blipFill>
+                      <p:spPr>
+                        <a:xfrm>
+                          <a:off x="204787" y="1173163"/>
+                          <a:ext cx="8734425" cy="4800600"/>
+                        </a:xfrm>
+                        <a:prstGeom prst="rect">
+                          <a:avLst/>
+                        </a:prstGeom>
+                        <a:solidFill>
+                          <a:srgbClr val="00FFFF"/>
+                        </a:solidFill>
+                        <a:ln w="9525">
+                          <a:noFill/>
+                          <a:miter/>
+                        </a:ln>
+                      </p:spPr>
+                    </p:pic>
+                  </p:oleObj>
+                </mc:Fallback>
+              </mc:AlternateContent>
+            </a:graphicData>
+          </a:graphic>
+        </p:graphicFrame>
+        <p:pic>
+          <p:nvPicPr>
+            <p:cNvPr id="2" name="图片 1"/>
+            <p:cNvPicPr>
+              <a:picLocks noChangeAspect="1"/>
+            </p:cNvPicPr>
+            <p:nvPr/>
+          </p:nvPicPr>
+          <p:blipFill>
+            <a:blip r:embed="rId5"/>
+            <a:stretch>
+              <a:fillRect/>
+            </a:stretch>
+          </p:blipFill>
+          <p:spPr>
+            <a:xfrm>
+              <a:off x="2411760" y="5229200"/>
+              <a:ext cx="2000250" cy="666750"/>
+            </a:xfrm>
+            <a:prstGeom prst="rect">
+              <a:avLst/>
+            </a:prstGeom>
+          </p:spPr>
+        </p:pic>
+      </p:grpSp>
+    </p:spTree>
+    <p:extLst>
+      <p:ext uri="{BB962C8B-B14F-4D97-AF65-F5344CB8AC3E}">
+        <p14:creationId xmlns:p14="http://schemas.microsoft.com/office/powerpoint/2010/main" val="1183221334"/>
+      </p:ext>
+    </p:extLst>
+  </p:cSld>
+  <p:clrMapOvr>
+    <a:masterClrMapping/>
+  </p:clrMapOvr>
+  <p:transition/>
+  <p:timing>
+    <p:tnLst>
+      <p:par>
+        <p:cTn id="1" dur="indefinite" restart="never" nodeType="tmRoot"/>
+      </p:par>
+    </p:tnLst>
+  </p:timing>
+</p:sld>
+</file>
+
+<file path=ppt/slides/slide30.xml><?xml version="1.0" encoding="utf-8"?>
+<p:sld xmlns:a="http://schemas.openxmlformats.org/drawingml/2006/main" xmlns:r="http://schemas.openxmlformats.org/officeDocument/2006/relationships" xmlns:p="http://schemas.openxmlformats.org/presentationml/2006/main">
+  <p:cSld>
+    <p:spTree>
+      <p:nvGrpSpPr>
+        <p:cNvPr id="1" name=""/>
+        <p:cNvGrpSpPr/>
+        <p:nvPr/>
+      </p:nvGrpSpPr>
+      <p:grpSpPr>
+        <a:xfrm>
+          <a:off x="0" y="0"/>
+          <a:ext cx="0" cy="0"/>
+          <a:chOff x="0" y="0"/>
+          <a:chExt cx="0" cy="0"/>
+        </a:xfrm>
+      </p:grpSpPr>
+      <p:sp>
+        <p:nvSpPr>
+          <p:cNvPr id="18434" name="Rectangle 2"/>
+          <p:cNvSpPr>
+            <a:spLocks noGrp="1" noChangeArrowheads="1"/>
+          </p:cNvSpPr>
+          <p:nvPr>
+            <p:ph type="title"/>
+          </p:nvPr>
+        </p:nvSpPr>
+        <p:spPr/>
+        <p:txBody>
+          <a:bodyPr/>
+          <a:lstStyle/>
+          <a:p>
+            <a:pPr eaLnBrk="1" hangingPunct="1">
+              <a:buFont typeface="Wingdings" panose="05000000000000000000" pitchFamily="2" charset="2"/>
+              <a:buNone/>
+            </a:pPr>
+            <a:r>
+              <a:rPr lang="en-US" altLang="zh-CN" dirty="0" smtClean="0"/>
+              <a:t>5.5  </a:t>
+            </a:r>
+            <a:r>
+              <a:rPr lang="en-US" altLang="zh-CN" dirty="0"/>
+              <a:t>CPU</a:t>
+            </a:r>
+            <a:r>
+              <a:rPr lang="zh-CN" altLang="en-US" dirty="0"/>
+              <a:t>和外设之间的数据传送方式</a:t>
+            </a:r>
+          </a:p>
+        </p:txBody>
+      </p:sp>
+      <p:sp>
+        <p:nvSpPr>
+          <p:cNvPr id="2" name="灯片编号占位符 1"/>
+          <p:cNvSpPr>
+            <a:spLocks noGrp="1"/>
+          </p:cNvSpPr>
+          <p:nvPr>
+            <p:ph type="sldNum" sz="quarter" idx="12"/>
+          </p:nvPr>
+        </p:nvSpPr>
+        <p:spPr/>
+        <p:txBody>
+          <a:bodyPr/>
+          <a:lstStyle/>
+          <a:p>
+            <a:pPr>
+              <a:defRPr/>
+            </a:pPr>
+            <a:fld id="{BC120BD5-977A-42A5-BBAD-59A61BB20C95}" type="slidenum">
+              <a:rPr lang="en-US" altLang="zh-CN" smtClean="0"/>
+              <a:pPr>
+                <a:defRPr/>
+              </a:pPr>
+              <a:t>30</a:t>
+            </a:fld>
+            <a:endParaRPr lang="en-US" altLang="zh-CN" dirty="0"/>
+          </a:p>
+        </p:txBody>
+      </p:sp>
+      <p:sp>
+        <p:nvSpPr>
+          <p:cNvPr id="3" name="内容占位符 2"/>
+          <p:cNvSpPr>
+            <a:spLocks noGrp="1"/>
+          </p:cNvSpPr>
+          <p:nvPr>
+            <p:ph idx="1"/>
+          </p:nvPr>
+        </p:nvSpPr>
+        <p:spPr/>
+        <p:txBody>
+          <a:bodyPr/>
+          <a:lstStyle/>
+          <a:p>
+            <a:pPr marL="287337" indent="-457200">
+              <a:lnSpc>
+                <a:spcPct val="120000"/>
+              </a:lnSpc>
+            </a:pPr>
+            <a:r>
+              <a:rPr lang="en-US" altLang="zh-CN" b="1" dirty="0" smtClean="0"/>
+              <a:t>5.5.1 </a:t>
+            </a:r>
+            <a:r>
+              <a:rPr lang="zh-CN" altLang="en-US" b="1" dirty="0" smtClean="0"/>
+              <a:t>程序方式</a:t>
+            </a:r>
+            <a:r>
+              <a:rPr lang="en-US" altLang="zh-CN" b="1" dirty="0" smtClean="0"/>
+              <a:t>——</a:t>
+            </a:r>
+            <a:r>
+              <a:rPr lang="zh-CN" altLang="en-US" dirty="0"/>
+              <a:t>无条件程序传送</a:t>
+            </a:r>
+            <a:endParaRPr lang="zh-CN" altLang="en-US" b="1" dirty="0"/>
+          </a:p>
+          <a:p>
+            <a:pPr indent="0">
+              <a:buNone/>
+            </a:pPr>
+            <a:r>
+              <a:rPr kumimoji="1" lang="en-US" altLang="zh-CN" b="1" dirty="0" smtClean="0">
+                <a:solidFill>
+                  <a:srgbClr val="0066FF"/>
+                </a:solidFill>
+                <a:latin typeface="Times New Roman" pitchFamily="18" charset="0"/>
+              </a:rPr>
+              <a:t>       CPU</a:t>
+            </a:r>
+            <a:r>
+              <a:rPr kumimoji="1" lang="zh-CN" altLang="en-US" b="1" dirty="0">
+                <a:solidFill>
+                  <a:srgbClr val="0066FF"/>
+                </a:solidFill>
+                <a:latin typeface="Times New Roman" pitchFamily="18" charset="0"/>
+              </a:rPr>
+              <a:t>确认外设总是准备就绪，直接与外设传送数据</a:t>
+            </a:r>
+          </a:p>
+          <a:p>
+            <a:r>
+              <a:rPr lang="zh-CN" altLang="en-US" dirty="0"/>
+              <a:t>适用于总是处于准备好状态的</a:t>
+            </a:r>
+            <a:r>
+              <a:rPr lang="zh-CN" altLang="en-US" dirty="0" smtClean="0"/>
+              <a:t>外设；</a:t>
+            </a:r>
+            <a:endParaRPr lang="zh-CN" altLang="en-US" dirty="0"/>
+          </a:p>
+          <a:p>
+            <a:r>
+              <a:rPr lang="zh-CN" altLang="en-US" dirty="0"/>
+              <a:t>简单外设可采用无条件传送方式：</a:t>
+            </a:r>
+          </a:p>
+          <a:p>
+            <a:pPr lvl="1"/>
+            <a:r>
+              <a:rPr lang="zh-CN" altLang="en-US" dirty="0"/>
+              <a:t>开关</a:t>
+            </a:r>
+          </a:p>
+          <a:p>
+            <a:pPr lvl="1"/>
+            <a:r>
+              <a:rPr lang="zh-CN" altLang="en-US" dirty="0"/>
+              <a:t>发光器件</a:t>
+            </a:r>
+            <a:r>
+              <a:rPr lang="en-US" altLang="zh-CN" dirty="0"/>
+              <a:t>(</a:t>
+            </a:r>
+            <a:r>
+              <a:rPr lang="zh-CN" altLang="en-US" dirty="0"/>
+              <a:t>如发光二极管、</a:t>
+            </a:r>
+            <a:r>
+              <a:rPr lang="en-US" altLang="zh-CN" dirty="0"/>
+              <a:t>7</a:t>
+            </a:r>
+            <a:r>
+              <a:rPr lang="zh-CN" altLang="en-US" dirty="0"/>
+              <a:t>段数码管、灯泡等</a:t>
+            </a:r>
+            <a:r>
+              <a:rPr lang="en-US" altLang="zh-CN" dirty="0"/>
+              <a:t>)</a:t>
+            </a:r>
+          </a:p>
+          <a:p>
+            <a:pPr lvl="1"/>
+            <a:r>
+              <a:rPr lang="zh-CN" altLang="en-US" dirty="0"/>
+              <a:t>继电器</a:t>
+            </a:r>
+          </a:p>
+          <a:p>
+            <a:pPr lvl="1"/>
+            <a:r>
+              <a:rPr lang="zh-CN" altLang="en-US" dirty="0" smtClean="0"/>
+              <a:t>步进电机</a:t>
+            </a:r>
+            <a:endParaRPr lang="zh-CN" altLang="en-US" dirty="0"/>
+          </a:p>
+        </p:txBody>
+      </p:sp>
+    </p:spTree>
+    <p:extLst>
+      <p:ext uri="{BB962C8B-B14F-4D97-AF65-F5344CB8AC3E}">
+        <p14:creationId xmlns:p14="http://schemas.microsoft.com/office/powerpoint/2010/main" val="4118868352"/>
+      </p:ext>
+    </p:extLst>
+  </p:cSld>
+  <p:clrMapOvr>
+    <a:masterClrMapping/>
+  </p:clrMapOvr>
+  <mc:AlternateContent xmlns:mc="http://schemas.openxmlformats.org/markup-compatibility/2006" xmlns:p14="http://schemas.microsoft.com/office/powerpoint/2010/main">
+    <mc:Choice Requires="p14">
+      <p:transition spd="med" p14:dur="700">
+        <p:fade/>
+      </p:transition>
+    </mc:Choice>
+    <mc:Fallback xmlns="">
+      <p:transition spd="med">
+        <p:fade/>
+      </p:transition>
+    </mc:Fallback>
+  </mc:AlternateContent>
+  <p:timing>
+    <p:tnLst>
+      <p:par>
+        <p:cTn id="1" dur="indefinite" restart="never" nodeType="tmRoot"/>
+      </p:par>
+    </p:tnLst>
+  </p:timing>
+</p:sld>
+</file>
+
+<file path=ppt/slides/slide31.xml><?xml version="1.0" encoding="utf-8"?>
+<p:sld xmlns:a="http://schemas.openxmlformats.org/drawingml/2006/main" xmlns:r="http://schemas.openxmlformats.org/officeDocument/2006/relationships" xmlns:p="http://schemas.openxmlformats.org/presentationml/2006/main">
+  <p:cSld>
+    <p:spTree>
+      <p:nvGrpSpPr>
+        <p:cNvPr id="1" name=""/>
+        <p:cNvGrpSpPr/>
+        <p:nvPr/>
+      </p:nvGrpSpPr>
+      <p:grpSpPr>
+        <a:xfrm>
+          <a:off x="0" y="0"/>
+          <a:ext cx="0" cy="0"/>
+          <a:chOff x="0" y="0"/>
+          <a:chExt cx="0" cy="0"/>
+        </a:xfrm>
+      </p:grpSpPr>
+      <p:sp>
+        <p:nvSpPr>
+          <p:cNvPr id="18434" name="Rectangle 2"/>
+          <p:cNvSpPr>
+            <a:spLocks noGrp="1" noChangeArrowheads="1"/>
+          </p:cNvSpPr>
+          <p:nvPr>
+            <p:ph type="title"/>
+          </p:nvPr>
+        </p:nvSpPr>
+        <p:spPr/>
+        <p:txBody>
+          <a:bodyPr/>
+          <a:lstStyle/>
+          <a:p>
+            <a:pPr eaLnBrk="1" hangingPunct="1">
+              <a:buFont typeface="Wingdings" panose="05000000000000000000" pitchFamily="2" charset="2"/>
+              <a:buNone/>
+            </a:pPr>
+            <a:r>
+              <a:rPr lang="en-US" altLang="zh-CN" dirty="0" smtClean="0"/>
+              <a:t>5.5  </a:t>
+            </a:r>
+            <a:r>
+              <a:rPr lang="en-US" altLang="zh-CN" dirty="0"/>
+              <a:t>CPU</a:t>
+            </a:r>
+            <a:r>
+              <a:rPr lang="zh-CN" altLang="en-US" dirty="0"/>
+              <a:t>和外设之间的数据传送方式</a:t>
+            </a:r>
+          </a:p>
+        </p:txBody>
+      </p:sp>
+      <p:sp>
+        <p:nvSpPr>
+          <p:cNvPr id="2" name="灯片编号占位符 1"/>
+          <p:cNvSpPr>
+            <a:spLocks noGrp="1"/>
+          </p:cNvSpPr>
+          <p:nvPr>
+            <p:ph type="sldNum" sz="quarter" idx="12"/>
+          </p:nvPr>
+        </p:nvSpPr>
+        <p:spPr/>
+        <p:txBody>
+          <a:bodyPr/>
+          <a:lstStyle/>
+          <a:p>
+            <a:pPr>
+              <a:defRPr/>
+            </a:pPr>
+            <a:fld id="{BC120BD5-977A-42A5-BBAD-59A61BB20C95}" type="slidenum">
+              <a:rPr lang="en-US" altLang="zh-CN" smtClean="0"/>
+              <a:pPr>
+                <a:defRPr/>
+              </a:pPr>
+              <a:t>31</a:t>
             </a:fld>
             <a:endParaRPr lang="en-US" altLang="zh-CN" dirty="0"/>
           </a:p>
@@ -9513,7 +12325,7 @@
 </p:sld>
 </file>
 
-<file path=ppt/slides/slide21.xml><?xml version="1.0" encoding="utf-8"?>
+<file path=ppt/slides/slide32.xml><?xml version="1.0" encoding="utf-8"?>
 <p:sld xmlns:a="http://schemas.openxmlformats.org/drawingml/2006/main" xmlns:r="http://schemas.openxmlformats.org/officeDocument/2006/relationships" xmlns:p="http://schemas.openxmlformats.org/presentationml/2006/main">
   <p:cSld>
     <p:spTree>
@@ -9587,7 +12399,7 @@
               <a:pPr>
                 <a:defRPr/>
               </a:pPr>
-              <a:t>21</a:t>
+              <a:t>32</a:t>
             </a:fld>
             <a:endParaRPr lang="en-US" altLang="zh-CN" dirty="0"/>
           </a:p>
@@ -9742,7 +12554,7 @@
 </p:sld>
 </file>
 
-<file path=ppt/slides/slide22.xml><?xml version="1.0" encoding="utf-8"?>
+<file path=ppt/slides/slide33.xml><?xml version="1.0" encoding="utf-8"?>
 <p:sld xmlns:a="http://schemas.openxmlformats.org/drawingml/2006/main" xmlns:r="http://schemas.openxmlformats.org/officeDocument/2006/relationships" xmlns:p="http://schemas.openxmlformats.org/presentationml/2006/main">
   <p:cSld>
     <p:spTree>
@@ -9816,7 +12628,7 @@
               <a:pPr>
                 <a:defRPr/>
               </a:pPr>
-              <a:t>22</a:t>
+              <a:t>33</a:t>
             </a:fld>
             <a:endParaRPr lang="en-US" altLang="zh-CN" dirty="0"/>
           </a:p>
@@ -10019,7 +12831,7 @@
 </p:sld>
 </file>
 
-<file path=ppt/slides/slide23.xml><?xml version="1.0" encoding="utf-8"?>
+<file path=ppt/slides/slide34.xml><?xml version="1.0" encoding="utf-8"?>
 <p:sld xmlns:a="http://schemas.openxmlformats.org/drawingml/2006/main" xmlns:r="http://schemas.openxmlformats.org/officeDocument/2006/relationships" xmlns:p="http://schemas.openxmlformats.org/presentationml/2006/main">
   <p:cSld>
     <p:spTree>
@@ -10093,7 +12905,7 @@
               <a:pPr>
                 <a:defRPr/>
               </a:pPr>
-              <a:t>23</a:t>
+              <a:t>34</a:t>
             </a:fld>
             <a:endParaRPr lang="en-US" altLang="zh-CN" dirty="0"/>
           </a:p>
@@ -10284,7 +13096,7 @@
 </p:sld>
 </file>
 
-<file path=ppt/slides/slide24.xml><?xml version="1.0" encoding="utf-8"?>
+<file path=ppt/slides/slide35.xml><?xml version="1.0" encoding="utf-8"?>
 <p:sld xmlns:a="http://schemas.openxmlformats.org/drawingml/2006/main" xmlns:r="http://schemas.openxmlformats.org/officeDocument/2006/relationships" xmlns:p="http://schemas.openxmlformats.org/presentationml/2006/main">
   <p:cSld>
     <p:spTree>
@@ -10358,7 +13170,7 @@
               <a:pPr>
                 <a:defRPr/>
               </a:pPr>
-              <a:t>24</a:t>
+              <a:t>35</a:t>
             </a:fld>
             <a:endParaRPr lang="en-US" altLang="zh-CN" dirty="0"/>
           </a:p>
@@ -10423,11 +13235,7 @@
             </a:pPr>
             <a:r>
               <a:rPr lang="zh-CN" altLang="en-US" dirty="0" smtClean="0"/>
-              <a:t>       </a:t>
-            </a:r>
-            <a:r>
-              <a:rPr lang="zh-CN" altLang="en-US" dirty="0" smtClean="0"/>
-              <a:t>利用</a:t>
+              <a:t>       利用</a:t>
             </a:r>
             <a:r>
               <a:rPr lang="en-US" altLang="zh-CN" dirty="0" smtClean="0"/>
@@ -10473,7 +13281,6 @@
               <a:rPr lang="zh-CN" altLang="en-US" dirty="0" smtClean="0"/>
               <a:t>数码管上。</a:t>
             </a:r>
-            <a:endParaRPr lang="zh-CN" altLang="en-US" dirty="0" smtClean="0"/>
           </a:p>
         </p:txBody>
       </p:sp>
@@ -10509,7 +13316,7 @@
 </p:sld>
 </file>
 
-<file path=ppt/slides/slide25.xml><?xml version="1.0" encoding="utf-8"?>
+<file path=ppt/slides/slide36.xml><?xml version="1.0" encoding="utf-8"?>
 <p:sld xmlns:a="http://schemas.openxmlformats.org/drawingml/2006/main" xmlns:r="http://schemas.openxmlformats.org/officeDocument/2006/relationships" xmlns:p="http://schemas.openxmlformats.org/presentationml/2006/main">
   <p:cSld>
     <p:spTree>
@@ -10583,7 +13390,7 @@
               <a:pPr>
                 <a:defRPr/>
               </a:pPr>
-              <a:t>25</a:t>
+              <a:t>36</a:t>
             </a:fld>
             <a:endParaRPr lang="en-US" altLang="zh-CN" dirty="0"/>
           </a:p>
@@ -11006,7 +13813,7 @@
 </p:sld>
 </file>
 
-<file path=ppt/slides/slide26.xml><?xml version="1.0" encoding="utf-8"?>
+<file path=ppt/slides/slide37.xml><?xml version="1.0" encoding="utf-8"?>
 <p:sld xmlns:a="http://schemas.openxmlformats.org/drawingml/2006/main" xmlns:r="http://schemas.openxmlformats.org/officeDocument/2006/relationships" xmlns:p="http://schemas.openxmlformats.org/presentationml/2006/main">
   <p:cSld>
     <p:spTree>
@@ -11080,7 +13887,7 @@
               <a:pPr>
                 <a:defRPr/>
               </a:pPr>
-              <a:t>26</a:t>
+              <a:t>37</a:t>
             </a:fld>
             <a:endParaRPr lang="en-US" altLang="zh-CN" dirty="0"/>
           </a:p>
@@ -11323,7 +14130,7 @@
 </p:sld>
 </file>
 
-<file path=ppt/slides/slide27.xml><?xml version="1.0" encoding="utf-8"?>
+<file path=ppt/slides/slide38.xml><?xml version="1.0" encoding="utf-8"?>
 <p:sld xmlns:a="http://schemas.openxmlformats.org/drawingml/2006/main" xmlns:r="http://schemas.openxmlformats.org/officeDocument/2006/relationships" xmlns:p="http://schemas.openxmlformats.org/presentationml/2006/main">
   <p:cSld>
     <p:spTree>
@@ -13685,7 +16492,7 @@
 </p:sld>
 </file>
 
-<file path=ppt/slides/slide28.xml><?xml version="1.0" encoding="utf-8"?>
+<file path=ppt/slides/slide39.xml><?xml version="1.0" encoding="utf-8"?>
 <p:sld xmlns:a="http://schemas.openxmlformats.org/drawingml/2006/main" xmlns:r="http://schemas.openxmlformats.org/officeDocument/2006/relationships" xmlns:p="http://schemas.openxmlformats.org/presentationml/2006/main">
   <p:cSld>
     <p:spTree>
@@ -13759,7 +16566,7 @@
               <a:pPr>
                 <a:defRPr/>
               </a:pPr>
-              <a:t>28</a:t>
+              <a:t>39</a:t>
             </a:fld>
             <a:endParaRPr lang="en-US" altLang="zh-CN" dirty="0"/>
           </a:p>
@@ -14018,7 +16825,7 @@
 </p:sld>
 </file>
 
-<file path=ppt/slides/slide29.xml><?xml version="1.0" encoding="utf-8"?>
+<file path=ppt/slides/slide4.xml><?xml version="1.0" encoding="utf-8"?>
 <p:sld xmlns:a="http://schemas.openxmlformats.org/drawingml/2006/main" xmlns:r="http://schemas.openxmlformats.org/officeDocument/2006/relationships" xmlns:p="http://schemas.openxmlformats.org/presentationml/2006/main">
   <p:cSld>
     <p:spTree>
@@ -14055,17 +16862,169 @@
               <a:buNone/>
             </a:pPr>
             <a:r>
+              <a:rPr lang="en-US" altLang="zh-CN" dirty="0"/>
+              <a:t>5</a:t>
+            </a:r>
+            <a:r>
               <a:rPr lang="en-US" altLang="zh-CN" dirty="0" smtClean="0"/>
-              <a:t>5.5  </a:t>
-            </a:r>
-            <a:r>
-              <a:rPr lang="en-US" altLang="zh-CN" dirty="0"/>
+              <a:t>.1  </a:t>
+            </a:r>
+            <a:r>
+              <a:rPr lang="zh-CN" altLang="en-US" dirty="0" smtClean="0"/>
+              <a:t>为什么要用接口</a:t>
+            </a:r>
+            <a:endParaRPr lang="zh-CN" altLang="en-US" dirty="0"/>
+          </a:p>
+        </p:txBody>
+      </p:sp>
+      <p:sp>
+        <p:nvSpPr>
+          <p:cNvPr id="35843" name="Rectangle 3"/>
+          <p:cNvSpPr>
+            <a:spLocks noGrp="1" noChangeArrowheads="1"/>
+          </p:cNvSpPr>
+          <p:nvPr>
+            <p:ph type="body" idx="1"/>
+          </p:nvPr>
+        </p:nvSpPr>
+        <p:spPr>
+          <a:xfrm>
+            <a:off x="571500" y="1196752"/>
+            <a:ext cx="8001000" cy="4752528"/>
+          </a:xfrm>
+        </p:spPr>
+        <p:txBody>
+          <a:bodyPr/>
+          <a:lstStyle/>
+          <a:p>
+            <a:pPr eaLnBrk="1" fontAlgn="t" hangingPunct="1">
+              <a:lnSpc>
+                <a:spcPct val="120000"/>
+              </a:lnSpc>
+            </a:pPr>
+            <a:r>
+              <a:rPr lang="zh-CN" altLang="en-US" b="1" dirty="0"/>
+              <a:t>问题：为什么存储器可以直接挂在系统总线上？而外设不能直接直接挂在系统总线上？</a:t>
+            </a:r>
+            <a:endParaRPr lang="zh-CN" altLang="en-US" dirty="0" smtClean="0">
+              <a:solidFill>
+                <a:srgbClr val="008000"/>
+              </a:solidFill>
+            </a:endParaRPr>
+          </a:p>
+          <a:p>
+            <a:pPr indent="0">
+              <a:buNone/>
+            </a:pPr>
+            <a:r>
+              <a:rPr lang="en-US" altLang="zh-CN" sz="2800" b="1" dirty="0" smtClean="0">
+                <a:solidFill>
+                  <a:schemeClr val="folHlink"/>
+                </a:solidFill>
+              </a:rPr>
+              <a:t>1</a:t>
+            </a:r>
+            <a:r>
+              <a:rPr lang="zh-CN" altLang="en-US" sz="2800" b="1" dirty="0" smtClean="0">
+                <a:solidFill>
+                  <a:schemeClr val="folHlink"/>
+                </a:solidFill>
+              </a:rPr>
+              <a:t>、存储器</a:t>
+            </a:r>
+            <a:r>
+              <a:rPr lang="zh-CN" altLang="en-US" sz="2800" b="1" dirty="0">
+                <a:solidFill>
+                  <a:srgbClr val="FF9966"/>
+                </a:solidFill>
+              </a:rPr>
+              <a:t>特点</a:t>
+            </a:r>
+          </a:p>
+          <a:p>
+            <a:pPr indent="0">
+              <a:buNone/>
+            </a:pPr>
+            <a:r>
+              <a:rPr lang="zh-CN" altLang="en-US" b="1" dirty="0">
+                <a:solidFill>
+                  <a:srgbClr val="9900FF"/>
+                </a:solidFill>
+              </a:rPr>
+              <a:t>（</a:t>
+            </a:r>
+            <a:r>
+              <a:rPr lang="en-US" altLang="zh-CN" b="1" dirty="0">
+                <a:solidFill>
+                  <a:srgbClr val="9900FF"/>
+                </a:solidFill>
+              </a:rPr>
+              <a:t>1</a:t>
+            </a:r>
+            <a:r>
+              <a:rPr lang="zh-CN" altLang="en-US" b="1" dirty="0">
+                <a:solidFill>
+                  <a:srgbClr val="9900FF"/>
+                </a:solidFill>
+              </a:rPr>
+              <a:t>）功能单一，品种有限</a:t>
+            </a:r>
+          </a:p>
+          <a:p>
+            <a:pPr indent="0">
+              <a:buNone/>
+            </a:pPr>
+            <a:r>
+              <a:rPr lang="zh-CN" altLang="en-US" b="1" dirty="0">
+                <a:solidFill>
+                  <a:srgbClr val="9900FF"/>
+                </a:solidFill>
+              </a:rPr>
+              <a:t>（</a:t>
+            </a:r>
+            <a:r>
+              <a:rPr lang="en-US" altLang="zh-CN" b="1" dirty="0">
+                <a:solidFill>
+                  <a:srgbClr val="9900FF"/>
+                </a:solidFill>
+              </a:rPr>
+              <a:t>2</a:t>
+            </a:r>
+            <a:r>
+              <a:rPr lang="zh-CN" altLang="en-US" b="1" dirty="0">
+                <a:solidFill>
+                  <a:srgbClr val="9900FF"/>
+                </a:solidFill>
+              </a:rPr>
+              <a:t>）速度与</a:t>
+            </a:r>
+            <a:r>
+              <a:rPr lang="en-US" altLang="zh-CN" b="1" dirty="0">
+                <a:solidFill>
+                  <a:srgbClr val="C00000"/>
+                </a:solidFill>
+              </a:rPr>
               <a:t>CPU</a:t>
             </a:r>
             <a:r>
-              <a:rPr lang="zh-CN" altLang="en-US" dirty="0"/>
-              <a:t>和外设之间的数据传送方式</a:t>
-            </a:r>
+              <a:rPr lang="zh-CN" altLang="en-US" b="1" dirty="0">
+                <a:solidFill>
+                  <a:srgbClr val="9900FF"/>
+                </a:solidFill>
+              </a:rPr>
+              <a:t>匹配</a:t>
+            </a:r>
+          </a:p>
+          <a:p>
+            <a:pPr eaLnBrk="1" hangingPunct="1">
+              <a:buFont typeface="Wingdings" panose="05000000000000000000" pitchFamily="2" charset="2"/>
+              <a:buNone/>
+            </a:pPr>
+            <a:endParaRPr lang="en-US" altLang="zh-CN" dirty="0" smtClean="0">
+              <a:solidFill>
+                <a:srgbClr val="008000"/>
+              </a:solidFill>
+            </a:endParaRPr>
           </a:p>
         </p:txBody>
       </p:sp>
@@ -14092,7 +17051,119 @@
               <a:pPr>
                 <a:defRPr/>
               </a:pPr>
-              <a:t>29</a:t>
+              <a:t>4</a:t>
+            </a:fld>
+            <a:endParaRPr lang="en-US" altLang="zh-CN" dirty="0"/>
+          </a:p>
+        </p:txBody>
+      </p:sp>
+    </p:spTree>
+    <p:extLst>
+      <p:ext uri="{BB962C8B-B14F-4D97-AF65-F5344CB8AC3E}">
+        <p14:creationId xmlns:p14="http://schemas.microsoft.com/office/powerpoint/2010/main" val="2217629606"/>
+      </p:ext>
+    </p:extLst>
+  </p:cSld>
+  <p:clrMapOvr>
+    <a:masterClrMapping/>
+  </p:clrMapOvr>
+  <mc:AlternateContent xmlns:mc="http://schemas.openxmlformats.org/markup-compatibility/2006" xmlns:p14="http://schemas.microsoft.com/office/powerpoint/2010/main">
+    <mc:Choice Requires="p14">
+      <p:transition spd="med" p14:dur="700">
+        <p:fade/>
+      </p:transition>
+    </mc:Choice>
+    <mc:Fallback xmlns="">
+      <p:transition spd="med">
+        <p:fade/>
+      </p:transition>
+    </mc:Fallback>
+  </mc:AlternateContent>
+  <p:timing>
+    <p:tnLst>
+      <p:par>
+        <p:cTn id="1" dur="indefinite" restart="never" nodeType="tmRoot"/>
+      </p:par>
+    </p:tnLst>
+  </p:timing>
+</p:sld>
+</file>
+
+<file path=ppt/slides/slide40.xml><?xml version="1.0" encoding="utf-8"?>
+<p:sld xmlns:a="http://schemas.openxmlformats.org/drawingml/2006/main" xmlns:r="http://schemas.openxmlformats.org/officeDocument/2006/relationships" xmlns:p="http://schemas.openxmlformats.org/presentationml/2006/main">
+  <p:cSld>
+    <p:spTree>
+      <p:nvGrpSpPr>
+        <p:cNvPr id="1" name=""/>
+        <p:cNvGrpSpPr/>
+        <p:nvPr/>
+      </p:nvGrpSpPr>
+      <p:grpSpPr>
+        <a:xfrm>
+          <a:off x="0" y="0"/>
+          <a:ext cx="0" cy="0"/>
+          <a:chOff x="0" y="0"/>
+          <a:chExt cx="0" cy="0"/>
+        </a:xfrm>
+      </p:grpSpPr>
+      <p:sp>
+        <p:nvSpPr>
+          <p:cNvPr id="18434" name="Rectangle 2"/>
+          <p:cNvSpPr>
+            <a:spLocks noGrp="1" noChangeArrowheads="1"/>
+          </p:cNvSpPr>
+          <p:nvPr>
+            <p:ph type="title"/>
+          </p:nvPr>
+        </p:nvSpPr>
+        <p:spPr/>
+        <p:txBody>
+          <a:bodyPr/>
+          <a:lstStyle/>
+          <a:p>
+            <a:pPr eaLnBrk="1" hangingPunct="1">
+              <a:buFont typeface="Wingdings" panose="05000000000000000000" pitchFamily="2" charset="2"/>
+              <a:buNone/>
+            </a:pPr>
+            <a:r>
+              <a:rPr lang="en-US" altLang="zh-CN" dirty="0" smtClean="0"/>
+              <a:t>5.5  </a:t>
+            </a:r>
+            <a:r>
+              <a:rPr lang="en-US" altLang="zh-CN" dirty="0"/>
+              <a:t>CPU</a:t>
+            </a:r>
+            <a:r>
+              <a:rPr lang="zh-CN" altLang="en-US" dirty="0"/>
+              <a:t>和外设之间的数据传送方式</a:t>
+            </a:r>
+          </a:p>
+        </p:txBody>
+      </p:sp>
+      <p:sp>
+        <p:nvSpPr>
+          <p:cNvPr id="2" name="灯片编号占位符 1"/>
+          <p:cNvSpPr>
+            <a:spLocks noGrp="1"/>
+          </p:cNvSpPr>
+          <p:nvPr>
+            <p:ph type="sldNum" sz="quarter" idx="12"/>
+          </p:nvPr>
+        </p:nvSpPr>
+        <p:spPr/>
+        <p:txBody>
+          <a:bodyPr/>
+          <a:lstStyle/>
+          <a:p>
+            <a:pPr>
+              <a:defRPr/>
+            </a:pPr>
+            <a:fld id="{BC120BD5-977A-42A5-BBAD-59A61BB20C95}" type="slidenum">
+              <a:rPr lang="en-US" altLang="zh-CN" smtClean="0"/>
+              <a:pPr>
+                <a:defRPr/>
+              </a:pPr>
+              <a:t>40</a:t>
             </a:fld>
             <a:endParaRPr lang="en-US" altLang="zh-CN" dirty="0"/>
           </a:p>
@@ -14798,175 +17869,7 @@
 </p:sld>
 </file>
 
-<file path=ppt/slides/slide3.xml><?xml version="1.0" encoding="utf-8"?>
-<p:sld xmlns:a="http://schemas.openxmlformats.org/drawingml/2006/main" xmlns:r="http://schemas.openxmlformats.org/officeDocument/2006/relationships" xmlns:p="http://schemas.openxmlformats.org/presentationml/2006/main">
-  <p:cSld>
-    <p:spTree>
-      <p:nvGrpSpPr>
-        <p:cNvPr id="1" name=""/>
-        <p:cNvGrpSpPr/>
-        <p:nvPr/>
-      </p:nvGrpSpPr>
-      <p:grpSpPr>
-        <a:xfrm>
-          <a:off x="0" y="0"/>
-          <a:ext cx="0" cy="0"/>
-          <a:chOff x="0" y="0"/>
-          <a:chExt cx="0" cy="0"/>
-        </a:xfrm>
-      </p:grpSpPr>
-      <p:sp>
-        <p:nvSpPr>
-          <p:cNvPr id="1027" name="Rectangle 2"/>
-          <p:cNvSpPr>
-            <a:spLocks noChangeArrowheads="1"/>
-          </p:cNvSpPr>
-          <p:nvPr/>
-        </p:nvSpPr>
-        <p:spPr bwMode="auto">
-          <a:xfrm>
-            <a:off x="2133600" y="2195513"/>
-            <a:ext cx="9144000" cy="0"/>
-          </a:xfrm>
-          <a:prstGeom prst="rect">
-            <a:avLst/>
-          </a:prstGeom>
-          <a:noFill/>
-          <a:ln w="9525">
-            <a:noFill/>
-            <a:miter lim="800000"/>
-          </a:ln>
-        </p:spPr>
-        <p:txBody>
-          <a:bodyPr>
-            <a:spAutoFit/>
-          </a:bodyPr>
-          <a:lstStyle/>
-          <a:p>
-            <a:endParaRPr lang="zh-CN" altLang="en-US">
-              <a:latin typeface="Calibri" pitchFamily="34" charset="0"/>
-            </a:endParaRPr>
-          </a:p>
-        </p:txBody>
-      </p:sp>
-      <p:graphicFrame>
-        <p:nvGraphicFramePr>
-          <p:cNvPr id="1026" name="Object 3"/>
-          <p:cNvGraphicFramePr>
-            <a:graphicFrameLocks noChangeAspect="1"/>
-          </p:cNvGraphicFramePr>
-          <p:nvPr>
-            <p:extLst>
-              <p:ext uri="{D42A27DB-BD31-4B8C-83A1-F6EECF244321}">
-                <p14:modId xmlns:p14="http://schemas.microsoft.com/office/powerpoint/2010/main" val="3149043977"/>
-              </p:ext>
-            </p:extLst>
-          </p:nvPr>
-        </p:nvGraphicFramePr>
-        <p:xfrm>
-          <a:off x="323528" y="1196752"/>
-          <a:ext cx="8734425" cy="4800600"/>
-        </p:xfrm>
-        <a:graphic>
-          <a:graphicData uri="http://schemas.openxmlformats.org/presentationml/2006/ole">
-            <mc:AlternateContent xmlns:mc="http://schemas.openxmlformats.org/markup-compatibility/2006">
-              <mc:Choice xmlns:v="urn:schemas-microsoft-com:vml" Requires="v">
-                <p:oleObj spid="_x0000_s60428" name="VISIO" r:id="rId3" imgW="8353425" imgH="3705225" progId="">
-                  <p:embed/>
-                </p:oleObj>
-              </mc:Choice>
-              <mc:Fallback>
-                <p:oleObj name="VISIO" r:id="rId3" imgW="8353425" imgH="3705225" progId="">
-                  <p:embed/>
-                  <p:pic>
-                    <p:nvPicPr>
-                      <p:cNvPr id="1026" name="Object 3"/>
-                      <p:cNvPicPr>
-                        <a:picLocks noChangeAspect="1"/>
-                      </p:cNvPicPr>
-                      <p:nvPr/>
-                    </p:nvPicPr>
-                    <p:blipFill>
-                      <a:blip r:embed="rId4"/>
-                      <a:stretch>
-                        <a:fillRect/>
-                      </a:stretch>
-                    </p:blipFill>
-                    <p:spPr>
-                      <a:xfrm>
-                        <a:off x="323528" y="1196752"/>
-                        <a:ext cx="8734425" cy="4800600"/>
-                      </a:xfrm>
-                      <a:prstGeom prst="rect">
-                        <a:avLst/>
-                      </a:prstGeom>
-                      <a:solidFill>
-                        <a:srgbClr val="00FFFF"/>
-                      </a:solidFill>
-                      <a:ln w="9525">
-                        <a:noFill/>
-                        <a:miter/>
-                      </a:ln>
-                    </p:spPr>
-                  </p:pic>
-                </p:oleObj>
-              </mc:Fallback>
-            </mc:AlternateContent>
-          </a:graphicData>
-        </a:graphic>
-      </p:graphicFrame>
-      <p:sp>
-        <p:nvSpPr>
-          <p:cNvPr id="1028" name="Rectangle 10"/>
-          <p:cNvSpPr>
-            <a:spLocks noGrp="1" noChangeArrowheads="1"/>
-          </p:cNvSpPr>
-          <p:nvPr>
-            <p:ph type="title"/>
-          </p:nvPr>
-        </p:nvSpPr>
-        <p:spPr/>
-        <p:txBody>
-          <a:bodyPr rtlCol="0">
-            <a:normAutofit/>
-          </a:bodyPr>
-          <a:lstStyle/>
-          <a:p>
-            <a:pPr>
-              <a:spcAft>
-                <a:spcPts val="0"/>
-              </a:spcAft>
-              <a:defRPr/>
-            </a:pPr>
-            <a:r>
-              <a:rPr lang="zh-CN" altLang="en-US" dirty="0"/>
-              <a:t>微型计算机系统硬件组成</a:t>
-            </a:r>
-          </a:p>
-        </p:txBody>
-      </p:sp>
-    </p:spTree>
-    <p:extLst>
-      <p:ext uri="{BB962C8B-B14F-4D97-AF65-F5344CB8AC3E}">
-        <p14:creationId xmlns:p14="http://schemas.microsoft.com/office/powerpoint/2010/main" val="1183221334"/>
-      </p:ext>
-    </p:extLst>
-  </p:cSld>
-  <p:clrMapOvr>
-    <a:masterClrMapping/>
-  </p:clrMapOvr>
-  <p:transition/>
-  <p:timing>
-    <p:tnLst>
-      <p:par>
-        <p:cTn id="1" dur="indefinite" restart="never" nodeType="tmRoot"/>
-      </p:par>
-    </p:tnLst>
-  </p:timing>
-</p:sld>
-</file>
-
-<file path=ppt/slides/slide30.xml><?xml version="1.0" encoding="utf-8"?>
+<file path=ppt/slides/slide41.xml><?xml version="1.0" encoding="utf-8"?>
 <p:sld xmlns:a="http://schemas.openxmlformats.org/drawingml/2006/main" xmlns:r="http://schemas.openxmlformats.org/officeDocument/2006/relationships" xmlns:p="http://schemas.openxmlformats.org/presentationml/2006/main">
   <p:cSld>
     <p:spTree>
@@ -14990,7 +17893,7 @@
           <p:nvPr>
             <p:extLst>
               <p:ext uri="{D42A27DB-BD31-4B8C-83A1-F6EECF244321}">
-                <p14:modId xmlns:p14="http://schemas.microsoft.com/office/powerpoint/2010/main" val="712002574"/>
+                <p14:modId xmlns:p14="http://schemas.microsoft.com/office/powerpoint/2010/main" val="853333194"/>
               </p:ext>
             </p:extLst>
           </p:nvPr>
@@ -15003,12 +17906,12 @@
           <a:graphicData uri="http://schemas.openxmlformats.org/presentationml/2006/ole">
             <mc:AlternateContent xmlns:mc="http://schemas.openxmlformats.org/markup-compatibility/2006">
               <mc:Choice xmlns:v="urn:schemas-microsoft-com:vml" Requires="v">
-                <p:oleObj spid="_x0000_s62477" r:id="rId3" imgW="7058025" imgH="4581525" progId="Paint.Picture">
+                <p:oleObj spid="_x0000_s62483" name="BMP 图像" r:id="rId3" imgW="7058160" imgH="4581360" progId="Paint.Picture">
                   <p:embed/>
                 </p:oleObj>
               </mc:Choice>
               <mc:Fallback>
-                <p:oleObj r:id="rId3" imgW="7058025" imgH="4581525" progId="Paint.Picture">
+                <p:oleObj name="BMP 图像" r:id="rId3" imgW="7058160" imgH="4581360" progId="Paint.Picture">
                   <p:embed/>
                   <p:pic>
                     <p:nvPicPr>
@@ -15018,6 +17921,9 @@
                     </p:nvPicPr>
                     <p:blipFill>
                       <a:blip r:embed="rId4"/>
+                      <a:stretch>
+                        <a:fillRect/>
+                      </a:stretch>
                     </p:blipFill>
                     <p:spPr>
                       <a:xfrm>
@@ -15083,7 +17989,7 @@
 </p:sld>
 </file>
 
-<file path=ppt/slides/slide31.xml><?xml version="1.0" encoding="utf-8"?>
+<file path=ppt/slides/slide42.xml><?xml version="1.0" encoding="utf-8"?>
 <p:sld xmlns:a="http://schemas.openxmlformats.org/drawingml/2006/main" xmlns:r="http://schemas.openxmlformats.org/officeDocument/2006/relationships" xmlns:p="http://schemas.openxmlformats.org/presentationml/2006/main">
   <p:cSld>
     <p:spTree>
@@ -15157,7 +18063,7 @@
               <a:pPr>
                 <a:defRPr/>
               </a:pPr>
-              <a:t>31</a:t>
+              <a:t>42</a:t>
             </a:fld>
             <a:endParaRPr lang="en-US" altLang="zh-CN" dirty="0"/>
           </a:p>
@@ -15395,7 +18301,7 @@
 </p:sld>
 </file>
 
-<file path=ppt/slides/slide32.xml><?xml version="1.0" encoding="utf-8"?>
+<file path=ppt/slides/slide43.xml><?xml version="1.0" encoding="utf-8"?>
 <p:sld xmlns:a="http://schemas.openxmlformats.org/drawingml/2006/main" xmlns:r="http://schemas.openxmlformats.org/officeDocument/2006/relationships" xmlns:p="http://schemas.openxmlformats.org/presentationml/2006/main">
   <p:cSld>
     <p:spTree>
@@ -15469,7 +18375,7 @@
               <a:pPr>
                 <a:defRPr/>
               </a:pPr>
-              <a:t>32</a:t>
+              <a:t>43</a:t>
             </a:fld>
             <a:endParaRPr lang="en-US" altLang="zh-CN" dirty="0"/>
           </a:p>
@@ -16118,7 +19024,7 @@
 </p:sld>
 </file>
 
-<file path=ppt/slides/slide33.xml><?xml version="1.0" encoding="utf-8"?>
+<file path=ppt/slides/slide44.xml><?xml version="1.0" encoding="utf-8"?>
 <p:sld xmlns:a="http://schemas.openxmlformats.org/drawingml/2006/main" xmlns:r="http://schemas.openxmlformats.org/officeDocument/2006/relationships" xmlns:p="http://schemas.openxmlformats.org/presentationml/2006/main">
   <p:cSld>
     <p:spTree>
@@ -16364,7 +19270,7 @@
 </p:sld>
 </file>
 
-<file path=ppt/slides/slide34.xml><?xml version="1.0" encoding="utf-8"?>
+<file path=ppt/slides/slide45.xml><?xml version="1.0" encoding="utf-8"?>
 <p:sld xmlns:a="http://schemas.openxmlformats.org/drawingml/2006/main" xmlns:r="http://schemas.openxmlformats.org/officeDocument/2006/relationships" xmlns:p="http://schemas.openxmlformats.org/presentationml/2006/main">
   <p:cSld>
     <p:spTree>
@@ -16438,7 +19344,7 @@
               <a:pPr>
                 <a:defRPr/>
               </a:pPr>
-              <a:t>34</a:t>
+              <a:t>45</a:t>
             </a:fld>
             <a:endParaRPr lang="en-US" altLang="zh-CN" dirty="0"/>
           </a:p>
@@ -17069,7 +19975,7 @@
 </p:sld>
 </file>
 
-<file path=ppt/slides/slide35.xml><?xml version="1.0" encoding="utf-8"?>
+<file path=ppt/slides/slide46.xml><?xml version="1.0" encoding="utf-8"?>
 <p:sld xmlns:a="http://schemas.openxmlformats.org/drawingml/2006/main" xmlns:r="http://schemas.openxmlformats.org/officeDocument/2006/relationships" xmlns:p="http://schemas.openxmlformats.org/presentationml/2006/main">
   <p:cSld>
     <p:spTree>
@@ -18341,7 +21247,7 @@
 </p:sld>
 </file>
 
-<file path=ppt/slides/slide36.xml><?xml version="1.0" encoding="utf-8"?>
+<file path=ppt/slides/slide47.xml><?xml version="1.0" encoding="utf-8"?>
 <p:sld xmlns:a="http://schemas.openxmlformats.org/drawingml/2006/main" xmlns:r="http://schemas.openxmlformats.org/officeDocument/2006/relationships" xmlns:p="http://schemas.openxmlformats.org/presentationml/2006/main">
   <p:cSld>
     <p:spTree>
@@ -18415,7 +21321,7 @@
               <a:pPr>
                 <a:defRPr/>
               </a:pPr>
-              <a:t>36</a:t>
+              <a:t>47</a:t>
             </a:fld>
             <a:endParaRPr lang="en-US" altLang="zh-CN" dirty="0"/>
           </a:p>
@@ -18673,7 +21579,7 @@
 </p:sld>
 </file>
 
-<file path=ppt/slides/slide37.xml><?xml version="1.0" encoding="utf-8"?>
+<file path=ppt/slides/slide48.xml><?xml version="1.0" encoding="utf-8"?>
 <p:sld xmlns:a="http://schemas.openxmlformats.org/drawingml/2006/main" xmlns:r="http://schemas.openxmlformats.org/officeDocument/2006/relationships" xmlns:p="http://schemas.openxmlformats.org/presentationml/2006/main">
   <p:cSld>
     <p:spTree>
@@ -18747,7 +21653,7 @@
               <a:pPr>
                 <a:defRPr/>
               </a:pPr>
-              <a:t>37</a:t>
+              <a:t>48</a:t>
             </a:fld>
             <a:endParaRPr lang="en-US" altLang="zh-CN" dirty="0"/>
           </a:p>
@@ -19482,7 +22388,7 @@
 </p:sld>
 </file>
 
-<file path=ppt/slides/slide38.xml><?xml version="1.0" encoding="utf-8"?>
+<file path=ppt/slides/slide49.xml><?xml version="1.0" encoding="utf-8"?>
 <p:sld xmlns:a="http://schemas.openxmlformats.org/drawingml/2006/main" xmlns:r="http://schemas.openxmlformats.org/officeDocument/2006/relationships" xmlns:p="http://schemas.openxmlformats.org/presentationml/2006/main">
   <p:cSld>
     <p:spTree>
@@ -19825,7 +22731,324 @@
 </p:sld>
 </file>
 
-<file path=ppt/slides/slide39.xml><?xml version="1.0" encoding="utf-8"?>
+<file path=ppt/slides/slide5.xml><?xml version="1.0" encoding="utf-8"?>
+<p:sld xmlns:a="http://schemas.openxmlformats.org/drawingml/2006/main" xmlns:r="http://schemas.openxmlformats.org/officeDocument/2006/relationships" xmlns:p="http://schemas.openxmlformats.org/presentationml/2006/main">
+  <p:cSld>
+    <p:spTree>
+      <p:nvGrpSpPr>
+        <p:cNvPr id="1" name=""/>
+        <p:cNvGrpSpPr/>
+        <p:nvPr/>
+      </p:nvGrpSpPr>
+      <p:grpSpPr>
+        <a:xfrm>
+          <a:off x="0" y="0"/>
+          <a:ext cx="0" cy="0"/>
+          <a:chOff x="0" y="0"/>
+          <a:chExt cx="0" cy="0"/>
+        </a:xfrm>
+      </p:grpSpPr>
+      <p:sp>
+        <p:nvSpPr>
+          <p:cNvPr id="18434" name="Rectangle 2"/>
+          <p:cNvSpPr>
+            <a:spLocks noGrp="1" noChangeArrowheads="1"/>
+          </p:cNvSpPr>
+          <p:nvPr>
+            <p:ph type="title"/>
+          </p:nvPr>
+        </p:nvSpPr>
+        <p:spPr/>
+        <p:txBody>
+          <a:bodyPr/>
+          <a:lstStyle/>
+          <a:p>
+            <a:pPr eaLnBrk="1" hangingPunct="1">
+              <a:buFont typeface="Wingdings" panose="05000000000000000000" pitchFamily="2" charset="2"/>
+              <a:buNone/>
+            </a:pPr>
+            <a:r>
+              <a:rPr lang="en-US" altLang="zh-CN" dirty="0"/>
+              <a:t>5</a:t>
+            </a:r>
+            <a:r>
+              <a:rPr lang="en-US" altLang="zh-CN" dirty="0" smtClean="0"/>
+              <a:t>.1  </a:t>
+            </a:r>
+            <a:r>
+              <a:rPr lang="zh-CN" altLang="en-US" dirty="0" smtClean="0"/>
+              <a:t>为什么要用接口</a:t>
+            </a:r>
+            <a:endParaRPr lang="zh-CN" altLang="en-US" dirty="0"/>
+          </a:p>
+        </p:txBody>
+      </p:sp>
+      <p:sp>
+        <p:nvSpPr>
+          <p:cNvPr id="35843" name="Rectangle 3"/>
+          <p:cNvSpPr>
+            <a:spLocks noGrp="1" noChangeArrowheads="1"/>
+          </p:cNvSpPr>
+          <p:nvPr>
+            <p:ph type="body" idx="1"/>
+          </p:nvPr>
+        </p:nvSpPr>
+        <p:spPr>
+          <a:xfrm>
+            <a:off x="571500" y="1196752"/>
+            <a:ext cx="8001000" cy="4752528"/>
+          </a:xfrm>
+        </p:spPr>
+        <p:txBody>
+          <a:bodyPr/>
+          <a:lstStyle/>
+          <a:p>
+            <a:pPr eaLnBrk="1" fontAlgn="t" hangingPunct="1">
+              <a:lnSpc>
+                <a:spcPct val="120000"/>
+              </a:lnSpc>
+            </a:pPr>
+            <a:r>
+              <a:rPr lang="zh-CN" altLang="en-US" b="1" dirty="0"/>
+              <a:t>问题：为什么存储器可以直接挂在系统总线上？而外设不能直接直接挂在系统总线上？</a:t>
+            </a:r>
+            <a:endParaRPr lang="zh-CN" altLang="en-US" dirty="0" smtClean="0">
+              <a:solidFill>
+                <a:srgbClr val="008000"/>
+              </a:solidFill>
+            </a:endParaRPr>
+          </a:p>
+          <a:p>
+            <a:pPr marL="609600" indent="-609600">
+              <a:buFontTx/>
+              <a:buNone/>
+            </a:pPr>
+            <a:r>
+              <a:rPr lang="en-US" altLang="zh-CN" b="1" dirty="0" smtClean="0">
+                <a:solidFill>
+                  <a:srgbClr val="C00000"/>
+                </a:solidFill>
+              </a:rPr>
+              <a:t>2</a:t>
+            </a:r>
+            <a:r>
+              <a:rPr lang="zh-CN" altLang="en-US" b="1" dirty="0" smtClean="0">
+                <a:solidFill>
+                  <a:srgbClr val="C00000"/>
+                </a:solidFill>
+              </a:rPr>
+              <a:t>、外部设备</a:t>
+            </a:r>
+            <a:r>
+              <a:rPr lang="zh-CN" altLang="en-US" b="1" dirty="0">
+                <a:solidFill>
+                  <a:srgbClr val="C00000"/>
+                </a:solidFill>
+              </a:rPr>
+              <a:t>特点</a:t>
+            </a:r>
+          </a:p>
+          <a:p>
+            <a:pPr marL="609600" indent="-609600">
+              <a:buClr>
+                <a:schemeClr val="hlink"/>
+              </a:buClr>
+              <a:buSzPct val="110000"/>
+              <a:buNone/>
+            </a:pPr>
+            <a:r>
+              <a:rPr lang="zh-CN" altLang="en-US" b="1" dirty="0">
+                <a:solidFill>
+                  <a:srgbClr val="9900FF"/>
+                </a:solidFill>
+                <a:cs typeface="华文中宋"/>
+              </a:rPr>
+              <a:t>（</a:t>
+            </a:r>
+            <a:r>
+              <a:rPr lang="en-US" altLang="zh-CN" b="1" dirty="0">
+                <a:solidFill>
+                  <a:srgbClr val="9900FF"/>
+                </a:solidFill>
+                <a:cs typeface="华文中宋"/>
+              </a:rPr>
+              <a:t>1</a:t>
+            </a:r>
+            <a:r>
+              <a:rPr lang="zh-CN" altLang="en-US" b="1" dirty="0">
+                <a:solidFill>
+                  <a:srgbClr val="9900FF"/>
+                </a:solidFill>
+                <a:cs typeface="华文中宋"/>
+              </a:rPr>
+              <a:t>）品种繁多。</a:t>
+            </a:r>
+          </a:p>
+          <a:p>
+            <a:pPr marL="609600" indent="-609600">
+              <a:buClr>
+                <a:schemeClr val="hlink"/>
+              </a:buClr>
+              <a:buSzPct val="110000"/>
+              <a:buNone/>
+            </a:pPr>
+            <a:r>
+              <a:rPr lang="zh-CN" altLang="en-US" b="1" dirty="0">
+                <a:solidFill>
+                  <a:srgbClr val="9900FF"/>
+                </a:solidFill>
+                <a:cs typeface="华文中宋"/>
+              </a:rPr>
+              <a:t>（</a:t>
+            </a:r>
+            <a:r>
+              <a:rPr lang="en-US" altLang="zh-CN" b="1" dirty="0">
+                <a:solidFill>
+                  <a:srgbClr val="9900FF"/>
+                </a:solidFill>
+                <a:cs typeface="华文中宋"/>
+              </a:rPr>
+              <a:t>2</a:t>
+            </a:r>
+            <a:r>
+              <a:rPr lang="zh-CN" altLang="en-US" b="1" dirty="0">
+                <a:solidFill>
+                  <a:srgbClr val="9900FF"/>
+                </a:solidFill>
+                <a:cs typeface="华文中宋"/>
+              </a:rPr>
+              <a:t>）工作速度一般比</a:t>
+            </a:r>
+            <a:r>
+              <a:rPr lang="en-US" altLang="zh-CN" b="1" dirty="0">
+                <a:solidFill>
+                  <a:srgbClr val="9900FF"/>
+                </a:solidFill>
+                <a:cs typeface="华文中宋"/>
+              </a:rPr>
+              <a:t>CPU</a:t>
+            </a:r>
+            <a:r>
+              <a:rPr lang="zh-CN" altLang="en-US" b="1" dirty="0">
+                <a:solidFill>
+                  <a:srgbClr val="9900FF"/>
+                </a:solidFill>
+                <a:cs typeface="华文中宋"/>
+              </a:rPr>
+              <a:t>慢，且速度的分布也相当宽。</a:t>
+            </a:r>
+          </a:p>
+          <a:p>
+            <a:pPr marL="609600" indent="-609600">
+              <a:buClr>
+                <a:schemeClr val="hlink"/>
+              </a:buClr>
+              <a:buSzPct val="110000"/>
+              <a:buNone/>
+            </a:pPr>
+            <a:r>
+              <a:rPr lang="zh-CN" altLang="en-US" b="1" dirty="0">
+                <a:solidFill>
+                  <a:srgbClr val="9900FF"/>
+                </a:solidFill>
+                <a:cs typeface="华文中宋"/>
+              </a:rPr>
+              <a:t>（</a:t>
+            </a:r>
+            <a:r>
+              <a:rPr lang="en-US" altLang="zh-CN" b="1" dirty="0">
+                <a:solidFill>
+                  <a:srgbClr val="9900FF"/>
+                </a:solidFill>
+                <a:cs typeface="华文中宋"/>
+              </a:rPr>
+              <a:t>3</a:t>
+            </a:r>
+            <a:r>
+              <a:rPr lang="zh-CN" altLang="en-US" b="1" dirty="0">
+                <a:solidFill>
+                  <a:srgbClr val="9900FF"/>
+                </a:solidFill>
+                <a:cs typeface="华文中宋"/>
+              </a:rPr>
+              <a:t>）信号类型与信息格式多样化。</a:t>
+            </a:r>
+          </a:p>
+          <a:p>
+            <a:pPr eaLnBrk="1" hangingPunct="1">
+              <a:buFont typeface="Wingdings" panose="05000000000000000000" pitchFamily="2" charset="2"/>
+              <a:buNone/>
+            </a:pPr>
+            <a:endParaRPr lang="en-US" altLang="zh-CN" dirty="0" smtClean="0">
+              <a:solidFill>
+                <a:srgbClr val="008000"/>
+              </a:solidFill>
+            </a:endParaRPr>
+          </a:p>
+        </p:txBody>
+      </p:sp>
+      <p:sp>
+        <p:nvSpPr>
+          <p:cNvPr id="2" name="灯片编号占位符 1"/>
+          <p:cNvSpPr>
+            <a:spLocks noGrp="1"/>
+          </p:cNvSpPr>
+          <p:nvPr>
+            <p:ph type="sldNum" sz="quarter" idx="12"/>
+          </p:nvPr>
+        </p:nvSpPr>
+        <p:spPr/>
+        <p:txBody>
+          <a:bodyPr/>
+          <a:lstStyle/>
+          <a:p>
+            <a:pPr>
+              <a:defRPr/>
+            </a:pPr>
+            <a:fld id="{BC120BD5-977A-42A5-BBAD-59A61BB20C95}" type="slidenum">
+              <a:rPr lang="en-US" altLang="zh-CN" smtClean="0"/>
+              <a:pPr>
+                <a:defRPr/>
+              </a:pPr>
+              <a:t>5</a:t>
+            </a:fld>
+            <a:endParaRPr lang="en-US" altLang="zh-CN" dirty="0"/>
+          </a:p>
+        </p:txBody>
+      </p:sp>
+    </p:spTree>
+    <p:extLst>
+      <p:ext uri="{BB962C8B-B14F-4D97-AF65-F5344CB8AC3E}">
+        <p14:creationId xmlns:p14="http://schemas.microsoft.com/office/powerpoint/2010/main" val="263460346"/>
+      </p:ext>
+    </p:extLst>
+  </p:cSld>
+  <p:clrMapOvr>
+    <a:masterClrMapping/>
+  </p:clrMapOvr>
+  <mc:AlternateContent xmlns:mc="http://schemas.openxmlformats.org/markup-compatibility/2006" xmlns:p14="http://schemas.microsoft.com/office/powerpoint/2010/main">
+    <mc:Choice Requires="p14">
+      <p:transition spd="med" p14:dur="700">
+        <p:fade/>
+      </p:transition>
+    </mc:Choice>
+    <mc:Fallback xmlns="">
+      <p:transition spd="med">
+        <p:fade/>
+      </p:transition>
+    </mc:Fallback>
+  </mc:AlternateContent>
+  <p:timing>
+    <p:tnLst>
+      <p:par>
+        <p:cTn id="1" dur="indefinite" restart="never" nodeType="tmRoot"/>
+      </p:par>
+    </p:tnLst>
+  </p:timing>
+</p:sld>
+</file>
+
+<file path=ppt/slides/slide50.xml><?xml version="1.0" encoding="utf-8"?>
 <p:sld xmlns:a="http://schemas.openxmlformats.org/drawingml/2006/main" xmlns:r="http://schemas.openxmlformats.org/officeDocument/2006/relationships" xmlns:p="http://schemas.openxmlformats.org/presentationml/2006/main">
   <p:cSld>
     <p:spTree>
@@ -20049,271 +23272,7 @@
 </p:sld>
 </file>
 
-<file path=ppt/slides/slide4.xml><?xml version="1.0" encoding="utf-8"?>
-<p:sld xmlns:a="http://schemas.openxmlformats.org/drawingml/2006/main" xmlns:r="http://schemas.openxmlformats.org/officeDocument/2006/relationships" xmlns:p="http://schemas.openxmlformats.org/presentationml/2006/main">
-  <p:cSld>
-    <p:spTree>
-      <p:nvGrpSpPr>
-        <p:cNvPr id="1" name=""/>
-        <p:cNvGrpSpPr/>
-        <p:nvPr/>
-      </p:nvGrpSpPr>
-      <p:grpSpPr>
-        <a:xfrm>
-          <a:off x="0" y="0"/>
-          <a:ext cx="0" cy="0"/>
-          <a:chOff x="0" y="0"/>
-          <a:chExt cx="0" cy="0"/>
-        </a:xfrm>
-      </p:grpSpPr>
-      <p:sp>
-        <p:nvSpPr>
-          <p:cNvPr id="18434" name="Rectangle 2"/>
-          <p:cNvSpPr>
-            <a:spLocks noGrp="1" noChangeArrowheads="1"/>
-          </p:cNvSpPr>
-          <p:nvPr>
-            <p:ph type="title"/>
-          </p:nvPr>
-        </p:nvSpPr>
-        <p:spPr/>
-        <p:txBody>
-          <a:bodyPr/>
-          <a:lstStyle/>
-          <a:p>
-            <a:pPr eaLnBrk="1" hangingPunct="1">
-              <a:buFont typeface="Wingdings" panose="05000000000000000000" pitchFamily="2" charset="2"/>
-              <a:buNone/>
-            </a:pPr>
-            <a:r>
-              <a:rPr lang="en-US" altLang="zh-CN" dirty="0"/>
-              <a:t>5</a:t>
-            </a:r>
-            <a:r>
-              <a:rPr lang="en-US" altLang="zh-CN" dirty="0" smtClean="0"/>
-              <a:t>.1  </a:t>
-            </a:r>
-            <a:r>
-              <a:rPr lang="zh-CN" altLang="en-US" dirty="0" smtClean="0"/>
-              <a:t>为什么要用接口</a:t>
-            </a:r>
-            <a:endParaRPr lang="zh-CN" altLang="en-US" dirty="0"/>
-          </a:p>
-        </p:txBody>
-      </p:sp>
-      <p:sp>
-        <p:nvSpPr>
-          <p:cNvPr id="35843" name="Rectangle 3"/>
-          <p:cNvSpPr>
-            <a:spLocks noGrp="1" noChangeArrowheads="1"/>
-          </p:cNvSpPr>
-          <p:nvPr>
-            <p:ph type="body" idx="1"/>
-          </p:nvPr>
-        </p:nvSpPr>
-        <p:spPr>
-          <a:xfrm>
-            <a:off x="571500" y="1196752"/>
-            <a:ext cx="8001000" cy="4752528"/>
-          </a:xfrm>
-        </p:spPr>
-        <p:txBody>
-          <a:bodyPr/>
-          <a:lstStyle/>
-          <a:p>
-            <a:pPr eaLnBrk="1" fontAlgn="t" hangingPunct="1">
-              <a:lnSpc>
-                <a:spcPct val="120000"/>
-              </a:lnSpc>
-            </a:pPr>
-            <a:r>
-              <a:rPr lang="zh-CN" altLang="en-US" b="1" dirty="0"/>
-              <a:t>问题：为什么存储器可以直接挂在系统总线上？而外设不能直接直接挂在系统总线上？</a:t>
-            </a:r>
-            <a:endParaRPr lang="zh-CN" altLang="en-US" dirty="0" smtClean="0">
-              <a:solidFill>
-                <a:srgbClr val="008000"/>
-              </a:solidFill>
-            </a:endParaRPr>
-          </a:p>
-          <a:p>
-            <a:pPr indent="0">
-              <a:buNone/>
-            </a:pPr>
-            <a:r>
-              <a:rPr lang="en-US" altLang="zh-CN" sz="2800" b="1" dirty="0" smtClean="0">
-                <a:solidFill>
-                  <a:schemeClr val="folHlink"/>
-                </a:solidFill>
-              </a:rPr>
-              <a:t>1</a:t>
-            </a:r>
-            <a:r>
-              <a:rPr lang="zh-CN" altLang="en-US" sz="2800" b="1" dirty="0" smtClean="0">
-                <a:solidFill>
-                  <a:schemeClr val="folHlink"/>
-                </a:solidFill>
-              </a:rPr>
-              <a:t>、存储器</a:t>
-            </a:r>
-            <a:r>
-              <a:rPr lang="zh-CN" altLang="en-US" sz="2800" b="1" dirty="0">
-                <a:solidFill>
-                  <a:srgbClr val="FF9966"/>
-                </a:solidFill>
-              </a:rPr>
-              <a:t>特点</a:t>
-            </a:r>
-          </a:p>
-          <a:p>
-            <a:pPr indent="0">
-              <a:buNone/>
-            </a:pPr>
-            <a:r>
-              <a:rPr lang="zh-CN" altLang="en-US" b="1" dirty="0">
-                <a:solidFill>
-                  <a:srgbClr val="9900FF"/>
-                </a:solidFill>
-              </a:rPr>
-              <a:t>（</a:t>
-            </a:r>
-            <a:r>
-              <a:rPr lang="en-US" altLang="zh-CN" b="1" dirty="0">
-                <a:solidFill>
-                  <a:srgbClr val="9900FF"/>
-                </a:solidFill>
-              </a:rPr>
-              <a:t>1</a:t>
-            </a:r>
-            <a:r>
-              <a:rPr lang="zh-CN" altLang="en-US" b="1" dirty="0">
-                <a:solidFill>
-                  <a:srgbClr val="9900FF"/>
-                </a:solidFill>
-              </a:rPr>
-              <a:t>）功能单一，品种有限</a:t>
-            </a:r>
-          </a:p>
-          <a:p>
-            <a:pPr indent="0">
-              <a:buNone/>
-            </a:pPr>
-            <a:r>
-              <a:rPr lang="zh-CN" altLang="en-US" b="1" dirty="0">
-                <a:solidFill>
-                  <a:srgbClr val="9900FF"/>
-                </a:solidFill>
-              </a:rPr>
-              <a:t>（</a:t>
-            </a:r>
-            <a:r>
-              <a:rPr lang="en-US" altLang="zh-CN" b="1" dirty="0">
-                <a:solidFill>
-                  <a:srgbClr val="9900FF"/>
-                </a:solidFill>
-              </a:rPr>
-              <a:t>2</a:t>
-            </a:r>
-            <a:r>
-              <a:rPr lang="zh-CN" altLang="en-US" b="1" dirty="0">
-                <a:solidFill>
-                  <a:srgbClr val="9900FF"/>
-                </a:solidFill>
-              </a:rPr>
-              <a:t>）速度与</a:t>
-            </a:r>
-            <a:r>
-              <a:rPr lang="en-US" altLang="zh-CN" b="1" dirty="0">
-                <a:solidFill>
-                  <a:srgbClr val="C00000"/>
-                </a:solidFill>
-              </a:rPr>
-              <a:t>CPU</a:t>
-            </a:r>
-            <a:r>
-              <a:rPr lang="zh-CN" altLang="en-US" b="1" dirty="0">
-                <a:solidFill>
-                  <a:srgbClr val="9900FF"/>
-                </a:solidFill>
-              </a:rPr>
-              <a:t>匹配</a:t>
-            </a:r>
-          </a:p>
-          <a:p>
-            <a:pPr eaLnBrk="1" hangingPunct="1">
-              <a:buFont typeface="Wingdings" panose="05000000000000000000" pitchFamily="2" charset="2"/>
-              <a:buNone/>
-            </a:pPr>
-            <a:endParaRPr lang="en-US" altLang="zh-CN" dirty="0" smtClean="0">
-              <a:solidFill>
-                <a:srgbClr val="008000"/>
-              </a:solidFill>
-            </a:endParaRPr>
-          </a:p>
-        </p:txBody>
-      </p:sp>
-      <p:sp>
-        <p:nvSpPr>
-          <p:cNvPr id="2" name="灯片编号占位符 1"/>
-          <p:cNvSpPr>
-            <a:spLocks noGrp="1"/>
-          </p:cNvSpPr>
-          <p:nvPr>
-            <p:ph type="sldNum" sz="quarter" idx="12"/>
-          </p:nvPr>
-        </p:nvSpPr>
-        <p:spPr/>
-        <p:txBody>
-          <a:bodyPr/>
-          <a:lstStyle/>
-          <a:p>
-            <a:pPr>
-              <a:defRPr/>
-            </a:pPr>
-            <a:fld id="{BC120BD5-977A-42A5-BBAD-59A61BB20C95}" type="slidenum">
-              <a:rPr lang="en-US" altLang="zh-CN" smtClean="0"/>
-              <a:pPr>
-                <a:defRPr/>
-              </a:pPr>
-              <a:t>4</a:t>
-            </a:fld>
-            <a:endParaRPr lang="en-US" altLang="zh-CN" dirty="0"/>
-          </a:p>
-        </p:txBody>
-      </p:sp>
-    </p:spTree>
-    <p:extLst>
-      <p:ext uri="{BB962C8B-B14F-4D97-AF65-F5344CB8AC3E}">
-        <p14:creationId xmlns:p14="http://schemas.microsoft.com/office/powerpoint/2010/main" val="2217629606"/>
-      </p:ext>
-    </p:extLst>
-  </p:cSld>
-  <p:clrMapOvr>
-    <a:masterClrMapping/>
-  </p:clrMapOvr>
-  <mc:AlternateContent xmlns:mc="http://schemas.openxmlformats.org/markup-compatibility/2006" xmlns:p14="http://schemas.microsoft.com/office/powerpoint/2010/main">
-    <mc:Choice Requires="p14">
-      <p:transition spd="med" p14:dur="700">
-        <p:fade/>
-      </p:transition>
-    </mc:Choice>
-    <mc:Fallback xmlns="">
-      <p:transition spd="med">
-        <p:fade/>
-      </p:transition>
-    </mc:Fallback>
-  </mc:AlternateContent>
-  <p:timing>
-    <p:tnLst>
-      <p:par>
-        <p:cTn id="1" dur="indefinite" restart="never" nodeType="tmRoot"/>
-      </p:par>
-    </p:tnLst>
-  </p:timing>
-</p:sld>
-</file>
-
-<file path=ppt/slides/slide40.xml><?xml version="1.0" encoding="utf-8"?>
+<file path=ppt/slides/slide51.xml><?xml version="1.0" encoding="utf-8"?>
 <p:sld xmlns:a="http://schemas.openxmlformats.org/drawingml/2006/main" xmlns:r="http://schemas.openxmlformats.org/officeDocument/2006/relationships" xmlns:p="http://schemas.openxmlformats.org/presentationml/2006/main">
   <p:cSld>
     <p:spTree>
@@ -22926,7 +25885,7 @@
 </p:sld>
 </file>
 
-<file path=ppt/slides/slide41.xml><?xml version="1.0" encoding="utf-8"?>
+<file path=ppt/slides/slide52.xml><?xml version="1.0" encoding="utf-8"?>
 <p:sld xmlns:a="http://schemas.openxmlformats.org/drawingml/2006/main" xmlns:r="http://schemas.openxmlformats.org/officeDocument/2006/relationships" xmlns:p="http://schemas.openxmlformats.org/presentationml/2006/main">
   <p:cSld>
     <p:spTree>
@@ -23000,7 +25959,7 @@
               <a:pPr>
                 <a:defRPr/>
               </a:pPr>
-              <a:t>41</a:t>
+              <a:t>52</a:t>
             </a:fld>
             <a:endParaRPr lang="en-US" altLang="zh-CN" dirty="0"/>
           </a:p>
@@ -23383,7 +26342,7 @@
 </p:sld>
 </file>
 
-<file path=ppt/slides/slide42.xml><?xml version="1.0" encoding="utf-8"?>
+<file path=ppt/slides/slide53.xml><?xml version="1.0" encoding="utf-8"?>
 <p:sld xmlns:a="http://schemas.openxmlformats.org/drawingml/2006/main" xmlns:r="http://schemas.openxmlformats.org/officeDocument/2006/relationships" xmlns:p="http://schemas.openxmlformats.org/presentationml/2006/main">
   <p:cSld>
     <p:spTree>
@@ -23457,7 +26416,7 @@
               <a:pPr>
                 <a:defRPr/>
               </a:pPr>
-              <a:t>42</a:t>
+              <a:t>53</a:t>
             </a:fld>
             <a:endParaRPr lang="en-US" altLang="zh-CN" dirty="0"/>
           </a:p>
@@ -23579,7 +26538,7 @@
 </p:sld>
 </file>
 
-<file path=ppt/slides/slide43.xml><?xml version="1.0" encoding="utf-8"?>
+<file path=ppt/slides/slide54.xml><?xml version="1.0" encoding="utf-8"?>
 <p:sld xmlns:a="http://schemas.openxmlformats.org/drawingml/2006/main" xmlns:r="http://schemas.openxmlformats.org/officeDocument/2006/relationships" xmlns:p="http://schemas.openxmlformats.org/presentationml/2006/main">
   <p:cSld>
     <p:spTree>
@@ -24277,7 +27236,7 @@
 </p:sld>
 </file>
 
-<file path=ppt/slides/slide44.xml><?xml version="1.0" encoding="utf-8"?>
+<file path=ppt/slides/slide55.xml><?xml version="1.0" encoding="utf-8"?>
 <p:sld xmlns:a="http://schemas.openxmlformats.org/drawingml/2006/main" xmlns:r="http://schemas.openxmlformats.org/officeDocument/2006/relationships" xmlns:p="http://schemas.openxmlformats.org/presentationml/2006/main">
   <p:cSld>
     <p:spTree>
@@ -24785,7 +27744,7 @@
 </p:sld>
 </file>
 
-<file path=ppt/slides/slide45.xml><?xml version="1.0" encoding="utf-8"?>
+<file path=ppt/slides/slide56.xml><?xml version="1.0" encoding="utf-8"?>
 <p:sld xmlns:a="http://schemas.openxmlformats.org/drawingml/2006/main" xmlns:r="http://schemas.openxmlformats.org/officeDocument/2006/relationships" xmlns:p="http://schemas.openxmlformats.org/presentationml/2006/main">
   <p:cSld>
     <p:spTree>
@@ -24859,7 +27818,7 @@
               <a:pPr>
                 <a:defRPr/>
               </a:pPr>
-              <a:t>45</a:t>
+              <a:t>56</a:t>
             </a:fld>
             <a:endParaRPr lang="en-US" altLang="zh-CN" dirty="0"/>
           </a:p>
@@ -25015,323 +27974,6 @@
     <p:extLst>
       <p:ext uri="{BB962C8B-B14F-4D97-AF65-F5344CB8AC3E}">
         <p14:creationId xmlns:p14="http://schemas.microsoft.com/office/powerpoint/2010/main" val="2081602245"/>
-      </p:ext>
-    </p:extLst>
-  </p:cSld>
-  <p:clrMapOvr>
-    <a:masterClrMapping/>
-  </p:clrMapOvr>
-  <mc:AlternateContent xmlns:mc="http://schemas.openxmlformats.org/markup-compatibility/2006" xmlns:p14="http://schemas.microsoft.com/office/powerpoint/2010/main">
-    <mc:Choice Requires="p14">
-      <p:transition spd="med" p14:dur="700">
-        <p:fade/>
-      </p:transition>
-    </mc:Choice>
-    <mc:Fallback xmlns="">
-      <p:transition spd="med">
-        <p:fade/>
-      </p:transition>
-    </mc:Fallback>
-  </mc:AlternateContent>
-  <p:timing>
-    <p:tnLst>
-      <p:par>
-        <p:cTn id="1" dur="indefinite" restart="never" nodeType="tmRoot"/>
-      </p:par>
-    </p:tnLst>
-  </p:timing>
-</p:sld>
-</file>
-
-<file path=ppt/slides/slide5.xml><?xml version="1.0" encoding="utf-8"?>
-<p:sld xmlns:a="http://schemas.openxmlformats.org/drawingml/2006/main" xmlns:r="http://schemas.openxmlformats.org/officeDocument/2006/relationships" xmlns:p="http://schemas.openxmlformats.org/presentationml/2006/main">
-  <p:cSld>
-    <p:spTree>
-      <p:nvGrpSpPr>
-        <p:cNvPr id="1" name=""/>
-        <p:cNvGrpSpPr/>
-        <p:nvPr/>
-      </p:nvGrpSpPr>
-      <p:grpSpPr>
-        <a:xfrm>
-          <a:off x="0" y="0"/>
-          <a:ext cx="0" cy="0"/>
-          <a:chOff x="0" y="0"/>
-          <a:chExt cx="0" cy="0"/>
-        </a:xfrm>
-      </p:grpSpPr>
-      <p:sp>
-        <p:nvSpPr>
-          <p:cNvPr id="18434" name="Rectangle 2"/>
-          <p:cNvSpPr>
-            <a:spLocks noGrp="1" noChangeArrowheads="1"/>
-          </p:cNvSpPr>
-          <p:nvPr>
-            <p:ph type="title"/>
-          </p:nvPr>
-        </p:nvSpPr>
-        <p:spPr/>
-        <p:txBody>
-          <a:bodyPr/>
-          <a:lstStyle/>
-          <a:p>
-            <a:pPr eaLnBrk="1" hangingPunct="1">
-              <a:buFont typeface="Wingdings" panose="05000000000000000000" pitchFamily="2" charset="2"/>
-              <a:buNone/>
-            </a:pPr>
-            <a:r>
-              <a:rPr lang="en-US" altLang="zh-CN" dirty="0"/>
-              <a:t>5</a:t>
-            </a:r>
-            <a:r>
-              <a:rPr lang="en-US" altLang="zh-CN" dirty="0" smtClean="0"/>
-              <a:t>.1  </a:t>
-            </a:r>
-            <a:r>
-              <a:rPr lang="zh-CN" altLang="en-US" dirty="0" smtClean="0"/>
-              <a:t>为什么要用接口</a:t>
-            </a:r>
-            <a:endParaRPr lang="zh-CN" altLang="en-US" dirty="0"/>
-          </a:p>
-        </p:txBody>
-      </p:sp>
-      <p:sp>
-        <p:nvSpPr>
-          <p:cNvPr id="35843" name="Rectangle 3"/>
-          <p:cNvSpPr>
-            <a:spLocks noGrp="1" noChangeArrowheads="1"/>
-          </p:cNvSpPr>
-          <p:nvPr>
-            <p:ph type="body" idx="1"/>
-          </p:nvPr>
-        </p:nvSpPr>
-        <p:spPr>
-          <a:xfrm>
-            <a:off x="571500" y="1196752"/>
-            <a:ext cx="8001000" cy="4752528"/>
-          </a:xfrm>
-        </p:spPr>
-        <p:txBody>
-          <a:bodyPr/>
-          <a:lstStyle/>
-          <a:p>
-            <a:pPr eaLnBrk="1" fontAlgn="t" hangingPunct="1">
-              <a:lnSpc>
-                <a:spcPct val="120000"/>
-              </a:lnSpc>
-            </a:pPr>
-            <a:r>
-              <a:rPr lang="zh-CN" altLang="en-US" b="1" dirty="0"/>
-              <a:t>问题：为什么存储器可以直接挂在系统总线上？而外设不能直接直接挂在系统总线上？</a:t>
-            </a:r>
-            <a:endParaRPr lang="zh-CN" altLang="en-US" dirty="0" smtClean="0">
-              <a:solidFill>
-                <a:srgbClr val="008000"/>
-              </a:solidFill>
-            </a:endParaRPr>
-          </a:p>
-          <a:p>
-            <a:pPr marL="609600" indent="-609600">
-              <a:buFontTx/>
-              <a:buNone/>
-            </a:pPr>
-            <a:r>
-              <a:rPr lang="en-US" altLang="zh-CN" b="1" dirty="0" smtClean="0">
-                <a:solidFill>
-                  <a:srgbClr val="C00000"/>
-                </a:solidFill>
-              </a:rPr>
-              <a:t>2</a:t>
-            </a:r>
-            <a:r>
-              <a:rPr lang="zh-CN" altLang="en-US" b="1" dirty="0" smtClean="0">
-                <a:solidFill>
-                  <a:srgbClr val="C00000"/>
-                </a:solidFill>
-              </a:rPr>
-              <a:t>、外部设备</a:t>
-            </a:r>
-            <a:r>
-              <a:rPr lang="zh-CN" altLang="en-US" b="1" dirty="0">
-                <a:solidFill>
-                  <a:srgbClr val="C00000"/>
-                </a:solidFill>
-              </a:rPr>
-              <a:t>特点</a:t>
-            </a:r>
-          </a:p>
-          <a:p>
-            <a:pPr marL="609600" indent="-609600">
-              <a:buClr>
-                <a:schemeClr val="hlink"/>
-              </a:buClr>
-              <a:buSzPct val="110000"/>
-              <a:buNone/>
-            </a:pPr>
-            <a:r>
-              <a:rPr lang="zh-CN" altLang="en-US" b="1" dirty="0">
-                <a:solidFill>
-                  <a:srgbClr val="9900FF"/>
-                </a:solidFill>
-                <a:cs typeface="华文中宋"/>
-              </a:rPr>
-              <a:t>（</a:t>
-            </a:r>
-            <a:r>
-              <a:rPr lang="en-US" altLang="zh-CN" b="1" dirty="0">
-                <a:solidFill>
-                  <a:srgbClr val="9900FF"/>
-                </a:solidFill>
-                <a:cs typeface="华文中宋"/>
-              </a:rPr>
-              <a:t>1</a:t>
-            </a:r>
-            <a:r>
-              <a:rPr lang="zh-CN" altLang="en-US" b="1" dirty="0">
-                <a:solidFill>
-                  <a:srgbClr val="9900FF"/>
-                </a:solidFill>
-                <a:cs typeface="华文中宋"/>
-              </a:rPr>
-              <a:t>）品种繁多。</a:t>
-            </a:r>
-          </a:p>
-          <a:p>
-            <a:pPr marL="609600" indent="-609600">
-              <a:buClr>
-                <a:schemeClr val="hlink"/>
-              </a:buClr>
-              <a:buSzPct val="110000"/>
-              <a:buNone/>
-            </a:pPr>
-            <a:r>
-              <a:rPr lang="zh-CN" altLang="en-US" b="1" dirty="0">
-                <a:solidFill>
-                  <a:srgbClr val="9900FF"/>
-                </a:solidFill>
-                <a:cs typeface="华文中宋"/>
-              </a:rPr>
-              <a:t>（</a:t>
-            </a:r>
-            <a:r>
-              <a:rPr lang="en-US" altLang="zh-CN" b="1" dirty="0">
-                <a:solidFill>
-                  <a:srgbClr val="9900FF"/>
-                </a:solidFill>
-                <a:cs typeface="华文中宋"/>
-              </a:rPr>
-              <a:t>2</a:t>
-            </a:r>
-            <a:r>
-              <a:rPr lang="zh-CN" altLang="en-US" b="1" dirty="0">
-                <a:solidFill>
-                  <a:srgbClr val="9900FF"/>
-                </a:solidFill>
-                <a:cs typeface="华文中宋"/>
-              </a:rPr>
-              <a:t>）工作速度一般比</a:t>
-            </a:r>
-            <a:r>
-              <a:rPr lang="en-US" altLang="zh-CN" b="1" dirty="0">
-                <a:solidFill>
-                  <a:srgbClr val="9900FF"/>
-                </a:solidFill>
-                <a:cs typeface="华文中宋"/>
-              </a:rPr>
-              <a:t>CPU</a:t>
-            </a:r>
-            <a:r>
-              <a:rPr lang="zh-CN" altLang="en-US" b="1" dirty="0">
-                <a:solidFill>
-                  <a:srgbClr val="9900FF"/>
-                </a:solidFill>
-                <a:cs typeface="华文中宋"/>
-              </a:rPr>
-              <a:t>慢，且速度的分布也相当宽。</a:t>
-            </a:r>
-          </a:p>
-          <a:p>
-            <a:pPr marL="609600" indent="-609600">
-              <a:buClr>
-                <a:schemeClr val="hlink"/>
-              </a:buClr>
-              <a:buSzPct val="110000"/>
-              <a:buNone/>
-            </a:pPr>
-            <a:r>
-              <a:rPr lang="zh-CN" altLang="en-US" b="1" dirty="0">
-                <a:solidFill>
-                  <a:srgbClr val="9900FF"/>
-                </a:solidFill>
-                <a:cs typeface="华文中宋"/>
-              </a:rPr>
-              <a:t>（</a:t>
-            </a:r>
-            <a:r>
-              <a:rPr lang="en-US" altLang="zh-CN" b="1" dirty="0">
-                <a:solidFill>
-                  <a:srgbClr val="9900FF"/>
-                </a:solidFill>
-                <a:cs typeface="华文中宋"/>
-              </a:rPr>
-              <a:t>3</a:t>
-            </a:r>
-            <a:r>
-              <a:rPr lang="zh-CN" altLang="en-US" b="1" dirty="0">
-                <a:solidFill>
-                  <a:srgbClr val="9900FF"/>
-                </a:solidFill>
-                <a:cs typeface="华文中宋"/>
-              </a:rPr>
-              <a:t>）信号类型与信息格式多样化。</a:t>
-            </a:r>
-          </a:p>
-          <a:p>
-            <a:pPr eaLnBrk="1" hangingPunct="1">
-              <a:buFont typeface="Wingdings" panose="05000000000000000000" pitchFamily="2" charset="2"/>
-              <a:buNone/>
-            </a:pPr>
-            <a:endParaRPr lang="en-US" altLang="zh-CN" dirty="0" smtClean="0">
-              <a:solidFill>
-                <a:srgbClr val="008000"/>
-              </a:solidFill>
-            </a:endParaRPr>
-          </a:p>
-        </p:txBody>
-      </p:sp>
-      <p:sp>
-        <p:nvSpPr>
-          <p:cNvPr id="2" name="灯片编号占位符 1"/>
-          <p:cNvSpPr>
-            <a:spLocks noGrp="1"/>
-          </p:cNvSpPr>
-          <p:nvPr>
-            <p:ph type="sldNum" sz="quarter" idx="12"/>
-          </p:nvPr>
-        </p:nvSpPr>
-        <p:spPr/>
-        <p:txBody>
-          <a:bodyPr/>
-          <a:lstStyle/>
-          <a:p>
-            <a:pPr>
-              <a:defRPr/>
-            </a:pPr>
-            <a:fld id="{BC120BD5-977A-42A5-BBAD-59A61BB20C95}" type="slidenum">
-              <a:rPr lang="en-US" altLang="zh-CN" smtClean="0"/>
-              <a:pPr>
-                <a:defRPr/>
-              </a:pPr>
-              <a:t>5</a:t>
-            </a:fld>
-            <a:endParaRPr lang="en-US" altLang="zh-CN" dirty="0"/>
-          </a:p>
-        </p:txBody>
-      </p:sp>
-    </p:spTree>
-    <p:extLst>
-      <p:ext uri="{BB962C8B-B14F-4D97-AF65-F5344CB8AC3E}">
-        <p14:creationId xmlns:p14="http://schemas.microsoft.com/office/powerpoint/2010/main" val="263460346"/>
       </p:ext>
     </p:extLst>
   </p:cSld>

--- a/PPT/The Principle of Microcomputer/第五章 微机原理（微机和外设的数据传输) .pptx
+++ b/PPT/The Principle of Microcomputer/第五章 微机原理（微机和外设的数据传输) .pptx
@@ -5,10 +5,10 @@
     <p:sldMasterId id="2147483663" r:id="rId1"/>
   </p:sldMasterIdLst>
   <p:notesMasterIdLst>
-    <p:notesMasterId r:id="rId85"/>
+    <p:notesMasterId r:id="rId86"/>
   </p:notesMasterIdLst>
   <p:handoutMasterIdLst>
-    <p:handoutMasterId r:id="rId86"/>
+    <p:handoutMasterId r:id="rId87"/>
   </p:handoutMasterIdLst>
   <p:sldIdLst>
     <p:sldId id="785" r:id="rId2"/>
@@ -74,26 +74,27 @@
     <p:sldId id="929" r:id="rId62"/>
     <p:sldId id="930" r:id="rId63"/>
     <p:sldId id="907" r:id="rId64"/>
-    <p:sldId id="932" r:id="rId65"/>
-    <p:sldId id="933" r:id="rId66"/>
-    <p:sldId id="931" r:id="rId67"/>
-    <p:sldId id="934" r:id="rId68"/>
-    <p:sldId id="935" r:id="rId69"/>
-    <p:sldId id="912" r:id="rId70"/>
-    <p:sldId id="913" r:id="rId71"/>
-    <p:sldId id="936" r:id="rId72"/>
-    <p:sldId id="937" r:id="rId73"/>
-    <p:sldId id="938" r:id="rId74"/>
-    <p:sldId id="917" r:id="rId75"/>
-    <p:sldId id="918" r:id="rId76"/>
-    <p:sldId id="939" r:id="rId77"/>
-    <p:sldId id="940" r:id="rId78"/>
-    <p:sldId id="941" r:id="rId79"/>
-    <p:sldId id="942" r:id="rId80"/>
-    <p:sldId id="943" r:id="rId81"/>
-    <p:sldId id="944" r:id="rId82"/>
-    <p:sldId id="945" r:id="rId83"/>
-    <p:sldId id="946" r:id="rId84"/>
+    <p:sldId id="948" r:id="rId65"/>
+    <p:sldId id="932" r:id="rId66"/>
+    <p:sldId id="933" r:id="rId67"/>
+    <p:sldId id="931" r:id="rId68"/>
+    <p:sldId id="934" r:id="rId69"/>
+    <p:sldId id="935" r:id="rId70"/>
+    <p:sldId id="912" r:id="rId71"/>
+    <p:sldId id="913" r:id="rId72"/>
+    <p:sldId id="936" r:id="rId73"/>
+    <p:sldId id="937" r:id="rId74"/>
+    <p:sldId id="938" r:id="rId75"/>
+    <p:sldId id="917" r:id="rId76"/>
+    <p:sldId id="918" r:id="rId77"/>
+    <p:sldId id="939" r:id="rId78"/>
+    <p:sldId id="940" r:id="rId79"/>
+    <p:sldId id="941" r:id="rId80"/>
+    <p:sldId id="942" r:id="rId81"/>
+    <p:sldId id="943" r:id="rId82"/>
+    <p:sldId id="944" r:id="rId83"/>
+    <p:sldId id="945" r:id="rId84"/>
+    <p:sldId id="946" r:id="rId85"/>
   </p:sldIdLst>
   <p:sldSz cx="9144000" cy="6858000" type="screen4x3"/>
   <p:notesSz cx="6858000" cy="9144000"/>
@@ -339,7 +340,7 @@
               <a:pPr>
                 <a:defRPr/>
               </a:pPr>
-              <a:t>2019/4/9</a:t>
+              <a:t>2019/4/10</a:t>
             </a:fld>
             <a:endParaRPr lang="zh-CN" altLang="en-US"/>
           </a:p>
@@ -10864,7 +10865,7 @@
           <a:graphicData uri="http://schemas.openxmlformats.org/presentationml/2006/ole">
             <mc:AlternateContent xmlns:mc="http://schemas.openxmlformats.org/markup-compatibility/2006">
               <mc:Choice xmlns:v="urn:schemas-microsoft-com:vml" Requires="v">
-                <p:oleObj spid="_x0000_s63509" r:id="rId3" imgW="7515225" imgH="4019550" progId="">
+                <p:oleObj spid="_x0000_s63516" r:id="rId3" imgW="7515225" imgH="4019550" progId="">
                   <p:embed/>
                 </p:oleObj>
               </mc:Choice>
@@ -12085,7 +12086,7 @@
             <a:graphicData uri="http://schemas.openxmlformats.org/presentationml/2006/ole">
               <mc:AlternateContent xmlns:mc="http://schemas.openxmlformats.org/markup-compatibility/2006">
                 <mc:Choice xmlns:v="urn:schemas-microsoft-com:vml" Requires="v">
-                  <p:oleObj spid="_x0000_s60439" name="VISIO" r:id="rId3" imgW="8353425" imgH="3705225" progId="">
+                  <p:oleObj spid="_x0000_s60446" name="VISIO" r:id="rId3" imgW="8353425" imgH="3705225" progId="">
                     <p:embed/>
                   </p:oleObj>
                 </mc:Choice>
@@ -18194,7 +18195,7 @@
           <a:graphicData uri="http://schemas.openxmlformats.org/presentationml/2006/ole">
             <mc:AlternateContent xmlns:mc="http://schemas.openxmlformats.org/markup-compatibility/2006">
               <mc:Choice xmlns:v="urn:schemas-microsoft-com:vml" Requires="v">
-                <p:oleObj spid="_x0000_s62489" name="BMP 图像" r:id="rId3" imgW="7058160" imgH="4581360" progId="Paint.Picture">
+                <p:oleObj spid="_x0000_s62496" name="BMP 图像" r:id="rId3" imgW="7058160" imgH="4581360" progId="Paint.Picture">
                   <p:embed/>
                 </p:oleObj>
               </mc:Choice>
@@ -27658,7 +27659,13 @@
               <a:rPr lang="en-US" altLang="zh-CN" b="1" dirty="0">
                 <a:latin typeface="Times New Roman" pitchFamily="18" charset="0"/>
               </a:rPr>
-              <a:t>INPUT:		IN      	AL</a:t>
+              <a:t>INPUT:		IN      	</a:t>
+            </a:r>
+            <a:r>
+              <a:rPr lang="en-US" altLang="zh-CN" b="1" dirty="0" smtClean="0">
+                <a:latin typeface="Times New Roman" pitchFamily="18" charset="0"/>
+              </a:rPr>
+              <a:t>    AL</a:t>
             </a:r>
             <a:r>
               <a:rPr lang="zh-CN" altLang="en-US" b="1" dirty="0">
@@ -27718,7 +27725,19 @@
               <a:rPr lang="en-US" altLang="zh-CN" b="1" dirty="0">
                 <a:latin typeface="Times New Roman" pitchFamily="18" charset="0"/>
               </a:rPr>
-              <a:t>                                JZ            DEV2</a:t>
+              <a:t>                             </a:t>
+            </a:r>
+            <a:r>
+              <a:rPr lang="en-US" altLang="zh-CN" b="1" dirty="0" smtClean="0">
+                <a:latin typeface="Times New Roman" pitchFamily="18" charset="0"/>
+              </a:rPr>
+              <a:t> </a:t>
+            </a:r>
+            <a:r>
+              <a:rPr lang="en-US" altLang="zh-CN" b="1" dirty="0">
+                <a:latin typeface="Times New Roman" pitchFamily="18" charset="0"/>
+              </a:rPr>
+              <a:t>JZ            DEV2</a:t>
             </a:r>
           </a:p>
           <a:p>
@@ -27736,7 +27755,19 @@
               <a:rPr lang="en-US" altLang="zh-CN" b="1" dirty="0">
                 <a:latin typeface="Times New Roman" pitchFamily="18" charset="0"/>
               </a:rPr>
-              <a:t>                                CALL      PROC1</a:t>
+              <a:t>                             </a:t>
+            </a:r>
+            <a:r>
+              <a:rPr lang="en-US" altLang="zh-CN" b="1" dirty="0" smtClean="0">
+                <a:latin typeface="Times New Roman" pitchFamily="18" charset="0"/>
+              </a:rPr>
+              <a:t>CALL      </a:t>
+            </a:r>
+            <a:r>
+              <a:rPr lang="en-US" altLang="zh-CN" b="1" dirty="0">
+                <a:latin typeface="Times New Roman" pitchFamily="18" charset="0"/>
+              </a:rPr>
+              <a:t>PROC1</a:t>
             </a:r>
           </a:p>
           <a:p>
@@ -27760,13 +27791,25 @@
               <a:rPr lang="zh-CN" altLang="en-US" b="1" dirty="0">
                 <a:latin typeface="Times New Roman" pitchFamily="18" charset="0"/>
               </a:rPr>
-              <a:t>：                  </a:t>
+              <a:t>：               </a:t>
+            </a:r>
+            <a:r>
+              <a:rPr lang="en-US" altLang="zh-CN" b="1" dirty="0" smtClean="0">
+                <a:latin typeface="Times New Roman" pitchFamily="18" charset="0"/>
+              </a:rPr>
+              <a:t>IN      </a:t>
             </a:r>
             <a:r>
               <a:rPr lang="en-US" altLang="zh-CN" b="1" dirty="0">
                 <a:latin typeface="Times New Roman" pitchFamily="18" charset="0"/>
               </a:rPr>
-              <a:t>IN      	AL</a:t>
+              <a:t>	</a:t>
+            </a:r>
+            <a:r>
+              <a:rPr lang="en-US" altLang="zh-CN" b="1" dirty="0" smtClean="0">
+                <a:latin typeface="Times New Roman" pitchFamily="18" charset="0"/>
+              </a:rPr>
+              <a:t>  AL</a:t>
             </a:r>
             <a:r>
               <a:rPr lang="zh-CN" altLang="en-US" b="1" dirty="0">
@@ -27806,8 +27849,23 @@
               <a:rPr lang="en-US" altLang="zh-CN" b="1" dirty="0">
                 <a:latin typeface="Times New Roman" pitchFamily="18" charset="0"/>
               </a:rPr>
-              <a:t>TEST        AL,20H</a:t>
-            </a:r>
+              <a:t>TEST     </a:t>
+            </a:r>
+            <a:r>
+              <a:rPr lang="en-US" altLang="zh-CN" b="1" dirty="0" smtClean="0">
+                <a:latin typeface="Times New Roman" pitchFamily="18" charset="0"/>
+              </a:rPr>
+              <a:t> </a:t>
+            </a:r>
+            <a:r>
+              <a:rPr lang="en-US" altLang="zh-CN" b="1" dirty="0" err="1" smtClean="0">
+                <a:latin typeface="Times New Roman" pitchFamily="18" charset="0"/>
+              </a:rPr>
+              <a:t>AL,20H</a:t>
+            </a:r>
+            <a:endParaRPr lang="en-US" altLang="zh-CN" b="1" dirty="0">
+              <a:latin typeface="Times New Roman" pitchFamily="18" charset="0"/>
+            </a:endParaRPr>
           </a:p>
           <a:p>
             <a:pPr marL="342900" indent="-342900">
@@ -27822,8 +27880,29 @@
               <a:rPr lang="en-US" altLang="zh-CN" b="1" dirty="0">
                 <a:latin typeface="Times New Roman" pitchFamily="18" charset="0"/>
               </a:rPr>
-              <a:t>                                 JZ            DEV3</a:t>
-            </a:r>
+              <a:t>                              </a:t>
+            </a:r>
+            <a:r>
+              <a:rPr lang="en-US" altLang="zh-CN" b="1" dirty="0" err="1" smtClean="0">
+                <a:latin typeface="Times New Roman" pitchFamily="18" charset="0"/>
+              </a:rPr>
+              <a:t>JZ</a:t>
+            </a:r>
+            <a:r>
+              <a:rPr lang="en-US" altLang="zh-CN" b="1" dirty="0" smtClean="0">
+                <a:latin typeface="Times New Roman" pitchFamily="18" charset="0"/>
+              </a:rPr>
+              <a:t>          </a:t>
+            </a:r>
+            <a:r>
+              <a:rPr lang="en-US" altLang="zh-CN" b="1" dirty="0" err="1" smtClean="0">
+                <a:latin typeface="Times New Roman" pitchFamily="18" charset="0"/>
+              </a:rPr>
+              <a:t>DEV3</a:t>
+            </a:r>
+            <a:endParaRPr lang="en-US" altLang="zh-CN" b="1" dirty="0">
+              <a:latin typeface="Times New Roman" pitchFamily="18" charset="0"/>
+            </a:endParaRPr>
           </a:p>
           <a:p>
             <a:pPr marL="342900" indent="-342900">
@@ -27838,8 +27917,23 @@
               <a:rPr lang="en-US" altLang="zh-CN" b="1" dirty="0">
                 <a:latin typeface="Times New Roman" pitchFamily="18" charset="0"/>
               </a:rPr>
-              <a:t>                                CALL      PROC2</a:t>
-            </a:r>
+              <a:t>                             </a:t>
+            </a:r>
+            <a:r>
+              <a:rPr lang="en-US" altLang="zh-CN" b="1" dirty="0" smtClean="0">
+                <a:latin typeface="Times New Roman" pitchFamily="18" charset="0"/>
+              </a:rPr>
+              <a:t>CALL     </a:t>
+            </a:r>
+            <a:r>
+              <a:rPr lang="en-US" altLang="zh-CN" b="1" dirty="0" err="1" smtClean="0">
+                <a:latin typeface="Times New Roman" pitchFamily="18" charset="0"/>
+              </a:rPr>
+              <a:t>PROC2</a:t>
+            </a:r>
+            <a:endParaRPr lang="en-US" altLang="zh-CN" b="1" dirty="0">
+              <a:latin typeface="Times New Roman" pitchFamily="18" charset="0"/>
+            </a:endParaRPr>
           </a:p>
           <a:p>
             <a:pPr marL="342900" indent="-342900">
@@ -27860,7 +27954,13 @@
               <a:rPr lang="zh-CN" altLang="en-US" b="1" dirty="0">
                 <a:latin typeface="Times New Roman" pitchFamily="18" charset="0"/>
               </a:rPr>
-              <a:t>：                   </a:t>
+              <a:t>：              </a:t>
+            </a:r>
+            <a:r>
+              <a:rPr lang="zh-CN" altLang="en-US" b="1" dirty="0" smtClean="0">
+                <a:latin typeface="Times New Roman" pitchFamily="18" charset="0"/>
+              </a:rPr>
+              <a:t> </a:t>
             </a:r>
             <a:r>
               <a:rPr lang="en-US" altLang="zh-CN" b="1" dirty="0">
@@ -27906,8 +28006,23 @@
               <a:rPr lang="en-US" altLang="zh-CN" b="1" dirty="0">
                 <a:latin typeface="Times New Roman" pitchFamily="18" charset="0"/>
               </a:rPr>
-              <a:t>TEST        AL,20H</a:t>
-            </a:r>
+              <a:t>TEST    </a:t>
+            </a:r>
+            <a:r>
+              <a:rPr lang="en-US" altLang="zh-CN" b="1" dirty="0" smtClean="0">
+                <a:latin typeface="Times New Roman" pitchFamily="18" charset="0"/>
+              </a:rPr>
+              <a:t> </a:t>
+            </a:r>
+            <a:r>
+              <a:rPr lang="en-US" altLang="zh-CN" b="1" dirty="0" err="1" smtClean="0">
+                <a:latin typeface="Times New Roman" pitchFamily="18" charset="0"/>
+              </a:rPr>
+              <a:t>AL,20H</a:t>
+            </a:r>
+            <a:endParaRPr lang="en-US" altLang="zh-CN" b="1" dirty="0">
+              <a:latin typeface="Times New Roman" pitchFamily="18" charset="0"/>
+            </a:endParaRPr>
           </a:p>
           <a:p>
             <a:pPr marL="342900" indent="-342900">
@@ -27922,7 +28037,25 @@
               <a:rPr lang="en-US" altLang="zh-CN" b="1" dirty="0">
                 <a:latin typeface="Times New Roman" pitchFamily="18" charset="0"/>
               </a:rPr>
-              <a:t>                                 JZ         NO_INPUT</a:t>
+              <a:t>                              </a:t>
+            </a:r>
+            <a:r>
+              <a:rPr lang="en-US" altLang="zh-CN" b="1" dirty="0" err="1" smtClean="0">
+                <a:latin typeface="Times New Roman" pitchFamily="18" charset="0"/>
+              </a:rPr>
+              <a:t>JZ</a:t>
+            </a:r>
+            <a:r>
+              <a:rPr lang="en-US" altLang="zh-CN" b="1" dirty="0" smtClean="0">
+                <a:latin typeface="Times New Roman" pitchFamily="18" charset="0"/>
+              </a:rPr>
+              <a:t>         </a:t>
+            </a:r>
+            <a:r>
+              <a:rPr lang="en-US" altLang="zh-CN" b="1" dirty="0">
+                <a:latin typeface="Times New Roman" pitchFamily="18" charset="0"/>
+              </a:rPr>
+              <a:t>NO_INPUT</a:t>
             </a:r>
           </a:p>
           <a:p>
@@ -27938,7 +28071,19 @@
               <a:rPr lang="en-US" altLang="zh-CN" b="1" dirty="0">
                 <a:latin typeface="Times New Roman" pitchFamily="18" charset="0"/>
               </a:rPr>
-              <a:t>                                CALL      PROC3</a:t>
+              <a:t>                             </a:t>
+            </a:r>
+            <a:r>
+              <a:rPr lang="en-US" altLang="zh-CN" b="1" dirty="0" smtClean="0">
+                <a:latin typeface="Times New Roman" pitchFamily="18" charset="0"/>
+              </a:rPr>
+              <a:t>CALL      </a:t>
+            </a:r>
+            <a:r>
+              <a:rPr lang="en-US" altLang="zh-CN" b="1" dirty="0">
+                <a:latin typeface="Times New Roman" pitchFamily="18" charset="0"/>
+              </a:rPr>
+              <a:t>PROC3</a:t>
             </a:r>
           </a:p>
           <a:p>
@@ -27954,8 +28099,41 @@
               <a:rPr lang="en-US" altLang="zh-CN" b="1" dirty="0">
                 <a:latin typeface="Times New Roman" pitchFamily="18" charset="0"/>
               </a:rPr>
-              <a:t>NO_INPUT:           CMP         FLAG,1</a:t>
-            </a:r>
+              <a:t>NO_INPUT:       </a:t>
+            </a:r>
+            <a:r>
+              <a:rPr lang="en-US" altLang="zh-CN" b="1" dirty="0" smtClean="0">
+                <a:latin typeface="Times New Roman" pitchFamily="18" charset="0"/>
+              </a:rPr>
+              <a:t> </a:t>
+            </a:r>
+            <a:r>
+              <a:rPr lang="en-US" altLang="zh-CN" b="1" dirty="0" err="1">
+                <a:latin typeface="Times New Roman" pitchFamily="18" charset="0"/>
+              </a:rPr>
+              <a:t>CMP</a:t>
+            </a:r>
+            <a:r>
+              <a:rPr lang="en-US" altLang="zh-CN" b="1" dirty="0">
+                <a:latin typeface="Times New Roman" pitchFamily="18" charset="0"/>
+              </a:rPr>
+              <a:t>       </a:t>
+            </a:r>
+            <a:r>
+              <a:rPr lang="en-US" altLang="zh-CN" b="1" dirty="0" smtClean="0">
+                <a:latin typeface="Times New Roman" pitchFamily="18" charset="0"/>
+              </a:rPr>
+              <a:t> </a:t>
+            </a:r>
+            <a:r>
+              <a:rPr lang="en-US" altLang="zh-CN" b="1" dirty="0" err="1" smtClean="0">
+                <a:latin typeface="Times New Roman" pitchFamily="18" charset="0"/>
+              </a:rPr>
+              <a:t>FLAG,1</a:t>
+            </a:r>
+            <a:endParaRPr lang="en-US" altLang="zh-CN" b="1" dirty="0">
+              <a:latin typeface="Times New Roman" pitchFamily="18" charset="0"/>
+            </a:endParaRPr>
           </a:p>
           <a:p>
             <a:pPr marL="342900" indent="-342900">
@@ -27970,8 +28148,23 @@
               <a:rPr lang="en-US" altLang="zh-CN" b="1" dirty="0">
                 <a:latin typeface="Times New Roman" pitchFamily="18" charset="0"/>
               </a:rPr>
-              <a:t>                                 JNZ           INPUT</a:t>
-            </a:r>
+              <a:t>                              </a:t>
+            </a:r>
+            <a:r>
+              <a:rPr lang="en-US" altLang="zh-CN" b="1" dirty="0" err="1" smtClean="0">
+                <a:latin typeface="Times New Roman" pitchFamily="18" charset="0"/>
+              </a:rPr>
+              <a:t>JNZ</a:t>
+            </a:r>
+            <a:r>
+              <a:rPr lang="en-US" altLang="zh-CN" b="1" dirty="0" smtClean="0">
+                <a:latin typeface="Times New Roman" pitchFamily="18" charset="0"/>
+              </a:rPr>
+              <a:t>         INPUT</a:t>
+            </a:r>
+            <a:endParaRPr lang="en-US" altLang="zh-CN" b="1" dirty="0">
+              <a:latin typeface="Times New Roman" pitchFamily="18" charset="0"/>
+            </a:endParaRPr>
           </a:p>
           <a:p>
             <a:pPr marL="342900" indent="-342900">
@@ -29711,7 +29904,7 @@
           <a:graphicData uri="http://schemas.openxmlformats.org/presentationml/2006/ole">
             <mc:AlternateContent xmlns:mc="http://schemas.openxmlformats.org/markup-compatibility/2006">
               <mc:Choice xmlns:v="urn:schemas-microsoft-com:vml" Requires="v">
-                <p:oleObj spid="_x0000_s67590" name="BMP 图像" r:id="rId3" imgW="3943440" imgH="2038320" progId="Paint.Picture">
+                <p:oleObj spid="_x0000_s67597" name="BMP 图像" r:id="rId3" imgW="3943440" imgH="2038320" progId="Paint.Picture">
                   <p:embed/>
                 </p:oleObj>
               </mc:Choice>
@@ -30216,7 +30409,7 @@
           <a:graphicData uri="http://schemas.openxmlformats.org/presentationml/2006/ole">
             <mc:AlternateContent xmlns:mc="http://schemas.openxmlformats.org/markup-compatibility/2006">
               <mc:Choice xmlns:v="urn:schemas-microsoft-com:vml" Requires="v">
-                <p:oleObj spid="_x0000_s68614" name="BMP 图像" r:id="rId3" imgW="2695680" imgH="1847880" progId="Paint.Picture">
+                <p:oleObj spid="_x0000_s68621" name="BMP 图像" r:id="rId3" imgW="2695680" imgH="1847880" progId="Paint.Picture">
                   <p:embed/>
                 </p:oleObj>
               </mc:Choice>
@@ -30376,8 +30569,8 @@
         </p:nvGrpSpPr>
         <p:grpSpPr>
           <a:xfrm>
-            <a:off x="1480666" y="1219224"/>
-            <a:ext cx="6835750" cy="5162103"/>
+            <a:off x="683568" y="1219224"/>
+            <a:ext cx="7632848" cy="5162103"/>
             <a:chOff x="1480666" y="1219225"/>
             <a:chExt cx="5822950" cy="4565650"/>
           </a:xfrm>
@@ -31063,6 +31256,196 @@
             </a:pPr>
             <a:r>
               <a:rPr lang="en-US" altLang="zh-CN" b="1" dirty="0" smtClean="0"/>
+              <a:t>5.5.2 </a:t>
+            </a:r>
+            <a:r>
+              <a:rPr lang="zh-CN" altLang="en-US" b="1" dirty="0" smtClean="0"/>
+              <a:t>中断方式</a:t>
+            </a:r>
+            <a:endParaRPr lang="en-US" altLang="zh-CN" b="1" dirty="0" smtClean="0"/>
+          </a:p>
+          <a:p>
+            <a:pPr indent="0">
+              <a:lnSpc>
+                <a:spcPct val="120000"/>
+              </a:lnSpc>
+              <a:buNone/>
+            </a:pPr>
+            <a:r>
+              <a:rPr lang="zh-CN" altLang="en-US" b="1" dirty="0" smtClean="0"/>
+              <a:t>中断程序示例：</a:t>
+            </a:r>
+            <a:r>
+              <a:rPr lang="zh-CN" altLang="en-US" dirty="0" smtClean="0"/>
+              <a:t>在</a:t>
+            </a:r>
+            <a:r>
+              <a:rPr lang="en-US" altLang="zh-CN" dirty="0" err="1" smtClean="0"/>
+              <a:t>EMU8086</a:t>
+            </a:r>
+            <a:r>
+              <a:rPr lang="zh-CN" altLang="en-US" dirty="0" smtClean="0"/>
+              <a:t>仿真环境中，编写程序，实现对中断函数的调用。编写的中断子程序的中断类项码设置为</a:t>
+            </a:r>
+            <a:r>
+              <a:rPr lang="en-US" altLang="zh-CN" dirty="0" err="1" smtClean="0"/>
+              <a:t>40H</a:t>
+            </a:r>
+            <a:r>
+              <a:rPr lang="zh-CN" altLang="en-US" dirty="0"/>
+              <a:t>。</a:t>
+            </a:r>
+          </a:p>
+          <a:p>
+            <a:pPr indent="0">
+              <a:lnSpc>
+                <a:spcPct val="120000"/>
+              </a:lnSpc>
+              <a:buNone/>
+            </a:pPr>
+            <a:endParaRPr lang="en-US" altLang="zh-CN" dirty="0" smtClean="0"/>
+          </a:p>
+        </p:txBody>
+      </p:sp>
+    </p:spTree>
+    <p:extLst>
+      <p:ext uri="{BB962C8B-B14F-4D97-AF65-F5344CB8AC3E}">
+        <p14:creationId xmlns:p14="http://schemas.microsoft.com/office/powerpoint/2010/main" val="2918544185"/>
+      </p:ext>
+    </p:extLst>
+  </p:cSld>
+  <p:clrMapOvr>
+    <a:masterClrMapping/>
+  </p:clrMapOvr>
+  <mc:AlternateContent xmlns:mc="http://schemas.openxmlformats.org/markup-compatibility/2006" xmlns:p14="http://schemas.microsoft.com/office/powerpoint/2010/main">
+    <mc:Choice Requires="p14">
+      <p:transition spd="med" p14:dur="700">
+        <p:fade/>
+      </p:transition>
+    </mc:Choice>
+    <mc:Fallback xmlns="">
+      <p:transition spd="med">
+        <p:fade/>
+      </p:transition>
+    </mc:Fallback>
+  </mc:AlternateContent>
+  <p:timing>
+    <p:tnLst>
+      <p:par>
+        <p:cTn id="1" dur="indefinite" restart="never" nodeType="tmRoot"/>
+      </p:par>
+    </p:tnLst>
+  </p:timing>
+</p:sld>
+</file>
+
+<file path=ppt/slides/slide65.xml><?xml version="1.0" encoding="utf-8"?>
+<p:sld xmlns:a="http://schemas.openxmlformats.org/drawingml/2006/main" xmlns:r="http://schemas.openxmlformats.org/officeDocument/2006/relationships" xmlns:p="http://schemas.openxmlformats.org/presentationml/2006/main">
+  <p:cSld>
+    <p:spTree>
+      <p:nvGrpSpPr>
+        <p:cNvPr id="1" name=""/>
+        <p:cNvGrpSpPr/>
+        <p:nvPr/>
+      </p:nvGrpSpPr>
+      <p:grpSpPr>
+        <a:xfrm>
+          <a:off x="0" y="0"/>
+          <a:ext cx="0" cy="0"/>
+          <a:chOff x="0" y="0"/>
+          <a:chExt cx="0" cy="0"/>
+        </a:xfrm>
+      </p:grpSpPr>
+      <p:sp>
+        <p:nvSpPr>
+          <p:cNvPr id="18434" name="Rectangle 2"/>
+          <p:cNvSpPr>
+            <a:spLocks noGrp="1" noChangeArrowheads="1"/>
+          </p:cNvSpPr>
+          <p:nvPr>
+            <p:ph type="title"/>
+          </p:nvPr>
+        </p:nvSpPr>
+        <p:spPr/>
+        <p:txBody>
+          <a:bodyPr/>
+          <a:lstStyle/>
+          <a:p>
+            <a:pPr eaLnBrk="1" hangingPunct="1">
+              <a:buFont typeface="Wingdings" panose="05000000000000000000" pitchFamily="2" charset="2"/>
+              <a:buNone/>
+            </a:pPr>
+            <a:r>
+              <a:rPr lang="en-US" altLang="zh-CN" dirty="0" smtClean="0"/>
+              <a:t>5.5  </a:t>
+            </a:r>
+            <a:r>
+              <a:rPr lang="en-US" altLang="zh-CN" dirty="0"/>
+              <a:t>CPU</a:t>
+            </a:r>
+            <a:r>
+              <a:rPr lang="zh-CN" altLang="en-US" dirty="0"/>
+              <a:t>和外设之间的数据传送方式</a:t>
+            </a:r>
+          </a:p>
+        </p:txBody>
+      </p:sp>
+      <p:sp>
+        <p:nvSpPr>
+          <p:cNvPr id="2" name="灯片编号占位符 1"/>
+          <p:cNvSpPr>
+            <a:spLocks noGrp="1"/>
+          </p:cNvSpPr>
+          <p:nvPr>
+            <p:ph type="sldNum" sz="quarter" idx="12"/>
+          </p:nvPr>
+        </p:nvSpPr>
+        <p:spPr/>
+        <p:txBody>
+          <a:bodyPr/>
+          <a:lstStyle/>
+          <a:p>
+            <a:pPr>
+              <a:defRPr/>
+            </a:pPr>
+            <a:fld id="{BC120BD5-977A-42A5-BBAD-59A61BB20C95}" type="slidenum">
+              <a:rPr lang="en-US" altLang="zh-CN" smtClean="0"/>
+              <a:pPr>
+                <a:defRPr/>
+              </a:pPr>
+              <a:t>65</a:t>
+            </a:fld>
+            <a:endParaRPr lang="en-US" altLang="zh-CN" dirty="0"/>
+          </a:p>
+        </p:txBody>
+      </p:sp>
+      <p:sp>
+        <p:nvSpPr>
+          <p:cNvPr id="3" name="内容占位符 2"/>
+          <p:cNvSpPr>
+            <a:spLocks noGrp="1"/>
+          </p:cNvSpPr>
+          <p:nvPr>
+            <p:ph idx="1"/>
+          </p:nvPr>
+        </p:nvSpPr>
+        <p:spPr>
+          <a:xfrm>
+            <a:off x="609600" y="1052736"/>
+            <a:ext cx="7958138" cy="4933027"/>
+          </a:xfrm>
+        </p:spPr>
+        <p:txBody>
+          <a:bodyPr/>
+          <a:lstStyle/>
+          <a:p>
+            <a:pPr marL="287337" indent="-457200">
+              <a:lnSpc>
+                <a:spcPct val="120000"/>
+              </a:lnSpc>
+            </a:pPr>
+            <a:r>
+              <a:rPr lang="en-US" altLang="zh-CN" b="1" dirty="0" smtClean="0"/>
               <a:t>5.5.3 DMA</a:t>
             </a:r>
             <a:r>
@@ -31074,8 +31457,8 @@
           <a:p>
             <a:pPr marL="609600" indent="-609600"/>
             <a:r>
-              <a:rPr lang="zh-CN" altLang="en-US" dirty="0"/>
-              <a:t>前面三种</a:t>
+              <a:rPr lang="zh-CN" altLang="en-US" dirty="0" smtClean="0"/>
+              <a:t>前面两种</a:t>
             </a:r>
             <a:r>
               <a:rPr lang="en-US" altLang="zh-CN" dirty="0"/>
@@ -31593,7 +31976,7 @@
 </p:sld>
 </file>
 
-<file path=ppt/slides/slide65.xml><?xml version="1.0" encoding="utf-8"?>
+<file path=ppt/slides/slide66.xml><?xml version="1.0" encoding="utf-8"?>
 <p:sld xmlns:a="http://schemas.openxmlformats.org/drawingml/2006/main" xmlns:r="http://schemas.openxmlformats.org/officeDocument/2006/relationships" xmlns:p="http://schemas.openxmlformats.org/presentationml/2006/main">
   <p:cSld>
     <p:spTree>
@@ -31667,7 +32050,7 @@
               <a:pPr>
                 <a:defRPr/>
               </a:pPr>
-              <a:t>65</a:t>
+              <a:t>66</a:t>
             </a:fld>
             <a:endParaRPr lang="en-US" altLang="zh-CN" dirty="0"/>
           </a:p>
@@ -31840,348 +32223,6 @@
     <p:extLst>
       <p:ext uri="{BB962C8B-B14F-4D97-AF65-F5344CB8AC3E}">
         <p14:creationId xmlns:p14="http://schemas.microsoft.com/office/powerpoint/2010/main" val="3931146934"/>
-      </p:ext>
-    </p:extLst>
-  </p:cSld>
-  <p:clrMapOvr>
-    <a:masterClrMapping/>
-  </p:clrMapOvr>
-  <mc:AlternateContent xmlns:mc="http://schemas.openxmlformats.org/markup-compatibility/2006" xmlns:p14="http://schemas.microsoft.com/office/powerpoint/2010/main">
-    <mc:Choice Requires="p14">
-      <p:transition spd="med" p14:dur="700">
-        <p:fade/>
-      </p:transition>
-    </mc:Choice>
-    <mc:Fallback xmlns="">
-      <p:transition spd="med">
-        <p:fade/>
-      </p:transition>
-    </mc:Fallback>
-  </mc:AlternateContent>
-  <p:timing>
-    <p:tnLst>
-      <p:par>
-        <p:cTn id="1" dur="indefinite" restart="never" nodeType="tmRoot"/>
-      </p:par>
-    </p:tnLst>
-  </p:timing>
-</p:sld>
-</file>
-
-<file path=ppt/slides/slide66.xml><?xml version="1.0" encoding="utf-8"?>
-<p:sld xmlns:a="http://schemas.openxmlformats.org/drawingml/2006/main" xmlns:r="http://schemas.openxmlformats.org/officeDocument/2006/relationships" xmlns:p="http://schemas.openxmlformats.org/presentationml/2006/main">
-  <p:cSld>
-    <p:spTree>
-      <p:nvGrpSpPr>
-        <p:cNvPr id="1" name=""/>
-        <p:cNvGrpSpPr/>
-        <p:nvPr/>
-      </p:nvGrpSpPr>
-      <p:grpSpPr>
-        <a:xfrm>
-          <a:off x="0" y="0"/>
-          <a:ext cx="0" cy="0"/>
-          <a:chOff x="0" y="0"/>
-          <a:chExt cx="0" cy="0"/>
-        </a:xfrm>
-      </p:grpSpPr>
-      <p:sp>
-        <p:nvSpPr>
-          <p:cNvPr id="18434" name="Rectangle 2"/>
-          <p:cNvSpPr>
-            <a:spLocks noGrp="1" noChangeArrowheads="1"/>
-          </p:cNvSpPr>
-          <p:nvPr>
-            <p:ph type="title"/>
-          </p:nvPr>
-        </p:nvSpPr>
-        <p:spPr/>
-        <p:txBody>
-          <a:bodyPr/>
-          <a:lstStyle/>
-          <a:p>
-            <a:pPr eaLnBrk="1" hangingPunct="1">
-              <a:buFont typeface="Wingdings" panose="05000000000000000000" pitchFamily="2" charset="2"/>
-              <a:buNone/>
-            </a:pPr>
-            <a:r>
-              <a:rPr lang="en-US" altLang="zh-CN" dirty="0" smtClean="0"/>
-              <a:t>5.5  </a:t>
-            </a:r>
-            <a:r>
-              <a:rPr lang="en-US" altLang="zh-CN" dirty="0"/>
-              <a:t>CPU</a:t>
-            </a:r>
-            <a:r>
-              <a:rPr lang="zh-CN" altLang="en-US" dirty="0"/>
-              <a:t>和外设之间的数据传送方式</a:t>
-            </a:r>
-          </a:p>
-        </p:txBody>
-      </p:sp>
-      <p:sp>
-        <p:nvSpPr>
-          <p:cNvPr id="2" name="灯片编号占位符 1"/>
-          <p:cNvSpPr>
-            <a:spLocks noGrp="1"/>
-          </p:cNvSpPr>
-          <p:nvPr>
-            <p:ph type="sldNum" sz="quarter" idx="12"/>
-          </p:nvPr>
-        </p:nvSpPr>
-        <p:spPr/>
-        <p:txBody>
-          <a:bodyPr/>
-          <a:lstStyle/>
-          <a:p>
-            <a:pPr>
-              <a:defRPr/>
-            </a:pPr>
-            <a:fld id="{BC120BD5-977A-42A5-BBAD-59A61BB20C95}" type="slidenum">
-              <a:rPr lang="en-US" altLang="zh-CN" smtClean="0"/>
-              <a:pPr>
-                <a:defRPr/>
-              </a:pPr>
-              <a:t>66</a:t>
-            </a:fld>
-            <a:endParaRPr lang="en-US" altLang="zh-CN" dirty="0"/>
-          </a:p>
-        </p:txBody>
-      </p:sp>
-      <p:sp>
-        <p:nvSpPr>
-          <p:cNvPr id="3" name="内容占位符 2"/>
-          <p:cNvSpPr>
-            <a:spLocks noGrp="1"/>
-          </p:cNvSpPr>
-          <p:nvPr>
-            <p:ph idx="1"/>
-          </p:nvPr>
-        </p:nvSpPr>
-        <p:spPr>
-          <a:xfrm>
-            <a:off x="609600" y="1052736"/>
-            <a:ext cx="7958138" cy="4933027"/>
-          </a:xfrm>
-        </p:spPr>
-        <p:txBody>
-          <a:bodyPr/>
-          <a:lstStyle/>
-          <a:p>
-            <a:pPr marL="287337" indent="-457200">
-              <a:lnSpc>
-                <a:spcPct val="120000"/>
-              </a:lnSpc>
-            </a:pPr>
-            <a:r>
-              <a:rPr lang="en-US" altLang="zh-CN" b="1" dirty="0" smtClean="0"/>
-              <a:t>5.5.3 DMA</a:t>
-            </a:r>
-            <a:r>
-              <a:rPr lang="zh-CN" altLang="en-US" b="1" dirty="0" smtClean="0"/>
-              <a:t>方式</a:t>
-            </a:r>
-            <a:endParaRPr lang="en-US" altLang="zh-CN" b="1" dirty="0" smtClean="0"/>
-          </a:p>
-          <a:p>
-            <a:r>
-              <a:rPr lang="en-US" altLang="zh-CN" dirty="0"/>
-              <a:t>DMA</a:t>
-            </a:r>
-            <a:r>
-              <a:rPr lang="zh-CN" altLang="en-US" dirty="0"/>
-              <a:t>传输</a:t>
-            </a:r>
-            <a:r>
-              <a:rPr lang="en-US" altLang="zh-CN" dirty="0"/>
-              <a:t>:</a:t>
-            </a:r>
-          </a:p>
-          <a:p>
-            <a:pPr>
-              <a:spcBef>
-                <a:spcPts val="0"/>
-              </a:spcBef>
-              <a:buNone/>
-            </a:pPr>
-            <a:r>
-              <a:rPr lang="zh-CN" altLang="en-US" dirty="0"/>
-              <a:t>	      </a:t>
-            </a:r>
-            <a:r>
-              <a:rPr lang="zh-CN" altLang="en-US" sz="2800" dirty="0">
-                <a:solidFill>
-                  <a:srgbClr val="0000FF"/>
-                </a:solidFill>
-              </a:rPr>
-              <a:t>外设</a:t>
-            </a:r>
-            <a:r>
-              <a:rPr lang="en-US" altLang="zh-CN" sz="2800" dirty="0"/>
-              <a:t>              </a:t>
-            </a:r>
-            <a:r>
-              <a:rPr lang="zh-CN" altLang="en-US" sz="2800" dirty="0">
-                <a:solidFill>
-                  <a:srgbClr val="0000FF"/>
-                </a:solidFill>
-              </a:rPr>
-              <a:t>内存</a:t>
-            </a:r>
-            <a:endParaRPr lang="en-US" altLang="zh-CN" sz="2800" dirty="0"/>
-          </a:p>
-          <a:p>
-            <a:pPr lvl="1"/>
-            <a:r>
-              <a:rPr lang="zh-CN" altLang="en-US" dirty="0" smtClean="0"/>
-              <a:t>总线</a:t>
-            </a:r>
-            <a:r>
-              <a:rPr lang="zh-CN" altLang="en-US" dirty="0"/>
-              <a:t>由</a:t>
-            </a:r>
-            <a:r>
-              <a:rPr lang="en-US" altLang="zh-CN" dirty="0"/>
-              <a:t>DMA</a:t>
-            </a:r>
-            <a:r>
-              <a:rPr lang="zh-CN" altLang="en-US" dirty="0"/>
-              <a:t>控制器（</a:t>
-            </a:r>
-            <a:r>
-              <a:rPr lang="en-US" altLang="zh-CN" dirty="0"/>
-              <a:t>DMAC</a:t>
-            </a:r>
-            <a:r>
-              <a:rPr lang="zh-CN" altLang="en-US" dirty="0"/>
-              <a:t>）进行控制（</a:t>
-            </a:r>
-            <a:r>
-              <a:rPr lang="en-US" altLang="zh-CN" dirty="0"/>
-              <a:t>CPU</a:t>
-            </a:r>
-            <a:r>
-              <a:rPr lang="zh-CN" altLang="en-US" dirty="0"/>
-              <a:t>要放弃总线控制权），内存</a:t>
-            </a:r>
-            <a:r>
-              <a:rPr lang="en-US" altLang="zh-CN" dirty="0"/>
-              <a:t>/</a:t>
-            </a:r>
-            <a:r>
-              <a:rPr lang="zh-CN" altLang="en-US" dirty="0"/>
-              <a:t>外设的地址和读写控制信号均由</a:t>
-            </a:r>
-            <a:r>
-              <a:rPr lang="en-US" altLang="zh-CN" dirty="0"/>
-              <a:t>DMAC</a:t>
-            </a:r>
-            <a:r>
-              <a:rPr lang="zh-CN" altLang="en-US" dirty="0"/>
-              <a:t>提供。</a:t>
-            </a:r>
-          </a:p>
-          <a:p>
-            <a:pPr lvl="1"/>
-            <a:r>
-              <a:rPr lang="zh-CN" altLang="en-US" dirty="0"/>
-              <a:t>优点</a:t>
-            </a:r>
-            <a:r>
-              <a:rPr lang="zh-CN" altLang="en-US" dirty="0">
-                <a:solidFill>
-                  <a:srgbClr val="FF0000"/>
-                </a:solidFill>
-              </a:rPr>
-              <a:t>：</a:t>
-            </a:r>
-            <a:r>
-              <a:rPr lang="zh-CN" altLang="en-US" dirty="0"/>
-              <a:t>数据传输</a:t>
-            </a:r>
-            <a:r>
-              <a:rPr lang="zh-CN" altLang="en-GB" dirty="0"/>
-              <a:t>由</a:t>
-            </a:r>
-            <a:r>
-              <a:rPr lang="en-GB" altLang="zh-CN" dirty="0"/>
-              <a:t>DMA</a:t>
-            </a:r>
-            <a:r>
-              <a:rPr lang="zh-CN" altLang="en-GB" dirty="0"/>
-              <a:t>硬件来控制，数据</a:t>
-            </a:r>
-            <a:r>
-              <a:rPr lang="zh-CN" altLang="en-US" dirty="0"/>
-              <a:t>直接在内存和外设之间交换，可以达到很高的传输速率（可达几</a:t>
-            </a:r>
-            <a:r>
-              <a:rPr lang="en-US" altLang="zh-CN" dirty="0"/>
-              <a:t>MB/</a:t>
-            </a:r>
-            <a:r>
-              <a:rPr lang="zh-CN" altLang="en-US" dirty="0"/>
-              <a:t>秒）</a:t>
-            </a:r>
-            <a:endParaRPr lang="zh-CN" altLang="en-US" dirty="0"/>
-          </a:p>
-        </p:txBody>
-      </p:sp>
-      <p:sp>
-        <p:nvSpPr>
-          <p:cNvPr id="7" name="Line 4"/>
-          <p:cNvSpPr>
-            <a:spLocks noChangeShapeType="1"/>
-          </p:cNvSpPr>
-          <p:nvPr/>
-        </p:nvSpPr>
-        <p:spPr bwMode="auto">
-          <a:xfrm>
-            <a:off x="2699792" y="2564904"/>
-            <a:ext cx="1368425" cy="0"/>
-          </a:xfrm>
-          <a:prstGeom prst="line">
-            <a:avLst/>
-          </a:prstGeom>
-          <a:noFill/>
-          <a:ln w="38100">
-            <a:solidFill>
-              <a:srgbClr val="FF0000"/>
-            </a:solidFill>
-            <a:round/>
-            <a:headEnd type="triangle" w="med" len="med"/>
-            <a:tailEnd type="triangle" w="med" len="med"/>
-          </a:ln>
-          <a:effectLst/>
-          <a:extLst>
-            <a:ext uri="{909E8E84-426E-40DD-AFC4-6F175D3DCCD1}">
-              <a14:hiddenFill xmlns:a14="http://schemas.microsoft.com/office/drawing/2010/main">
-                <a:noFill/>
-              </a14:hiddenFill>
-            </a:ext>
-            <a:ext uri="{AF507438-7753-43E0-B8FC-AC1667EBCBE1}">
-              <a14:hiddenEffects xmlns:a14="http://schemas.microsoft.com/office/drawing/2010/main">
-                <a:effectLst>
-                  <a:outerShdw dist="35921" dir="2700000" algn="ctr" rotWithShape="0">
-                    <a:schemeClr val="bg2"/>
-                  </a:outerShdw>
-                </a:effectLst>
-              </a14:hiddenEffects>
-            </a:ext>
-          </a:extLst>
-        </p:spPr>
-        <p:txBody>
-          <a:bodyPr/>
-          <a:lstStyle/>
-          <a:p>
-            <a:endParaRPr lang="zh-CN" altLang="en-US"/>
-          </a:p>
-        </p:txBody>
-      </p:sp>
-    </p:spTree>
-    <p:extLst>
-      <p:ext uri="{BB962C8B-B14F-4D97-AF65-F5344CB8AC3E}">
-        <p14:creationId xmlns:p14="http://schemas.microsoft.com/office/powerpoint/2010/main" val="3900965309"/>
       </p:ext>
     </p:extLst>
   </p:cSld>
@@ -32323,169 +32364,20 @@
               <a:rPr lang="zh-CN" altLang="en-US" b="1" dirty="0" smtClean="0"/>
               <a:t>方式</a:t>
             </a:r>
-            <a:r>
-              <a:rPr lang="en-US" altLang="zh-CN" b="1" dirty="0"/>
-              <a:t>——</a:t>
-            </a:r>
-            <a:r>
-              <a:rPr lang="zh-CN" altLang="en-US" dirty="0" smtClean="0">
-                <a:solidFill>
-                  <a:srgbClr val="800000"/>
-                </a:solidFill>
-              </a:rPr>
-              <a:t> </a:t>
-            </a:r>
-            <a:r>
-              <a:rPr lang="en-US" altLang="zh-CN" dirty="0">
-                <a:solidFill>
-                  <a:srgbClr val="800000"/>
-                </a:solidFill>
-              </a:rPr>
-              <a:t>DMA</a:t>
-            </a:r>
-            <a:r>
-              <a:rPr lang="zh-CN" altLang="en-US" dirty="0">
-                <a:solidFill>
-                  <a:srgbClr val="800000"/>
-                </a:solidFill>
-                <a:latin typeface="Times New Roman" panose="02020603050405020304" pitchFamily="18" charset="0"/>
-              </a:rPr>
-              <a:t>控制器的功能和原理 </a:t>
-            </a:r>
-          </a:p>
-          <a:p>
-            <a:r>
-              <a:rPr lang="zh-CN" altLang="en-US" dirty="0"/>
-              <a:t>	</a:t>
-            </a:r>
+            <a:endParaRPr lang="en-US" altLang="zh-CN" b="1" dirty="0" smtClean="0"/>
+          </a:p>
+          <a:p>
             <a:r>
               <a:rPr lang="en-US" altLang="zh-CN" dirty="0"/>
               <a:t>DMA</a:t>
             </a:r>
             <a:r>
               <a:rPr lang="zh-CN" altLang="en-US" dirty="0"/>
-              <a:t>的三种传输方式</a:t>
+              <a:t>传输</a:t>
             </a:r>
             <a:r>
               <a:rPr lang="en-US" altLang="zh-CN" dirty="0"/>
               <a:t>:</a:t>
-            </a:r>
-          </a:p>
-          <a:p>
-            <a:pPr lvl="1"/>
-            <a:r>
-              <a:rPr lang="zh-CN" altLang="en-US" dirty="0"/>
-              <a:t>连续传送（块传送</a:t>
-            </a:r>
-            <a:r>
-              <a:rPr lang="zh-CN" altLang="en-US" dirty="0" smtClean="0"/>
-              <a:t>）：</a:t>
-            </a:r>
-            <a:r>
-              <a:rPr lang="en-US" altLang="zh-CN" dirty="0" smtClean="0">
-                <a:effectLst>
-                  <a:outerShdw blurRad="38100" dist="38100" dir="2700000" algn="tl">
-                    <a:srgbClr val="C0C0C0"/>
-                  </a:outerShdw>
-                </a:effectLst>
-              </a:rPr>
-              <a:t>DMAC</a:t>
-            </a:r>
-            <a:r>
-              <a:rPr lang="zh-CN" altLang="en-US" dirty="0">
-                <a:effectLst>
-                  <a:outerShdw blurRad="38100" dist="38100" dir="2700000" algn="tl">
-                    <a:srgbClr val="C0C0C0"/>
-                  </a:outerShdw>
-                </a:effectLst>
-              </a:rPr>
-              <a:t>申请到总线后，将一块数据传送完后才释放总线。</a:t>
-            </a:r>
-          </a:p>
-          <a:p>
-            <a:pPr lvl="1"/>
-            <a:r>
-              <a:rPr lang="zh-CN" altLang="en-US" dirty="0"/>
-              <a:t>单次传送（每次传送一个字节</a:t>
-            </a:r>
-            <a:r>
-              <a:rPr lang="zh-CN" altLang="en-US" dirty="0" smtClean="0"/>
-              <a:t>）：</a:t>
-            </a:r>
-            <a:r>
-              <a:rPr lang="zh-CN" altLang="en-US" dirty="0" smtClean="0">
-                <a:effectLst>
-                  <a:outerShdw blurRad="38100" dist="38100" dir="2700000" algn="tl">
-                    <a:srgbClr val="C0C0C0"/>
-                  </a:outerShdw>
-                </a:effectLst>
-              </a:rPr>
-              <a:t>每个</a:t>
-            </a:r>
-            <a:r>
-              <a:rPr lang="en-US" altLang="zh-CN" dirty="0">
-                <a:effectLst>
-                  <a:outerShdw blurRad="38100" dist="38100" dir="2700000" algn="tl">
-                    <a:srgbClr val="C0C0C0"/>
-                  </a:outerShdw>
-                </a:effectLst>
-              </a:rPr>
-              <a:t>DMA</a:t>
-            </a:r>
-            <a:r>
-              <a:rPr lang="zh-CN" altLang="en-US" dirty="0">
-                <a:effectLst>
-                  <a:outerShdw blurRad="38100" dist="38100" dir="2700000" algn="tl">
-                    <a:srgbClr val="C0C0C0"/>
-                  </a:outerShdw>
-                </a:effectLst>
-              </a:rPr>
-              <a:t>周期只传送一个字节就立即释放总线</a:t>
-            </a:r>
-            <a:r>
-              <a:rPr lang="zh-CN" altLang="en-US" dirty="0"/>
-              <a:t>。</a:t>
-            </a:r>
-          </a:p>
-          <a:p>
-            <a:pPr lvl="1"/>
-            <a:r>
-              <a:rPr lang="zh-CN" altLang="en-US" dirty="0"/>
-              <a:t>按需传送（猝发传送</a:t>
-            </a:r>
-            <a:r>
-              <a:rPr lang="zh-CN" altLang="en-US" dirty="0" smtClean="0"/>
-              <a:t>）：</a:t>
-            </a:r>
-            <a:r>
-              <a:rPr lang="zh-CN" altLang="en-US" dirty="0" smtClean="0">
-                <a:effectLst>
-                  <a:outerShdw blurRad="38100" dist="38100" dir="2700000" algn="tl">
-                    <a:srgbClr val="C0C0C0"/>
-                  </a:outerShdw>
-                </a:effectLst>
-              </a:rPr>
-              <a:t>只要</a:t>
-            </a:r>
-            <a:r>
-              <a:rPr lang="en-US" altLang="zh-CN" dirty="0">
-                <a:effectLst>
-                  <a:outerShdw blurRad="38100" dist="38100" dir="2700000" algn="tl">
-                    <a:srgbClr val="C0C0C0"/>
-                  </a:outerShdw>
-                </a:effectLst>
-              </a:rPr>
-              <a:t>I/O</a:t>
-            </a:r>
-            <a:r>
-              <a:rPr lang="zh-CN" altLang="en-US" dirty="0">
-                <a:effectLst>
-                  <a:outerShdw blurRad="38100" dist="38100" dir="2700000" algn="tl">
-                    <a:srgbClr val="C0C0C0"/>
-                  </a:outerShdw>
-                </a:effectLst>
-              </a:rPr>
-              <a:t>接口的数据缓冲可用，就进行传送。</a:t>
             </a:r>
           </a:p>
           <a:p>
@@ -32495,14 +32387,183 @@
               </a:spcBef>
               <a:buNone/>
             </a:pPr>
-            <a:endParaRPr lang="zh-CN" altLang="en-US" dirty="0"/>
+            <a:r>
+              <a:rPr lang="zh-CN" altLang="en-US" dirty="0"/>
+              <a:t>	      </a:t>
+            </a:r>
+            <a:r>
+              <a:rPr lang="zh-CN" altLang="en-US" sz="2800" dirty="0">
+                <a:solidFill>
+                  <a:srgbClr val="0000FF"/>
+                </a:solidFill>
+              </a:rPr>
+              <a:t>外设</a:t>
+            </a:r>
+            <a:r>
+              <a:rPr lang="en-US" altLang="zh-CN" sz="2800" dirty="0"/>
+              <a:t>              </a:t>
+            </a:r>
+            <a:r>
+              <a:rPr lang="zh-CN" altLang="en-US" sz="2800" dirty="0">
+                <a:solidFill>
+                  <a:srgbClr val="0000FF"/>
+                </a:solidFill>
+              </a:rPr>
+              <a:t>内存</a:t>
+            </a:r>
+            <a:endParaRPr lang="en-US" altLang="zh-CN" sz="2800" dirty="0"/>
+          </a:p>
+          <a:p>
+            <a:pPr lvl="1"/>
+            <a:r>
+              <a:rPr lang="zh-CN" altLang="en-US" dirty="0" smtClean="0"/>
+              <a:t>总线</a:t>
+            </a:r>
+            <a:r>
+              <a:rPr lang="zh-CN" altLang="en-US" dirty="0"/>
+              <a:t>由</a:t>
+            </a:r>
+            <a:r>
+              <a:rPr lang="en-US" altLang="zh-CN" dirty="0"/>
+              <a:t>DMA</a:t>
+            </a:r>
+            <a:r>
+              <a:rPr lang="zh-CN" altLang="en-US" dirty="0"/>
+              <a:t>控制器（</a:t>
+            </a:r>
+            <a:r>
+              <a:rPr lang="en-US" altLang="zh-CN" dirty="0"/>
+              <a:t>DMAC</a:t>
+            </a:r>
+            <a:r>
+              <a:rPr lang="zh-CN" altLang="en-US" dirty="0"/>
+              <a:t>）进行控制（</a:t>
+            </a:r>
+            <a:r>
+              <a:rPr lang="en-US" altLang="zh-CN" dirty="0"/>
+              <a:t>CPU</a:t>
+            </a:r>
+            <a:r>
+              <a:rPr lang="zh-CN" altLang="en-US" dirty="0"/>
+              <a:t>要放弃总线控制权），内存</a:t>
+            </a:r>
+            <a:r>
+              <a:rPr lang="en-US" altLang="zh-CN" dirty="0"/>
+              <a:t>/</a:t>
+            </a:r>
+            <a:r>
+              <a:rPr lang="zh-CN" altLang="en-US" dirty="0"/>
+              <a:t>外设的地址和读写控制信号均由</a:t>
+            </a:r>
+            <a:r>
+              <a:rPr lang="en-US" altLang="zh-CN" dirty="0"/>
+              <a:t>DMAC</a:t>
+            </a:r>
+            <a:r>
+              <a:rPr lang="zh-CN" altLang="en-US" dirty="0"/>
+              <a:t>提供。</a:t>
+            </a:r>
+          </a:p>
+          <a:p>
+            <a:pPr lvl="1"/>
+            <a:r>
+              <a:rPr lang="zh-CN" altLang="en-US" dirty="0"/>
+              <a:t>优点</a:t>
+            </a:r>
+            <a:r>
+              <a:rPr lang="zh-CN" altLang="en-US" dirty="0">
+                <a:solidFill>
+                  <a:srgbClr val="FF0000"/>
+                </a:solidFill>
+              </a:rPr>
+              <a:t>：</a:t>
+            </a:r>
+            <a:r>
+              <a:rPr lang="zh-CN" altLang="en-US" dirty="0"/>
+              <a:t>数据传输</a:t>
+            </a:r>
+            <a:r>
+              <a:rPr lang="zh-CN" altLang="en-GB" dirty="0"/>
+              <a:t>由</a:t>
+            </a:r>
+            <a:r>
+              <a:rPr lang="en-GB" altLang="zh-CN" dirty="0"/>
+              <a:t>DMA</a:t>
+            </a:r>
+            <a:r>
+              <a:rPr lang="zh-CN" altLang="en-GB" dirty="0"/>
+              <a:t>硬件来控制，数据</a:t>
+            </a:r>
+            <a:r>
+              <a:rPr lang="zh-CN" altLang="en-US" dirty="0"/>
+              <a:t>直接在内存和外设之间交换，可以达到很高的传输速率（可达几</a:t>
+            </a:r>
+            <a:r>
+              <a:rPr lang="en-US" altLang="zh-CN" dirty="0"/>
+              <a:t>MB/</a:t>
+            </a:r>
+            <a:r>
+              <a:rPr lang="zh-CN" altLang="en-US" dirty="0"/>
+              <a:t>秒）</a:t>
+            </a:r>
+          </a:p>
+        </p:txBody>
+      </p:sp>
+      <p:sp>
+        <p:nvSpPr>
+          <p:cNvPr id="7" name="Line 4"/>
+          <p:cNvSpPr>
+            <a:spLocks noChangeShapeType="1"/>
+          </p:cNvSpPr>
+          <p:nvPr/>
+        </p:nvSpPr>
+        <p:spPr bwMode="auto">
+          <a:xfrm>
+            <a:off x="2699792" y="2564904"/>
+            <a:ext cx="1368425" cy="0"/>
+          </a:xfrm>
+          <a:prstGeom prst="line">
+            <a:avLst/>
+          </a:prstGeom>
+          <a:noFill/>
+          <a:ln w="38100">
+            <a:solidFill>
+              <a:srgbClr val="FF0000"/>
+            </a:solidFill>
+            <a:round/>
+            <a:headEnd type="triangle" w="med" len="med"/>
+            <a:tailEnd type="triangle" w="med" len="med"/>
+          </a:ln>
+          <a:effectLst/>
+          <a:extLst>
+            <a:ext uri="{909E8E84-426E-40DD-AFC4-6F175D3DCCD1}">
+              <a14:hiddenFill xmlns:a14="http://schemas.microsoft.com/office/drawing/2010/main">
+                <a:noFill/>
+              </a14:hiddenFill>
+            </a:ext>
+            <a:ext uri="{AF507438-7753-43E0-B8FC-AC1667EBCBE1}">
+              <a14:hiddenEffects xmlns:a14="http://schemas.microsoft.com/office/drawing/2010/main">
+                <a:effectLst>
+                  <a:outerShdw dist="35921" dir="2700000" algn="ctr" rotWithShape="0">
+                    <a:schemeClr val="bg2"/>
+                  </a:outerShdw>
+                </a:effectLst>
+              </a14:hiddenEffects>
+            </a:ext>
+          </a:extLst>
+        </p:spPr>
+        <p:txBody>
+          <a:bodyPr/>
+          <a:lstStyle/>
+          <a:p>
+            <a:endParaRPr lang="zh-CN" altLang="en-US"/>
           </a:p>
         </p:txBody>
       </p:sp>
     </p:spTree>
     <p:extLst>
       <p:ext uri="{BB962C8B-B14F-4D97-AF65-F5344CB8AC3E}">
-        <p14:creationId xmlns:p14="http://schemas.microsoft.com/office/powerpoint/2010/main" val="1632837628"/>
+        <p14:creationId xmlns:p14="http://schemas.microsoft.com/office/powerpoint/2010/main" val="3900965309"/>
       </p:ext>
     </p:extLst>
   </p:cSld>
@@ -32675,95 +32736,138 @@
             </a:r>
           </a:p>
           <a:p>
-            <a:pPr marL="609600" indent="-609600"/>
             <a:r>
               <a:rPr lang="zh-CN" altLang="en-US" dirty="0"/>
               <a:t>	</a:t>
             </a:r>
             <a:r>
-              <a:rPr lang="en-US" altLang="zh-CN" sz="2800" dirty="0"/>
+              <a:rPr lang="en-US" altLang="zh-CN" dirty="0"/>
               <a:t>DMA</a:t>
             </a:r>
             <a:r>
-              <a:rPr lang="zh-CN" altLang="en-US" sz="2800" dirty="0">
-                <a:latin typeface="Times New Roman" panose="02020603050405020304" pitchFamily="18" charset="0"/>
-              </a:rPr>
-              <a:t>控制器的功能：</a:t>
-            </a:r>
-            <a:r>
-              <a:rPr lang="zh-CN" altLang="en-US" sz="2600" dirty="0">
-                <a:solidFill>
-                  <a:srgbClr val="800000"/>
-                </a:solidFill>
-                <a:latin typeface="Times New Roman" panose="02020603050405020304" pitchFamily="18" charset="0"/>
-              </a:rPr>
-              <a:t> </a:t>
-            </a:r>
-          </a:p>
-          <a:p>
-            <a:pPr marL="990600" lvl="1" indent="-646113"/>
+              <a:rPr lang="zh-CN" altLang="en-US" dirty="0"/>
+              <a:t>的三种传输方式</a:t>
+            </a:r>
+            <a:r>
+              <a:rPr lang="en-US" altLang="zh-CN" dirty="0"/>
+              <a:t>:</a:t>
+            </a:r>
+          </a:p>
+          <a:p>
+            <a:pPr lvl="1"/>
+            <a:r>
+              <a:rPr lang="zh-CN" altLang="en-US" dirty="0"/>
+              <a:t>连续传送（块传送</a:t>
+            </a:r>
+            <a:r>
+              <a:rPr lang="zh-CN" altLang="en-US" dirty="0" smtClean="0"/>
+              <a:t>）：</a:t>
+            </a:r>
+            <a:r>
+              <a:rPr lang="en-US" altLang="zh-CN" dirty="0" smtClean="0">
+                <a:effectLst>
+                  <a:outerShdw blurRad="38100" dist="38100" dir="2700000" algn="tl">
+                    <a:srgbClr val="C0C0C0"/>
+                  </a:outerShdw>
+                </a:effectLst>
+              </a:rPr>
+              <a:t>DMAC</a:t>
+            </a:r>
             <a:r>
               <a:rPr lang="zh-CN" altLang="en-US" dirty="0">
-                <a:latin typeface="Times New Roman" panose="02020603050405020304" pitchFamily="18" charset="0"/>
-              </a:rPr>
-              <a:t> 向</a:t>
+                <a:effectLst>
+                  <a:outerShdw blurRad="38100" dist="38100" dir="2700000" algn="tl">
+                    <a:srgbClr val="C0C0C0"/>
+                  </a:outerShdw>
+                </a:effectLst>
+              </a:rPr>
+              <a:t>申请到总线后，将一块数据传送完后才释放总线。</a:t>
+            </a:r>
+          </a:p>
+          <a:p>
+            <a:pPr lvl="1"/>
+            <a:r>
+              <a:rPr lang="zh-CN" altLang="en-US" dirty="0"/>
+              <a:t>单次传送（每次传送一个字节</a:t>
+            </a:r>
+            <a:r>
+              <a:rPr lang="zh-CN" altLang="en-US" dirty="0" smtClean="0"/>
+              <a:t>）：</a:t>
+            </a:r>
+            <a:r>
+              <a:rPr lang="zh-CN" altLang="en-US" dirty="0" smtClean="0">
+                <a:effectLst>
+                  <a:outerShdw blurRad="38100" dist="38100" dir="2700000" algn="tl">
+                    <a:srgbClr val="C0C0C0"/>
+                  </a:outerShdw>
+                </a:effectLst>
+              </a:rPr>
+              <a:t>每个</a:t>
             </a:r>
             <a:r>
               <a:rPr lang="en-US" altLang="zh-CN" dirty="0">
-                <a:latin typeface="Times New Roman" panose="02020603050405020304" pitchFamily="18" charset="0"/>
-              </a:rPr>
-              <a:t>CPU</a:t>
+                <a:effectLst>
+                  <a:outerShdw blurRad="38100" dist="38100" dir="2700000" algn="tl">
+                    <a:srgbClr val="C0C0C0"/>
+                  </a:outerShdw>
+                </a:effectLst>
+              </a:rPr>
+              <a:t>DMA</a:t>
             </a:r>
             <a:r>
               <a:rPr lang="zh-CN" altLang="en-US" dirty="0">
-                <a:latin typeface="Times New Roman" panose="02020603050405020304" pitchFamily="18" charset="0"/>
-              </a:rPr>
-              <a:t>发总线请求信号</a:t>
-            </a:r>
-          </a:p>
-          <a:p>
-            <a:pPr marL="990600" lvl="1" indent="-646113"/>
+                <a:effectLst>
+                  <a:outerShdw blurRad="38100" dist="38100" dir="2700000" algn="tl">
+                    <a:srgbClr val="C0C0C0"/>
+                  </a:outerShdw>
+                </a:effectLst>
+              </a:rPr>
+              <a:t>周期只传送一个字节就立即释放总线</a:t>
+            </a:r>
+            <a:r>
+              <a:rPr lang="zh-CN" altLang="en-US" dirty="0"/>
+              <a:t>。</a:t>
+            </a:r>
+          </a:p>
+          <a:p>
+            <a:pPr lvl="1"/>
+            <a:r>
+              <a:rPr lang="zh-CN" altLang="en-US" dirty="0"/>
+              <a:t>按需传送（猝发传送</a:t>
+            </a:r>
+            <a:r>
+              <a:rPr lang="zh-CN" altLang="en-US" dirty="0" smtClean="0"/>
+              <a:t>）：</a:t>
+            </a:r>
+            <a:r>
+              <a:rPr lang="zh-CN" altLang="en-US" dirty="0" smtClean="0">
+                <a:effectLst>
+                  <a:outerShdw blurRad="38100" dist="38100" dir="2700000" algn="tl">
+                    <a:srgbClr val="C0C0C0"/>
+                  </a:outerShdw>
+                </a:effectLst>
+              </a:rPr>
+              <a:t>只要</a:t>
+            </a:r>
+            <a:r>
+              <a:rPr lang="en-US" altLang="zh-CN" dirty="0">
+                <a:effectLst>
+                  <a:outerShdw blurRad="38100" dist="38100" dir="2700000" algn="tl">
+                    <a:srgbClr val="C0C0C0"/>
+                  </a:outerShdw>
+                </a:effectLst>
+              </a:rPr>
+              <a:t>I/O</a:t>
+            </a:r>
             <a:r>
               <a:rPr lang="zh-CN" altLang="en-US" dirty="0">
-                <a:latin typeface="Times New Roman" panose="02020603050405020304" pitchFamily="18" charset="0"/>
-              </a:rPr>
-              <a:t> 实行对总线的控制</a:t>
-            </a:r>
-          </a:p>
-          <a:p>
-            <a:pPr marL="990600" lvl="1" indent="-646113"/>
-            <a:r>
-              <a:rPr lang="zh-CN" altLang="en-US" dirty="0">
-                <a:latin typeface="Times New Roman" panose="02020603050405020304" pitchFamily="18" charset="0"/>
-              </a:rPr>
-              <a:t> 修改所用的存储器或接口的地址指针</a:t>
-            </a:r>
-          </a:p>
-          <a:p>
-            <a:pPr marL="990600" lvl="1" indent="-646113"/>
-            <a:r>
-              <a:rPr lang="zh-CN" altLang="en-US" dirty="0">
-                <a:latin typeface="Times New Roman" panose="02020603050405020304" pitchFamily="18" charset="0"/>
-              </a:rPr>
-              <a:t> 发读写控制信号</a:t>
-            </a:r>
-          </a:p>
-          <a:p>
-            <a:pPr marL="990600" lvl="1" indent="-646113"/>
-            <a:r>
-              <a:rPr lang="zh-CN" altLang="en-US" dirty="0">
-                <a:latin typeface="Times New Roman" panose="02020603050405020304" pitchFamily="18" charset="0"/>
-              </a:rPr>
-              <a:t> 存放数据长度</a:t>
-            </a:r>
-          </a:p>
-          <a:p>
-            <a:pPr marL="990600" lvl="1" indent="-646113"/>
-            <a:r>
-              <a:rPr lang="zh-CN" altLang="en-US" dirty="0">
-                <a:latin typeface="Times New Roman" panose="02020603050405020304" pitchFamily="18" charset="0"/>
-              </a:rPr>
-              <a:t> 交还总线控制权</a:t>
+                <a:effectLst>
+                  <a:outerShdw blurRad="38100" dist="38100" dir="2700000" algn="tl">
+                    <a:srgbClr val="C0C0C0"/>
+                  </a:outerShdw>
+                </a:effectLst>
+              </a:rPr>
+              <a:t>接口的数据缓冲可用，就进行传送。</a:t>
             </a:r>
           </a:p>
           <a:p>
@@ -32780,7 +32884,7 @@
     </p:spTree>
     <p:extLst>
       <p:ext uri="{BB962C8B-B14F-4D97-AF65-F5344CB8AC3E}">
-        <p14:creationId xmlns:p14="http://schemas.microsoft.com/office/powerpoint/2010/main" val="1766790630"/>
+        <p14:creationId xmlns:p14="http://schemas.microsoft.com/office/powerpoint/2010/main" val="1632837628"/>
       </p:ext>
     </p:extLst>
   </p:cSld>
@@ -32828,6 +32932,496 @@
       </p:grpSpPr>
       <p:sp>
         <p:nvSpPr>
+          <p:cNvPr id="18434" name="Rectangle 2"/>
+          <p:cNvSpPr>
+            <a:spLocks noGrp="1" noChangeArrowheads="1"/>
+          </p:cNvSpPr>
+          <p:nvPr>
+            <p:ph type="title"/>
+          </p:nvPr>
+        </p:nvSpPr>
+        <p:spPr/>
+        <p:txBody>
+          <a:bodyPr/>
+          <a:lstStyle/>
+          <a:p>
+            <a:pPr eaLnBrk="1" hangingPunct="1">
+              <a:buFont typeface="Wingdings" panose="05000000000000000000" pitchFamily="2" charset="2"/>
+              <a:buNone/>
+            </a:pPr>
+            <a:r>
+              <a:rPr lang="en-US" altLang="zh-CN" dirty="0" smtClean="0"/>
+              <a:t>5.5  </a:t>
+            </a:r>
+            <a:r>
+              <a:rPr lang="en-US" altLang="zh-CN" dirty="0"/>
+              <a:t>CPU</a:t>
+            </a:r>
+            <a:r>
+              <a:rPr lang="zh-CN" altLang="en-US" dirty="0"/>
+              <a:t>和外设之间的数据传送方式</a:t>
+            </a:r>
+          </a:p>
+        </p:txBody>
+      </p:sp>
+      <p:sp>
+        <p:nvSpPr>
+          <p:cNvPr id="2" name="灯片编号占位符 1"/>
+          <p:cNvSpPr>
+            <a:spLocks noGrp="1"/>
+          </p:cNvSpPr>
+          <p:nvPr>
+            <p:ph type="sldNum" sz="quarter" idx="12"/>
+          </p:nvPr>
+        </p:nvSpPr>
+        <p:spPr/>
+        <p:txBody>
+          <a:bodyPr/>
+          <a:lstStyle/>
+          <a:p>
+            <a:pPr>
+              <a:defRPr/>
+            </a:pPr>
+            <a:fld id="{BC120BD5-977A-42A5-BBAD-59A61BB20C95}" type="slidenum">
+              <a:rPr lang="en-US" altLang="zh-CN" smtClean="0"/>
+              <a:pPr>
+                <a:defRPr/>
+              </a:pPr>
+              <a:t>69</a:t>
+            </a:fld>
+            <a:endParaRPr lang="en-US" altLang="zh-CN" dirty="0"/>
+          </a:p>
+        </p:txBody>
+      </p:sp>
+      <p:sp>
+        <p:nvSpPr>
+          <p:cNvPr id="3" name="内容占位符 2"/>
+          <p:cNvSpPr>
+            <a:spLocks noGrp="1"/>
+          </p:cNvSpPr>
+          <p:nvPr>
+            <p:ph idx="1"/>
+          </p:nvPr>
+        </p:nvSpPr>
+        <p:spPr>
+          <a:xfrm>
+            <a:off x="609600" y="1052736"/>
+            <a:ext cx="7958138" cy="4933027"/>
+          </a:xfrm>
+        </p:spPr>
+        <p:txBody>
+          <a:bodyPr/>
+          <a:lstStyle/>
+          <a:p>
+            <a:pPr marL="287337" indent="-457200">
+              <a:lnSpc>
+                <a:spcPct val="120000"/>
+              </a:lnSpc>
+            </a:pPr>
+            <a:r>
+              <a:rPr lang="en-US" altLang="zh-CN" b="1" dirty="0" smtClean="0"/>
+              <a:t>5.5.3 DMA</a:t>
+            </a:r>
+            <a:r>
+              <a:rPr lang="zh-CN" altLang="en-US" b="1" dirty="0" smtClean="0"/>
+              <a:t>方式</a:t>
+            </a:r>
+            <a:r>
+              <a:rPr lang="en-US" altLang="zh-CN" b="1" dirty="0"/>
+              <a:t>——</a:t>
+            </a:r>
+            <a:r>
+              <a:rPr lang="zh-CN" altLang="en-US" dirty="0" smtClean="0">
+                <a:solidFill>
+                  <a:srgbClr val="800000"/>
+                </a:solidFill>
+              </a:rPr>
+              <a:t> </a:t>
+            </a:r>
+            <a:r>
+              <a:rPr lang="en-US" altLang="zh-CN" dirty="0">
+                <a:solidFill>
+                  <a:srgbClr val="800000"/>
+                </a:solidFill>
+              </a:rPr>
+              <a:t>DMA</a:t>
+            </a:r>
+            <a:r>
+              <a:rPr lang="zh-CN" altLang="en-US" dirty="0">
+                <a:solidFill>
+                  <a:srgbClr val="800000"/>
+                </a:solidFill>
+                <a:latin typeface="Times New Roman" panose="02020603050405020304" pitchFamily="18" charset="0"/>
+              </a:rPr>
+              <a:t>控制器的功能和原理 </a:t>
+            </a:r>
+          </a:p>
+          <a:p>
+            <a:pPr marL="609600" indent="-609600"/>
+            <a:r>
+              <a:rPr lang="zh-CN" altLang="en-US" dirty="0"/>
+              <a:t>	</a:t>
+            </a:r>
+            <a:r>
+              <a:rPr lang="en-US" altLang="zh-CN" sz="2800" dirty="0"/>
+              <a:t>DMA</a:t>
+            </a:r>
+            <a:r>
+              <a:rPr lang="zh-CN" altLang="en-US" sz="2800" dirty="0">
+                <a:latin typeface="Times New Roman" panose="02020603050405020304" pitchFamily="18" charset="0"/>
+              </a:rPr>
+              <a:t>控制器的功能：</a:t>
+            </a:r>
+            <a:r>
+              <a:rPr lang="zh-CN" altLang="en-US" sz="2600" dirty="0">
+                <a:solidFill>
+                  <a:srgbClr val="800000"/>
+                </a:solidFill>
+                <a:latin typeface="Times New Roman" panose="02020603050405020304" pitchFamily="18" charset="0"/>
+              </a:rPr>
+              <a:t> </a:t>
+            </a:r>
+          </a:p>
+          <a:p>
+            <a:pPr marL="990600" lvl="1" indent="-646113"/>
+            <a:r>
+              <a:rPr lang="zh-CN" altLang="en-US" dirty="0">
+                <a:latin typeface="Times New Roman" panose="02020603050405020304" pitchFamily="18" charset="0"/>
+              </a:rPr>
+              <a:t> 向</a:t>
+            </a:r>
+            <a:r>
+              <a:rPr lang="en-US" altLang="zh-CN" dirty="0">
+                <a:latin typeface="Times New Roman" panose="02020603050405020304" pitchFamily="18" charset="0"/>
+              </a:rPr>
+              <a:t>CPU</a:t>
+            </a:r>
+            <a:r>
+              <a:rPr lang="zh-CN" altLang="en-US" dirty="0">
+                <a:latin typeface="Times New Roman" panose="02020603050405020304" pitchFamily="18" charset="0"/>
+              </a:rPr>
+              <a:t>发总线请求信号</a:t>
+            </a:r>
+          </a:p>
+          <a:p>
+            <a:pPr marL="990600" lvl="1" indent="-646113"/>
+            <a:r>
+              <a:rPr lang="zh-CN" altLang="en-US" dirty="0">
+                <a:latin typeface="Times New Roman" panose="02020603050405020304" pitchFamily="18" charset="0"/>
+              </a:rPr>
+              <a:t> 实行对总线的控制</a:t>
+            </a:r>
+          </a:p>
+          <a:p>
+            <a:pPr marL="990600" lvl="1" indent="-646113"/>
+            <a:r>
+              <a:rPr lang="zh-CN" altLang="en-US" dirty="0">
+                <a:latin typeface="Times New Roman" panose="02020603050405020304" pitchFamily="18" charset="0"/>
+              </a:rPr>
+              <a:t> 修改所用的存储器或接口的地址指针</a:t>
+            </a:r>
+          </a:p>
+          <a:p>
+            <a:pPr marL="990600" lvl="1" indent="-646113"/>
+            <a:r>
+              <a:rPr lang="zh-CN" altLang="en-US" dirty="0">
+                <a:latin typeface="Times New Roman" panose="02020603050405020304" pitchFamily="18" charset="0"/>
+              </a:rPr>
+              <a:t> 发读写控制信号</a:t>
+            </a:r>
+          </a:p>
+          <a:p>
+            <a:pPr marL="990600" lvl="1" indent="-646113"/>
+            <a:r>
+              <a:rPr lang="zh-CN" altLang="en-US" dirty="0">
+                <a:latin typeface="Times New Roman" panose="02020603050405020304" pitchFamily="18" charset="0"/>
+              </a:rPr>
+              <a:t> 存放数据长度</a:t>
+            </a:r>
+          </a:p>
+          <a:p>
+            <a:pPr marL="990600" lvl="1" indent="-646113"/>
+            <a:r>
+              <a:rPr lang="zh-CN" altLang="en-US" dirty="0">
+                <a:latin typeface="Times New Roman" panose="02020603050405020304" pitchFamily="18" charset="0"/>
+              </a:rPr>
+              <a:t> 交还总线控制权</a:t>
+            </a:r>
+          </a:p>
+          <a:p>
+            <a:pPr>
+              <a:spcBef>
+                <a:spcPts val="0"/>
+              </a:spcBef>
+              <a:buNone/>
+            </a:pPr>
+            <a:endParaRPr lang="zh-CN" altLang="en-US" dirty="0"/>
+          </a:p>
+        </p:txBody>
+      </p:sp>
+    </p:spTree>
+    <p:extLst>
+      <p:ext uri="{BB962C8B-B14F-4D97-AF65-F5344CB8AC3E}">
+        <p14:creationId xmlns:p14="http://schemas.microsoft.com/office/powerpoint/2010/main" val="1766790630"/>
+      </p:ext>
+    </p:extLst>
+  </p:cSld>
+  <p:clrMapOvr>
+    <a:masterClrMapping/>
+  </p:clrMapOvr>
+  <mc:AlternateContent xmlns:mc="http://schemas.openxmlformats.org/markup-compatibility/2006" xmlns:p14="http://schemas.microsoft.com/office/powerpoint/2010/main">
+    <mc:Choice Requires="p14">
+      <p:transition spd="med" p14:dur="700">
+        <p:fade/>
+      </p:transition>
+    </mc:Choice>
+    <mc:Fallback xmlns="">
+      <p:transition spd="med">
+        <p:fade/>
+      </p:transition>
+    </mc:Fallback>
+  </mc:AlternateContent>
+  <p:timing>
+    <p:tnLst>
+      <p:par>
+        <p:cTn id="1" dur="indefinite" restart="never" nodeType="tmRoot"/>
+      </p:par>
+    </p:tnLst>
+  </p:timing>
+</p:sld>
+</file>
+
+<file path=ppt/slides/slide7.xml><?xml version="1.0" encoding="utf-8"?>
+<p:sld xmlns:a="http://schemas.openxmlformats.org/drawingml/2006/main" xmlns:r="http://schemas.openxmlformats.org/officeDocument/2006/relationships" xmlns:p="http://schemas.openxmlformats.org/presentationml/2006/main">
+  <p:cSld>
+    <p:spTree>
+      <p:nvGrpSpPr>
+        <p:cNvPr id="1" name=""/>
+        <p:cNvGrpSpPr/>
+        <p:nvPr/>
+      </p:nvGrpSpPr>
+      <p:grpSpPr>
+        <a:xfrm>
+          <a:off x="0" y="0"/>
+          <a:ext cx="0" cy="0"/>
+          <a:chOff x="0" y="0"/>
+          <a:chExt cx="0" cy="0"/>
+        </a:xfrm>
+      </p:grpSpPr>
+      <p:sp>
+        <p:nvSpPr>
+          <p:cNvPr id="18434" name="Rectangle 2"/>
+          <p:cNvSpPr>
+            <a:spLocks noGrp="1" noChangeArrowheads="1"/>
+          </p:cNvSpPr>
+          <p:nvPr>
+            <p:ph type="title"/>
+          </p:nvPr>
+        </p:nvSpPr>
+        <p:spPr/>
+        <p:txBody>
+          <a:bodyPr/>
+          <a:lstStyle/>
+          <a:p>
+            <a:pPr eaLnBrk="1" hangingPunct="1">
+              <a:buFont typeface="Wingdings" panose="05000000000000000000" pitchFamily="2" charset="2"/>
+              <a:buNone/>
+            </a:pPr>
+            <a:r>
+              <a:rPr lang="en-US" altLang="zh-CN" dirty="0"/>
+              <a:t>5</a:t>
+            </a:r>
+            <a:r>
+              <a:rPr lang="en-US" altLang="zh-CN" dirty="0" smtClean="0"/>
+              <a:t>.1  </a:t>
+            </a:r>
+            <a:r>
+              <a:rPr lang="zh-CN" altLang="en-US" dirty="0" smtClean="0"/>
+              <a:t>为什么要用接口</a:t>
+            </a:r>
+            <a:endParaRPr lang="zh-CN" altLang="en-US" dirty="0"/>
+          </a:p>
+        </p:txBody>
+      </p:sp>
+      <p:sp>
+        <p:nvSpPr>
+          <p:cNvPr id="35843" name="Rectangle 3"/>
+          <p:cNvSpPr>
+            <a:spLocks noGrp="1" noChangeArrowheads="1"/>
+          </p:cNvSpPr>
+          <p:nvPr>
+            <p:ph type="body" idx="1"/>
+          </p:nvPr>
+        </p:nvSpPr>
+        <p:spPr>
+          <a:xfrm>
+            <a:off x="571500" y="1196752"/>
+            <a:ext cx="8001000" cy="4752528"/>
+          </a:xfrm>
+        </p:spPr>
+        <p:txBody>
+          <a:bodyPr/>
+          <a:lstStyle/>
+          <a:p>
+            <a:pPr eaLnBrk="1" fontAlgn="t" hangingPunct="1">
+              <a:lnSpc>
+                <a:spcPct val="120000"/>
+              </a:lnSpc>
+            </a:pPr>
+            <a:r>
+              <a:rPr lang="zh-CN" altLang="en-US" dirty="0" smtClean="0"/>
+              <a:t>总结：接口的基本功能为</a:t>
+            </a:r>
+            <a:endParaRPr lang="zh-CN" altLang="en-GB" dirty="0" smtClean="0"/>
+          </a:p>
+          <a:p>
+            <a:pPr lvl="1" eaLnBrk="1" hangingPunct="1">
+              <a:lnSpc>
+                <a:spcPct val="120000"/>
+              </a:lnSpc>
+            </a:pPr>
+            <a:r>
+              <a:rPr lang="zh-CN" altLang="en-US" dirty="0"/>
+              <a:t>数据的缓冲与暂存</a:t>
+            </a:r>
+          </a:p>
+          <a:p>
+            <a:pPr lvl="1" eaLnBrk="1" hangingPunct="1">
+              <a:lnSpc>
+                <a:spcPct val="120000"/>
+              </a:lnSpc>
+            </a:pPr>
+            <a:r>
+              <a:rPr lang="zh-CN" altLang="en-US" dirty="0"/>
+              <a:t>信号电平与类型的转换</a:t>
+            </a:r>
+          </a:p>
+          <a:p>
+            <a:pPr lvl="1" eaLnBrk="1" hangingPunct="1">
+              <a:lnSpc>
+                <a:spcPct val="120000"/>
+              </a:lnSpc>
+            </a:pPr>
+            <a:r>
+              <a:rPr lang="zh-CN" altLang="en-US" dirty="0"/>
+              <a:t>增加信号的驱动能力</a:t>
+            </a:r>
+          </a:p>
+          <a:p>
+            <a:pPr lvl="1" eaLnBrk="1" hangingPunct="1">
+              <a:lnSpc>
+                <a:spcPct val="120000"/>
+              </a:lnSpc>
+            </a:pPr>
+            <a:r>
+              <a:rPr lang="zh-CN" altLang="en-US" dirty="0"/>
+              <a:t>对外设进行监测、控制与管理，中断处理</a:t>
+            </a:r>
+          </a:p>
+          <a:p>
+            <a:pPr eaLnBrk="1" hangingPunct="1">
+              <a:buFont typeface="Wingdings" panose="05000000000000000000" pitchFamily="2" charset="2"/>
+              <a:buNone/>
+            </a:pPr>
+            <a:endParaRPr lang="zh-CN" altLang="en-US" dirty="0" smtClean="0">
+              <a:solidFill>
+                <a:srgbClr val="008000"/>
+              </a:solidFill>
+            </a:endParaRPr>
+          </a:p>
+          <a:p>
+            <a:pPr eaLnBrk="1" hangingPunct="1">
+              <a:buFont typeface="Wingdings" panose="05000000000000000000" pitchFamily="2" charset="2"/>
+              <a:buNone/>
+            </a:pPr>
+            <a:endParaRPr lang="en-US" altLang="zh-CN" dirty="0" smtClean="0">
+              <a:solidFill>
+                <a:srgbClr val="008000"/>
+              </a:solidFill>
+            </a:endParaRPr>
+          </a:p>
+        </p:txBody>
+      </p:sp>
+      <p:sp>
+        <p:nvSpPr>
+          <p:cNvPr id="2" name="灯片编号占位符 1"/>
+          <p:cNvSpPr>
+            <a:spLocks noGrp="1"/>
+          </p:cNvSpPr>
+          <p:nvPr>
+            <p:ph type="sldNum" sz="quarter" idx="12"/>
+          </p:nvPr>
+        </p:nvSpPr>
+        <p:spPr/>
+        <p:txBody>
+          <a:bodyPr/>
+          <a:lstStyle/>
+          <a:p>
+            <a:pPr>
+              <a:defRPr/>
+            </a:pPr>
+            <a:fld id="{BC120BD5-977A-42A5-BBAD-59A61BB20C95}" type="slidenum">
+              <a:rPr lang="en-US" altLang="zh-CN" smtClean="0"/>
+              <a:pPr>
+                <a:defRPr/>
+              </a:pPr>
+              <a:t>7</a:t>
+            </a:fld>
+            <a:endParaRPr lang="en-US" altLang="zh-CN" dirty="0"/>
+          </a:p>
+        </p:txBody>
+      </p:sp>
+    </p:spTree>
+    <p:extLst>
+      <p:ext uri="{BB962C8B-B14F-4D97-AF65-F5344CB8AC3E}">
+        <p14:creationId xmlns:p14="http://schemas.microsoft.com/office/powerpoint/2010/main" val="201749436"/>
+      </p:ext>
+    </p:extLst>
+  </p:cSld>
+  <p:clrMapOvr>
+    <a:masterClrMapping/>
+  </p:clrMapOvr>
+  <mc:AlternateContent xmlns:mc="http://schemas.openxmlformats.org/markup-compatibility/2006" xmlns:p14="http://schemas.microsoft.com/office/powerpoint/2010/main">
+    <mc:Choice Requires="p14">
+      <p:transition spd="med" p14:dur="700">
+        <p:fade/>
+      </p:transition>
+    </mc:Choice>
+    <mc:Fallback xmlns="">
+      <p:transition spd="med">
+        <p:fade/>
+      </p:transition>
+    </mc:Fallback>
+  </mc:AlternateContent>
+  <p:timing>
+    <p:tnLst>
+      <p:par>
+        <p:cTn id="1" dur="indefinite" restart="never" nodeType="tmRoot"/>
+      </p:par>
+    </p:tnLst>
+  </p:timing>
+</p:sld>
+</file>
+
+<file path=ppt/slides/slide70.xml><?xml version="1.0" encoding="utf-8"?>
+<p:sld xmlns:a="http://schemas.openxmlformats.org/drawingml/2006/main" xmlns:r="http://schemas.openxmlformats.org/officeDocument/2006/relationships" xmlns:p="http://schemas.openxmlformats.org/presentationml/2006/main">
+  <p:cSld>
+    <p:spTree>
+      <p:nvGrpSpPr>
+        <p:cNvPr id="1" name=""/>
+        <p:cNvGrpSpPr/>
+        <p:nvPr/>
+      </p:nvGrpSpPr>
+      <p:grpSpPr>
+        <a:xfrm>
+          <a:off x="0" y="0"/>
+          <a:ext cx="0" cy="0"/>
+          <a:chOff x="0" y="0"/>
+          <a:chExt cx="0" cy="0"/>
+        </a:xfrm>
+      </p:grpSpPr>
+      <p:sp>
+        <p:nvSpPr>
           <p:cNvPr id="27650" name="Rectangle 2"/>
           <p:cNvSpPr>
             <a:spLocks noGrp="1" noChangeArrowheads="1"/>
@@ -32863,7 +33457,7 @@
     <p:controls>
       <mc:AlternateContent xmlns:mc="http://schemas.openxmlformats.org/markup-compatibility/2006">
         <mc:Choice xmlns:v="urn:schemas-microsoft-com:vml" Requires="v">
-          <p:control spid="66567" name="ShockwaveFlash1" r:id="rId2" imgW="8712360" imgH="5873760"/>
+          <p:control spid="66574" name="ShockwaveFlash1" r:id="rId2" imgW="8712360" imgH="5873760"/>
         </mc:Choice>
         <mc:Fallback>
           <p:control name="ShockwaveFlash1" r:id="rId2" imgW="8712360" imgH="5873760">
@@ -32941,219 +33535,7 @@
 </p:sld>
 </file>
 
-<file path=ppt/slides/slide7.xml><?xml version="1.0" encoding="utf-8"?>
-<p:sld xmlns:a="http://schemas.openxmlformats.org/drawingml/2006/main" xmlns:r="http://schemas.openxmlformats.org/officeDocument/2006/relationships" xmlns:p="http://schemas.openxmlformats.org/presentationml/2006/main">
-  <p:cSld>
-    <p:spTree>
-      <p:nvGrpSpPr>
-        <p:cNvPr id="1" name=""/>
-        <p:cNvGrpSpPr/>
-        <p:nvPr/>
-      </p:nvGrpSpPr>
-      <p:grpSpPr>
-        <a:xfrm>
-          <a:off x="0" y="0"/>
-          <a:ext cx="0" cy="0"/>
-          <a:chOff x="0" y="0"/>
-          <a:chExt cx="0" cy="0"/>
-        </a:xfrm>
-      </p:grpSpPr>
-      <p:sp>
-        <p:nvSpPr>
-          <p:cNvPr id="18434" name="Rectangle 2"/>
-          <p:cNvSpPr>
-            <a:spLocks noGrp="1" noChangeArrowheads="1"/>
-          </p:cNvSpPr>
-          <p:nvPr>
-            <p:ph type="title"/>
-          </p:nvPr>
-        </p:nvSpPr>
-        <p:spPr/>
-        <p:txBody>
-          <a:bodyPr/>
-          <a:lstStyle/>
-          <a:p>
-            <a:pPr eaLnBrk="1" hangingPunct="1">
-              <a:buFont typeface="Wingdings" panose="05000000000000000000" pitchFamily="2" charset="2"/>
-              <a:buNone/>
-            </a:pPr>
-            <a:r>
-              <a:rPr lang="en-US" altLang="zh-CN" dirty="0"/>
-              <a:t>5</a:t>
-            </a:r>
-            <a:r>
-              <a:rPr lang="en-US" altLang="zh-CN" dirty="0" smtClean="0"/>
-              <a:t>.1  </a:t>
-            </a:r>
-            <a:r>
-              <a:rPr lang="zh-CN" altLang="en-US" dirty="0" smtClean="0"/>
-              <a:t>为什么要用接口</a:t>
-            </a:r>
-            <a:endParaRPr lang="zh-CN" altLang="en-US" dirty="0"/>
-          </a:p>
-        </p:txBody>
-      </p:sp>
-      <p:sp>
-        <p:nvSpPr>
-          <p:cNvPr id="35843" name="Rectangle 3"/>
-          <p:cNvSpPr>
-            <a:spLocks noGrp="1" noChangeArrowheads="1"/>
-          </p:cNvSpPr>
-          <p:nvPr>
-            <p:ph type="body" idx="1"/>
-          </p:nvPr>
-        </p:nvSpPr>
-        <p:spPr>
-          <a:xfrm>
-            <a:off x="571500" y="1196752"/>
-            <a:ext cx="8001000" cy="4752528"/>
-          </a:xfrm>
-        </p:spPr>
-        <p:txBody>
-          <a:bodyPr/>
-          <a:lstStyle/>
-          <a:p>
-            <a:pPr eaLnBrk="1" fontAlgn="t" hangingPunct="1">
-              <a:lnSpc>
-                <a:spcPct val="120000"/>
-              </a:lnSpc>
-            </a:pPr>
-            <a:r>
-              <a:rPr lang="zh-CN" altLang="en-US" dirty="0" smtClean="0"/>
-              <a:t>总结：接口的基本功能为</a:t>
-            </a:r>
-            <a:endParaRPr lang="zh-CN" altLang="en-GB" dirty="0" smtClean="0"/>
-          </a:p>
-          <a:p>
-            <a:pPr lvl="1" eaLnBrk="1" hangingPunct="1">
-              <a:lnSpc>
-                <a:spcPct val="120000"/>
-              </a:lnSpc>
-            </a:pPr>
-            <a:r>
-              <a:rPr lang="zh-CN" altLang="en-US" dirty="0"/>
-              <a:t>数据的缓冲与暂存</a:t>
-            </a:r>
-          </a:p>
-          <a:p>
-            <a:pPr lvl="1" eaLnBrk="1" hangingPunct="1">
-              <a:lnSpc>
-                <a:spcPct val="120000"/>
-              </a:lnSpc>
-            </a:pPr>
-            <a:r>
-              <a:rPr lang="zh-CN" altLang="en-US" dirty="0"/>
-              <a:t>信号电平与类型的转换</a:t>
-            </a:r>
-          </a:p>
-          <a:p>
-            <a:pPr lvl="1" eaLnBrk="1" hangingPunct="1">
-              <a:lnSpc>
-                <a:spcPct val="120000"/>
-              </a:lnSpc>
-            </a:pPr>
-            <a:r>
-              <a:rPr lang="zh-CN" altLang="en-US" dirty="0"/>
-              <a:t>增加信号的驱动能力</a:t>
-            </a:r>
-          </a:p>
-          <a:p>
-            <a:pPr lvl="1" eaLnBrk="1" hangingPunct="1">
-              <a:lnSpc>
-                <a:spcPct val="120000"/>
-              </a:lnSpc>
-            </a:pPr>
-            <a:r>
-              <a:rPr lang="zh-CN" altLang="en-US" dirty="0"/>
-              <a:t>对外设进行监测、控制与管理，中断处理</a:t>
-            </a:r>
-          </a:p>
-          <a:p>
-            <a:pPr eaLnBrk="1" hangingPunct="1">
-              <a:buFont typeface="Wingdings" panose="05000000000000000000" pitchFamily="2" charset="2"/>
-              <a:buNone/>
-            </a:pPr>
-            <a:endParaRPr lang="zh-CN" altLang="en-US" dirty="0" smtClean="0">
-              <a:solidFill>
-                <a:srgbClr val="008000"/>
-              </a:solidFill>
-            </a:endParaRPr>
-          </a:p>
-          <a:p>
-            <a:pPr eaLnBrk="1" hangingPunct="1">
-              <a:buFont typeface="Wingdings" panose="05000000000000000000" pitchFamily="2" charset="2"/>
-              <a:buNone/>
-            </a:pPr>
-            <a:endParaRPr lang="en-US" altLang="zh-CN" dirty="0" smtClean="0">
-              <a:solidFill>
-                <a:srgbClr val="008000"/>
-              </a:solidFill>
-            </a:endParaRPr>
-          </a:p>
-        </p:txBody>
-      </p:sp>
-      <p:sp>
-        <p:nvSpPr>
-          <p:cNvPr id="2" name="灯片编号占位符 1"/>
-          <p:cNvSpPr>
-            <a:spLocks noGrp="1"/>
-          </p:cNvSpPr>
-          <p:nvPr>
-            <p:ph type="sldNum" sz="quarter" idx="12"/>
-          </p:nvPr>
-        </p:nvSpPr>
-        <p:spPr/>
-        <p:txBody>
-          <a:bodyPr/>
-          <a:lstStyle/>
-          <a:p>
-            <a:pPr>
-              <a:defRPr/>
-            </a:pPr>
-            <a:fld id="{BC120BD5-977A-42A5-BBAD-59A61BB20C95}" type="slidenum">
-              <a:rPr lang="en-US" altLang="zh-CN" smtClean="0"/>
-              <a:pPr>
-                <a:defRPr/>
-              </a:pPr>
-              <a:t>7</a:t>
-            </a:fld>
-            <a:endParaRPr lang="en-US" altLang="zh-CN" dirty="0"/>
-          </a:p>
-        </p:txBody>
-      </p:sp>
-    </p:spTree>
-    <p:extLst>
-      <p:ext uri="{BB962C8B-B14F-4D97-AF65-F5344CB8AC3E}">
-        <p14:creationId xmlns:p14="http://schemas.microsoft.com/office/powerpoint/2010/main" val="201749436"/>
-      </p:ext>
-    </p:extLst>
-  </p:cSld>
-  <p:clrMapOvr>
-    <a:masterClrMapping/>
-  </p:clrMapOvr>
-  <mc:AlternateContent xmlns:mc="http://schemas.openxmlformats.org/markup-compatibility/2006" xmlns:p14="http://schemas.microsoft.com/office/powerpoint/2010/main">
-    <mc:Choice Requires="p14">
-      <p:transition spd="med" p14:dur="700">
-        <p:fade/>
-      </p:transition>
-    </mc:Choice>
-    <mc:Fallback xmlns="">
-      <p:transition spd="med">
-        <p:fade/>
-      </p:transition>
-    </mc:Fallback>
-  </mc:AlternateContent>
-  <p:timing>
-    <p:tnLst>
-      <p:par>
-        <p:cTn id="1" dur="indefinite" restart="never" nodeType="tmRoot"/>
-      </p:par>
-    </p:tnLst>
-  </p:timing>
-</p:sld>
-</file>
-
-<file path=ppt/slides/slide70.xml><?xml version="1.0" encoding="utf-8"?>
+<file path=ppt/slides/slide71.xml><?xml version="1.0" encoding="utf-8"?>
 <p:sld xmlns:a="http://schemas.openxmlformats.org/drawingml/2006/main" xmlns:r="http://schemas.openxmlformats.org/officeDocument/2006/relationships" xmlns:p="http://schemas.openxmlformats.org/presentationml/2006/main">
   <p:cSld>
     <p:spTree>
@@ -33393,280 +33775,6 @@
 </p:sld>
 </file>
 
-<file path=ppt/slides/slide71.xml><?xml version="1.0" encoding="utf-8"?>
-<p:sld xmlns:a="http://schemas.openxmlformats.org/drawingml/2006/main" xmlns:r="http://schemas.openxmlformats.org/officeDocument/2006/relationships" xmlns:p="http://schemas.openxmlformats.org/presentationml/2006/main">
-  <p:cSld>
-    <p:spTree>
-      <p:nvGrpSpPr>
-        <p:cNvPr id="1" name=""/>
-        <p:cNvGrpSpPr/>
-        <p:nvPr/>
-      </p:nvGrpSpPr>
-      <p:grpSpPr>
-        <a:xfrm>
-          <a:off x="0" y="0"/>
-          <a:ext cx="0" cy="0"/>
-          <a:chOff x="0" y="0"/>
-          <a:chExt cx="0" cy="0"/>
-        </a:xfrm>
-      </p:grpSpPr>
-      <p:sp>
-        <p:nvSpPr>
-          <p:cNvPr id="18434" name="Rectangle 2"/>
-          <p:cNvSpPr>
-            <a:spLocks noGrp="1" noChangeArrowheads="1"/>
-          </p:cNvSpPr>
-          <p:nvPr>
-            <p:ph type="title"/>
-          </p:nvPr>
-        </p:nvSpPr>
-        <p:spPr/>
-        <p:txBody>
-          <a:bodyPr/>
-          <a:lstStyle/>
-          <a:p>
-            <a:pPr eaLnBrk="1" hangingPunct="1">
-              <a:buFont typeface="Wingdings" panose="05000000000000000000" pitchFamily="2" charset="2"/>
-              <a:buNone/>
-            </a:pPr>
-            <a:r>
-              <a:rPr lang="en-US" altLang="zh-CN" dirty="0" smtClean="0"/>
-              <a:t>5.5  </a:t>
-            </a:r>
-            <a:r>
-              <a:rPr lang="en-US" altLang="zh-CN" dirty="0"/>
-              <a:t>CPU</a:t>
-            </a:r>
-            <a:r>
-              <a:rPr lang="zh-CN" altLang="en-US" dirty="0"/>
-              <a:t>和外设之间的数据传送方式</a:t>
-            </a:r>
-          </a:p>
-        </p:txBody>
-      </p:sp>
-      <p:sp>
-        <p:nvSpPr>
-          <p:cNvPr id="2" name="灯片编号占位符 1"/>
-          <p:cNvSpPr>
-            <a:spLocks noGrp="1"/>
-          </p:cNvSpPr>
-          <p:nvPr>
-            <p:ph type="sldNum" sz="quarter" idx="12"/>
-          </p:nvPr>
-        </p:nvSpPr>
-        <p:spPr/>
-        <p:txBody>
-          <a:bodyPr/>
-          <a:lstStyle/>
-          <a:p>
-            <a:pPr>
-              <a:defRPr/>
-            </a:pPr>
-            <a:fld id="{BC120BD5-977A-42A5-BBAD-59A61BB20C95}" type="slidenum">
-              <a:rPr lang="en-US" altLang="zh-CN" smtClean="0"/>
-              <a:pPr>
-                <a:defRPr/>
-              </a:pPr>
-              <a:t>71</a:t>
-            </a:fld>
-            <a:endParaRPr lang="en-US" altLang="zh-CN" dirty="0"/>
-          </a:p>
-        </p:txBody>
-      </p:sp>
-      <p:sp>
-        <p:nvSpPr>
-          <p:cNvPr id="3" name="内容占位符 2"/>
-          <p:cNvSpPr>
-            <a:spLocks noGrp="1"/>
-          </p:cNvSpPr>
-          <p:nvPr>
-            <p:ph idx="1"/>
-          </p:nvPr>
-        </p:nvSpPr>
-        <p:spPr>
-          <a:xfrm>
-            <a:off x="609600" y="1052736"/>
-            <a:ext cx="7958138" cy="4933027"/>
-          </a:xfrm>
-        </p:spPr>
-        <p:txBody>
-          <a:bodyPr/>
-          <a:lstStyle/>
-          <a:p>
-            <a:pPr marL="287337" indent="-457200">
-              <a:lnSpc>
-                <a:spcPct val="120000"/>
-              </a:lnSpc>
-            </a:pPr>
-            <a:r>
-              <a:rPr lang="en-US" altLang="zh-CN" b="1" dirty="0" smtClean="0"/>
-              <a:t>5.5.3 DMA</a:t>
-            </a:r>
-            <a:r>
-              <a:rPr lang="zh-CN" altLang="en-US" b="1" dirty="0" smtClean="0"/>
-              <a:t>方式</a:t>
-            </a:r>
-            <a:r>
-              <a:rPr lang="en-US" altLang="zh-CN" b="1" dirty="0"/>
-              <a:t>——</a:t>
-            </a:r>
-            <a:r>
-              <a:rPr lang="zh-CN" altLang="en-US" dirty="0" smtClean="0">
-                <a:solidFill>
-                  <a:srgbClr val="800000"/>
-                </a:solidFill>
-              </a:rPr>
-              <a:t> </a:t>
-            </a:r>
-            <a:r>
-              <a:rPr lang="en-US" altLang="zh-CN" dirty="0">
-                <a:solidFill>
-                  <a:srgbClr val="800000"/>
-                </a:solidFill>
-              </a:rPr>
-              <a:t>DMA</a:t>
-            </a:r>
-            <a:r>
-              <a:rPr lang="zh-CN" altLang="en-US" dirty="0">
-                <a:solidFill>
-                  <a:srgbClr val="800000"/>
-                </a:solidFill>
-                <a:latin typeface="Times New Roman" panose="02020603050405020304" pitchFamily="18" charset="0"/>
-              </a:rPr>
-              <a:t>控制器的功能和原理 </a:t>
-            </a:r>
-          </a:p>
-          <a:p>
-            <a:pPr marL="609600" indent="-609600"/>
-            <a:r>
-              <a:rPr lang="zh-CN" altLang="en-US" dirty="0"/>
-              <a:t>	</a:t>
-            </a:r>
-            <a:r>
-              <a:rPr lang="en-US" altLang="zh-CN" sz="2800" dirty="0"/>
-              <a:t>DMA</a:t>
-            </a:r>
-            <a:r>
-              <a:rPr lang="zh-CN" altLang="en-US" sz="2800" dirty="0"/>
-              <a:t>传输对接口的要求</a:t>
-            </a:r>
-            <a:r>
-              <a:rPr lang="zh-CN" altLang="en-US" sz="2800" dirty="0" smtClean="0"/>
-              <a:t>：</a:t>
-            </a:r>
-            <a:endParaRPr lang="en-US" altLang="zh-CN" sz="2800" dirty="0" smtClean="0"/>
-          </a:p>
-          <a:p>
-            <a:pPr indent="0">
-              <a:buNone/>
-            </a:pPr>
-            <a:r>
-              <a:rPr lang="zh-CN" altLang="en-US" dirty="0" smtClean="0">
-                <a:latin typeface="宋体" panose="02010600030101010101" pitchFamily="2" charset="-122"/>
-              </a:rPr>
-              <a:t>① </a:t>
-            </a:r>
-            <a:r>
-              <a:rPr lang="zh-CN" altLang="en-US" dirty="0">
-                <a:latin typeface="宋体" panose="02010600030101010101" pitchFamily="2" charset="-122"/>
-              </a:rPr>
-              <a:t>控制寄存器有</a:t>
-            </a:r>
-            <a:r>
-              <a:rPr lang="zh-CN" altLang="en-US" dirty="0"/>
-              <a:t>1位指出数据传输</a:t>
-            </a:r>
-            <a:r>
-              <a:rPr lang="zh-CN" altLang="en-US" dirty="0" smtClean="0"/>
-              <a:t>方向；</a:t>
-            </a:r>
-            <a:endParaRPr lang="zh-CN" altLang="en-US" dirty="0"/>
-          </a:p>
-          <a:p>
-            <a:pPr marL="609600" indent="-609600" algn="just">
-              <a:buNone/>
-            </a:pPr>
-            <a:r>
-              <a:rPr lang="zh-CN" altLang="en-US" dirty="0"/>
-              <a:t>② 控制寄存器有1位用来启动</a:t>
-            </a:r>
-            <a:r>
-              <a:rPr lang="en-US" altLang="zh-CN" dirty="0"/>
-              <a:t>I/O</a:t>
-            </a:r>
-            <a:r>
-              <a:rPr lang="zh-CN" altLang="en-US" dirty="0" smtClean="0"/>
-              <a:t>操作；</a:t>
-            </a:r>
-            <a:endParaRPr lang="zh-CN" altLang="en-US" dirty="0"/>
-          </a:p>
-          <a:p>
-            <a:pPr marL="609600" indent="-609600" algn="just">
-              <a:buNone/>
-            </a:pPr>
-            <a:r>
-              <a:rPr lang="zh-CN" altLang="en-US" dirty="0"/>
-              <a:t>③ 状态寄存器有1位</a:t>
-            </a:r>
-            <a:r>
-              <a:rPr lang="zh-CN" altLang="en-US" dirty="0">
-                <a:latin typeface="宋体" panose="02010600030101010101" pitchFamily="2" charset="-122"/>
-              </a:rPr>
-              <a:t>指出设备当前是否处于忙状态 </a:t>
-            </a:r>
-            <a:r>
-              <a:rPr lang="zh-CN" altLang="en-US" dirty="0" smtClean="0">
-                <a:latin typeface="宋体" panose="02010600030101010101" pitchFamily="2" charset="-122"/>
-              </a:rPr>
-              <a:t>；</a:t>
-            </a:r>
-            <a:endParaRPr lang="zh-CN" altLang="en-US" dirty="0">
-              <a:latin typeface="宋体" panose="02010600030101010101" pitchFamily="2" charset="-122"/>
-            </a:endParaRPr>
-          </a:p>
-          <a:p>
-            <a:pPr>
-              <a:spcBef>
-                <a:spcPts val="0"/>
-              </a:spcBef>
-              <a:buNone/>
-            </a:pPr>
-            <a:endParaRPr lang="zh-CN" altLang="en-US" dirty="0"/>
-          </a:p>
-        </p:txBody>
-      </p:sp>
-    </p:spTree>
-    <p:extLst>
-      <p:ext uri="{BB962C8B-B14F-4D97-AF65-F5344CB8AC3E}">
-        <p14:creationId xmlns:p14="http://schemas.microsoft.com/office/powerpoint/2010/main" val="3253856342"/>
-      </p:ext>
-    </p:extLst>
-  </p:cSld>
-  <p:clrMapOvr>
-    <a:masterClrMapping/>
-  </p:clrMapOvr>
-  <mc:AlternateContent xmlns:mc="http://schemas.openxmlformats.org/markup-compatibility/2006" xmlns:p14="http://schemas.microsoft.com/office/powerpoint/2010/main">
-    <mc:Choice Requires="p14">
-      <p:transition spd="med" p14:dur="700">
-        <p:fade/>
-      </p:transition>
-    </mc:Choice>
-    <mc:Fallback xmlns="">
-      <p:transition spd="med">
-        <p:fade/>
-      </p:transition>
-    </mc:Fallback>
-  </mc:AlternateContent>
-  <p:timing>
-    <p:tnLst>
-      <p:par>
-        <p:cTn id="1" dur="indefinite" restart="never" nodeType="tmRoot"/>
-      </p:par>
-    </p:tnLst>
-  </p:timing>
-</p:sld>
-</file>
-
 <file path=ppt/slides/slide72.xml><?xml version="1.0" encoding="utf-8"?>
 <p:sld xmlns:a="http://schemas.openxmlformats.org/drawingml/2006/main" xmlns:r="http://schemas.openxmlformats.org/officeDocument/2006/relationships" xmlns:p="http://schemas.openxmlformats.org/presentationml/2006/main">
   <p:cSld>
@@ -33822,87 +33930,81 @@
             </a:r>
             <a:r>
               <a:rPr lang="zh-CN" altLang="en-US" sz="2800" dirty="0"/>
-              <a:t>传输对</a:t>
-            </a:r>
-            <a:r>
-              <a:rPr lang="en-US" altLang="zh-CN" sz="2800" dirty="0">
-                <a:solidFill>
-                  <a:srgbClr val="FF0000"/>
-                </a:solidFill>
-              </a:rPr>
-              <a:t>DMA</a:t>
-            </a:r>
-            <a:r>
-              <a:rPr lang="zh-CN" altLang="en-US" sz="2800" dirty="0">
-                <a:solidFill>
-                  <a:srgbClr val="FF0000"/>
-                </a:solidFill>
-              </a:rPr>
-              <a:t>控制器</a:t>
-            </a:r>
-            <a:r>
-              <a:rPr lang="zh-CN" altLang="en-US" sz="2800" dirty="0"/>
-              <a:t>的要求： </a:t>
+              <a:t>传输对接口的要求</a:t>
+            </a:r>
+            <a:r>
+              <a:rPr lang="zh-CN" altLang="en-US" sz="2800" dirty="0" smtClean="0"/>
+              <a:t>：</a:t>
             </a:r>
             <a:endParaRPr lang="en-US" altLang="zh-CN" sz="2800" dirty="0" smtClean="0"/>
+          </a:p>
+          <a:p>
+            <a:pPr indent="0">
+              <a:buNone/>
+            </a:pPr>
+            <a:r>
+              <a:rPr lang="zh-CN" altLang="en-US" dirty="0" smtClean="0">
+                <a:latin typeface="宋体" panose="02010600030101010101" pitchFamily="2" charset="-122"/>
+              </a:rPr>
+              <a:t>① </a:t>
+            </a:r>
+            <a:r>
+              <a:rPr lang="zh-CN" altLang="en-US" dirty="0">
+                <a:latin typeface="宋体" panose="02010600030101010101" pitchFamily="2" charset="-122"/>
+              </a:rPr>
+              <a:t>控制寄存器有</a:t>
+            </a:r>
+            <a:r>
+              <a:rPr lang="zh-CN" altLang="en-US" dirty="0"/>
+              <a:t>1位指出数据传输</a:t>
+            </a:r>
+            <a:r>
+              <a:rPr lang="zh-CN" altLang="en-US" dirty="0" smtClean="0"/>
+              <a:t>方向；</a:t>
+            </a:r>
+            <a:endParaRPr lang="zh-CN" altLang="en-US" dirty="0"/>
           </a:p>
           <a:p>
             <a:pPr marL="609600" indent="-609600" algn="just">
               <a:buNone/>
             </a:pPr>
             <a:r>
+              <a:rPr lang="zh-CN" altLang="en-US" dirty="0"/>
+              <a:t>② 控制寄存器有1位用来启动</a:t>
+            </a:r>
+            <a:r>
+              <a:rPr lang="en-US" altLang="zh-CN" dirty="0"/>
+              <a:t>I/O</a:t>
+            </a:r>
+            <a:r>
+              <a:rPr lang="zh-CN" altLang="en-US" dirty="0" smtClean="0"/>
+              <a:t>操作；</a:t>
+            </a:r>
+            <a:endParaRPr lang="zh-CN" altLang="en-US" dirty="0"/>
+          </a:p>
+          <a:p>
+            <a:pPr marL="609600" indent="-609600" algn="just">
+              <a:buNone/>
+            </a:pPr>
+            <a:r>
+              <a:rPr lang="zh-CN" altLang="en-US" dirty="0"/>
+              <a:t>③ 状态寄存器有1位</a:t>
+            </a:r>
+            <a:r>
               <a:rPr lang="zh-CN" altLang="en-US" dirty="0">
                 <a:latin typeface="宋体" panose="02010600030101010101" pitchFamily="2" charset="-122"/>
               </a:rPr>
-              <a:t>① </a:t>
-            </a:r>
-            <a:r>
-              <a:rPr lang="zh-CN" altLang="en-US" dirty="0"/>
-              <a:t>控制寄存器有1位作为</a:t>
-            </a:r>
-            <a:r>
-              <a:rPr lang="en-US" altLang="zh-CN" dirty="0"/>
-              <a:t>DMA</a:t>
-            </a:r>
-            <a:r>
-              <a:rPr lang="zh-CN" altLang="en-US" dirty="0"/>
-              <a:t>允许位</a:t>
-            </a:r>
-          </a:p>
-          <a:p>
-            <a:pPr marL="609600" indent="-609600" algn="just">
-              <a:buNone/>
-            </a:pPr>
-            <a:r>
-              <a:rPr lang="zh-CN" altLang="en-US" dirty="0"/>
-              <a:t>② 控制寄存器有1位用来确定</a:t>
-            </a:r>
-            <a:r>
-              <a:rPr lang="en-US" altLang="zh-CN" dirty="0"/>
-              <a:t>DMA</a:t>
-            </a:r>
-            <a:r>
-              <a:rPr lang="zh-CN" altLang="en-US" dirty="0"/>
-              <a:t>方向</a:t>
-            </a:r>
-          </a:p>
-          <a:p>
-            <a:pPr marL="609600" indent="-609600" algn="just">
-              <a:buNone/>
-            </a:pPr>
-            <a:r>
-              <a:rPr lang="zh-CN" altLang="en-US" dirty="0"/>
-              <a:t>③ 控制寄存器有1位决定进行一次传输后放弃还是维持对总线的控制权</a:t>
-            </a:r>
-          </a:p>
-          <a:p>
-            <a:pPr marL="609600" indent="-609600" algn="just">
-              <a:buNone/>
-            </a:pPr>
-            <a:r>
-              <a:rPr lang="zh-CN" altLang="en-US" dirty="0"/>
-              <a:t>④ 状态寄存器有1位表示数据块传输是否结束</a:t>
-            </a:r>
+              <a:t>指出设备当前是否处于忙状态 </a:t>
+            </a:r>
+            <a:r>
+              <a:rPr lang="zh-CN" altLang="en-US" dirty="0" smtClean="0">
+                <a:latin typeface="宋体" panose="02010600030101010101" pitchFamily="2" charset="-122"/>
+              </a:rPr>
+              <a:t>；</a:t>
+            </a:r>
+            <a:endParaRPr lang="zh-CN" altLang="en-US" dirty="0">
+              <a:latin typeface="宋体" panose="02010600030101010101" pitchFamily="2" charset="-122"/>
+            </a:endParaRPr>
           </a:p>
           <a:p>
             <a:pPr>
@@ -33918,7 +34020,7 @@
     </p:spTree>
     <p:extLst>
       <p:ext uri="{BB962C8B-B14F-4D97-AF65-F5344CB8AC3E}">
-        <p14:creationId xmlns:p14="http://schemas.microsoft.com/office/powerpoint/2010/main" val="3094712357"/>
+        <p14:creationId xmlns:p14="http://schemas.microsoft.com/office/powerpoint/2010/main" val="3253856342"/>
       </p:ext>
     </p:extLst>
   </p:cSld>
@@ -34097,6 +34199,286 @@
               <a:t>	</a:t>
             </a:r>
             <a:r>
+              <a:rPr lang="en-US" altLang="zh-CN" sz="2800" dirty="0"/>
+              <a:t>DMA</a:t>
+            </a:r>
+            <a:r>
+              <a:rPr lang="zh-CN" altLang="en-US" sz="2800" dirty="0"/>
+              <a:t>传输对</a:t>
+            </a:r>
+            <a:r>
+              <a:rPr lang="en-US" altLang="zh-CN" sz="2800" dirty="0">
+                <a:solidFill>
+                  <a:srgbClr val="FF0000"/>
+                </a:solidFill>
+              </a:rPr>
+              <a:t>DMA</a:t>
+            </a:r>
+            <a:r>
+              <a:rPr lang="zh-CN" altLang="en-US" sz="2800" dirty="0">
+                <a:solidFill>
+                  <a:srgbClr val="FF0000"/>
+                </a:solidFill>
+              </a:rPr>
+              <a:t>控制器</a:t>
+            </a:r>
+            <a:r>
+              <a:rPr lang="zh-CN" altLang="en-US" sz="2800" dirty="0"/>
+              <a:t>的要求： </a:t>
+            </a:r>
+            <a:endParaRPr lang="en-US" altLang="zh-CN" sz="2800" dirty="0" smtClean="0"/>
+          </a:p>
+          <a:p>
+            <a:pPr marL="609600" indent="-609600" algn="just">
+              <a:buNone/>
+            </a:pPr>
+            <a:r>
+              <a:rPr lang="zh-CN" altLang="en-US" dirty="0">
+                <a:latin typeface="宋体" panose="02010600030101010101" pitchFamily="2" charset="-122"/>
+              </a:rPr>
+              <a:t>① </a:t>
+            </a:r>
+            <a:r>
+              <a:rPr lang="zh-CN" altLang="en-US" dirty="0"/>
+              <a:t>控制寄存器有1位作为</a:t>
+            </a:r>
+            <a:r>
+              <a:rPr lang="en-US" altLang="zh-CN" dirty="0"/>
+              <a:t>DMA</a:t>
+            </a:r>
+            <a:r>
+              <a:rPr lang="zh-CN" altLang="en-US" dirty="0"/>
+              <a:t>允许位</a:t>
+            </a:r>
+          </a:p>
+          <a:p>
+            <a:pPr marL="609600" indent="-609600" algn="just">
+              <a:buNone/>
+            </a:pPr>
+            <a:r>
+              <a:rPr lang="zh-CN" altLang="en-US" dirty="0"/>
+              <a:t>② 控制寄存器有1位用来确定</a:t>
+            </a:r>
+            <a:r>
+              <a:rPr lang="en-US" altLang="zh-CN" dirty="0"/>
+              <a:t>DMA</a:t>
+            </a:r>
+            <a:r>
+              <a:rPr lang="zh-CN" altLang="en-US" dirty="0"/>
+              <a:t>方向</a:t>
+            </a:r>
+          </a:p>
+          <a:p>
+            <a:pPr marL="609600" indent="-609600" algn="just">
+              <a:buNone/>
+            </a:pPr>
+            <a:r>
+              <a:rPr lang="zh-CN" altLang="en-US" dirty="0"/>
+              <a:t>③ 控制寄存器有1位决定进行一次传输后放弃还是维持对总线的控制权</a:t>
+            </a:r>
+          </a:p>
+          <a:p>
+            <a:pPr marL="609600" indent="-609600" algn="just">
+              <a:buNone/>
+            </a:pPr>
+            <a:r>
+              <a:rPr lang="zh-CN" altLang="en-US" dirty="0"/>
+              <a:t>④ 状态寄存器有1位表示数据块传输是否结束</a:t>
+            </a:r>
+          </a:p>
+          <a:p>
+            <a:pPr>
+              <a:spcBef>
+                <a:spcPts val="0"/>
+              </a:spcBef>
+              <a:buNone/>
+            </a:pPr>
+            <a:endParaRPr lang="zh-CN" altLang="en-US" dirty="0"/>
+          </a:p>
+        </p:txBody>
+      </p:sp>
+    </p:spTree>
+    <p:extLst>
+      <p:ext uri="{BB962C8B-B14F-4D97-AF65-F5344CB8AC3E}">
+        <p14:creationId xmlns:p14="http://schemas.microsoft.com/office/powerpoint/2010/main" val="3094712357"/>
+      </p:ext>
+    </p:extLst>
+  </p:cSld>
+  <p:clrMapOvr>
+    <a:masterClrMapping/>
+  </p:clrMapOvr>
+  <mc:AlternateContent xmlns:mc="http://schemas.openxmlformats.org/markup-compatibility/2006" xmlns:p14="http://schemas.microsoft.com/office/powerpoint/2010/main">
+    <mc:Choice Requires="p14">
+      <p:transition spd="med" p14:dur="700">
+        <p:fade/>
+      </p:transition>
+    </mc:Choice>
+    <mc:Fallback xmlns="">
+      <p:transition spd="med">
+        <p:fade/>
+      </p:transition>
+    </mc:Fallback>
+  </mc:AlternateContent>
+  <p:timing>
+    <p:tnLst>
+      <p:par>
+        <p:cTn id="1" dur="indefinite" restart="never" nodeType="tmRoot"/>
+      </p:par>
+    </p:tnLst>
+  </p:timing>
+</p:sld>
+</file>
+
+<file path=ppt/slides/slide74.xml><?xml version="1.0" encoding="utf-8"?>
+<p:sld xmlns:a="http://schemas.openxmlformats.org/drawingml/2006/main" xmlns:r="http://schemas.openxmlformats.org/officeDocument/2006/relationships" xmlns:p="http://schemas.openxmlformats.org/presentationml/2006/main">
+  <p:cSld>
+    <p:spTree>
+      <p:nvGrpSpPr>
+        <p:cNvPr id="1" name=""/>
+        <p:cNvGrpSpPr/>
+        <p:nvPr/>
+      </p:nvGrpSpPr>
+      <p:grpSpPr>
+        <a:xfrm>
+          <a:off x="0" y="0"/>
+          <a:ext cx="0" cy="0"/>
+          <a:chOff x="0" y="0"/>
+          <a:chExt cx="0" cy="0"/>
+        </a:xfrm>
+      </p:grpSpPr>
+      <p:sp>
+        <p:nvSpPr>
+          <p:cNvPr id="18434" name="Rectangle 2"/>
+          <p:cNvSpPr>
+            <a:spLocks noGrp="1" noChangeArrowheads="1"/>
+          </p:cNvSpPr>
+          <p:nvPr>
+            <p:ph type="title"/>
+          </p:nvPr>
+        </p:nvSpPr>
+        <p:spPr/>
+        <p:txBody>
+          <a:bodyPr/>
+          <a:lstStyle/>
+          <a:p>
+            <a:pPr eaLnBrk="1" hangingPunct="1">
+              <a:buFont typeface="Wingdings" panose="05000000000000000000" pitchFamily="2" charset="2"/>
+              <a:buNone/>
+            </a:pPr>
+            <a:r>
+              <a:rPr lang="en-US" altLang="zh-CN" dirty="0" smtClean="0"/>
+              <a:t>5.5  </a:t>
+            </a:r>
+            <a:r>
+              <a:rPr lang="en-US" altLang="zh-CN" dirty="0"/>
+              <a:t>CPU</a:t>
+            </a:r>
+            <a:r>
+              <a:rPr lang="zh-CN" altLang="en-US" dirty="0"/>
+              <a:t>和外设之间的数据传送方式</a:t>
+            </a:r>
+          </a:p>
+        </p:txBody>
+      </p:sp>
+      <p:sp>
+        <p:nvSpPr>
+          <p:cNvPr id="2" name="灯片编号占位符 1"/>
+          <p:cNvSpPr>
+            <a:spLocks noGrp="1"/>
+          </p:cNvSpPr>
+          <p:nvPr>
+            <p:ph type="sldNum" sz="quarter" idx="12"/>
+          </p:nvPr>
+        </p:nvSpPr>
+        <p:spPr/>
+        <p:txBody>
+          <a:bodyPr/>
+          <a:lstStyle/>
+          <a:p>
+            <a:pPr>
+              <a:defRPr/>
+            </a:pPr>
+            <a:fld id="{BC120BD5-977A-42A5-BBAD-59A61BB20C95}" type="slidenum">
+              <a:rPr lang="en-US" altLang="zh-CN" smtClean="0"/>
+              <a:pPr>
+                <a:defRPr/>
+              </a:pPr>
+              <a:t>74</a:t>
+            </a:fld>
+            <a:endParaRPr lang="en-US" altLang="zh-CN" dirty="0"/>
+          </a:p>
+        </p:txBody>
+      </p:sp>
+      <p:sp>
+        <p:nvSpPr>
+          <p:cNvPr id="3" name="内容占位符 2"/>
+          <p:cNvSpPr>
+            <a:spLocks noGrp="1"/>
+          </p:cNvSpPr>
+          <p:nvPr>
+            <p:ph idx="1"/>
+          </p:nvPr>
+        </p:nvSpPr>
+        <p:spPr>
+          <a:xfrm>
+            <a:off x="609600" y="1052736"/>
+            <a:ext cx="7958138" cy="4933027"/>
+          </a:xfrm>
+        </p:spPr>
+        <p:txBody>
+          <a:bodyPr/>
+          <a:lstStyle/>
+          <a:p>
+            <a:pPr marL="287337" indent="-457200">
+              <a:lnSpc>
+                <a:spcPct val="120000"/>
+              </a:lnSpc>
+            </a:pPr>
+            <a:r>
+              <a:rPr lang="en-US" altLang="zh-CN" b="1" dirty="0" smtClean="0"/>
+              <a:t>5.5.3 DMA</a:t>
+            </a:r>
+            <a:r>
+              <a:rPr lang="zh-CN" altLang="en-US" b="1" dirty="0" smtClean="0"/>
+              <a:t>方式</a:t>
+            </a:r>
+            <a:r>
+              <a:rPr lang="en-US" altLang="zh-CN" b="1" dirty="0"/>
+              <a:t>——</a:t>
+            </a:r>
+            <a:r>
+              <a:rPr lang="zh-CN" altLang="en-US" dirty="0" smtClean="0">
+                <a:solidFill>
+                  <a:srgbClr val="800000"/>
+                </a:solidFill>
+              </a:rPr>
+              <a:t> </a:t>
+            </a:r>
+            <a:r>
+              <a:rPr lang="en-US" altLang="zh-CN" dirty="0">
+                <a:solidFill>
+                  <a:srgbClr val="800000"/>
+                </a:solidFill>
+              </a:rPr>
+              <a:t>DMA</a:t>
+            </a:r>
+            <a:r>
+              <a:rPr lang="zh-CN" altLang="en-US" dirty="0">
+                <a:solidFill>
+                  <a:srgbClr val="800000"/>
+                </a:solidFill>
+                <a:latin typeface="Times New Roman" panose="02020603050405020304" pitchFamily="18" charset="0"/>
+              </a:rPr>
+              <a:t>控制器的功能和原理 </a:t>
+            </a:r>
+          </a:p>
+          <a:p>
+            <a:pPr marL="609600" indent="-609600"/>
+            <a:r>
+              <a:rPr lang="zh-CN" altLang="en-US" dirty="0"/>
+              <a:t>	</a:t>
+            </a:r>
+            <a:r>
               <a:rPr lang="zh-CN" altLang="en-US" sz="2800" dirty="0"/>
               <a:t>对</a:t>
             </a:r>
@@ -34285,7 +34667,7 @@
 </p:sld>
 </file>
 
-<file path=ppt/slides/slide74.xml><?xml version="1.0" encoding="utf-8"?>
+<file path=ppt/slides/slide75.xml><?xml version="1.0" encoding="utf-8"?>
 <p:sld xmlns:a="http://schemas.openxmlformats.org/drawingml/2006/main" xmlns:r="http://schemas.openxmlformats.org/officeDocument/2006/relationships" xmlns:p="http://schemas.openxmlformats.org/presentationml/2006/main">
   <p:cSld>
     <p:spTree>
@@ -38256,11 +38638,11 @@
   <p:clrMapOvr>
     <a:masterClrMapping/>
   </p:clrMapOvr>
-  <mc:AlternateContent xmlns:mc="http://schemas.openxmlformats.org/markup-compatibility/2006">
-    <mc:Choice xmlns:p14="http://schemas.microsoft.com/office/powerpoint/2010/main" Requires="p14">
+  <mc:AlternateContent xmlns:mc="http://schemas.openxmlformats.org/markup-compatibility/2006" xmlns:p14="http://schemas.microsoft.com/office/powerpoint/2010/main">
+    <mc:Choice Requires="p14">
       <p:transition spd="slow" p14:dur="2000"/>
     </mc:Choice>
-    <mc:Fallback>
+    <mc:Fallback xmlns="">
       <p:transition spd="slow"/>
     </mc:Fallback>
   </mc:AlternateContent>
@@ -38274,7 +38656,7 @@
 </p:sld>
 </file>
 
-<file path=ppt/slides/slide75.xml><?xml version="1.0" encoding="utf-8"?>
+<file path=ppt/slides/slide76.xml><?xml version="1.0" encoding="utf-8"?>
 <p:sld xmlns:a="http://schemas.openxmlformats.org/drawingml/2006/main" xmlns:r="http://schemas.openxmlformats.org/officeDocument/2006/relationships" xmlns:p="http://schemas.openxmlformats.org/presentationml/2006/main">
   <p:cSld>
     <p:spTree>
@@ -40174,259 +40556,6 @@
 </p:sld>
 </file>
 
-<file path=ppt/slides/slide76.xml><?xml version="1.0" encoding="utf-8"?>
-<p:sld xmlns:a="http://schemas.openxmlformats.org/drawingml/2006/main" xmlns:r="http://schemas.openxmlformats.org/officeDocument/2006/relationships" xmlns:p="http://schemas.openxmlformats.org/presentationml/2006/main">
-  <p:cSld>
-    <p:spTree>
-      <p:nvGrpSpPr>
-        <p:cNvPr id="1" name=""/>
-        <p:cNvGrpSpPr/>
-        <p:nvPr/>
-      </p:nvGrpSpPr>
-      <p:grpSpPr>
-        <a:xfrm>
-          <a:off x="0" y="0"/>
-          <a:ext cx="0" cy="0"/>
-          <a:chOff x="0" y="0"/>
-          <a:chExt cx="0" cy="0"/>
-        </a:xfrm>
-      </p:grpSpPr>
-      <p:sp>
-        <p:nvSpPr>
-          <p:cNvPr id="18434" name="Rectangle 2"/>
-          <p:cNvSpPr>
-            <a:spLocks noGrp="1" noChangeArrowheads="1"/>
-          </p:cNvSpPr>
-          <p:nvPr>
-            <p:ph type="title"/>
-          </p:nvPr>
-        </p:nvSpPr>
-        <p:spPr/>
-        <p:txBody>
-          <a:bodyPr/>
-          <a:lstStyle/>
-          <a:p>
-            <a:pPr eaLnBrk="1" hangingPunct="1">
-              <a:buFont typeface="Wingdings" panose="05000000000000000000" pitchFamily="2" charset="2"/>
-              <a:buNone/>
-            </a:pPr>
-            <a:r>
-              <a:rPr lang="en-US" altLang="zh-CN" dirty="0" smtClean="0"/>
-              <a:t>5.5  </a:t>
-            </a:r>
-            <a:r>
-              <a:rPr lang="en-US" altLang="zh-CN" dirty="0"/>
-              <a:t>CPU</a:t>
-            </a:r>
-            <a:r>
-              <a:rPr lang="zh-CN" altLang="en-US" dirty="0"/>
-              <a:t>和外设之间的数据传送方式</a:t>
-            </a:r>
-          </a:p>
-        </p:txBody>
-      </p:sp>
-      <p:sp>
-        <p:nvSpPr>
-          <p:cNvPr id="2" name="灯片编号占位符 1"/>
-          <p:cNvSpPr>
-            <a:spLocks noGrp="1"/>
-          </p:cNvSpPr>
-          <p:nvPr>
-            <p:ph type="sldNum" sz="quarter" idx="12"/>
-          </p:nvPr>
-        </p:nvSpPr>
-        <p:spPr/>
-        <p:txBody>
-          <a:bodyPr/>
-          <a:lstStyle/>
-          <a:p>
-            <a:pPr>
-              <a:defRPr/>
-            </a:pPr>
-            <a:fld id="{BC120BD5-977A-42A5-BBAD-59A61BB20C95}" type="slidenum">
-              <a:rPr lang="en-US" altLang="zh-CN" smtClean="0"/>
-              <a:pPr>
-                <a:defRPr/>
-              </a:pPr>
-              <a:t>76</a:t>
-            </a:fld>
-            <a:endParaRPr lang="en-US" altLang="zh-CN" dirty="0"/>
-          </a:p>
-        </p:txBody>
-      </p:sp>
-      <p:sp>
-        <p:nvSpPr>
-          <p:cNvPr id="3" name="内容占位符 2"/>
-          <p:cNvSpPr>
-            <a:spLocks noGrp="1"/>
-          </p:cNvSpPr>
-          <p:nvPr>
-            <p:ph idx="1"/>
-          </p:nvPr>
-        </p:nvSpPr>
-        <p:spPr>
-          <a:xfrm>
-            <a:off x="609600" y="1052736"/>
-            <a:ext cx="7958138" cy="4933027"/>
-          </a:xfrm>
-        </p:spPr>
-        <p:txBody>
-          <a:bodyPr/>
-          <a:lstStyle/>
-          <a:p>
-            <a:pPr marL="287337" indent="-457200">
-              <a:lnSpc>
-                <a:spcPct val="120000"/>
-              </a:lnSpc>
-            </a:pPr>
-            <a:r>
-              <a:rPr lang="en-US" altLang="zh-CN" b="1" dirty="0" smtClean="0"/>
-              <a:t>5.5.3 DMA</a:t>
-            </a:r>
-            <a:r>
-              <a:rPr lang="zh-CN" altLang="en-US" b="1" dirty="0" smtClean="0"/>
-              <a:t>方式</a:t>
-            </a:r>
-            <a:r>
-              <a:rPr lang="en-US" altLang="zh-CN" b="1" dirty="0"/>
-              <a:t>——</a:t>
-            </a:r>
-            <a:r>
-              <a:rPr lang="zh-CN" altLang="en-US" dirty="0" smtClean="0">
-                <a:solidFill>
-                  <a:srgbClr val="800000"/>
-                </a:solidFill>
-              </a:rPr>
-              <a:t> </a:t>
-            </a:r>
-            <a:r>
-              <a:rPr lang="en-US" altLang="zh-CN" dirty="0">
-                <a:solidFill>
-                  <a:srgbClr val="800000"/>
-                </a:solidFill>
-              </a:rPr>
-              <a:t>DMA</a:t>
-            </a:r>
-            <a:r>
-              <a:rPr lang="zh-CN" altLang="en-US" dirty="0">
-                <a:solidFill>
-                  <a:srgbClr val="800000"/>
-                </a:solidFill>
-              </a:rPr>
-              <a:t>控制器的工作特点 </a:t>
-            </a:r>
-            <a:endParaRPr lang="zh-CN" altLang="en-US" dirty="0">
-              <a:solidFill>
-                <a:srgbClr val="800000"/>
-              </a:solidFill>
-              <a:latin typeface="Times New Roman" panose="02020603050405020304" pitchFamily="18" charset="0"/>
-            </a:endParaRPr>
-          </a:p>
-          <a:p>
-            <a:pPr marL="609600" indent="-609600">
-              <a:lnSpc>
-                <a:spcPct val="130000"/>
-              </a:lnSpc>
-            </a:pPr>
-            <a:endParaRPr lang="en-US" altLang="zh-CN" dirty="0" smtClean="0">
-              <a:latin typeface="Times New Roman" panose="02020603050405020304" pitchFamily="18" charset="0"/>
-            </a:endParaRPr>
-          </a:p>
-          <a:p>
-            <a:pPr marL="609600" indent="-609600">
-              <a:lnSpc>
-                <a:spcPct val="130000"/>
-              </a:lnSpc>
-            </a:pPr>
-            <a:r>
-              <a:rPr lang="zh-CN" altLang="en-US" sz="2800" dirty="0" smtClean="0">
-                <a:latin typeface="Times New Roman" panose="02020603050405020304" pitchFamily="18" charset="0"/>
-              </a:rPr>
-              <a:t>是</a:t>
-            </a:r>
-            <a:r>
-              <a:rPr lang="zh-CN" altLang="en-US" sz="2800" dirty="0">
-                <a:latin typeface="Times New Roman" panose="02020603050405020304" pitchFamily="18" charset="0"/>
-              </a:rPr>
-              <a:t>一个接口电路</a:t>
-            </a:r>
-            <a:r>
-              <a:rPr lang="zh-CN" altLang="en-US" sz="2800" dirty="0"/>
-              <a:t> </a:t>
-            </a:r>
-          </a:p>
-          <a:p>
-            <a:pPr marL="609600" indent="-609600">
-              <a:lnSpc>
-                <a:spcPct val="130000"/>
-              </a:lnSpc>
-            </a:pPr>
-            <a:r>
-              <a:rPr lang="zh-CN" altLang="en-US" sz="2800" dirty="0">
-                <a:latin typeface="Times New Roman" panose="02020603050405020304" pitchFamily="18" charset="0"/>
-              </a:rPr>
-              <a:t>能够控制系统总线</a:t>
-            </a:r>
-          </a:p>
-          <a:p>
-            <a:pPr marL="609600" indent="-609600">
-              <a:lnSpc>
-                <a:spcPct val="130000"/>
-              </a:lnSpc>
-            </a:pPr>
-            <a:r>
-              <a:rPr lang="zh-CN" altLang="en-US" sz="2800" dirty="0">
-                <a:latin typeface="Times New Roman" panose="02020603050405020304" pitchFamily="18" charset="0"/>
-              </a:rPr>
-              <a:t>操纵外设和存储器之间的数据传输</a:t>
-            </a:r>
-            <a:endParaRPr lang="zh-CN" altLang="en-US" sz="2800" dirty="0">
-              <a:latin typeface="宋体" panose="02010600030101010101" pitchFamily="2" charset="-122"/>
-            </a:endParaRPr>
-          </a:p>
-          <a:p>
-            <a:pPr>
-              <a:spcBef>
-                <a:spcPts val="0"/>
-              </a:spcBef>
-              <a:buNone/>
-            </a:pPr>
-            <a:endParaRPr lang="zh-CN" altLang="en-US" dirty="0"/>
-          </a:p>
-        </p:txBody>
-      </p:sp>
-    </p:spTree>
-    <p:extLst>
-      <p:ext uri="{BB962C8B-B14F-4D97-AF65-F5344CB8AC3E}">
-        <p14:creationId xmlns:p14="http://schemas.microsoft.com/office/powerpoint/2010/main" val="3243978572"/>
-      </p:ext>
-    </p:extLst>
-  </p:cSld>
-  <p:clrMapOvr>
-    <a:masterClrMapping/>
-  </p:clrMapOvr>
-  <mc:AlternateContent xmlns:mc="http://schemas.openxmlformats.org/markup-compatibility/2006" xmlns:p14="http://schemas.microsoft.com/office/powerpoint/2010/main">
-    <mc:Choice Requires="p14">
-      <p:transition spd="med" p14:dur="700">
-        <p:fade/>
-      </p:transition>
-    </mc:Choice>
-    <mc:Fallback xmlns="">
-      <p:transition spd="med">
-        <p:fade/>
-      </p:transition>
-    </mc:Fallback>
-  </mc:AlternateContent>
-  <p:timing>
-    <p:tnLst>
-      <p:par>
-        <p:cTn id="1" dur="indefinite" restart="never" nodeType="tmRoot"/>
-      </p:par>
-    </p:tnLst>
-  </p:timing>
-</p:sld>
-</file>
-
 <file path=ppt/slides/slide77.xml><?xml version="1.0" encoding="utf-8"?>
 <p:sld xmlns:a="http://schemas.openxmlformats.org/drawingml/2006/main" xmlns:r="http://schemas.openxmlformats.org/officeDocument/2006/relationships" xmlns:p="http://schemas.openxmlformats.org/presentationml/2006/main">
   <p:cSld>
@@ -40533,209 +40662,109 @@
               </a:lnSpc>
             </a:pPr>
             <a:r>
+              <a:rPr lang="en-US" altLang="zh-CN" b="1" dirty="0" smtClean="0"/>
+              <a:t>5.5.3 DMA</a:t>
+            </a:r>
+            <a:r>
+              <a:rPr lang="zh-CN" altLang="en-US" b="1" dirty="0" smtClean="0"/>
+              <a:t>方式</a:t>
+            </a:r>
+            <a:r>
               <a:rPr lang="en-US" altLang="zh-CN" b="1" dirty="0"/>
-              <a:t>5.5.4  </a:t>
-            </a:r>
-            <a:r>
-              <a:rPr lang="zh-CN" altLang="en-US" b="1" dirty="0"/>
-              <a:t>输入输出过程中涉及的几个问题 </a:t>
-            </a:r>
+              <a:t>——</a:t>
+            </a:r>
+            <a:r>
+              <a:rPr lang="zh-CN" altLang="en-US" dirty="0" smtClean="0">
+                <a:solidFill>
+                  <a:srgbClr val="800000"/>
+                </a:solidFill>
+              </a:rPr>
+              <a:t> </a:t>
+            </a:r>
+            <a:r>
+              <a:rPr lang="en-US" altLang="zh-CN" dirty="0">
+                <a:solidFill>
+                  <a:srgbClr val="800000"/>
+                </a:solidFill>
+              </a:rPr>
+              <a:t>DMA</a:t>
+            </a:r>
+            <a:r>
+              <a:rPr lang="zh-CN" altLang="en-US" dirty="0">
+                <a:solidFill>
+                  <a:srgbClr val="800000"/>
+                </a:solidFill>
+              </a:rPr>
+              <a:t>控制器的工作特点 </a:t>
+            </a:r>
+            <a:endParaRPr lang="zh-CN" altLang="en-US" dirty="0">
+              <a:solidFill>
+                <a:srgbClr val="800000"/>
+              </a:solidFill>
+              <a:latin typeface="Times New Roman" panose="02020603050405020304" pitchFamily="18" charset="0"/>
+            </a:endParaRPr>
+          </a:p>
+          <a:p>
+            <a:pPr marL="609600" indent="-609600">
+              <a:lnSpc>
+                <a:spcPct val="130000"/>
+              </a:lnSpc>
+            </a:pPr>
             <a:endParaRPr lang="en-US" altLang="zh-CN" dirty="0" smtClean="0">
               <a:latin typeface="Times New Roman" panose="02020603050405020304" pitchFamily="18" charset="0"/>
             </a:endParaRPr>
           </a:p>
           <a:p>
-            <a:pPr marL="609600" indent="-609600" algn="just">
+            <a:pPr marL="609600" indent="-609600">
               <a:lnSpc>
-                <a:spcPct val="110000"/>
+                <a:spcPct val="130000"/>
               </a:lnSpc>
-              <a:buNone/>
-            </a:pPr>
+            </a:pPr>
+            <a:r>
+              <a:rPr lang="zh-CN" altLang="en-US" sz="2800" dirty="0" smtClean="0">
+                <a:latin typeface="Times New Roman" panose="02020603050405020304" pitchFamily="18" charset="0"/>
+              </a:rPr>
+              <a:t>是</a:t>
+            </a:r>
             <a:r>
               <a:rPr lang="zh-CN" altLang="en-US" sz="2800" dirty="0">
                 <a:latin typeface="Times New Roman" panose="02020603050405020304" pitchFamily="18" charset="0"/>
               </a:rPr>
-              <a:t>1. 系统和接口的联系方式</a:t>
-            </a:r>
-          </a:p>
-          <a:p>
-            <a:pPr indent="0" algn="just">
+              <a:t>一个接口电路</a:t>
+            </a:r>
+            <a:r>
+              <a:rPr lang="zh-CN" altLang="en-US" sz="2800" dirty="0"/>
+              <a:t> </a:t>
+            </a:r>
+          </a:p>
+          <a:p>
+            <a:pPr marL="609600" indent="-609600">
               <a:lnSpc>
-                <a:spcPct val="110000"/>
+                <a:spcPct val="130000"/>
               </a:lnSpc>
-              <a:buNone/>
-            </a:pPr>
-            <a:r>
-              <a:rPr lang="zh-CN" altLang="en-US" sz="2800" dirty="0" smtClean="0">
-                <a:latin typeface="Times New Roman" panose="02020603050405020304" pitchFamily="18" charset="0"/>
-              </a:rPr>
-              <a:t>      系统</a:t>
-            </a:r>
+            </a:pPr>
             <a:r>
               <a:rPr lang="zh-CN" altLang="en-US" sz="2800" dirty="0">
                 <a:latin typeface="Times New Roman" panose="02020603050405020304" pitchFamily="18" charset="0"/>
               </a:rPr>
-              <a:t>如何知道接口已准备好数据等待</a:t>
-            </a:r>
-            <a:r>
-              <a:rPr lang="en-US" altLang="zh-CN" sz="2800" dirty="0" smtClean="0">
-                <a:latin typeface="Times New Roman" panose="02020603050405020304" pitchFamily="18" charset="0"/>
-              </a:rPr>
-              <a:t>CPU</a:t>
-            </a:r>
-            <a:r>
-              <a:rPr lang="zh-CN" altLang="en-US" sz="2800" dirty="0" smtClean="0">
-                <a:latin typeface="Times New Roman" panose="02020603050405020304" pitchFamily="18" charset="0"/>
-              </a:rPr>
-              <a:t>提取</a:t>
-            </a:r>
+              <a:t>能够控制系统总线</a:t>
+            </a:r>
+          </a:p>
+          <a:p>
+            <a:pPr marL="609600" indent="-609600">
+              <a:lnSpc>
+                <a:spcPct val="130000"/>
+              </a:lnSpc>
+            </a:pPr>
             <a:r>
               <a:rPr lang="zh-CN" altLang="en-US" sz="2800" dirty="0">
                 <a:latin typeface="Times New Roman" panose="02020603050405020304" pitchFamily="18" charset="0"/>
               </a:rPr>
-              <a:t>或者准备接收</a:t>
-            </a:r>
-            <a:r>
-              <a:rPr lang="en-US" altLang="zh-CN" sz="2800" dirty="0">
-                <a:latin typeface="Times New Roman" panose="02020603050405020304" pitchFamily="18" charset="0"/>
-              </a:rPr>
-              <a:t>CPU</a:t>
-            </a:r>
-            <a:r>
-              <a:rPr lang="zh-CN" altLang="en-US" sz="2800" dirty="0">
-                <a:latin typeface="Times New Roman" panose="02020603050405020304" pitchFamily="18" charset="0"/>
-              </a:rPr>
-              <a:t>的数据?</a:t>
-            </a:r>
-          </a:p>
-          <a:p>
-            <a:pPr marL="990600" lvl="1" indent="-646113" algn="just"/>
-            <a:r>
-              <a:rPr lang="zh-CN" altLang="en-US" dirty="0">
-                <a:latin typeface="Times New Roman" panose="02020603050405020304" pitchFamily="18" charset="0"/>
-              </a:rPr>
-              <a:t>查询方式</a:t>
-            </a:r>
-            <a:r>
-              <a:rPr lang="en-US" altLang="zh-CN" dirty="0">
-                <a:latin typeface="华文中宋" panose="02010600040101010101" pitchFamily="2" charset="-122"/>
-              </a:rPr>
-              <a:t>——</a:t>
-            </a:r>
-            <a:r>
-              <a:rPr lang="zh-CN" altLang="en-US" dirty="0">
-                <a:latin typeface="Times New Roman" panose="02020603050405020304" pitchFamily="18" charset="0"/>
-              </a:rPr>
-              <a:t>通过程序检测状态寄存器中的</a:t>
-            </a:r>
-            <a:r>
-              <a:rPr lang="zh-CN" altLang="en-US" dirty="0">
-                <a:latin typeface="华文中宋" panose="02010600040101010101" pitchFamily="2" charset="-122"/>
-              </a:rPr>
-              <a:t>“</a:t>
-            </a:r>
-            <a:r>
-              <a:rPr lang="zh-CN" altLang="en-US" dirty="0">
-                <a:latin typeface="Times New Roman" panose="02020603050405020304" pitchFamily="18" charset="0"/>
-              </a:rPr>
-              <a:t>准备好</a:t>
-            </a:r>
-            <a:r>
-              <a:rPr lang="zh-CN" altLang="en-US" dirty="0">
-                <a:latin typeface="华文中宋" panose="02010600040101010101" pitchFamily="2" charset="-122"/>
-              </a:rPr>
-              <a:t>”</a:t>
-            </a:r>
-            <a:r>
-              <a:rPr lang="zh-CN" altLang="en-US" dirty="0">
-                <a:latin typeface="Times New Roman" panose="02020603050405020304" pitchFamily="18" charset="0"/>
-              </a:rPr>
-              <a:t>位；</a:t>
-            </a:r>
-          </a:p>
-          <a:p>
-            <a:pPr marL="990600" lvl="1" indent="-646113" algn="just"/>
-            <a:r>
-              <a:rPr lang="zh-CN" altLang="en-US" dirty="0">
-                <a:latin typeface="Times New Roman" panose="02020603050405020304" pitchFamily="18" charset="0"/>
-              </a:rPr>
-              <a:t>中断方式</a:t>
-            </a:r>
-            <a:r>
-              <a:rPr lang="en-US" altLang="zh-CN" dirty="0">
-                <a:latin typeface="华文中宋" panose="02010600040101010101" pitchFamily="2" charset="-122"/>
-              </a:rPr>
-              <a:t>——</a:t>
-            </a:r>
-            <a:r>
-              <a:rPr lang="zh-CN" altLang="en-US" dirty="0">
-                <a:latin typeface="Times New Roman" panose="02020603050405020304" pitchFamily="18" charset="0"/>
-              </a:rPr>
-              <a:t>接口向</a:t>
-            </a:r>
-            <a:r>
-              <a:rPr lang="en-US" altLang="zh-CN" dirty="0">
-                <a:latin typeface="Times New Roman" panose="02020603050405020304" pitchFamily="18" charset="0"/>
-              </a:rPr>
-              <a:t>CPU</a:t>
-            </a:r>
-            <a:r>
-              <a:rPr lang="zh-CN" altLang="en-US" dirty="0">
-                <a:latin typeface="Times New Roman" panose="02020603050405020304" pitchFamily="18" charset="0"/>
-              </a:rPr>
-              <a:t>发中断请求；</a:t>
-            </a:r>
-          </a:p>
-          <a:p>
-            <a:pPr marL="990600" lvl="1" indent="-646113" algn="just"/>
-            <a:r>
-              <a:rPr lang="en-US" altLang="zh-CN" dirty="0">
-                <a:latin typeface="Times New Roman" panose="02020603050405020304" pitchFamily="18" charset="0"/>
-              </a:rPr>
-              <a:t>DMA</a:t>
-            </a:r>
-            <a:r>
-              <a:rPr lang="zh-CN" altLang="en-US" dirty="0">
-                <a:latin typeface="Times New Roman" panose="02020603050405020304" pitchFamily="18" charset="0"/>
-              </a:rPr>
-              <a:t>方式</a:t>
-            </a:r>
-            <a:r>
-              <a:rPr lang="en-US" altLang="zh-CN" dirty="0">
-                <a:latin typeface="华文中宋" panose="02010600040101010101" pitchFamily="2" charset="-122"/>
-              </a:rPr>
-              <a:t>——</a:t>
-            </a:r>
-            <a:r>
-              <a:rPr lang="zh-CN" altLang="en-US" dirty="0">
-                <a:latin typeface="Times New Roman" panose="02020603050405020304" pitchFamily="18" charset="0"/>
-              </a:rPr>
-              <a:t>接口向</a:t>
-            </a:r>
-            <a:r>
-              <a:rPr lang="en-US" altLang="zh-CN" dirty="0">
-                <a:latin typeface="Times New Roman" panose="02020603050405020304" pitchFamily="18" charset="0"/>
-              </a:rPr>
-              <a:t>DMA</a:t>
-            </a:r>
-            <a:r>
-              <a:rPr lang="zh-CN" altLang="en-US" dirty="0">
-                <a:latin typeface="Times New Roman" panose="02020603050405020304" pitchFamily="18" charset="0"/>
-              </a:rPr>
-              <a:t>控制器发</a:t>
-            </a:r>
-            <a:r>
-              <a:rPr lang="en-US" altLang="zh-CN" dirty="0">
-                <a:latin typeface="Times New Roman" panose="02020603050405020304" pitchFamily="18" charset="0"/>
-              </a:rPr>
-              <a:t>DMA</a:t>
-            </a:r>
-            <a:r>
-              <a:rPr lang="zh-CN" altLang="en-US" dirty="0">
-                <a:latin typeface="Times New Roman" panose="02020603050405020304" pitchFamily="18" charset="0"/>
-              </a:rPr>
-              <a:t>请求；</a:t>
-            </a:r>
+              <a:t>操纵外设和存储器之间的数据传输</a:t>
+            </a:r>
+            <a:endParaRPr lang="zh-CN" altLang="en-US" sz="2800" dirty="0">
+              <a:latin typeface="宋体" panose="02010600030101010101" pitchFamily="2" charset="-122"/>
+            </a:endParaRPr>
           </a:p>
           <a:p>
             <a:pPr>
@@ -40751,7 +40780,7 @@
     </p:spTree>
     <p:extLst>
       <p:ext uri="{BB962C8B-B14F-4D97-AF65-F5344CB8AC3E}">
-        <p14:creationId xmlns:p14="http://schemas.microsoft.com/office/powerpoint/2010/main" val="658891344"/>
+        <p14:creationId xmlns:p14="http://schemas.microsoft.com/office/powerpoint/2010/main" val="3243978572"/>
       </p:ext>
     </p:extLst>
   </p:cSld>
@@ -40898,7 +40927,7 @@
             </a:endParaRPr>
           </a:p>
           <a:p>
-            <a:pPr algn="just">
+            <a:pPr marL="609600" indent="-609600" algn="just">
               <a:lnSpc>
                 <a:spcPct val="110000"/>
               </a:lnSpc>
@@ -40908,7 +40937,7 @@
               <a:rPr lang="zh-CN" altLang="en-US" sz="2800" dirty="0">
                 <a:latin typeface="Times New Roman" panose="02020603050405020304" pitchFamily="18" charset="0"/>
               </a:rPr>
-              <a:t>2. 优先级 </a:t>
+              <a:t>1. 系统和接口的联系方式</a:t>
             </a:r>
           </a:p>
           <a:p>
@@ -40919,103 +40948,184 @@
               <a:buNone/>
             </a:pPr>
             <a:r>
+              <a:rPr lang="zh-CN" altLang="en-US" sz="2800" dirty="0" smtClean="0">
+                <a:latin typeface="Times New Roman" panose="02020603050405020304" pitchFamily="18" charset="0"/>
+              </a:rPr>
+              <a:t>      系统</a:t>
+            </a:r>
+            <a:r>
               <a:rPr lang="zh-CN" altLang="en-US" sz="2800" dirty="0">
                 <a:latin typeface="Times New Roman" panose="02020603050405020304" pitchFamily="18" charset="0"/>
               </a:rPr>
-              <a:t> </a:t>
+              <a:t>如何知道接口已准备好数据等待</a:t>
+            </a:r>
+            <a:r>
+              <a:rPr lang="en-US" altLang="zh-CN" sz="2800" dirty="0" smtClean="0">
+                <a:latin typeface="Times New Roman" panose="02020603050405020304" pitchFamily="18" charset="0"/>
+              </a:rPr>
+              <a:t>CPU</a:t>
             </a:r>
             <a:r>
               <a:rPr lang="zh-CN" altLang="en-US" sz="2800" dirty="0" smtClean="0">
                 <a:latin typeface="Times New Roman" panose="02020603050405020304" pitchFamily="18" charset="0"/>
               </a:rPr>
-              <a:t>       当</a:t>
+              <a:t>提取</a:t>
             </a:r>
             <a:r>
               <a:rPr lang="zh-CN" altLang="en-US" sz="2800" dirty="0">
                 <a:latin typeface="Times New Roman" panose="02020603050405020304" pitchFamily="18" charset="0"/>
               </a:rPr>
-              <a:t>系统中有几个设备处于同一种传输方式</a:t>
-            </a:r>
-            <a:r>
-              <a:rPr lang="zh-CN" altLang="en-US" sz="2800" dirty="0" smtClean="0">
+              <a:t>或者准备接收</a:t>
+            </a:r>
+            <a:r>
+              <a:rPr lang="en-US" altLang="zh-CN" sz="2800" dirty="0">
                 <a:latin typeface="Times New Roman" panose="02020603050405020304" pitchFamily="18" charset="0"/>
               </a:rPr>
-              <a:t>之       </a:t>
+              <a:t>CPU</a:t>
             </a:r>
             <a:r>
               <a:rPr lang="zh-CN" altLang="en-US" sz="2800" dirty="0">
                 <a:latin typeface="Times New Roman" panose="02020603050405020304" pitchFamily="18" charset="0"/>
               </a:rPr>
-              <a:t>下、而且同时发传输请求时，系统到底先</a:t>
-            </a:r>
-            <a:r>
-              <a:rPr lang="zh-CN" altLang="en-US" sz="2800" dirty="0" smtClean="0">
+              <a:t>的数据?</a:t>
+            </a:r>
+          </a:p>
+          <a:p>
+            <a:pPr marL="990600" lvl="1" indent="-646113" algn="just"/>
+            <a:r>
+              <a:rPr lang="zh-CN" altLang="en-US" dirty="0">
                 <a:latin typeface="Times New Roman" panose="02020603050405020304" pitchFamily="18" charset="0"/>
               </a:rPr>
-              <a:t>响应哪个</a:t>
-            </a:r>
-            <a:r>
-              <a:rPr lang="zh-CN" altLang="en-US" sz="2800" dirty="0">
+              <a:t>查询方式</a:t>
+            </a:r>
+            <a:r>
+              <a:rPr lang="en-US" altLang="zh-CN" dirty="0">
+                <a:latin typeface="华文中宋" panose="02010600040101010101" pitchFamily="2" charset="-122"/>
+              </a:rPr>
+              <a:t>——</a:t>
+            </a:r>
+            <a:r>
+              <a:rPr lang="zh-CN" altLang="en-US" dirty="0">
                 <a:latin typeface="Times New Roman" panose="02020603050405020304" pitchFamily="18" charset="0"/>
               </a:rPr>
-              <a:t>请求</a:t>
-            </a:r>
-            <a:r>
-              <a:rPr lang="en-US" altLang="zh-CN" sz="2800" dirty="0">
+              <a:t>通过程序检测状态寄存器中的</a:t>
+            </a:r>
+            <a:r>
+              <a:rPr lang="zh-CN" altLang="en-US" dirty="0">
+                <a:latin typeface="华文中宋" panose="02010600040101010101" pitchFamily="2" charset="-122"/>
+              </a:rPr>
+              <a:t>“</a:t>
+            </a:r>
+            <a:r>
+              <a:rPr lang="zh-CN" altLang="en-US" dirty="0">
                 <a:latin typeface="Times New Roman" panose="02020603050405020304" pitchFamily="18" charset="0"/>
               </a:rPr>
-              <a:t>? </a:t>
-            </a:r>
-          </a:p>
-          <a:p>
-            <a:pPr marL="1084263" lvl="1" indent="-457200" algn="just">
-              <a:lnSpc>
-                <a:spcPct val="110000"/>
-              </a:lnSpc>
-            </a:pPr>
-            <a:r>
-              <a:rPr lang="zh-CN" altLang="en-US" sz="2800" dirty="0">
+              <a:t>准备好</a:t>
+            </a:r>
+            <a:r>
+              <a:rPr lang="zh-CN" altLang="en-US" dirty="0">
+                <a:latin typeface="华文中宋" panose="02010600040101010101" pitchFamily="2" charset="-122"/>
+              </a:rPr>
+              <a:t>”</a:t>
+            </a:r>
+            <a:r>
+              <a:rPr lang="zh-CN" altLang="en-US" dirty="0">
                 <a:latin typeface="Times New Roman" panose="02020603050405020304" pitchFamily="18" charset="0"/>
               </a:rPr>
-              <a:t>软件方式</a:t>
-            </a:r>
-            <a:r>
-              <a:rPr lang="en-US" altLang="zh-CN" sz="2800" dirty="0">
+              <a:t>位；</a:t>
+            </a:r>
+          </a:p>
+          <a:p>
+            <a:pPr marL="990600" lvl="1" indent="-646113" algn="just"/>
+            <a:r>
+              <a:rPr lang="zh-CN" altLang="en-US" dirty="0">
                 <a:latin typeface="Times New Roman" panose="02020603050405020304" pitchFamily="18" charset="0"/>
               </a:rPr>
+              <a:t>中断方式</a:t>
+            </a:r>
+            <a:r>
+              <a:rPr lang="en-US" altLang="zh-CN" dirty="0">
+                <a:latin typeface="华文中宋" panose="02010600040101010101" pitchFamily="2" charset="-122"/>
+              </a:rPr>
               <a:t>——</a:t>
             </a:r>
             <a:r>
-              <a:rPr lang="zh-CN" altLang="en-US" sz="2800" dirty="0">
+              <a:rPr lang="zh-CN" altLang="en-US" dirty="0">
                 <a:latin typeface="Times New Roman" panose="02020603050405020304" pitchFamily="18" charset="0"/>
               </a:rPr>
-              <a:t>简单、灵活、速度慢；</a:t>
-            </a:r>
-          </a:p>
-          <a:p>
-            <a:pPr marL="1084263" lvl="1" indent="-457200" algn="just">
-              <a:lnSpc>
-                <a:spcPct val="110000"/>
-              </a:lnSpc>
-            </a:pPr>
-            <a:r>
-              <a:rPr lang="zh-CN" altLang="en-US" sz="2800" dirty="0">
+              <a:t>接口向</a:t>
+            </a:r>
+            <a:r>
+              <a:rPr lang="en-US" altLang="zh-CN" dirty="0">
                 <a:latin typeface="Times New Roman" panose="02020603050405020304" pitchFamily="18" charset="0"/>
               </a:rPr>
-              <a:t>硬件方式</a:t>
-            </a:r>
-            <a:r>
-              <a:rPr lang="en-US" altLang="zh-CN" sz="2800" dirty="0">
+              <a:t>CPU</a:t>
+            </a:r>
+            <a:r>
+              <a:rPr lang="zh-CN" altLang="en-US" dirty="0">
                 <a:latin typeface="Times New Roman" panose="02020603050405020304" pitchFamily="18" charset="0"/>
               </a:rPr>
+              <a:t>发中断请求；</a:t>
+            </a:r>
+          </a:p>
+          <a:p>
+            <a:pPr marL="990600" lvl="1" indent="-646113" algn="just"/>
+            <a:r>
+              <a:rPr lang="en-US" altLang="zh-CN" dirty="0">
+                <a:latin typeface="Times New Roman" panose="02020603050405020304" pitchFamily="18" charset="0"/>
+              </a:rPr>
+              <a:t>DMA</a:t>
+            </a:r>
+            <a:r>
+              <a:rPr lang="zh-CN" altLang="en-US" dirty="0">
+                <a:latin typeface="Times New Roman" panose="02020603050405020304" pitchFamily="18" charset="0"/>
+              </a:rPr>
+              <a:t>方式</a:t>
+            </a:r>
+            <a:r>
+              <a:rPr lang="en-US" altLang="zh-CN" dirty="0">
+                <a:latin typeface="华文中宋" panose="02010600040101010101" pitchFamily="2" charset="-122"/>
+              </a:rPr>
               <a:t>——</a:t>
             </a:r>
             <a:r>
-              <a:rPr lang="zh-CN" altLang="en-US" sz="2800" dirty="0">
+              <a:rPr lang="zh-CN" altLang="en-US" dirty="0">
                 <a:latin typeface="Times New Roman" panose="02020603050405020304" pitchFamily="18" charset="0"/>
               </a:rPr>
-              <a:t>速度快、开销大；</a:t>
-            </a:r>
+              <a:t>接口向</a:t>
+            </a:r>
+            <a:r>
+              <a:rPr lang="en-US" altLang="zh-CN" dirty="0">
+                <a:latin typeface="Times New Roman" panose="02020603050405020304" pitchFamily="18" charset="0"/>
+              </a:rPr>
+              <a:t>DMA</a:t>
+            </a:r>
+            <a:r>
+              <a:rPr lang="zh-CN" altLang="en-US" dirty="0">
+                <a:latin typeface="Times New Roman" panose="02020603050405020304" pitchFamily="18" charset="0"/>
+              </a:rPr>
+              <a:t>控制器发</a:t>
+            </a:r>
+            <a:r>
+              <a:rPr lang="en-US" altLang="zh-CN" dirty="0">
+                <a:latin typeface="Times New Roman" panose="02020603050405020304" pitchFamily="18" charset="0"/>
+              </a:rPr>
+              <a:t>DMA</a:t>
+            </a:r>
+            <a:r>
+              <a:rPr lang="zh-CN" altLang="en-US" dirty="0">
+                <a:latin typeface="Times New Roman" panose="02020603050405020304" pitchFamily="18" charset="0"/>
+              </a:rPr>
+              <a:t>请求；</a:t>
+            </a:r>
+          </a:p>
+          <a:p>
+            <a:pPr>
+              <a:spcBef>
+                <a:spcPts val="0"/>
+              </a:spcBef>
+              <a:buNone/>
+            </a:pPr>
             <a:endParaRPr lang="zh-CN" altLang="en-US" dirty="0"/>
           </a:p>
         </p:txBody>
@@ -41023,7 +41133,7 @@
     </p:spTree>
     <p:extLst>
       <p:ext uri="{BB962C8B-B14F-4D97-AF65-F5344CB8AC3E}">
-        <p14:creationId xmlns:p14="http://schemas.microsoft.com/office/powerpoint/2010/main" val="262789295"/>
+        <p14:creationId xmlns:p14="http://schemas.microsoft.com/office/powerpoint/2010/main" val="658891344"/>
       </p:ext>
     </p:extLst>
   </p:cSld>
@@ -41177,22 +41287,10 @@
               <a:buNone/>
             </a:pPr>
             <a:r>
-              <a:rPr lang="en-US" altLang="zh-CN" sz="2800" dirty="0" smtClean="0">
-                <a:latin typeface="Times New Roman" panose="02020603050405020304" pitchFamily="18" charset="0"/>
-              </a:rPr>
-              <a:t>3</a:t>
-            </a:r>
-            <a:r>
-              <a:rPr lang="zh-CN" altLang="en-US" sz="2800" dirty="0" smtClean="0">
-                <a:latin typeface="Times New Roman" panose="02020603050405020304" pitchFamily="18" charset="0"/>
-              </a:rPr>
-              <a:t>. </a:t>
-            </a:r>
-            <a:r>
               <a:rPr lang="zh-CN" altLang="en-US" sz="2800" dirty="0">
                 <a:latin typeface="Times New Roman" panose="02020603050405020304" pitchFamily="18" charset="0"/>
               </a:rPr>
-              <a:t>缓冲区</a:t>
+              <a:t>2. 优先级 </a:t>
             </a:r>
           </a:p>
           <a:p>
@@ -41212,38 +41310,93 @@
               <a:rPr lang="zh-CN" altLang="en-US" sz="2800" dirty="0" smtClean="0">
                 <a:latin typeface="Times New Roman" panose="02020603050405020304" pitchFamily="18" charset="0"/>
               </a:rPr>
-              <a:t>       系统和外设直接传输一系列数据，传输完成之后，这些数据才能使用。这时就需要用内存中的一组连续的存储单元来存放从外设输入的数据，或者先把数据存放在这片连续的内存单元中，再输出到外设。一般将用于这种目的的存储器称之为缓冲区。</a:t>
-            </a:r>
-            <a:endParaRPr lang="en-US" altLang="zh-CN" sz="2800" dirty="0">
-              <a:latin typeface="Times New Roman" panose="02020603050405020304" pitchFamily="18" charset="0"/>
-            </a:endParaRPr>
-          </a:p>
-          <a:p>
-            <a:pPr indent="0" algn="just">
+              <a:t>       当</a:t>
+            </a:r>
+            <a:r>
+              <a:rPr lang="zh-CN" altLang="en-US" sz="2800" dirty="0">
+                <a:latin typeface="Times New Roman" panose="02020603050405020304" pitchFamily="18" charset="0"/>
+              </a:rPr>
+              <a:t>系统中有几个设备处于同一种传输方式</a:t>
+            </a:r>
+            <a:r>
+              <a:rPr lang="zh-CN" altLang="en-US" sz="2800" dirty="0" smtClean="0">
+                <a:latin typeface="Times New Roman" panose="02020603050405020304" pitchFamily="18" charset="0"/>
+              </a:rPr>
+              <a:t>之       </a:t>
+            </a:r>
+            <a:r>
+              <a:rPr lang="zh-CN" altLang="en-US" sz="2800" dirty="0">
+                <a:latin typeface="Times New Roman" panose="02020603050405020304" pitchFamily="18" charset="0"/>
+              </a:rPr>
+              <a:t>下、而且同时发传输请求时，系统到底先</a:t>
+            </a:r>
+            <a:r>
+              <a:rPr lang="zh-CN" altLang="en-US" sz="2800" dirty="0" smtClean="0">
+                <a:latin typeface="Times New Roman" panose="02020603050405020304" pitchFamily="18" charset="0"/>
+              </a:rPr>
+              <a:t>响应哪个</a:t>
+            </a:r>
+            <a:r>
+              <a:rPr lang="zh-CN" altLang="en-US" sz="2800" dirty="0">
+                <a:latin typeface="Times New Roman" panose="02020603050405020304" pitchFamily="18" charset="0"/>
+              </a:rPr>
+              <a:t>请求</a:t>
+            </a:r>
+            <a:r>
+              <a:rPr lang="en-US" altLang="zh-CN" sz="2800" dirty="0">
+                <a:latin typeface="Times New Roman" panose="02020603050405020304" pitchFamily="18" charset="0"/>
+              </a:rPr>
+              <a:t>? </a:t>
+            </a:r>
+          </a:p>
+          <a:p>
+            <a:pPr marL="1084263" lvl="1" indent="-457200" algn="just">
               <a:lnSpc>
                 <a:spcPct val="110000"/>
               </a:lnSpc>
-              <a:buNone/>
-            </a:pPr>
-            <a:r>
-              <a:rPr lang="zh-CN" altLang="en-US" dirty="0" smtClean="0"/>
-              <a:t>例如：</a:t>
-            </a:r>
-            <a:r>
-              <a:rPr lang="en-US" altLang="zh-CN" dirty="0" smtClean="0"/>
-              <a:t>DMA+</a:t>
-            </a:r>
-            <a:r>
-              <a:rPr lang="zh-CN" altLang="en-US" dirty="0" smtClean="0"/>
-              <a:t>双缓冲区</a:t>
-            </a:r>
-            <a:r>
-              <a:rPr lang="en-US" altLang="zh-CN" dirty="0" smtClean="0"/>
-              <a:t>=&gt;</a:t>
-            </a:r>
-            <a:r>
-              <a:rPr lang="zh-CN" altLang="en-US" dirty="0" smtClean="0"/>
-              <a:t>乒乓操作</a:t>
+            </a:pPr>
+            <a:r>
+              <a:rPr lang="zh-CN" altLang="en-US" sz="2800" dirty="0">
+                <a:latin typeface="Times New Roman" panose="02020603050405020304" pitchFamily="18" charset="0"/>
+              </a:rPr>
+              <a:t>软件方式</a:t>
+            </a:r>
+            <a:r>
+              <a:rPr lang="en-US" altLang="zh-CN" sz="2800" dirty="0">
+                <a:latin typeface="Times New Roman" panose="02020603050405020304" pitchFamily="18" charset="0"/>
+              </a:rPr>
+              <a:t>——</a:t>
+            </a:r>
+            <a:r>
+              <a:rPr lang="zh-CN" altLang="en-US" sz="2800" dirty="0">
+                <a:latin typeface="Times New Roman" panose="02020603050405020304" pitchFamily="18" charset="0"/>
+              </a:rPr>
+              <a:t>简单、灵活、速度慢；</a:t>
+            </a:r>
+          </a:p>
+          <a:p>
+            <a:pPr marL="1084263" lvl="1" indent="-457200" algn="just">
+              <a:lnSpc>
+                <a:spcPct val="110000"/>
+              </a:lnSpc>
+            </a:pPr>
+            <a:r>
+              <a:rPr lang="zh-CN" altLang="en-US" sz="2800" dirty="0">
+                <a:latin typeface="Times New Roman" panose="02020603050405020304" pitchFamily="18" charset="0"/>
+              </a:rPr>
+              <a:t>硬件方式</a:t>
+            </a:r>
+            <a:r>
+              <a:rPr lang="en-US" altLang="zh-CN" sz="2800" dirty="0">
+                <a:latin typeface="Times New Roman" panose="02020603050405020304" pitchFamily="18" charset="0"/>
+              </a:rPr>
+              <a:t>——</a:t>
+            </a:r>
+            <a:r>
+              <a:rPr lang="zh-CN" altLang="en-US" sz="2800" dirty="0">
+                <a:latin typeface="Times New Roman" panose="02020603050405020304" pitchFamily="18" charset="0"/>
+              </a:rPr>
+              <a:t>速度快、开销大；</a:t>
             </a:r>
             <a:endParaRPr lang="zh-CN" altLang="en-US" dirty="0"/>
           </a:p>
@@ -41252,7 +41405,7 @@
     </p:spTree>
     <p:extLst>
       <p:ext uri="{BB962C8B-B14F-4D97-AF65-F5344CB8AC3E}">
-        <p14:creationId xmlns:p14="http://schemas.microsoft.com/office/powerpoint/2010/main" val="596655097"/>
+        <p14:creationId xmlns:p14="http://schemas.microsoft.com/office/powerpoint/2010/main" val="262789295"/>
       </p:ext>
     </p:extLst>
   </p:cSld>
@@ -41687,87 +41840,100 @@
             </a:pPr>
             <a:r>
               <a:rPr lang="en-US" altLang="zh-CN" b="1" dirty="0"/>
-              <a:t>5.5.5  </a:t>
+              <a:t>5.5.4  </a:t>
             </a:r>
             <a:r>
               <a:rPr lang="zh-CN" altLang="en-US" b="1" dirty="0"/>
-              <a:t>接口部件和多字节数据总线的</a:t>
-            </a:r>
-            <a:r>
-              <a:rPr lang="zh-CN" altLang="en-US" b="1" dirty="0" smtClean="0"/>
-              <a:t>连接</a:t>
-            </a:r>
-            <a:endParaRPr lang="en-US" altLang="zh-CN" b="1" dirty="0" smtClean="0"/>
-          </a:p>
-          <a:p>
-            <a:pPr>
+              <a:t>输入输出过程中涉及的几个问题 </a:t>
+            </a:r>
+            <a:endParaRPr lang="en-US" altLang="zh-CN" dirty="0" smtClean="0">
+              <a:latin typeface="Times New Roman" panose="02020603050405020304" pitchFamily="18" charset="0"/>
+            </a:endParaRPr>
+          </a:p>
+          <a:p>
+            <a:pPr algn="just">
               <a:lnSpc>
                 <a:spcPct val="110000"/>
               </a:lnSpc>
-            </a:pPr>
-            <a:r>
-              <a:rPr lang="en-US" altLang="zh-CN" dirty="0"/>
-              <a:t>CPU</a:t>
-            </a:r>
-            <a:r>
-              <a:rPr lang="zh-CN" altLang="en-US" dirty="0"/>
-              <a:t>的数据总线的位数不断增加，多数外设仍然采用</a:t>
-            </a:r>
-            <a:r>
-              <a:rPr lang="en-US" altLang="zh-CN" dirty="0"/>
-              <a:t>8</a:t>
-            </a:r>
-            <a:r>
-              <a:rPr lang="zh-CN" altLang="en-US" dirty="0"/>
-              <a:t>位数据宽度，接口部件也是</a:t>
-            </a:r>
-            <a:r>
-              <a:rPr lang="en-US" altLang="zh-CN" dirty="0"/>
-              <a:t>8</a:t>
-            </a:r>
-            <a:r>
-              <a:rPr lang="zh-CN" altLang="en-US" dirty="0"/>
-              <a:t>位，那么</a:t>
-            </a:r>
-            <a:r>
-              <a:rPr lang="en-US" altLang="zh-CN" dirty="0"/>
-              <a:t>8</a:t>
-            </a:r>
-            <a:r>
-              <a:rPr lang="zh-CN" altLang="en-US" dirty="0"/>
-              <a:t>位接口芯片的数据线怎样和计算机系统的多字节数据总线连接？</a:t>
-            </a:r>
-          </a:p>
-          <a:p>
-            <a:pPr lvl="1"/>
-            <a:r>
-              <a:rPr lang="en-US" altLang="zh-CN" dirty="0"/>
-              <a:t>I/O</a:t>
-            </a:r>
-            <a:r>
-              <a:rPr lang="zh-CN" altLang="en-US" dirty="0"/>
-              <a:t>部件常常连在低</a:t>
-            </a:r>
-            <a:r>
-              <a:rPr lang="en-US" altLang="zh-CN" dirty="0"/>
-              <a:t>8</a:t>
-            </a:r>
-            <a:r>
-              <a:rPr lang="zh-CN" altLang="en-US" dirty="0"/>
-              <a:t>位数据总线</a:t>
-            </a:r>
+              <a:buNone/>
+            </a:pPr>
+            <a:r>
+              <a:rPr lang="en-US" altLang="zh-CN" sz="2800" dirty="0" smtClean="0">
+                <a:latin typeface="Times New Roman" panose="02020603050405020304" pitchFamily="18" charset="0"/>
+              </a:rPr>
+              <a:t>3</a:t>
+            </a:r>
+            <a:r>
+              <a:rPr lang="zh-CN" altLang="en-US" sz="2800" dirty="0" smtClean="0">
+                <a:latin typeface="Times New Roman" panose="02020603050405020304" pitchFamily="18" charset="0"/>
+              </a:rPr>
+              <a:t>. </a:t>
+            </a:r>
+            <a:r>
+              <a:rPr lang="zh-CN" altLang="en-US" sz="2800" dirty="0">
+                <a:latin typeface="Times New Roman" panose="02020603050405020304" pitchFamily="18" charset="0"/>
+              </a:rPr>
+              <a:t>缓冲区</a:t>
+            </a:r>
+          </a:p>
+          <a:p>
+            <a:pPr indent="0" algn="just">
+              <a:lnSpc>
+                <a:spcPct val="110000"/>
+              </a:lnSpc>
+              <a:buNone/>
+            </a:pPr>
+            <a:r>
+              <a:rPr lang="zh-CN" altLang="en-US" sz="2800" dirty="0">
+                <a:latin typeface="Times New Roman" panose="02020603050405020304" pitchFamily="18" charset="0"/>
+              </a:rPr>
+              <a:t> </a:t>
+            </a:r>
+            <a:r>
+              <a:rPr lang="zh-CN" altLang="en-US" sz="2800" dirty="0" smtClean="0">
+                <a:latin typeface="Times New Roman" panose="02020603050405020304" pitchFamily="18" charset="0"/>
+              </a:rPr>
+              <a:t>       系统和外设直接传输一系列数据，传输完成之后，这些数据才能使用。这时就需要用内存中的一组连续的存储单元来存放从外设输入的数据，或者先把数据存放在这片连续的内存单元中，再输出到外设。一般将用于这种目的的存储器称之为缓冲区。</a:t>
+            </a:r>
+            <a:endParaRPr lang="en-US" altLang="zh-CN" sz="2800" dirty="0">
+              <a:latin typeface="Times New Roman" panose="02020603050405020304" pitchFamily="18" charset="0"/>
+            </a:endParaRPr>
+          </a:p>
+          <a:p>
+            <a:pPr indent="0" algn="just">
+              <a:lnSpc>
+                <a:spcPct val="110000"/>
+              </a:lnSpc>
+              <a:buNone/>
+            </a:pPr>
             <a:r>
               <a:rPr lang="zh-CN" altLang="en-US" dirty="0" smtClean="0"/>
-              <a:t>上。</a:t>
-            </a:r>
-            <a:endParaRPr lang="en-US" altLang="zh-CN" dirty="0"/>
+              <a:t>例如：</a:t>
+            </a:r>
+            <a:r>
+              <a:rPr lang="en-US" altLang="zh-CN" dirty="0" smtClean="0"/>
+              <a:t>DMA+</a:t>
+            </a:r>
+            <a:r>
+              <a:rPr lang="zh-CN" altLang="en-US" dirty="0" smtClean="0"/>
+              <a:t>双缓冲区</a:t>
+            </a:r>
+            <a:r>
+              <a:rPr lang="en-US" altLang="zh-CN" dirty="0" smtClean="0"/>
+              <a:t>=&gt;</a:t>
+            </a:r>
+            <a:r>
+              <a:rPr lang="zh-CN" altLang="en-US" dirty="0" smtClean="0"/>
+              <a:t>乒乓操作</a:t>
+            </a:r>
+            <a:endParaRPr lang="zh-CN" altLang="en-US" dirty="0"/>
           </a:p>
         </p:txBody>
       </p:sp>
     </p:spTree>
     <p:extLst>
       <p:ext uri="{BB962C8B-B14F-4D97-AF65-F5344CB8AC3E}">
-        <p14:creationId xmlns:p14="http://schemas.microsoft.com/office/powerpoint/2010/main" val="1559814846"/>
+        <p14:creationId xmlns:p14="http://schemas.microsoft.com/office/powerpoint/2010/main" val="596655097"/>
       </p:ext>
     </p:extLst>
   </p:cSld>
@@ -41902,12 +42068,12 @@
               </a:lnSpc>
             </a:pPr>
             <a:r>
-              <a:rPr lang="en-US" altLang="zh-CN" b="1" dirty="0" smtClean="0"/>
-              <a:t>5.5.6</a:t>
+              <a:rPr lang="en-US" altLang="zh-CN" b="1" dirty="0"/>
+              <a:t>5.5.5  </a:t>
             </a:r>
             <a:r>
               <a:rPr lang="zh-CN" altLang="en-US" b="1" dirty="0"/>
-              <a:t>接口部件和地址总线的错位</a:t>
+              <a:t>接口部件和多字节数据总线的</a:t>
             </a:r>
             <a:r>
               <a:rPr lang="zh-CN" altLang="en-US" b="1" dirty="0" smtClean="0"/>
@@ -41918,336 +42084,72 @@
           <a:p>
             <a:pPr>
               <a:lnSpc>
-                <a:spcPct val="80000"/>
+                <a:spcPct val="110000"/>
               </a:lnSpc>
-              <a:buNone/>
-            </a:pPr>
-            <a:r>
-              <a:rPr lang="en-US" altLang="zh-CN" sz="2600" dirty="0"/>
+            </a:pPr>
+            <a:r>
+              <a:rPr lang="en-US" altLang="zh-CN" dirty="0"/>
+              <a:t>CPU</a:t>
+            </a:r>
+            <a:r>
+              <a:rPr lang="zh-CN" altLang="en-US" dirty="0"/>
+              <a:t>的数据总线的位数不断增加，多数外设仍然采用</a:t>
+            </a:r>
+            <a:r>
+              <a:rPr lang="en-US" altLang="zh-CN" dirty="0"/>
               <a:t>8</a:t>
             </a:r>
             <a:r>
-              <a:rPr lang="zh-CN" altLang="en-US" sz="2600" dirty="0"/>
-              <a:t>位接口芯片端口地址：</a:t>
-            </a:r>
-          </a:p>
-          <a:p>
-            <a:pPr lvl="1">
-              <a:lnSpc>
-                <a:spcPct val="80000"/>
-              </a:lnSpc>
-            </a:pPr>
-            <a:r>
-              <a:rPr lang="zh-CN" altLang="en-US" sz="2200" b="1" dirty="0"/>
-              <a:t>奇地址</a:t>
-            </a:r>
-            <a:r>
-              <a:rPr lang="en-US" altLang="zh-CN" sz="2200" b="1" dirty="0"/>
-              <a:t>——</a:t>
-            </a:r>
-            <a:r>
-              <a:rPr lang="zh-CN" altLang="en-US" sz="2200" b="1" dirty="0"/>
-              <a:t>对应控制、模式、同步以及状态寄存器；</a:t>
-            </a:r>
-          </a:p>
-          <a:p>
-            <a:pPr lvl="1">
-              <a:lnSpc>
-                <a:spcPct val="80000"/>
-              </a:lnSpc>
-            </a:pPr>
-            <a:r>
-              <a:rPr lang="zh-CN" altLang="en-US" sz="2200" b="1" dirty="0"/>
-              <a:t>偶地址</a:t>
-            </a:r>
-            <a:r>
-              <a:rPr lang="en-US" altLang="zh-CN" sz="2200" b="1" dirty="0"/>
-              <a:t>——</a:t>
-            </a:r>
-            <a:r>
-              <a:rPr lang="zh-CN" altLang="en-US" sz="2200" b="1" dirty="0"/>
-              <a:t>对应数据输入、输出缓冲器；</a:t>
-            </a:r>
-          </a:p>
-          <a:p>
-            <a:pPr>
-              <a:lnSpc>
-                <a:spcPct val="80000"/>
-              </a:lnSpc>
-              <a:buNone/>
-            </a:pPr>
-            <a:r>
-              <a:rPr lang="en-US" altLang="zh-CN" sz="2600" dirty="0"/>
-              <a:t>16</a:t>
-            </a:r>
-            <a:r>
-              <a:rPr lang="zh-CN" altLang="en-US" sz="2600" dirty="0"/>
-              <a:t>位数据总线：</a:t>
-            </a:r>
-          </a:p>
-          <a:p>
-            <a:pPr lvl="1">
-              <a:lnSpc>
-                <a:spcPct val="80000"/>
-              </a:lnSpc>
-            </a:pPr>
-            <a:r>
-              <a:rPr lang="zh-CN" altLang="en-US" sz="2200" b="1" dirty="0"/>
-              <a:t>低</a:t>
-            </a:r>
-            <a:r>
-              <a:rPr lang="en-US" altLang="zh-CN" sz="2200" b="1" dirty="0"/>
+              <a:rPr lang="zh-CN" altLang="en-US" dirty="0"/>
+              <a:t>位数据宽度，接口部件也是</a:t>
+            </a:r>
+            <a:r>
+              <a:rPr lang="en-US" altLang="zh-CN" dirty="0"/>
               <a:t>8</a:t>
             </a:r>
             <a:r>
-              <a:rPr lang="zh-CN" altLang="en-US" sz="2200" b="1" dirty="0"/>
-              <a:t>位数据线上的数据写入偶地址存储单元或端口；</a:t>
-            </a:r>
-          </a:p>
-          <a:p>
-            <a:pPr lvl="1">
-              <a:lnSpc>
-                <a:spcPct val="80000"/>
-              </a:lnSpc>
-            </a:pPr>
-            <a:r>
-              <a:rPr lang="zh-CN" altLang="en-US" sz="2200" b="1" dirty="0"/>
-              <a:t>高</a:t>
-            </a:r>
-            <a:r>
-              <a:rPr lang="en-US" altLang="zh-CN" sz="2200" b="1" dirty="0"/>
+              <a:rPr lang="zh-CN" altLang="en-US" dirty="0"/>
+              <a:t>位，那么</a:t>
+            </a:r>
+            <a:r>
+              <a:rPr lang="en-US" altLang="zh-CN" dirty="0"/>
               <a:t>8</a:t>
             </a:r>
             <a:r>
-              <a:rPr lang="zh-CN" altLang="en-US" sz="2200" b="1" dirty="0"/>
-              <a:t>位数据线上的数据写入奇地址存储单元或端口；</a:t>
-            </a:r>
-            <a:endParaRPr lang="en-US" altLang="zh-CN" sz="2200" b="1" dirty="0"/>
-          </a:p>
-          <a:p>
-            <a:pPr>
-              <a:lnSpc>
-                <a:spcPct val="80000"/>
-              </a:lnSpc>
-              <a:buNone/>
-            </a:pPr>
-            <a:r>
-              <a:rPr lang="zh-CN" altLang="en-US" sz="2600" dirty="0"/>
-              <a:t>解决方法：</a:t>
-            </a:r>
-          </a:p>
-          <a:p>
-            <a:pPr lvl="1">
-              <a:lnSpc>
-                <a:spcPct val="80000"/>
-              </a:lnSpc>
-            </a:pPr>
-            <a:r>
-              <a:rPr lang="zh-CN" altLang="en-US" sz="2200" b="1" dirty="0"/>
-              <a:t>硬件上，将地址总线的</a:t>
-            </a:r>
-            <a:r>
-              <a:rPr lang="en-US" altLang="zh-CN" sz="2200" b="1" dirty="0">
-                <a:ea typeface="Arial Unicode MS" pitchFamily="34" charset="-122"/>
-              </a:rPr>
-              <a:t>A</a:t>
-            </a:r>
-            <a:r>
-              <a:rPr lang="en-US" altLang="zh-CN" sz="2200" b="1" baseline="-25000" dirty="0">
-                <a:ea typeface="Arial Unicode MS" pitchFamily="34" charset="-122"/>
-              </a:rPr>
-              <a:t>1</a:t>
-            </a:r>
-            <a:r>
-              <a:rPr lang="zh-CN" altLang="en-US" sz="2200" b="1" dirty="0"/>
-              <a:t>与芯片的</a:t>
-            </a:r>
-            <a:r>
-              <a:rPr lang="en-US" altLang="zh-CN" sz="2200" b="1" dirty="0" err="1">
-                <a:ea typeface="Arial Unicode MS" pitchFamily="34" charset="-122"/>
-              </a:rPr>
-              <a:t>A</a:t>
-            </a:r>
-            <a:r>
-              <a:rPr lang="en-US" altLang="zh-CN" sz="2200" b="1" baseline="-25000" dirty="0" err="1">
-                <a:ea typeface="Arial Unicode MS" pitchFamily="34" charset="-122"/>
-              </a:rPr>
-              <a:t>0</a:t>
-            </a:r>
-            <a:r>
-              <a:rPr lang="zh-CN" altLang="en-US" sz="2200" b="1" dirty="0"/>
-              <a:t>相连；</a:t>
-            </a:r>
-          </a:p>
-          <a:p>
-            <a:pPr lvl="1">
-              <a:lnSpc>
-                <a:spcPct val="80000"/>
-              </a:lnSpc>
-            </a:pPr>
-            <a:r>
-              <a:rPr lang="zh-CN" altLang="en-US" sz="2200" b="1" dirty="0"/>
-              <a:t>软件上，用两个连续的偶地址代替奇偶地址；</a:t>
-            </a:r>
-            <a:r>
-              <a:rPr lang="zh-CN" altLang="en-US" sz="2200" b="1" dirty="0">
-                <a:solidFill>
-                  <a:srgbClr val="FF0000"/>
-                </a:solidFill>
-              </a:rPr>
-              <a:t>例</a:t>
-            </a:r>
-            <a:r>
-              <a:rPr lang="en-US" altLang="zh-CN" sz="2200" b="1" dirty="0" err="1">
-                <a:solidFill>
-                  <a:srgbClr val="FF0000"/>
-                </a:solidFill>
-              </a:rPr>
-              <a:t>86H</a:t>
-            </a:r>
-            <a:r>
-              <a:rPr lang="zh-CN" altLang="en-US" sz="2200" b="1" dirty="0">
-                <a:solidFill>
-                  <a:srgbClr val="FF0000"/>
-                </a:solidFill>
-              </a:rPr>
-              <a:t>和</a:t>
-            </a:r>
-            <a:r>
-              <a:rPr lang="en-US" altLang="zh-CN" sz="2200" b="1" dirty="0" err="1">
-                <a:solidFill>
-                  <a:srgbClr val="FF0000"/>
-                </a:solidFill>
-              </a:rPr>
-              <a:t>84H</a:t>
-            </a:r>
-            <a:endParaRPr lang="en-US" altLang="zh-CN" sz="2200" b="1" dirty="0">
-              <a:solidFill>
-                <a:srgbClr val="FF0000"/>
-              </a:solidFill>
-            </a:endParaRPr>
-          </a:p>
-          <a:p>
-            <a:pPr>
-              <a:lnSpc>
-                <a:spcPct val="80000"/>
-              </a:lnSpc>
-              <a:buNone/>
-            </a:pPr>
-            <a:r>
-              <a:rPr lang="en-US" altLang="zh-CN" sz="2600" dirty="0"/>
-              <a:t>32</a:t>
-            </a:r>
-            <a:r>
-              <a:rPr lang="zh-CN" altLang="en-US" sz="2600" dirty="0"/>
-              <a:t>位数据总线解决方法：</a:t>
-            </a:r>
-          </a:p>
-          <a:p>
-            <a:pPr lvl="1">
-              <a:lnSpc>
-                <a:spcPct val="80000"/>
-              </a:lnSpc>
-            </a:pPr>
-            <a:r>
-              <a:rPr lang="zh-CN" altLang="en-US" sz="2200" b="1" dirty="0"/>
-              <a:t>硬件上，将地址总线的</a:t>
-            </a:r>
-            <a:r>
-              <a:rPr lang="en-US" altLang="zh-CN" sz="2200" b="1" dirty="0" err="1">
-                <a:ea typeface="Arial Unicode MS" pitchFamily="34" charset="-122"/>
-              </a:rPr>
-              <a:t>A</a:t>
-            </a:r>
-            <a:r>
-              <a:rPr lang="en-US" altLang="zh-CN" sz="2200" b="1" baseline="-25000" dirty="0" err="1">
-                <a:ea typeface="Arial Unicode MS" pitchFamily="34" charset="-122"/>
-              </a:rPr>
-              <a:t>3</a:t>
-            </a:r>
-            <a:r>
-              <a:rPr lang="zh-CN" altLang="en-US" sz="2200" b="1" dirty="0"/>
-              <a:t>与芯片的</a:t>
-            </a:r>
-            <a:r>
-              <a:rPr lang="en-US" altLang="zh-CN" sz="2200" b="1" dirty="0" err="1">
-                <a:ea typeface="Arial Unicode MS" pitchFamily="34" charset="-122"/>
-              </a:rPr>
-              <a:t>A</a:t>
-            </a:r>
-            <a:r>
-              <a:rPr lang="en-US" altLang="zh-CN" sz="2200" b="1" baseline="-25000" dirty="0" err="1">
-                <a:ea typeface="Arial Unicode MS" pitchFamily="34" charset="-122"/>
-              </a:rPr>
-              <a:t>0</a:t>
-            </a:r>
-            <a:r>
-              <a:rPr lang="zh-CN" altLang="en-US" sz="2200" b="1" dirty="0"/>
-              <a:t>相连；</a:t>
-            </a:r>
-          </a:p>
-          <a:p>
-            <a:pPr lvl="1">
-              <a:lnSpc>
-                <a:spcPct val="80000"/>
-              </a:lnSpc>
-            </a:pPr>
-            <a:r>
-              <a:rPr lang="zh-CN" altLang="en-US" sz="2200" b="1" dirty="0"/>
-              <a:t>软件上，用两个偶地址（至少相差</a:t>
-            </a:r>
-            <a:r>
-              <a:rPr lang="en-US" altLang="zh-CN" sz="2200" b="1" dirty="0"/>
+              <a:rPr lang="zh-CN" altLang="en-US" dirty="0"/>
+              <a:t>位接口芯片的数据线怎样和计算机系统的多字节数据总线连接？</a:t>
+            </a:r>
+          </a:p>
+          <a:p>
+            <a:pPr lvl="1"/>
+            <a:r>
+              <a:rPr lang="en-US" altLang="zh-CN" dirty="0"/>
+              <a:t>I/O</a:t>
+            </a:r>
+            <a:r>
+              <a:rPr lang="zh-CN" altLang="en-US" dirty="0"/>
+              <a:t>部件常常连在低</a:t>
+            </a:r>
+            <a:r>
+              <a:rPr lang="en-US" altLang="zh-CN" dirty="0"/>
               <a:t>8</a:t>
             </a:r>
             <a:r>
-              <a:rPr lang="zh-CN" altLang="en-US" sz="2200" b="1" dirty="0"/>
-              <a:t>）代替奇偶地址；</a:t>
-            </a:r>
-            <a:r>
-              <a:rPr lang="zh-CN" altLang="en-US" sz="2200" b="1" dirty="0">
-                <a:solidFill>
-                  <a:srgbClr val="FF0000"/>
-                </a:solidFill>
-              </a:rPr>
-              <a:t>例</a:t>
-            </a:r>
-            <a:r>
-              <a:rPr lang="en-US" altLang="zh-CN" sz="2200" b="1" dirty="0" err="1">
-                <a:solidFill>
-                  <a:srgbClr val="FF0000"/>
-                </a:solidFill>
-              </a:rPr>
-              <a:t>0080H</a:t>
-            </a:r>
-            <a:r>
-              <a:rPr lang="zh-CN" altLang="en-US" sz="2200" b="1" dirty="0">
-                <a:solidFill>
-                  <a:srgbClr val="FF0000"/>
-                </a:solidFill>
-              </a:rPr>
-              <a:t>和</a:t>
-            </a:r>
-            <a:r>
-              <a:rPr lang="en-US" altLang="zh-CN" sz="2200" b="1" dirty="0" err="1">
-                <a:solidFill>
-                  <a:srgbClr val="FF0000"/>
-                </a:solidFill>
-              </a:rPr>
-              <a:t>0088H</a:t>
-            </a:r>
-            <a:endParaRPr lang="en-US" altLang="zh-CN" sz="2200" dirty="0">
-              <a:solidFill>
-                <a:srgbClr val="FF0000"/>
-              </a:solidFill>
-            </a:endParaRPr>
+              <a:rPr lang="zh-CN" altLang="en-US" dirty="0"/>
+              <a:t>位数据总线</a:t>
+            </a:r>
+            <a:r>
+              <a:rPr lang="zh-CN" altLang="en-US" dirty="0" smtClean="0"/>
+              <a:t>上。</a:t>
+            </a:r>
+            <a:endParaRPr lang="en-US" altLang="zh-CN" dirty="0"/>
           </a:p>
         </p:txBody>
       </p:sp>
     </p:spTree>
     <p:extLst>
       <p:ext uri="{BB962C8B-B14F-4D97-AF65-F5344CB8AC3E}">
-        <p14:creationId xmlns:p14="http://schemas.microsoft.com/office/powerpoint/2010/main" val="3089844971"/>
+        <p14:creationId xmlns:p14="http://schemas.microsoft.com/office/powerpoint/2010/main" val="1559814846"/>
       </p:ext>
     </p:extLst>
   </p:cSld>
@@ -42382,74 +42284,352 @@
               </a:lnSpc>
             </a:pPr>
             <a:r>
-              <a:rPr lang="zh-CN" altLang="en-US" dirty="0" smtClean="0"/>
-              <a:t>思考题</a:t>
-            </a:r>
-            <a:endParaRPr lang="en-US" altLang="zh-CN" dirty="0" smtClean="0"/>
-          </a:p>
-          <a:p>
-            <a:pPr marL="400050" indent="-400050">
-              <a:buFont typeface="Wingdings" panose="05000000000000000000" pitchFamily="2" charset="2"/>
-              <a:buAutoNum type="arabicPeriod"/>
-            </a:pPr>
-            <a:r>
-              <a:rPr lang="zh-CN" altLang="en-US" dirty="0"/>
-              <a:t>什么是接口？为什么计算机内一定要配置接口？ </a:t>
-            </a:r>
-          </a:p>
-          <a:p>
-            <a:pPr marL="400050" indent="-400050">
-              <a:buFont typeface="Wingdings" panose="05000000000000000000" pitchFamily="2" charset="2"/>
-              <a:buAutoNum type="arabicPeriod"/>
-            </a:pPr>
-            <a:r>
-              <a:rPr lang="zh-CN" altLang="en-US" dirty="0"/>
-              <a:t>什么是端口？</a:t>
-            </a:r>
-            <a:r>
-              <a:rPr lang="en-US" altLang="zh-CN" dirty="0"/>
-              <a:t>I/O</a:t>
-            </a:r>
-            <a:r>
-              <a:rPr lang="zh-CN" altLang="en-US" dirty="0"/>
-              <a:t>端口的编址方式有哪几种？各有何特点？各适用于何种场合？</a:t>
-            </a:r>
-          </a:p>
-          <a:p>
-            <a:pPr marL="400050" indent="-400050">
-              <a:buFont typeface="Wingdings" panose="05000000000000000000" pitchFamily="2" charset="2"/>
-              <a:buAutoNum type="arabicPeriod"/>
-            </a:pPr>
-            <a:r>
-              <a:rPr lang="en-US" altLang="zh-CN" dirty="0"/>
-              <a:t>CPU</a:t>
-            </a:r>
-            <a:r>
-              <a:rPr lang="zh-CN" altLang="en-US" dirty="0"/>
-              <a:t>与输入输出设备之间传送的信息有哪几类？相应的端口称作什么端口？</a:t>
-            </a:r>
-          </a:p>
-          <a:p>
-            <a:pPr marL="400050" indent="-400050">
-              <a:buFont typeface="Wingdings" panose="05000000000000000000" pitchFamily="2" charset="2"/>
-              <a:buAutoNum type="arabicPeriod"/>
-            </a:pPr>
-            <a:r>
-              <a:rPr lang="en-US" altLang="zh-CN" dirty="0"/>
-              <a:t>CPU</a:t>
-            </a:r>
-            <a:r>
-              <a:rPr lang="zh-CN" altLang="en-US" dirty="0"/>
-              <a:t>和外设之间的数据传送方式有哪几种？无条件传送方式通常用在哪些场合？</a:t>
-            </a:r>
-            <a:endParaRPr lang="zh-CN" altLang="en-US" dirty="0"/>
+              <a:rPr lang="en-US" altLang="zh-CN" b="1" dirty="0" smtClean="0"/>
+              <a:t>5.5.6</a:t>
+            </a:r>
+            <a:r>
+              <a:rPr lang="zh-CN" altLang="en-US" b="1" dirty="0"/>
+              <a:t>接口部件和地址总线的错位</a:t>
+            </a:r>
+            <a:r>
+              <a:rPr lang="zh-CN" altLang="en-US" b="1" dirty="0" smtClean="0"/>
+              <a:t>连接</a:t>
+            </a:r>
+            <a:endParaRPr lang="en-US" altLang="zh-CN" b="1" dirty="0" smtClean="0"/>
+          </a:p>
+          <a:p>
+            <a:pPr>
+              <a:lnSpc>
+                <a:spcPct val="80000"/>
+              </a:lnSpc>
+              <a:buNone/>
+            </a:pPr>
+            <a:r>
+              <a:rPr lang="en-US" altLang="zh-CN" sz="2600" dirty="0"/>
+              <a:t>8</a:t>
+            </a:r>
+            <a:r>
+              <a:rPr lang="zh-CN" altLang="en-US" sz="2600" dirty="0"/>
+              <a:t>位接口芯片端口地址：</a:t>
+            </a:r>
+          </a:p>
+          <a:p>
+            <a:pPr lvl="1">
+              <a:lnSpc>
+                <a:spcPct val="80000"/>
+              </a:lnSpc>
+            </a:pPr>
+            <a:r>
+              <a:rPr lang="zh-CN" altLang="en-US" sz="2200" b="1" dirty="0"/>
+              <a:t>奇地址</a:t>
+            </a:r>
+            <a:r>
+              <a:rPr lang="en-US" altLang="zh-CN" sz="2200" b="1" dirty="0"/>
+              <a:t>——</a:t>
+            </a:r>
+            <a:r>
+              <a:rPr lang="zh-CN" altLang="en-US" sz="2200" b="1" dirty="0"/>
+              <a:t>对应控制、模式、同步以及状态寄存器；</a:t>
+            </a:r>
+          </a:p>
+          <a:p>
+            <a:pPr lvl="1">
+              <a:lnSpc>
+                <a:spcPct val="80000"/>
+              </a:lnSpc>
+            </a:pPr>
+            <a:r>
+              <a:rPr lang="zh-CN" altLang="en-US" sz="2200" b="1" dirty="0"/>
+              <a:t>偶地址</a:t>
+            </a:r>
+            <a:r>
+              <a:rPr lang="en-US" altLang="zh-CN" sz="2200" b="1" dirty="0"/>
+              <a:t>——</a:t>
+            </a:r>
+            <a:r>
+              <a:rPr lang="zh-CN" altLang="en-US" sz="2200" b="1" dirty="0"/>
+              <a:t>对应数据输入、输出缓冲器；</a:t>
+            </a:r>
+          </a:p>
+          <a:p>
+            <a:pPr>
+              <a:lnSpc>
+                <a:spcPct val="80000"/>
+              </a:lnSpc>
+              <a:buNone/>
+            </a:pPr>
+            <a:r>
+              <a:rPr lang="en-US" altLang="zh-CN" sz="2600" dirty="0"/>
+              <a:t>16</a:t>
+            </a:r>
+            <a:r>
+              <a:rPr lang="zh-CN" altLang="en-US" sz="2600" dirty="0"/>
+              <a:t>位数据总线：</a:t>
+            </a:r>
+          </a:p>
+          <a:p>
+            <a:pPr lvl="1">
+              <a:lnSpc>
+                <a:spcPct val="80000"/>
+              </a:lnSpc>
+            </a:pPr>
+            <a:r>
+              <a:rPr lang="zh-CN" altLang="en-US" sz="2200" b="1" dirty="0"/>
+              <a:t>低</a:t>
+            </a:r>
+            <a:r>
+              <a:rPr lang="en-US" altLang="zh-CN" sz="2200" b="1" dirty="0"/>
+              <a:t>8</a:t>
+            </a:r>
+            <a:r>
+              <a:rPr lang="zh-CN" altLang="en-US" sz="2200" b="1" dirty="0"/>
+              <a:t>位数据线上的数据写入偶地址存储单元或端口；</a:t>
+            </a:r>
+          </a:p>
+          <a:p>
+            <a:pPr lvl="1">
+              <a:lnSpc>
+                <a:spcPct val="80000"/>
+              </a:lnSpc>
+            </a:pPr>
+            <a:r>
+              <a:rPr lang="zh-CN" altLang="en-US" sz="2200" b="1" dirty="0"/>
+              <a:t>高</a:t>
+            </a:r>
+            <a:r>
+              <a:rPr lang="en-US" altLang="zh-CN" sz="2200" b="1" dirty="0"/>
+              <a:t>8</a:t>
+            </a:r>
+            <a:r>
+              <a:rPr lang="zh-CN" altLang="en-US" sz="2200" b="1" dirty="0"/>
+              <a:t>位数据线上的数据写入奇地址存储单元或端口；</a:t>
+            </a:r>
+            <a:endParaRPr lang="en-US" altLang="zh-CN" sz="2200" b="1" dirty="0"/>
+          </a:p>
+          <a:p>
+            <a:pPr>
+              <a:lnSpc>
+                <a:spcPct val="80000"/>
+              </a:lnSpc>
+              <a:buNone/>
+            </a:pPr>
+            <a:r>
+              <a:rPr lang="zh-CN" altLang="en-US" sz="2600" dirty="0"/>
+              <a:t>解决方法：</a:t>
+            </a:r>
+          </a:p>
+          <a:p>
+            <a:pPr lvl="1">
+              <a:lnSpc>
+                <a:spcPct val="80000"/>
+              </a:lnSpc>
+            </a:pPr>
+            <a:r>
+              <a:rPr lang="zh-CN" altLang="en-US" sz="2200" b="1" dirty="0"/>
+              <a:t>硬件上，将地址总线的</a:t>
+            </a:r>
+            <a:r>
+              <a:rPr lang="en-US" altLang="zh-CN" sz="2200" b="1" dirty="0">
+                <a:ea typeface="Arial Unicode MS" pitchFamily="34" charset="-122"/>
+              </a:rPr>
+              <a:t>A</a:t>
+            </a:r>
+            <a:r>
+              <a:rPr lang="en-US" altLang="zh-CN" sz="2200" b="1" baseline="-25000" dirty="0">
+                <a:ea typeface="Arial Unicode MS" pitchFamily="34" charset="-122"/>
+              </a:rPr>
+              <a:t>1</a:t>
+            </a:r>
+            <a:r>
+              <a:rPr lang="zh-CN" altLang="en-US" sz="2200" b="1" dirty="0"/>
+              <a:t>与芯片的</a:t>
+            </a:r>
+            <a:r>
+              <a:rPr lang="en-US" altLang="zh-CN" sz="2200" b="1" dirty="0" err="1">
+                <a:ea typeface="Arial Unicode MS" pitchFamily="34" charset="-122"/>
+              </a:rPr>
+              <a:t>A</a:t>
+            </a:r>
+            <a:r>
+              <a:rPr lang="en-US" altLang="zh-CN" sz="2200" b="1" baseline="-25000" dirty="0" err="1">
+                <a:ea typeface="Arial Unicode MS" pitchFamily="34" charset="-122"/>
+              </a:rPr>
+              <a:t>0</a:t>
+            </a:r>
+            <a:r>
+              <a:rPr lang="zh-CN" altLang="en-US" sz="2200" b="1" dirty="0"/>
+              <a:t>相连；</a:t>
+            </a:r>
+          </a:p>
+          <a:p>
+            <a:pPr lvl="1">
+              <a:lnSpc>
+                <a:spcPct val="80000"/>
+              </a:lnSpc>
+            </a:pPr>
+            <a:r>
+              <a:rPr lang="zh-CN" altLang="en-US" sz="2200" b="1" dirty="0"/>
+              <a:t>软件上，用两个连续的偶地址代替奇偶地址；</a:t>
+            </a:r>
+            <a:r>
+              <a:rPr lang="zh-CN" altLang="en-US" sz="2200" b="1" dirty="0">
+                <a:solidFill>
+                  <a:srgbClr val="FF0000"/>
+                </a:solidFill>
+              </a:rPr>
+              <a:t>例</a:t>
+            </a:r>
+            <a:r>
+              <a:rPr lang="en-US" altLang="zh-CN" sz="2200" b="1" dirty="0" err="1">
+                <a:solidFill>
+                  <a:srgbClr val="FF0000"/>
+                </a:solidFill>
+              </a:rPr>
+              <a:t>86H</a:t>
+            </a:r>
+            <a:r>
+              <a:rPr lang="zh-CN" altLang="en-US" sz="2200" b="1" dirty="0">
+                <a:solidFill>
+                  <a:srgbClr val="FF0000"/>
+                </a:solidFill>
+              </a:rPr>
+              <a:t>和</a:t>
+            </a:r>
+            <a:r>
+              <a:rPr lang="en-US" altLang="zh-CN" sz="2200" b="1" dirty="0" err="1">
+                <a:solidFill>
+                  <a:srgbClr val="FF0000"/>
+                </a:solidFill>
+              </a:rPr>
+              <a:t>84H</a:t>
+            </a:r>
+            <a:endParaRPr lang="en-US" altLang="zh-CN" sz="2200" b="1" dirty="0">
+              <a:solidFill>
+                <a:srgbClr val="FF0000"/>
+              </a:solidFill>
+            </a:endParaRPr>
+          </a:p>
+          <a:p>
+            <a:pPr>
+              <a:lnSpc>
+                <a:spcPct val="80000"/>
+              </a:lnSpc>
+              <a:buNone/>
+            </a:pPr>
+            <a:r>
+              <a:rPr lang="en-US" altLang="zh-CN" sz="2600" dirty="0"/>
+              <a:t>32</a:t>
+            </a:r>
+            <a:r>
+              <a:rPr lang="zh-CN" altLang="en-US" sz="2600" dirty="0"/>
+              <a:t>位数据总线解决方法：</a:t>
+            </a:r>
+          </a:p>
+          <a:p>
+            <a:pPr lvl="1">
+              <a:lnSpc>
+                <a:spcPct val="80000"/>
+              </a:lnSpc>
+            </a:pPr>
+            <a:r>
+              <a:rPr lang="zh-CN" altLang="en-US" sz="2200" b="1" dirty="0"/>
+              <a:t>硬件上，将地址总线的</a:t>
+            </a:r>
+            <a:r>
+              <a:rPr lang="en-US" altLang="zh-CN" sz="2200" b="1" dirty="0" err="1">
+                <a:ea typeface="Arial Unicode MS" pitchFamily="34" charset="-122"/>
+              </a:rPr>
+              <a:t>A</a:t>
+            </a:r>
+            <a:r>
+              <a:rPr lang="en-US" altLang="zh-CN" sz="2200" b="1" baseline="-25000" dirty="0" err="1">
+                <a:ea typeface="Arial Unicode MS" pitchFamily="34" charset="-122"/>
+              </a:rPr>
+              <a:t>3</a:t>
+            </a:r>
+            <a:r>
+              <a:rPr lang="zh-CN" altLang="en-US" sz="2200" b="1" dirty="0"/>
+              <a:t>与芯片的</a:t>
+            </a:r>
+            <a:r>
+              <a:rPr lang="en-US" altLang="zh-CN" sz="2200" b="1" dirty="0" err="1">
+                <a:ea typeface="Arial Unicode MS" pitchFamily="34" charset="-122"/>
+              </a:rPr>
+              <a:t>A</a:t>
+            </a:r>
+            <a:r>
+              <a:rPr lang="en-US" altLang="zh-CN" sz="2200" b="1" baseline="-25000" dirty="0" err="1">
+                <a:ea typeface="Arial Unicode MS" pitchFamily="34" charset="-122"/>
+              </a:rPr>
+              <a:t>0</a:t>
+            </a:r>
+            <a:r>
+              <a:rPr lang="zh-CN" altLang="en-US" sz="2200" b="1" dirty="0"/>
+              <a:t>相连；</a:t>
+            </a:r>
+          </a:p>
+          <a:p>
+            <a:pPr lvl="1">
+              <a:lnSpc>
+                <a:spcPct val="80000"/>
+              </a:lnSpc>
+            </a:pPr>
+            <a:r>
+              <a:rPr lang="zh-CN" altLang="en-US" sz="2200" b="1" dirty="0"/>
+              <a:t>软件上，用两个偶地址（至少相差</a:t>
+            </a:r>
+            <a:r>
+              <a:rPr lang="en-US" altLang="zh-CN" sz="2200" b="1" dirty="0"/>
+              <a:t>8</a:t>
+            </a:r>
+            <a:r>
+              <a:rPr lang="zh-CN" altLang="en-US" sz="2200" b="1" dirty="0"/>
+              <a:t>）代替奇偶地址；</a:t>
+            </a:r>
+            <a:r>
+              <a:rPr lang="zh-CN" altLang="en-US" sz="2200" b="1" dirty="0">
+                <a:solidFill>
+                  <a:srgbClr val="FF0000"/>
+                </a:solidFill>
+              </a:rPr>
+              <a:t>例</a:t>
+            </a:r>
+            <a:r>
+              <a:rPr lang="en-US" altLang="zh-CN" sz="2200" b="1" dirty="0" err="1">
+                <a:solidFill>
+                  <a:srgbClr val="FF0000"/>
+                </a:solidFill>
+              </a:rPr>
+              <a:t>0080H</a:t>
+            </a:r>
+            <a:r>
+              <a:rPr lang="zh-CN" altLang="en-US" sz="2200" b="1" dirty="0">
+                <a:solidFill>
+                  <a:srgbClr val="FF0000"/>
+                </a:solidFill>
+              </a:rPr>
+              <a:t>和</a:t>
+            </a:r>
+            <a:r>
+              <a:rPr lang="en-US" altLang="zh-CN" sz="2200" b="1" dirty="0" err="1">
+                <a:solidFill>
+                  <a:srgbClr val="FF0000"/>
+                </a:solidFill>
+              </a:rPr>
+              <a:t>0088H</a:t>
+            </a:r>
+            <a:endParaRPr lang="en-US" altLang="zh-CN" sz="2200" dirty="0">
+              <a:solidFill>
+                <a:srgbClr val="FF0000"/>
+              </a:solidFill>
+            </a:endParaRPr>
           </a:p>
         </p:txBody>
       </p:sp>
     </p:spTree>
     <p:extLst>
       <p:ext uri="{BB962C8B-B14F-4D97-AF65-F5344CB8AC3E}">
-        <p14:creationId xmlns:p14="http://schemas.microsoft.com/office/powerpoint/2010/main" val="3941277351"/>
+        <p14:creationId xmlns:p14="http://schemas.microsoft.com/office/powerpoint/2010/main" val="3089844971"/>
       </p:ext>
     </p:extLst>
   </p:cSld>
@@ -42590,6 +42770,207 @@
             <a:endParaRPr lang="en-US" altLang="zh-CN" dirty="0" smtClean="0"/>
           </a:p>
           <a:p>
+            <a:pPr marL="400050" indent="-400050">
+              <a:buFont typeface="Wingdings" panose="05000000000000000000" pitchFamily="2" charset="2"/>
+              <a:buAutoNum type="arabicPeriod"/>
+            </a:pPr>
+            <a:r>
+              <a:rPr lang="zh-CN" altLang="en-US" dirty="0"/>
+              <a:t>什么是接口？为什么计算机内一定要配置接口？ </a:t>
+            </a:r>
+          </a:p>
+          <a:p>
+            <a:pPr marL="400050" indent="-400050">
+              <a:buFont typeface="Wingdings" panose="05000000000000000000" pitchFamily="2" charset="2"/>
+              <a:buAutoNum type="arabicPeriod"/>
+            </a:pPr>
+            <a:r>
+              <a:rPr lang="zh-CN" altLang="en-US" dirty="0"/>
+              <a:t>什么是端口？</a:t>
+            </a:r>
+            <a:r>
+              <a:rPr lang="en-US" altLang="zh-CN" dirty="0"/>
+              <a:t>I/O</a:t>
+            </a:r>
+            <a:r>
+              <a:rPr lang="zh-CN" altLang="en-US" dirty="0"/>
+              <a:t>端口的编址方式有哪几种？各有何特点？各适用于何种场合？</a:t>
+            </a:r>
+          </a:p>
+          <a:p>
+            <a:pPr marL="400050" indent="-400050">
+              <a:buFont typeface="Wingdings" panose="05000000000000000000" pitchFamily="2" charset="2"/>
+              <a:buAutoNum type="arabicPeriod"/>
+            </a:pPr>
+            <a:r>
+              <a:rPr lang="en-US" altLang="zh-CN" dirty="0"/>
+              <a:t>CPU</a:t>
+            </a:r>
+            <a:r>
+              <a:rPr lang="zh-CN" altLang="en-US" dirty="0"/>
+              <a:t>与输入输出设备之间传送的信息有哪几类？相应的端口称作什么端口？</a:t>
+            </a:r>
+          </a:p>
+          <a:p>
+            <a:pPr marL="400050" indent="-400050">
+              <a:buFont typeface="Wingdings" panose="05000000000000000000" pitchFamily="2" charset="2"/>
+              <a:buAutoNum type="arabicPeriod"/>
+            </a:pPr>
+            <a:r>
+              <a:rPr lang="en-US" altLang="zh-CN" dirty="0"/>
+              <a:t>CPU</a:t>
+            </a:r>
+            <a:r>
+              <a:rPr lang="zh-CN" altLang="en-US" dirty="0"/>
+              <a:t>和外设之间的数据传送方式有哪几种？无条件传送方式通常用在哪些场合？</a:t>
+            </a:r>
+          </a:p>
+        </p:txBody>
+      </p:sp>
+    </p:spTree>
+    <p:extLst>
+      <p:ext uri="{BB962C8B-B14F-4D97-AF65-F5344CB8AC3E}">
+        <p14:creationId xmlns:p14="http://schemas.microsoft.com/office/powerpoint/2010/main" val="3941277351"/>
+      </p:ext>
+    </p:extLst>
+  </p:cSld>
+  <p:clrMapOvr>
+    <a:masterClrMapping/>
+  </p:clrMapOvr>
+  <mc:AlternateContent xmlns:mc="http://schemas.openxmlformats.org/markup-compatibility/2006" xmlns:p14="http://schemas.microsoft.com/office/powerpoint/2010/main">
+    <mc:Choice Requires="p14">
+      <p:transition spd="med" p14:dur="700">
+        <p:fade/>
+      </p:transition>
+    </mc:Choice>
+    <mc:Fallback xmlns="">
+      <p:transition spd="med">
+        <p:fade/>
+      </p:transition>
+    </mc:Fallback>
+  </mc:AlternateContent>
+  <p:timing>
+    <p:tnLst>
+      <p:par>
+        <p:cTn id="1" dur="indefinite" restart="never" nodeType="tmRoot"/>
+      </p:par>
+    </p:tnLst>
+  </p:timing>
+</p:sld>
+</file>
+
+<file path=ppt/slides/slide84.xml><?xml version="1.0" encoding="utf-8"?>
+<p:sld xmlns:a="http://schemas.openxmlformats.org/drawingml/2006/main" xmlns:r="http://schemas.openxmlformats.org/officeDocument/2006/relationships" xmlns:p="http://schemas.openxmlformats.org/presentationml/2006/main">
+  <p:cSld>
+    <p:spTree>
+      <p:nvGrpSpPr>
+        <p:cNvPr id="1" name=""/>
+        <p:cNvGrpSpPr/>
+        <p:nvPr/>
+      </p:nvGrpSpPr>
+      <p:grpSpPr>
+        <a:xfrm>
+          <a:off x="0" y="0"/>
+          <a:ext cx="0" cy="0"/>
+          <a:chOff x="0" y="0"/>
+          <a:chExt cx="0" cy="0"/>
+        </a:xfrm>
+      </p:grpSpPr>
+      <p:sp>
+        <p:nvSpPr>
+          <p:cNvPr id="18434" name="Rectangle 2"/>
+          <p:cNvSpPr>
+            <a:spLocks noGrp="1" noChangeArrowheads="1"/>
+          </p:cNvSpPr>
+          <p:nvPr>
+            <p:ph type="title"/>
+          </p:nvPr>
+        </p:nvSpPr>
+        <p:spPr/>
+        <p:txBody>
+          <a:bodyPr/>
+          <a:lstStyle/>
+          <a:p>
+            <a:pPr eaLnBrk="1" hangingPunct="1">
+              <a:buFont typeface="Wingdings" panose="05000000000000000000" pitchFamily="2" charset="2"/>
+              <a:buNone/>
+            </a:pPr>
+            <a:r>
+              <a:rPr lang="en-US" altLang="zh-CN" dirty="0" smtClean="0"/>
+              <a:t>5.5  </a:t>
+            </a:r>
+            <a:r>
+              <a:rPr lang="en-US" altLang="zh-CN" dirty="0"/>
+              <a:t>CPU</a:t>
+            </a:r>
+            <a:r>
+              <a:rPr lang="zh-CN" altLang="en-US" dirty="0"/>
+              <a:t>和外设之间的数据传送方式</a:t>
+            </a:r>
+          </a:p>
+        </p:txBody>
+      </p:sp>
+      <p:sp>
+        <p:nvSpPr>
+          <p:cNvPr id="2" name="灯片编号占位符 1"/>
+          <p:cNvSpPr>
+            <a:spLocks noGrp="1"/>
+          </p:cNvSpPr>
+          <p:nvPr>
+            <p:ph type="sldNum" sz="quarter" idx="12"/>
+          </p:nvPr>
+        </p:nvSpPr>
+        <p:spPr/>
+        <p:txBody>
+          <a:bodyPr/>
+          <a:lstStyle/>
+          <a:p>
+            <a:pPr>
+              <a:defRPr/>
+            </a:pPr>
+            <a:fld id="{BC120BD5-977A-42A5-BBAD-59A61BB20C95}" type="slidenum">
+              <a:rPr lang="en-US" altLang="zh-CN" smtClean="0"/>
+              <a:pPr>
+                <a:defRPr/>
+              </a:pPr>
+              <a:t>84</a:t>
+            </a:fld>
+            <a:endParaRPr lang="en-US" altLang="zh-CN" dirty="0"/>
+          </a:p>
+        </p:txBody>
+      </p:sp>
+      <p:sp>
+        <p:nvSpPr>
+          <p:cNvPr id="3" name="内容占位符 2"/>
+          <p:cNvSpPr>
+            <a:spLocks noGrp="1"/>
+          </p:cNvSpPr>
+          <p:nvPr>
+            <p:ph idx="1"/>
+          </p:nvPr>
+        </p:nvSpPr>
+        <p:spPr>
+          <a:xfrm>
+            <a:off x="609600" y="1052736"/>
+            <a:ext cx="7958138" cy="4933027"/>
+          </a:xfrm>
+        </p:spPr>
+        <p:txBody>
+          <a:bodyPr/>
+          <a:lstStyle/>
+          <a:p>
+            <a:pPr marL="287337" indent="-457200">
+              <a:lnSpc>
+                <a:spcPct val="120000"/>
+              </a:lnSpc>
+            </a:pPr>
+            <a:r>
+              <a:rPr lang="zh-CN" altLang="en-US" dirty="0" smtClean="0"/>
+              <a:t>思考题</a:t>
+            </a:r>
+            <a:endParaRPr lang="en-US" altLang="zh-CN" dirty="0" smtClean="0"/>
+          </a:p>
+          <a:p>
             <a:pPr marL="571500" indent="-571500">
               <a:spcBef>
                 <a:spcPts val="0"/>
@@ -42673,7 +43054,6 @@
               <a:rPr lang="zh-CN" altLang="en-US" dirty="0"/>
               <a:t>的主要特点是什么？</a:t>
             </a:r>
-            <a:endParaRPr lang="zh-CN" altLang="en-US" dirty="0"/>
           </a:p>
         </p:txBody>
       </p:sp>
